--- a/Module 1 - Principles You Need to Know.pptx
+++ b/Module 1 - Principles You Need to Know.pptx
@@ -5,40 +5,41 @@
     <p:sldMasterId id="2147483648" r:id="rId1"/>
   </p:sldMasterIdLst>
   <p:notesMasterIdLst>
-    <p:notesMasterId r:id="rId33"/>
+    <p:notesMasterId r:id="rId34"/>
   </p:notesMasterIdLst>
   <p:sldIdLst>
     <p:sldId id="256" r:id="rId2"/>
     <p:sldId id="277" r:id="rId3"/>
     <p:sldId id="276" r:id="rId4"/>
-    <p:sldId id="286" r:id="rId5"/>
-    <p:sldId id="279" r:id="rId6"/>
+    <p:sldId id="279" r:id="rId5"/>
+    <p:sldId id="286" r:id="rId6"/>
     <p:sldId id="281" r:id="rId7"/>
     <p:sldId id="282" r:id="rId8"/>
     <p:sldId id="280" r:id="rId9"/>
     <p:sldId id="459" r:id="rId10"/>
-    <p:sldId id="278" r:id="rId11"/>
-    <p:sldId id="460" r:id="rId12"/>
-    <p:sldId id="466" r:id="rId13"/>
-    <p:sldId id="467" r:id="rId14"/>
-    <p:sldId id="284" r:id="rId15"/>
-    <p:sldId id="261" r:id="rId16"/>
-    <p:sldId id="266" r:id="rId17"/>
-    <p:sldId id="267" r:id="rId18"/>
-    <p:sldId id="268" r:id="rId19"/>
-    <p:sldId id="269" r:id="rId20"/>
-    <p:sldId id="270" r:id="rId21"/>
-    <p:sldId id="260" r:id="rId22"/>
-    <p:sldId id="271" r:id="rId23"/>
-    <p:sldId id="272" r:id="rId24"/>
-    <p:sldId id="273" r:id="rId25"/>
-    <p:sldId id="283" r:id="rId26"/>
-    <p:sldId id="468" r:id="rId27"/>
-    <p:sldId id="461" r:id="rId28"/>
-    <p:sldId id="465" r:id="rId29"/>
-    <p:sldId id="464" r:id="rId30"/>
-    <p:sldId id="462" r:id="rId31"/>
-    <p:sldId id="463" r:id="rId32"/>
+    <p:sldId id="469" r:id="rId11"/>
+    <p:sldId id="278" r:id="rId12"/>
+    <p:sldId id="460" r:id="rId13"/>
+    <p:sldId id="466" r:id="rId14"/>
+    <p:sldId id="467" r:id="rId15"/>
+    <p:sldId id="284" r:id="rId16"/>
+    <p:sldId id="261" r:id="rId17"/>
+    <p:sldId id="266" r:id="rId18"/>
+    <p:sldId id="267" r:id="rId19"/>
+    <p:sldId id="268" r:id="rId20"/>
+    <p:sldId id="269" r:id="rId21"/>
+    <p:sldId id="270" r:id="rId22"/>
+    <p:sldId id="260" r:id="rId23"/>
+    <p:sldId id="271" r:id="rId24"/>
+    <p:sldId id="272" r:id="rId25"/>
+    <p:sldId id="273" r:id="rId26"/>
+    <p:sldId id="283" r:id="rId27"/>
+    <p:sldId id="468" r:id="rId28"/>
+    <p:sldId id="461" r:id="rId29"/>
+    <p:sldId id="465" r:id="rId30"/>
+    <p:sldId id="464" r:id="rId31"/>
+    <p:sldId id="462" r:id="rId32"/>
+    <p:sldId id="463" r:id="rId33"/>
   </p:sldIdLst>
   <p:sldSz cx="9144000" cy="6858000" type="screen4x3"/>
   <p:notesSz cx="6858000" cy="9144000"/>
@@ -238,7 +239,7 @@
           <a:p>
             <a:fld id="{6775FF03-7D5C-4965-9CA8-AC23E9C2B541}" type="datetimeFigureOut">
               <a:rPr lang="en-US" smtClean="0"/>
-              <a:t>7/14/2025</a:t>
+              <a:t>7/17/2025</a:t>
             </a:fld>
             <a:endParaRPr lang="en-US"/>
           </a:p>
@@ -768,7 +769,7 @@
           <a:p>
             <a:fld id="{543982D4-381D-4B7B-A1A5-B3B6E72EF21D}" type="datetimeFigureOut">
               <a:rPr lang="en-US" smtClean="0"/>
-              <a:t>7/14/2025</a:t>
+              <a:t>7/17/2025</a:t>
             </a:fld>
             <a:endParaRPr lang="en-US"/>
           </a:p>
@@ -936,7 +937,7 @@
           <a:p>
             <a:fld id="{543982D4-381D-4B7B-A1A5-B3B6E72EF21D}" type="datetimeFigureOut">
               <a:rPr lang="en-US" smtClean="0"/>
-              <a:t>7/14/2025</a:t>
+              <a:t>7/17/2025</a:t>
             </a:fld>
             <a:endParaRPr lang="en-US"/>
           </a:p>
@@ -1114,7 +1115,7 @@
           <a:p>
             <a:fld id="{543982D4-381D-4B7B-A1A5-B3B6E72EF21D}" type="datetimeFigureOut">
               <a:rPr lang="en-US" smtClean="0"/>
-              <a:t>7/14/2025</a:t>
+              <a:t>7/17/2025</a:t>
             </a:fld>
             <a:endParaRPr lang="en-US"/>
           </a:p>
@@ -1282,7 +1283,7 @@
           <a:p>
             <a:fld id="{543982D4-381D-4B7B-A1A5-B3B6E72EF21D}" type="datetimeFigureOut">
               <a:rPr lang="en-US" smtClean="0"/>
-              <a:t>7/14/2025</a:t>
+              <a:t>7/17/2025</a:t>
             </a:fld>
             <a:endParaRPr lang="en-US"/>
           </a:p>
@@ -1597,7 +1598,7 @@
           <a:p>
             <a:fld id="{543982D4-381D-4B7B-A1A5-B3B6E72EF21D}" type="datetimeFigureOut">
               <a:rPr lang="en-US" smtClean="0"/>
-              <a:t>7/14/2025</a:t>
+              <a:t>7/17/2025</a:t>
             </a:fld>
             <a:endParaRPr lang="en-US"/>
           </a:p>
@@ -1882,7 +1883,7 @@
           <a:p>
             <a:fld id="{543982D4-381D-4B7B-A1A5-B3B6E72EF21D}" type="datetimeFigureOut">
               <a:rPr lang="en-US" smtClean="0"/>
-              <a:t>7/14/2025</a:t>
+              <a:t>7/17/2025</a:t>
             </a:fld>
             <a:endParaRPr lang="en-US"/>
           </a:p>
@@ -2301,7 +2302,7 @@
           <a:p>
             <a:fld id="{543982D4-381D-4B7B-A1A5-B3B6E72EF21D}" type="datetimeFigureOut">
               <a:rPr lang="en-US" smtClean="0"/>
-              <a:t>7/14/2025</a:t>
+              <a:t>7/17/2025</a:t>
             </a:fld>
             <a:endParaRPr lang="en-US"/>
           </a:p>
@@ -2418,7 +2419,7 @@
           <a:p>
             <a:fld id="{543982D4-381D-4B7B-A1A5-B3B6E72EF21D}" type="datetimeFigureOut">
               <a:rPr lang="en-US" smtClean="0"/>
-              <a:t>7/14/2025</a:t>
+              <a:t>7/17/2025</a:t>
             </a:fld>
             <a:endParaRPr lang="en-US"/>
           </a:p>
@@ -2513,7 +2514,7 @@
           <a:p>
             <a:fld id="{543982D4-381D-4B7B-A1A5-B3B6E72EF21D}" type="datetimeFigureOut">
               <a:rPr lang="en-US" smtClean="0"/>
-              <a:t>7/14/2025</a:t>
+              <a:t>7/17/2025</a:t>
             </a:fld>
             <a:endParaRPr lang="en-US"/>
           </a:p>
@@ -2788,7 +2789,7 @@
           <a:p>
             <a:fld id="{543982D4-381D-4B7B-A1A5-B3B6E72EF21D}" type="datetimeFigureOut">
               <a:rPr lang="en-US" smtClean="0"/>
-              <a:t>7/14/2025</a:t>
+              <a:t>7/17/2025</a:t>
             </a:fld>
             <a:endParaRPr lang="en-US"/>
           </a:p>
@@ -3040,7 +3041,7 @@
           <a:p>
             <a:fld id="{543982D4-381D-4B7B-A1A5-B3B6E72EF21D}" type="datetimeFigureOut">
               <a:rPr lang="en-US" smtClean="0"/>
-              <a:t>7/14/2025</a:t>
+              <a:t>7/17/2025</a:t>
             </a:fld>
             <a:endParaRPr lang="en-US"/>
           </a:p>
@@ -3251,7 +3252,7 @@
           <a:p>
             <a:fld id="{543982D4-381D-4B7B-A1A5-B3B6E72EF21D}" type="datetimeFigureOut">
               <a:rPr lang="en-US" smtClean="0"/>
-              <a:t>7/14/2025</a:t>
+              <a:t>7/17/2025</a:t>
             </a:fld>
             <a:endParaRPr lang="en-US"/>
           </a:p>
@@ -3649,21 +3650,21 @@
           <a:lstStyle/>
           <a:p>
             <a:r>
-              <a:rPr lang="en-US" dirty="0"/>
+              <a:rPr lang="en-US"/>
               <a:t>The Principles You Need to Know</a:t>
             </a:r>
             <a:br>
-              <a:rPr lang="en-US" dirty="0"/>
+              <a:rPr lang="en-US"/>
             </a:br>
             <a:br>
-              <a:rPr lang="en-US" dirty="0"/>
+              <a:rPr lang="en-US"/>
             </a:br>
             <a:r>
-              <a:rPr lang="en-US" dirty="0"/>
+              <a:rPr lang="en-US"/>
               <a:t> </a:t>
             </a:r>
             <a:r>
-              <a:rPr lang="en-US" sz="4000" dirty="0"/>
+              <a:rPr lang="en-US" sz="4000"/>
               <a:t>(and those you should forget)</a:t>
             </a:r>
             <a:endParaRPr lang="en-US" dirty="0"/>
@@ -3691,12 +3692,8 @@
           <a:lstStyle/>
           <a:p>
             <a:r>
-              <a:rPr lang="en-US" dirty="0"/>
-              <a:t>David </a:t>
-            </a:r>
-            <a:r>
-              <a:rPr lang="en-US" dirty="0" err="1"/>
-              <a:t>Sackstein</a:t>
+              <a:rPr lang="en-US"/>
+              <a:t>David Sackstein</a:t>
             </a:r>
             <a:endParaRPr lang="en-US" dirty="0"/>
           </a:p>
@@ -3732,116 +3729,10 @@
           <a:chExt cx="0" cy="0"/>
         </a:xfrm>
       </p:grpSpPr>
-      <p:sp>
-        <p:nvSpPr>
-          <p:cNvPr id="2" name="Title 1"/>
-          <p:cNvSpPr>
-            <a:spLocks noGrp="1"/>
-          </p:cNvSpPr>
-          <p:nvPr>
-            <p:ph type="title"/>
-          </p:nvPr>
-        </p:nvSpPr>
-        <p:spPr>
-          <a:xfrm>
-            <a:off x="457200" y="274638"/>
-            <a:ext cx="8229600" cy="1143000"/>
-          </a:xfrm>
-        </p:spPr>
-        <p:txBody>
-          <a:bodyPr/>
-          <a:lstStyle/>
-          <a:p>
-            <a:r>
-              <a:rPr lang="en-US" dirty="0"/>
-              <a:t>The Single Responsibility Principle</a:t>
-            </a:r>
-          </a:p>
-        </p:txBody>
-      </p:sp>
-      <p:sp>
-        <p:nvSpPr>
-          <p:cNvPr id="3" name="Content Placeholder 2"/>
-          <p:cNvSpPr>
-            <a:spLocks noGrp="1"/>
-          </p:cNvSpPr>
-          <p:nvPr>
-            <p:ph idx="1"/>
-          </p:nvPr>
-        </p:nvSpPr>
-        <p:spPr>
-          <a:xfrm>
-            <a:off x="457200" y="1600200"/>
-            <a:ext cx="8229600" cy="4525963"/>
-          </a:xfrm>
-        </p:spPr>
-        <p:txBody>
-          <a:bodyPr/>
-          <a:lstStyle/>
-          <a:p>
-            <a:r>
-              <a:rPr lang="en-US" dirty="0"/>
-              <a:t>Each file, class, function, library should have one responsibility.</a:t>
-            </a:r>
-          </a:p>
-          <a:p>
-            <a:r>
-              <a:rPr lang="en-US" dirty="0"/>
-              <a:t>Responsibilities </a:t>
-            </a:r>
-            <a:r>
-              <a:rPr lang="en-US"/>
-              <a:t>can often be </a:t>
-            </a:r>
-            <a:r>
-              <a:rPr lang="en-US" dirty="0"/>
-              <a:t>measured in size:</a:t>
-            </a:r>
-          </a:p>
-          <a:p>
-            <a:pPr lvl="1"/>
-            <a:r>
-              <a:rPr lang="en-US" dirty="0"/>
-              <a:t>File &lt; 200 lines</a:t>
-            </a:r>
-          </a:p>
-          <a:p>
-            <a:pPr lvl="1"/>
-            <a:r>
-              <a:rPr lang="en-US" dirty="0"/>
-              <a:t>Function &lt; 15 lines</a:t>
-            </a:r>
-          </a:p>
-          <a:p>
-            <a:pPr lvl="1"/>
-            <a:r>
-              <a:rPr lang="en-US" dirty="0"/>
-              <a:t>Class header &lt; 50 lines</a:t>
-            </a:r>
-          </a:p>
-          <a:p>
-            <a:pPr lvl="1"/>
-            <a:r>
-              <a:rPr lang="en-US" dirty="0"/>
-              <a:t>Class source &lt; 200 lines</a:t>
-            </a:r>
-          </a:p>
-          <a:p>
-            <a:r>
-              <a:rPr lang="en-US" dirty="0"/>
-              <a:t>But these are not enough</a:t>
-            </a:r>
-          </a:p>
-          <a:p>
-            <a:pPr lvl="1"/>
-            <a:endParaRPr lang="en-US" dirty="0"/>
-          </a:p>
-        </p:txBody>
-      </p:sp>
     </p:spTree>
     <p:extLst>
       <p:ext uri="{BB962C8B-B14F-4D97-AF65-F5344CB8AC3E}">
-        <p14:creationId xmlns:p14="http://schemas.microsoft.com/office/powerpoint/2010/main" val="2874451449"/>
+        <p14:creationId xmlns:p14="http://schemas.microsoft.com/office/powerpoint/2010/main" val="534982662"/>
       </p:ext>
     </p:extLst>
   </p:cSld>
@@ -3878,6 +3769,164 @@
             <p:ph type="title"/>
           </p:nvPr>
         </p:nvSpPr>
+        <p:spPr>
+          <a:xfrm>
+            <a:off x="457200" y="274638"/>
+            <a:ext cx="8229600" cy="1143000"/>
+          </a:xfrm>
+        </p:spPr>
+        <p:txBody>
+          <a:bodyPr/>
+          <a:lstStyle/>
+          <a:p>
+            <a:r>
+              <a:rPr lang="en-US" dirty="0"/>
+              <a:t>The Single Responsibility Principle</a:t>
+            </a:r>
+          </a:p>
+        </p:txBody>
+      </p:sp>
+      <p:sp>
+        <p:nvSpPr>
+          <p:cNvPr id="3" name="Content Placeholder 2"/>
+          <p:cNvSpPr>
+            <a:spLocks noGrp="1"/>
+          </p:cNvSpPr>
+          <p:nvPr>
+            <p:ph idx="1"/>
+          </p:nvPr>
+        </p:nvSpPr>
+        <p:spPr>
+          <a:xfrm>
+            <a:off x="457200" y="1600200"/>
+            <a:ext cx="8229600" cy="4525963"/>
+          </a:xfrm>
+        </p:spPr>
+        <p:txBody>
+          <a:bodyPr>
+            <a:normAutofit/>
+          </a:bodyPr>
+          <a:lstStyle/>
+          <a:p>
+            <a:r>
+              <a:rPr lang="en-US" dirty="0">
+                <a:solidFill>
+                  <a:schemeClr val="tx2"/>
+                </a:solidFill>
+              </a:rPr>
+              <a:t>Each file, class, function, library should have one responsibility.</a:t>
+            </a:r>
+          </a:p>
+          <a:p>
+            <a:r>
+              <a:rPr lang="en-US" dirty="0">
+                <a:solidFill>
+                  <a:schemeClr val="tx2"/>
+                </a:solidFill>
+              </a:rPr>
+              <a:t>One file should contain only one class</a:t>
+            </a:r>
+          </a:p>
+          <a:p>
+            <a:r>
+              <a:rPr lang="en-US" dirty="0">
+                <a:solidFill>
+                  <a:schemeClr val="tx2"/>
+                </a:solidFill>
+              </a:rPr>
+              <a:t>Responsibilities can often be measured in size:</a:t>
+            </a:r>
+          </a:p>
+          <a:p>
+            <a:pPr lvl="1"/>
+            <a:r>
+              <a:rPr lang="en-US" dirty="0">
+                <a:solidFill>
+                  <a:schemeClr val="tx2"/>
+                </a:solidFill>
+              </a:rPr>
+              <a:t>File &lt; 200 lines</a:t>
+            </a:r>
+          </a:p>
+          <a:p>
+            <a:pPr lvl="1"/>
+            <a:r>
+              <a:rPr lang="en-US" dirty="0">
+                <a:solidFill>
+                  <a:schemeClr val="tx2"/>
+                </a:solidFill>
+              </a:rPr>
+              <a:t>Function &lt; 15 lines</a:t>
+            </a:r>
+          </a:p>
+          <a:p>
+            <a:pPr lvl="1"/>
+            <a:r>
+              <a:rPr lang="en-US" dirty="0">
+                <a:solidFill>
+                  <a:schemeClr val="tx2"/>
+                </a:solidFill>
+              </a:rPr>
+              <a:t>Class header &lt; 50 lines</a:t>
+            </a:r>
+          </a:p>
+          <a:p>
+            <a:pPr lvl="1"/>
+            <a:r>
+              <a:rPr lang="en-US" dirty="0">
+                <a:solidFill>
+                  <a:schemeClr val="tx2"/>
+                </a:solidFill>
+              </a:rPr>
+              <a:t>Class source &lt; 200 lines</a:t>
+            </a:r>
+          </a:p>
+          <a:p>
+            <a:pPr lvl="1"/>
+            <a:endParaRPr lang="en-US" dirty="0"/>
+          </a:p>
+        </p:txBody>
+      </p:sp>
+    </p:spTree>
+    <p:extLst>
+      <p:ext uri="{BB962C8B-B14F-4D97-AF65-F5344CB8AC3E}">
+        <p14:creationId xmlns:p14="http://schemas.microsoft.com/office/powerpoint/2010/main" val="2874451449"/>
+      </p:ext>
+    </p:extLst>
+  </p:cSld>
+  <p:clrMapOvr>
+    <a:masterClrMapping/>
+  </p:clrMapOvr>
+</p:sld>
+</file>
+
+<file path=ppt/slides/slide12.xml><?xml version="1.0" encoding="utf-8"?>
+<p:sld xmlns:a="http://schemas.openxmlformats.org/drawingml/2006/main" xmlns:r="http://schemas.openxmlformats.org/officeDocument/2006/relationships" xmlns:p="http://schemas.openxmlformats.org/presentationml/2006/main">
+  <p:cSld>
+    <p:spTree>
+      <p:nvGrpSpPr>
+        <p:cNvPr id="1" name=""/>
+        <p:cNvGrpSpPr/>
+        <p:nvPr/>
+      </p:nvGrpSpPr>
+      <p:grpSpPr>
+        <a:xfrm>
+          <a:off x="0" y="0"/>
+          <a:ext cx="0" cy="0"/>
+          <a:chOff x="0" y="0"/>
+          <a:chExt cx="0" cy="0"/>
+        </a:xfrm>
+      </p:grpSpPr>
+      <p:sp>
+        <p:nvSpPr>
+          <p:cNvPr id="2" name="Title 1"/>
+          <p:cNvSpPr>
+            <a:spLocks noGrp="1"/>
+          </p:cNvSpPr>
+          <p:nvPr>
+            <p:ph type="title"/>
+          </p:nvPr>
+        </p:nvSpPr>
         <p:spPr/>
         <p:txBody>
           <a:bodyPr/>
@@ -3906,30 +3955,50 @@
           <a:lstStyle/>
           <a:p>
             <a:r>
-              <a:rPr lang="en-US" dirty="0"/>
+              <a:rPr lang="en-US" dirty="0">
+                <a:solidFill>
+                  <a:schemeClr val="tx2"/>
+                </a:solidFill>
+              </a:rPr>
               <a:t>A good indication of SRP violations is a lack of cohesiveness.</a:t>
             </a:r>
           </a:p>
           <a:p>
             <a:r>
-              <a:rPr lang="en-US" dirty="0"/>
+              <a:rPr lang="en-US" dirty="0">
+                <a:solidFill>
+                  <a:schemeClr val="tx2"/>
+                </a:solidFill>
+              </a:rPr>
               <a:t>A cohesive class is one in which most fields are used referenced by most methods. </a:t>
             </a:r>
           </a:p>
           <a:p>
             <a:r>
-              <a:rPr lang="en-US" dirty="0"/>
+              <a:rPr lang="en-US" dirty="0">
+                <a:solidFill>
+                  <a:schemeClr val="tx2"/>
+                </a:solidFill>
+              </a:rPr>
               <a:t>An island of associated fields and methods should really be a class in itself.</a:t>
             </a:r>
           </a:p>
           <a:p>
             <a:r>
-              <a:rPr lang="en-US" dirty="0"/>
+              <a:rPr lang="en-US" dirty="0">
+                <a:solidFill>
+                  <a:schemeClr val="tx2"/>
+                </a:solidFill>
+              </a:rPr>
               <a:t>Extract islands as classes.</a:t>
             </a:r>
           </a:p>
           <a:p>
-            <a:endParaRPr lang="en-US" dirty="0"/>
+            <a:endParaRPr lang="en-US" dirty="0">
+              <a:solidFill>
+                <a:schemeClr val="tx2"/>
+              </a:solidFill>
+            </a:endParaRPr>
           </a:p>
           <a:p>
             <a:endParaRPr lang="en-US" dirty="0"/>
@@ -3984,7 +4053,7 @@
 </p:sld>
 </file>
 
-<file path=ppt/slides/slide12.xml><?xml version="1.0" encoding="utf-8"?>
+<file path=ppt/slides/slide13.xml><?xml version="1.0" encoding="utf-8"?>
 <p:sld xmlns:a="http://schemas.openxmlformats.org/drawingml/2006/main" xmlns:r="http://schemas.openxmlformats.org/officeDocument/2006/relationships" xmlns:p="http://schemas.openxmlformats.org/presentationml/2006/main">
   <p:cSld>
     <p:spTree>
@@ -4738,7 +4807,7 @@
 </p:sld>
 </file>
 
-<file path=ppt/slides/slide13.xml><?xml version="1.0" encoding="utf-8"?>
+<file path=ppt/slides/slide14.xml><?xml version="1.0" encoding="utf-8"?>
 <p:sld xmlns:a="http://schemas.openxmlformats.org/drawingml/2006/main" xmlns:r="http://schemas.openxmlformats.org/officeDocument/2006/relationships" xmlns:p="http://schemas.openxmlformats.org/presentationml/2006/main">
   <p:cSld>
     <p:spTree>
@@ -4920,144 +4989,6 @@
 </p:sld>
 </file>
 
-<file path=ppt/slides/slide14.xml><?xml version="1.0" encoding="utf-8"?>
-<p:sld xmlns:a="http://schemas.openxmlformats.org/drawingml/2006/main" xmlns:r="http://schemas.openxmlformats.org/officeDocument/2006/relationships" xmlns:p="http://schemas.openxmlformats.org/presentationml/2006/main">
-  <p:cSld>
-    <p:spTree>
-      <p:nvGrpSpPr>
-        <p:cNvPr id="1" name=""/>
-        <p:cNvGrpSpPr/>
-        <p:nvPr/>
-      </p:nvGrpSpPr>
-      <p:grpSpPr>
-        <a:xfrm>
-          <a:off x="0" y="0"/>
-          <a:ext cx="0" cy="0"/>
-          <a:chOff x="0" y="0"/>
-          <a:chExt cx="0" cy="0"/>
-        </a:xfrm>
-      </p:grpSpPr>
-      <p:sp>
-        <p:nvSpPr>
-          <p:cNvPr id="2" name="Title 1">
-            <a:extLst>
-              <a:ext uri="{FF2B5EF4-FFF2-40B4-BE49-F238E27FC236}">
-                <a16:creationId xmlns:a16="http://schemas.microsoft.com/office/drawing/2014/main" id="{C023CA9A-E311-EF21-9C70-A5C9E4EFF3CD}"/>
-              </a:ext>
-            </a:extLst>
-          </p:cNvPr>
-          <p:cNvSpPr>
-            <a:spLocks noGrp="1"/>
-          </p:cNvSpPr>
-          <p:nvPr>
-            <p:ph type="title"/>
-          </p:nvPr>
-        </p:nvSpPr>
-        <p:spPr/>
-        <p:txBody>
-          <a:bodyPr>
-            <a:normAutofit/>
-          </a:bodyPr>
-          <a:lstStyle/>
-          <a:p>
-            <a:r>
-              <a:rPr lang="en-US" dirty="0"/>
-              <a:t>Encapsulation</a:t>
-            </a:r>
-          </a:p>
-        </p:txBody>
-      </p:sp>
-      <p:sp>
-        <p:nvSpPr>
-          <p:cNvPr id="3" name="Content Placeholder 2">
-            <a:extLst>
-              <a:ext uri="{FF2B5EF4-FFF2-40B4-BE49-F238E27FC236}">
-                <a16:creationId xmlns:a16="http://schemas.microsoft.com/office/drawing/2014/main" id="{0E740AC6-19FB-F210-B8A9-14268DC9BE03}"/>
-              </a:ext>
-            </a:extLst>
-          </p:cNvPr>
-          <p:cNvSpPr>
-            <a:spLocks noGrp="1"/>
-          </p:cNvSpPr>
-          <p:nvPr>
-            <p:ph idx="1"/>
-          </p:nvPr>
-        </p:nvSpPr>
-        <p:spPr/>
-        <p:txBody>
-          <a:bodyPr>
-            <a:normAutofit fontScale="92500"/>
-          </a:bodyPr>
-          <a:lstStyle/>
-          <a:p>
-            <a:r>
-              <a:rPr lang="en-US" dirty="0"/>
-              <a:t>The Three Pillars of Object Oriented Design</a:t>
-            </a:r>
-          </a:p>
-          <a:p>
-            <a:pPr lvl="1"/>
-            <a:r>
-              <a:rPr lang="en-US" dirty="0"/>
-              <a:t>Encapsulation</a:t>
-            </a:r>
-          </a:p>
-          <a:p>
-            <a:pPr lvl="1"/>
-            <a:r>
-              <a:rPr lang="en-US" dirty="0"/>
-              <a:t>Polymorphism</a:t>
-            </a:r>
-          </a:p>
-          <a:p>
-            <a:pPr lvl="1"/>
-            <a:r>
-              <a:rPr lang="en-US" dirty="0"/>
-              <a:t>Inheritance</a:t>
-            </a:r>
-          </a:p>
-          <a:p>
-            <a:r>
-              <a:rPr lang="en-US" dirty="0"/>
-              <a:t>Which do we need and which should we avoid?</a:t>
-            </a:r>
-          </a:p>
-          <a:p>
-            <a:pPr lvl="1"/>
-            <a:r>
-              <a:rPr lang="en-US" dirty="0"/>
-              <a:t>Encapsulation is the most important </a:t>
-            </a:r>
-          </a:p>
-          <a:p>
-            <a:pPr lvl="1"/>
-            <a:r>
-              <a:rPr lang="en-US" dirty="0"/>
-              <a:t>Polymorphism helps achieve encapsulation</a:t>
-            </a:r>
-          </a:p>
-          <a:p>
-            <a:pPr lvl="1"/>
-            <a:r>
-              <a:rPr lang="en-US" dirty="0"/>
-              <a:t>Inheritance (code reuse) undermines encapsulation</a:t>
-            </a:r>
-          </a:p>
-        </p:txBody>
-      </p:sp>
-    </p:spTree>
-    <p:extLst>
-      <p:ext uri="{BB962C8B-B14F-4D97-AF65-F5344CB8AC3E}">
-        <p14:creationId xmlns:p14="http://schemas.microsoft.com/office/powerpoint/2010/main" val="569327128"/>
-      </p:ext>
-    </p:extLst>
-  </p:cSld>
-  <p:clrMapOvr>
-    <a:masterClrMapping/>
-  </p:clrMapOvr>
-</p:sld>
-</file>
-
 <file path=ppt/slides/slide15.xml><?xml version="1.0" encoding="utf-8"?>
 <p:sld xmlns:a="http://schemas.openxmlformats.org/drawingml/2006/main" xmlns:r="http://schemas.openxmlformats.org/officeDocument/2006/relationships" xmlns:p="http://schemas.openxmlformats.org/presentationml/2006/main">
   <p:cSld>
@@ -5077,7 +5008,13 @@
       </p:grpSpPr>
       <p:sp>
         <p:nvSpPr>
-          <p:cNvPr id="133" name="PlaceHolder 1"/>
+          <p:cNvPr id="2" name="Title 1">
+            <a:extLst>
+              <a:ext uri="{FF2B5EF4-FFF2-40B4-BE49-F238E27FC236}">
+                <a16:creationId xmlns:a16="http://schemas.microsoft.com/office/drawing/2014/main" id="{C023CA9A-E311-EF21-9C70-A5C9E4EFF3CD}"/>
+              </a:ext>
+            </a:extLst>
+          </p:cNvPr>
           <p:cNvSpPr>
             <a:spLocks noGrp="1"/>
           </p:cNvSpPr>
@@ -5085,100 +5022,136 @@
             <p:ph type="title"/>
           </p:nvPr>
         </p:nvSpPr>
-        <p:spPr>
-          <a:xfrm>
-            <a:off x="457200" y="274638"/>
-            <a:ext cx="8229600" cy="1143000"/>
-          </a:xfrm>
-          <a:noFill/>
-          <a:ln w="0">
-            <a:noFill/>
-          </a:ln>
-        </p:spPr>
-        <p:txBody>
-          <a:bodyPr anchor="ctr">
-            <a:noAutofit/>
-          </a:bodyPr>
-          <a:lstStyle/>
-          <a:p>
-            <a:r>
-              <a:rPr lang="en-US"/>
-              <a:t>Two types of inheritance</a:t>
-            </a:r>
-          </a:p>
-        </p:txBody>
-      </p:sp>
-      <p:sp>
-        <p:nvSpPr>
-          <p:cNvPr id="134" name="PlaceHolder 2"/>
-          <p:cNvSpPr>
-            <a:spLocks noGrp="1"/>
-          </p:cNvSpPr>
-          <p:nvPr>
-            <p:ph idx="1"/>
-          </p:nvPr>
-        </p:nvSpPr>
-        <p:spPr>
-          <a:xfrm>
-            <a:off x="457200" y="1600200"/>
-            <a:ext cx="8229600" cy="4525963"/>
-          </a:xfrm>
-          <a:noFill/>
-          <a:ln w="0">
-            <a:noFill/>
-          </a:ln>
-        </p:spPr>
-        <p:txBody>
-          <a:bodyPr anchor="t">
+        <p:spPr/>
+        <p:txBody>
+          <a:bodyPr>
             <a:normAutofit/>
           </a:bodyPr>
           <a:lstStyle/>
           <a:p>
             <a:r>
               <a:rPr lang="en-US" dirty="0"/>
-              <a:t>Polymorphism: Inheritance of contract </a:t>
+              <a:t>Encapsulation</a:t>
+            </a:r>
+          </a:p>
+        </p:txBody>
+      </p:sp>
+      <p:sp>
+        <p:nvSpPr>
+          <p:cNvPr id="3" name="Content Placeholder 2">
+            <a:extLst>
+              <a:ext uri="{FF2B5EF4-FFF2-40B4-BE49-F238E27FC236}">
+                <a16:creationId xmlns:a16="http://schemas.microsoft.com/office/drawing/2014/main" id="{0E740AC6-19FB-F210-B8A9-14268DC9BE03}"/>
+              </a:ext>
+            </a:extLst>
+          </p:cNvPr>
+          <p:cNvSpPr>
+            <a:spLocks noGrp="1"/>
+          </p:cNvSpPr>
+          <p:nvPr>
+            <p:ph idx="1"/>
+          </p:nvPr>
+        </p:nvSpPr>
+        <p:spPr/>
+        <p:txBody>
+          <a:bodyPr>
+            <a:normAutofit fontScale="92500"/>
+          </a:bodyPr>
+          <a:lstStyle/>
+          <a:p>
+            <a:r>
+              <a:rPr lang="en-US" dirty="0">
+                <a:solidFill>
+                  <a:schemeClr val="tx2"/>
+                </a:solidFill>
+              </a:rPr>
+              <a:t>The Three Pillars of Object Oriented Design</a:t>
             </a:r>
           </a:p>
           <a:p>
             <a:pPr lvl="1"/>
             <a:r>
-              <a:rPr lang="en-US" dirty="0"/>
-              <a:t>A commitment by the implementor </a:t>
+              <a:rPr lang="en-US" dirty="0">
+                <a:solidFill>
+                  <a:srgbClr val="FF0000"/>
+                </a:solidFill>
+              </a:rPr>
+              <a:t>Encapsulation</a:t>
             </a:r>
           </a:p>
           <a:p>
             <a:pPr lvl="1"/>
             <a:r>
-              <a:rPr lang="en-US" dirty="0"/>
-              <a:t>A capability a consumer can depend on</a:t>
-            </a:r>
-          </a:p>
-          <a:p>
-            <a:r>
-              <a:rPr lang="en-US" dirty="0"/>
-              <a:t>Code Reuse: Inheritance of implementation</a:t>
+              <a:rPr lang="en-US" dirty="0">
+                <a:solidFill>
+                  <a:srgbClr val="FF0000"/>
+                </a:solidFill>
+              </a:rPr>
+              <a:t>Polymorphism</a:t>
             </a:r>
           </a:p>
           <a:p>
             <a:pPr lvl="1"/>
             <a:r>
-              <a:rPr lang="en-US" dirty="0"/>
-              <a:t>Derived classes call methods of their base class</a:t>
+              <a:rPr lang="en-US" dirty="0">
+                <a:solidFill>
+                  <a:srgbClr val="FF0000"/>
+                </a:solidFill>
+              </a:rPr>
+              <a:t>Inheritance</a:t>
+            </a:r>
+          </a:p>
+          <a:p>
+            <a:r>
+              <a:rPr lang="en-US" dirty="0">
+                <a:solidFill>
+                  <a:schemeClr val="tx2"/>
+                </a:solidFill>
+              </a:rPr>
+              <a:t>Which do we need and which should we avoid?</a:t>
             </a:r>
           </a:p>
           <a:p>
             <a:pPr lvl="1"/>
             <a:r>
-              <a:rPr lang="en-US" dirty="0"/>
-              <a:t>Template method: The base class also calls virtual methods of the derived class.</a:t>
-            </a:r>
-          </a:p>
-          <a:p>
-            <a:endParaRPr lang="en-US" dirty="0"/>
+              <a:rPr lang="en-US" dirty="0">
+                <a:solidFill>
+                  <a:srgbClr val="FF0000"/>
+                </a:solidFill>
+              </a:rPr>
+              <a:t>Encapsulation is the most important </a:t>
+            </a:r>
+          </a:p>
+          <a:p>
+            <a:pPr lvl="1"/>
+            <a:r>
+              <a:rPr lang="en-US" dirty="0">
+                <a:solidFill>
+                  <a:srgbClr val="FF0000"/>
+                </a:solidFill>
+              </a:rPr>
+              <a:t>Polymorphism helps achieve encapsulation</a:t>
+            </a:r>
+          </a:p>
+          <a:p>
+            <a:pPr lvl="1"/>
+            <a:r>
+              <a:rPr lang="en-US" dirty="0">
+                <a:solidFill>
+                  <a:srgbClr val="FF0000"/>
+                </a:solidFill>
+              </a:rPr>
+              <a:t>Inheritance (code reuse) undermines encapsulation</a:t>
+            </a:r>
           </a:p>
         </p:txBody>
       </p:sp>
     </p:spTree>
+    <p:extLst>
+      <p:ext uri="{BB962C8B-B14F-4D97-AF65-F5344CB8AC3E}">
+        <p14:creationId xmlns:p14="http://schemas.microsoft.com/office/powerpoint/2010/main" val="569327128"/>
+      </p:ext>
+    </p:extLst>
   </p:cSld>
   <p:clrMapOvr>
     <a:masterClrMapping/>
@@ -5205,7 +5178,7 @@
       </p:grpSpPr>
       <p:sp>
         <p:nvSpPr>
-          <p:cNvPr id="142" name="PlaceHolder 1"/>
+          <p:cNvPr id="133" name="PlaceHolder 1"/>
           <p:cNvSpPr>
             <a:spLocks noGrp="1"/>
           </p:cNvSpPr>
@@ -5230,15 +5203,15 @@
           <a:lstStyle/>
           <a:p>
             <a:r>
-              <a:rPr lang="en-US" dirty="0"/>
-              <a:t>Polymorphism: Benefits</a:t>
-            </a:r>
-          </a:p>
-        </p:txBody>
-      </p:sp>
-      <p:sp>
-        <p:nvSpPr>
-          <p:cNvPr id="143" name="PlaceHolder 2"/>
+              <a:rPr lang="en-US"/>
+              <a:t>Two types of inheritance</a:t>
+            </a:r>
+          </a:p>
+        </p:txBody>
+      </p:sp>
+      <p:sp>
+        <p:nvSpPr>
+          <p:cNvPr id="134" name="PlaceHolder 2"/>
           <p:cNvSpPr>
             <a:spLocks noGrp="1"/>
           </p:cNvSpPr>
@@ -5258,40 +5231,75 @@
         </p:spPr>
         <p:txBody>
           <a:bodyPr anchor="t">
-            <a:noAutofit/>
+            <a:normAutofit/>
           </a:bodyPr>
           <a:lstStyle/>
           <a:p>
             <a:r>
-              <a:rPr lang="en-US" dirty="0"/>
-              <a:t>Encapsulation: Users of the interface cannot see the implementation</a:t>
-            </a:r>
-          </a:p>
-          <a:p>
-            <a:r>
-              <a:rPr lang="en-US" dirty="0"/>
-              <a:t>Programming by contract: Users of the interface can clearly see the contract</a:t>
-            </a:r>
-          </a:p>
-          <a:p>
-            <a:r>
-              <a:rPr lang="en-US" dirty="0"/>
-              <a:t>Benefits of encapsulation:</a:t>
+              <a:rPr lang="en-US" dirty="0">
+                <a:solidFill>
+                  <a:schemeClr val="tx2"/>
+                </a:solidFill>
+              </a:rPr>
+              <a:t>Polymorphism: Inheritance of contract </a:t>
             </a:r>
           </a:p>
           <a:p>
             <a:pPr lvl="1"/>
             <a:r>
-              <a:rPr lang="en-US" dirty="0"/>
-              <a:t>Testability: Replacement of implementations using mocks.</a:t>
+              <a:rPr lang="en-US" dirty="0">
+                <a:solidFill>
+                  <a:schemeClr val="tx2"/>
+                </a:solidFill>
+              </a:rPr>
+              <a:t>A commitment by the implementor </a:t>
             </a:r>
           </a:p>
           <a:p>
             <a:pPr lvl="1"/>
             <a:r>
-              <a:rPr lang="en-US" dirty="0"/>
-              <a:t>Extensibility: Upgrading implementations without rebuilding the caller.</a:t>
-            </a:r>
+              <a:rPr lang="en-US" dirty="0">
+                <a:solidFill>
+                  <a:schemeClr val="tx2"/>
+                </a:solidFill>
+              </a:rPr>
+              <a:t>A capability a consumer can depend on</a:t>
+            </a:r>
+          </a:p>
+          <a:p>
+            <a:r>
+              <a:rPr lang="en-US" dirty="0">
+                <a:solidFill>
+                  <a:schemeClr val="tx2"/>
+                </a:solidFill>
+              </a:rPr>
+              <a:t>Code Reuse: Inheritance of implementation</a:t>
+            </a:r>
+          </a:p>
+          <a:p>
+            <a:pPr lvl="1"/>
+            <a:r>
+              <a:rPr lang="en-US" dirty="0">
+                <a:solidFill>
+                  <a:schemeClr val="accent2"/>
+                </a:solidFill>
+              </a:rPr>
+              <a:t>Derived classes call methods of their base class</a:t>
+            </a:r>
+          </a:p>
+          <a:p>
+            <a:pPr lvl="1"/>
+            <a:r>
+              <a:rPr lang="en-US" dirty="0">
+                <a:solidFill>
+                  <a:schemeClr val="accent2"/>
+                </a:solidFill>
+              </a:rPr>
+              <a:t>Template method: The base class also calls virtual methods of the derived class.</a:t>
+            </a:r>
+          </a:p>
+          <a:p>
+            <a:endParaRPr lang="en-US" dirty="0"/>
           </a:p>
         </p:txBody>
       </p:sp>
@@ -5322,7 +5330,7 @@
       </p:grpSpPr>
       <p:sp>
         <p:nvSpPr>
-          <p:cNvPr id="144" name="PlaceHolder 1"/>
+          <p:cNvPr id="142" name="PlaceHolder 1"/>
           <p:cNvSpPr>
             <a:spLocks noGrp="1"/>
           </p:cNvSpPr>
@@ -5348,14 +5356,14 @@
           <a:p>
             <a:r>
               <a:rPr lang="en-US" dirty="0"/>
-              <a:t>Polymorphism: Pitfalls</a:t>
-            </a:r>
-          </a:p>
-        </p:txBody>
-      </p:sp>
-      <p:sp>
-        <p:nvSpPr>
-          <p:cNvPr id="145" name="PlaceHolder 2"/>
+              <a:t>Polymorphism: Benefits</a:t>
+            </a:r>
+          </a:p>
+        </p:txBody>
+      </p:sp>
+      <p:sp>
+        <p:nvSpPr>
+          <p:cNvPr id="143" name="PlaceHolder 2"/>
           <p:cNvSpPr>
             <a:spLocks noGrp="1"/>
           </p:cNvSpPr>
@@ -5375,7 +5383,7 @@
         </p:spPr>
         <p:txBody>
           <a:bodyPr anchor="t">
-            <a:normAutofit/>
+            <a:noAutofit/>
           </a:bodyPr>
           <a:lstStyle/>
           <a:p>
@@ -5387,27 +5395,27 @@
           <a:p>
             <a:r>
               <a:rPr lang="en-US" dirty="0"/>
-              <a:t>This may make it difficult to fully understand the code, but not really</a:t>
-            </a:r>
-          </a:p>
-          <a:p>
-            <a:r>
-              <a:rPr lang="en-US" dirty="0"/>
-              <a:t>It’s a trade-off (is decoupling good or bad?)</a:t>
+              <a:t>Programming by contract: Users of the interface can clearly see the contract</a:t>
+            </a:r>
+          </a:p>
+          <a:p>
+            <a:r>
+              <a:rPr lang="en-US" dirty="0"/>
+              <a:t>Benefits of encapsulation:</a:t>
             </a:r>
           </a:p>
           <a:p>
             <a:pPr lvl="1"/>
             <a:r>
               <a:rPr lang="en-US" dirty="0"/>
-              <a:t>Caller code should be easier to understand if the implementations are hidden</a:t>
+              <a:t>Testability: Replacement of implementations using mocks.</a:t>
             </a:r>
           </a:p>
           <a:p>
             <a:pPr lvl="1"/>
             <a:r>
               <a:rPr lang="en-US" dirty="0"/>
-              <a:t>But there is such a thing as over abstraction</a:t>
+              <a:t>Extensibility: Upgrading implementations without rebuilding the caller.</a:t>
             </a:r>
           </a:p>
         </p:txBody>
@@ -5439,7 +5447,7 @@
       </p:grpSpPr>
       <p:sp>
         <p:nvSpPr>
-          <p:cNvPr id="146" name="PlaceHolder 1"/>
+          <p:cNvPr id="144" name="PlaceHolder 1"/>
           <p:cNvSpPr>
             <a:spLocks noGrp="1"/>
           </p:cNvSpPr>
@@ -5465,14 +5473,14 @@
           <a:p>
             <a:r>
               <a:rPr lang="en-US" dirty="0"/>
-              <a:t>Code Reuse: Benefits</a:t>
-            </a:r>
-          </a:p>
-        </p:txBody>
-      </p:sp>
-      <p:sp>
-        <p:nvSpPr>
-          <p:cNvPr id="147" name="PlaceHolder 2"/>
+              <a:t>Polymorphism: Pitfalls</a:t>
+            </a:r>
+          </a:p>
+        </p:txBody>
+      </p:sp>
+      <p:sp>
+        <p:nvSpPr>
+          <p:cNvPr id="145" name="PlaceHolder 2"/>
           <p:cNvSpPr>
             <a:spLocks noGrp="1"/>
           </p:cNvSpPr>
@@ -5492,38 +5500,40 @@
         </p:spPr>
         <p:txBody>
           <a:bodyPr anchor="t">
-            <a:noAutofit/>
+            <a:normAutofit/>
           </a:bodyPr>
           <a:lstStyle/>
           <a:p>
             <a:r>
               <a:rPr lang="en-US" dirty="0"/>
-              <a:t>Avoids code duplication by:</a:t>
+              <a:t>Encapsulation: Users of the interface cannot see the implementation</a:t>
+            </a:r>
+          </a:p>
+          <a:p>
+            <a:r>
+              <a:rPr lang="en-US" dirty="0"/>
+              <a:t>This may make it difficult to fully understand the code, but not really</a:t>
+            </a:r>
+          </a:p>
+          <a:p>
+            <a:r>
+              <a:rPr lang="en-US" dirty="0"/>
+              <a:t>It’s a trade-off (is decoupling good or bad?)</a:t>
             </a:r>
           </a:p>
           <a:p>
             <a:pPr lvl="1"/>
             <a:r>
               <a:rPr lang="en-US" dirty="0"/>
-              <a:t>Moving common code into the base class</a:t>
+              <a:t>Caller code should be easier to understand if the implementations are hidden</a:t>
             </a:r>
           </a:p>
           <a:p>
             <a:pPr lvl="1"/>
             <a:r>
               <a:rPr lang="en-US" dirty="0"/>
-              <a:t>Moves varying code into derived classes</a:t>
-            </a:r>
-          </a:p>
-          <a:p>
-            <a:pPr lvl="1"/>
-            <a:r>
-              <a:rPr lang="en-US" dirty="0"/>
-              <a:t>It’s so easy! You can call the implementation without specifying the name of an object</a:t>
-            </a:r>
-          </a:p>
-          <a:p>
-            <a:endParaRPr lang="en-US" dirty="0"/>
+              <a:t>But there is such a thing as over abstraction</a:t>
+            </a:r>
           </a:p>
         </p:txBody>
       </p:sp>
@@ -5554,7 +5564,7 @@
       </p:grpSpPr>
       <p:sp>
         <p:nvSpPr>
-          <p:cNvPr id="148" name="PlaceHolder 1"/>
+          <p:cNvPr id="146" name="PlaceHolder 1"/>
           <p:cNvSpPr>
             <a:spLocks noGrp="1"/>
           </p:cNvSpPr>
@@ -5574,20 +5584,20 @@
         </p:spPr>
         <p:txBody>
           <a:bodyPr anchor="ctr">
-            <a:normAutofit/>
+            <a:noAutofit/>
           </a:bodyPr>
           <a:lstStyle/>
           <a:p>
             <a:r>
               <a:rPr lang="en-US" dirty="0"/>
-              <a:t>Code Reuse: Pitfalls</a:t>
-            </a:r>
-          </a:p>
-        </p:txBody>
-      </p:sp>
-      <p:sp>
-        <p:nvSpPr>
-          <p:cNvPr id="149" name="PlaceHolder 2"/>
+              <a:t>Code Reuse: Benefits</a:t>
+            </a:r>
+          </a:p>
+        </p:txBody>
+      </p:sp>
+      <p:sp>
+        <p:nvSpPr>
+          <p:cNvPr id="147" name="PlaceHolder 2"/>
           <p:cNvSpPr>
             <a:spLocks noGrp="1"/>
           </p:cNvSpPr>
@@ -5607,57 +5617,35 @@
         </p:spPr>
         <p:txBody>
           <a:bodyPr anchor="t">
-            <a:normAutofit fontScale="92500" lnSpcReduction="20000"/>
+            <a:noAutofit/>
           </a:bodyPr>
           <a:lstStyle/>
           <a:p>
             <a:r>
               <a:rPr lang="en-US" dirty="0"/>
-              <a:t>It introduces coupling between the derived class and the base class:</a:t>
+              <a:t>Avoids code duplication by:</a:t>
             </a:r>
           </a:p>
           <a:p>
             <a:pPr lvl="1"/>
             <a:r>
               <a:rPr lang="en-US" dirty="0"/>
-              <a:t>Includes of the </a:t>
-            </a:r>
-            <a:r>
-              <a:rPr lang="en-US" dirty="0" err="1"/>
-              <a:t>derived’s</a:t>
-            </a:r>
-            <a:r>
-              <a:rPr lang="en-US" dirty="0"/>
-              <a:t> header must also include the header of the base.</a:t>
+              <a:t>Moving common code into the base class</a:t>
             </a:r>
           </a:p>
           <a:p>
             <a:pPr lvl="1"/>
             <a:r>
               <a:rPr lang="en-US" dirty="0"/>
-              <a:t>The size of the derived class depends on the size of the base. So, if the base changes you need to recompile. (No runtime compatibility)</a:t>
+              <a:t>Moves varying code into derived classes</a:t>
             </a:r>
           </a:p>
           <a:p>
             <a:pPr lvl="1"/>
             <a:r>
               <a:rPr lang="en-US" dirty="0"/>
-              <a:t>May introduce cyclic dependencies, because the base class can call the derived class and vice versa</a:t>
-            </a:r>
-          </a:p>
-          <a:p>
-            <a:r>
-              <a:rPr lang="en-US" dirty="0"/>
-              <a:t>Effectively the base and the derived classes are one big class split across multiple files.</a:t>
-            </a:r>
-          </a:p>
-          <a:p>
-            <a:pPr lvl="1"/>
-            <a:endParaRPr lang="en-US" dirty="0"/>
-          </a:p>
-          <a:p>
-            <a:pPr lvl="1"/>
-            <a:endParaRPr lang="en-US" dirty="0"/>
+              <a:t>It’s so easy! You can call the implementation without specifying the name of an object</a:t>
+            </a:r>
           </a:p>
           <a:p>
             <a:endParaRPr lang="en-US" dirty="0"/>
@@ -5804,7 +5792,7 @@
       </p:grpSpPr>
       <p:sp>
         <p:nvSpPr>
-          <p:cNvPr id="150" name="PlaceHolder 1"/>
+          <p:cNvPr id="148" name="PlaceHolder 1"/>
           <p:cNvSpPr>
             <a:spLocks noGrp="1"/>
           </p:cNvSpPr>
@@ -5837,7 +5825,7 @@
       </p:sp>
       <p:sp>
         <p:nvSpPr>
-          <p:cNvPr id="151" name="PlaceHolder 2"/>
+          <p:cNvPr id="149" name="PlaceHolder 2"/>
           <p:cNvSpPr>
             <a:spLocks noGrp="1"/>
           </p:cNvSpPr>
@@ -5857,68 +5845,57 @@
         </p:spPr>
         <p:txBody>
           <a:bodyPr anchor="t">
-            <a:normAutofit fontScale="77500" lnSpcReduction="20000"/>
+            <a:normAutofit fontScale="92500" lnSpcReduction="20000"/>
           </a:bodyPr>
           <a:lstStyle/>
           <a:p>
             <a:r>
               <a:rPr lang="en-US" dirty="0"/>
-              <a:t>It breaks encapsulation </a:t>
+              <a:t>It introduces coupling between the derived class and the base class:</a:t>
             </a:r>
           </a:p>
           <a:p>
             <a:pPr lvl="1"/>
             <a:r>
               <a:rPr lang="en-US" dirty="0"/>
-              <a:t>The derived class has access to all public members of the implementation class.</a:t>
+              <a:t>Includes of the </a:t>
+            </a:r>
+            <a:r>
+              <a:rPr lang="en-US" dirty="0" err="1"/>
+              <a:t>derived’s</a:t>
+            </a:r>
+            <a:r>
+              <a:rPr lang="en-US" dirty="0"/>
+              <a:t> header must also include the header of the base.</a:t>
             </a:r>
           </a:p>
           <a:p>
             <a:pPr lvl="1"/>
             <a:r>
               <a:rPr lang="en-US" dirty="0"/>
-              <a:t>It’s like marking your implementation fields and methods public.</a:t>
+              <a:t>The size of the derived class depends on the size of the base. So, if the base changes you need to recompile. (No runtime compatibility)</a:t>
             </a:r>
           </a:p>
           <a:p>
             <a:pPr lvl="1"/>
             <a:r>
               <a:rPr lang="en-US" dirty="0"/>
-              <a:t>All members of all base classes are in the same namespace and can be confused without warning (the diamond problem)</a:t>
-            </a:r>
-          </a:p>
-          <a:p>
-            <a:r>
-              <a:rPr lang="en-US" dirty="0"/>
-              <a:t>It limits testability of the derived class</a:t>
+              <a:t>May introduce cyclic dependencies, because the base class can call the derived class and vice versa</a:t>
+            </a:r>
+          </a:p>
+          <a:p>
+            <a:r>
+              <a:rPr lang="en-US" dirty="0"/>
+              <a:t>Effectively the base and the derived classes are one big class split across multiple files.</a:t>
             </a:r>
           </a:p>
           <a:p>
             <a:pPr lvl="1"/>
-            <a:r>
-              <a:rPr lang="en-US" dirty="0"/>
-              <a:t>The implementation in the base class cannot be replaced by a mock in a test</a:t>
-            </a:r>
+            <a:endParaRPr lang="en-US" dirty="0"/>
           </a:p>
           <a:p>
             <a:pPr lvl="1"/>
-            <a:r>
-              <a:rPr lang="en-US" dirty="0"/>
-              <a:t>Coupled classes can only be tested together</a:t>
-            </a:r>
-          </a:p>
-          <a:p>
-            <a:r>
-              <a:rPr lang="en-US" dirty="0"/>
-              <a:t>It limits reusability of the derived class</a:t>
-            </a:r>
-          </a:p>
-          <a:p>
-            <a:pPr lvl="1"/>
-            <a:r>
-              <a:rPr lang="en-US" dirty="0"/>
-              <a:t>The derived class can only be reused if the implementation provided in the base class is desired</a:t>
-            </a:r>
+            <a:endParaRPr lang="en-US" dirty="0"/>
           </a:p>
           <a:p>
             <a:endParaRPr lang="en-US" dirty="0"/>
@@ -5952,7 +5929,7 @@
       </p:grpSpPr>
       <p:sp>
         <p:nvSpPr>
-          <p:cNvPr id="131" name="PlaceHolder 1"/>
+          <p:cNvPr id="150" name="PlaceHolder 1"/>
           <p:cNvSpPr>
             <a:spLocks noGrp="1"/>
           </p:cNvSpPr>
@@ -5972,20 +5949,20 @@
         </p:spPr>
         <p:txBody>
           <a:bodyPr anchor="ctr">
-            <a:noAutofit/>
+            <a:normAutofit/>
           </a:bodyPr>
           <a:lstStyle/>
           <a:p>
             <a:r>
               <a:rPr lang="en-US" dirty="0"/>
-              <a:t>And it gets worse</a:t>
-            </a:r>
-          </a:p>
-        </p:txBody>
-      </p:sp>
-      <p:sp>
-        <p:nvSpPr>
-          <p:cNvPr id="132" name="PlaceHolder 2"/>
+              <a:t>Code Reuse: Pitfalls</a:t>
+            </a:r>
+          </a:p>
+        </p:txBody>
+      </p:sp>
+      <p:sp>
+        <p:nvSpPr>
+          <p:cNvPr id="151" name="PlaceHolder 2"/>
           <p:cNvSpPr>
             <a:spLocks noGrp="1"/>
           </p:cNvSpPr>
@@ -6005,70 +5982,68 @@
         </p:spPr>
         <p:txBody>
           <a:bodyPr anchor="t">
-            <a:normAutofit fontScale="85500"/>
+            <a:normAutofit fontScale="77500" lnSpcReduction="20000"/>
           </a:bodyPr>
           <a:lstStyle/>
           <a:p>
             <a:r>
               <a:rPr lang="en-US" dirty="0"/>
-              <a:t>Often, inheritance is used to achieve both goals (polymorphism and code reuse)</a:t>
+              <a:t>It breaks encapsulation </a:t>
             </a:r>
           </a:p>
           <a:p>
             <a:pPr lvl="1"/>
             <a:r>
               <a:rPr lang="en-US" dirty="0"/>
-              <a:t>A glorious violation of the Single Responsibility Principle</a:t>
+              <a:t>The derived class has access to all public members of the implementation class.</a:t>
             </a:r>
           </a:p>
           <a:p>
             <a:pPr lvl="1"/>
             <a:r>
               <a:rPr lang="en-US" dirty="0"/>
-              <a:t>This complicates the class giving it multiple responsibilities.</a:t>
+              <a:t>It’s like marking your implementation fields and methods public.</a:t>
             </a:r>
           </a:p>
           <a:p>
             <a:pPr lvl="1"/>
             <a:r>
               <a:rPr lang="en-US" dirty="0"/>
-              <a:t>The relationship between base and derived are not  clear making it difficult to maintain</a:t>
-            </a:r>
-          </a:p>
-          <a:p>
-            <a:r>
-              <a:rPr lang="en-US" dirty="0"/>
-              <a:t>Large inheritance hierarchies are difficult to maintain </a:t>
+              <a:t>All members of all base classes are in the same namespace and can be confused without warning (the diamond problem)</a:t>
+            </a:r>
+          </a:p>
+          <a:p>
+            <a:r>
+              <a:rPr lang="en-US" dirty="0"/>
+              <a:t>It limits testability of the derived class</a:t>
             </a:r>
           </a:p>
           <a:p>
             <a:pPr lvl="1"/>
             <a:r>
               <a:rPr lang="en-US" dirty="0"/>
-              <a:t>When implementations change, inheritance relationships are required to change. </a:t>
-            </a:r>
-          </a:p>
-          <a:p>
-            <a:pPr marL="0" indent="0">
-              <a:buNone/>
-            </a:pPr>
-            <a:endParaRPr lang="en-US" dirty="0"/>
+              <a:t>The implementation in the base class cannot be replaced by a mock in a test</a:t>
+            </a:r>
           </a:p>
           <a:p>
             <a:pPr lvl="1"/>
-            <a:endParaRPr lang="en-US" dirty="0"/>
+            <a:r>
+              <a:rPr lang="en-US" dirty="0"/>
+              <a:t>Coupled classes can only be tested together</a:t>
+            </a:r>
+          </a:p>
+          <a:p>
+            <a:r>
+              <a:rPr lang="en-US" dirty="0"/>
+              <a:t>It limits reusability of the derived class</a:t>
+            </a:r>
           </a:p>
           <a:p>
             <a:pPr lvl="1"/>
-            <a:endParaRPr lang="en-US" dirty="0"/>
-          </a:p>
-          <a:p>
-            <a:pPr lvl="1"/>
-            <a:endParaRPr lang="en-US" dirty="0"/>
-          </a:p>
-          <a:p>
-            <a:pPr lvl="1"/>
-            <a:endParaRPr lang="en-US" dirty="0"/>
+            <a:r>
+              <a:rPr lang="en-US" dirty="0"/>
+              <a:t>The derived class can only be reused if the implementation provided in the base class is desired</a:t>
+            </a:r>
           </a:p>
           <a:p>
             <a:endParaRPr lang="en-US" dirty="0"/>
@@ -6102,7 +6077,7 @@
       </p:grpSpPr>
       <p:sp>
         <p:nvSpPr>
-          <p:cNvPr id="152" name="PlaceHolder 1"/>
+          <p:cNvPr id="131" name="PlaceHolder 1"/>
           <p:cNvSpPr>
             <a:spLocks noGrp="1"/>
           </p:cNvSpPr>
@@ -6127,15 +6102,15 @@
           <a:lstStyle/>
           <a:p>
             <a:r>
-              <a:rPr lang="en-US"/>
-              <a:t>Summary so far</a:t>
-            </a:r>
-          </a:p>
-        </p:txBody>
-      </p:sp>
-      <p:sp>
-        <p:nvSpPr>
-          <p:cNvPr id="153" name="PlaceHolder 2"/>
+              <a:rPr lang="en-US" dirty="0"/>
+              <a:t>And it gets worse</a:t>
+            </a:r>
+          </a:p>
+        </p:txBody>
+      </p:sp>
+      <p:sp>
+        <p:nvSpPr>
+          <p:cNvPr id="132" name="PlaceHolder 2"/>
           <p:cNvSpPr>
             <a:spLocks noGrp="1"/>
           </p:cNvSpPr>
@@ -6155,55 +6130,69 @@
         </p:spPr>
         <p:txBody>
           <a:bodyPr anchor="t">
-            <a:normAutofit/>
+            <a:normAutofit fontScale="85500"/>
           </a:bodyPr>
           <a:lstStyle/>
           <a:p>
             <a:r>
               <a:rPr lang="en-US" dirty="0"/>
-              <a:t>Inheritance of Contract: Good</a:t>
-            </a:r>
-          </a:p>
-          <a:p>
-            <a:r>
-              <a:rPr lang="en-US" dirty="0"/>
-              <a:t>Inheritance of Implementation: Bad</a:t>
-            </a:r>
-          </a:p>
-          <a:p>
-            <a:r>
-              <a:rPr lang="en-US" dirty="0"/>
-              <a:t>Exception: Data classes can use inheritance because:</a:t>
+              <a:t>Often, inheritance is used to achieve both goals (polymorphism and code reuse)</a:t>
             </a:r>
           </a:p>
           <a:p>
             <a:pPr lvl="1"/>
             <a:r>
               <a:rPr lang="en-US" dirty="0"/>
-              <a:t>We don’t test data classes</a:t>
+              <a:t>A glorious violation of the Single Responsibility Principle</a:t>
             </a:r>
           </a:p>
           <a:p>
             <a:pPr lvl="1"/>
             <a:r>
               <a:rPr lang="en-US" dirty="0"/>
-              <a:t>There are no methods in data classes, so no cycles</a:t>
+              <a:t>This complicates the class giving it multiple responsibilities.</a:t>
             </a:r>
           </a:p>
           <a:p>
             <a:pPr lvl="1"/>
             <a:r>
               <a:rPr lang="en-US" dirty="0"/>
-              <a:t>Data class expose all their data as public. No need for encapsulation</a:t>
-            </a:r>
-          </a:p>
-          <a:p>
+              <a:t>The relationship between base and derived are not  clear making it difficult to maintain</a:t>
+            </a:r>
+          </a:p>
+          <a:p>
+            <a:r>
+              <a:rPr lang="en-US" dirty="0"/>
+              <a:t>Large inheritance hierarchies are difficult to maintain </a:t>
+            </a:r>
+          </a:p>
+          <a:p>
+            <a:pPr lvl="1"/>
+            <a:r>
+              <a:rPr lang="en-US" dirty="0"/>
+              <a:t>When implementations change, inheritance relationships are required to change. </a:t>
+            </a:r>
+          </a:p>
+          <a:p>
+            <a:pPr marL="0" indent="0">
+              <a:buNone/>
+            </a:pPr>
             <a:endParaRPr lang="en-US" dirty="0"/>
           </a:p>
           <a:p>
+            <a:pPr lvl="1"/>
             <a:endParaRPr lang="en-US" dirty="0"/>
           </a:p>
           <a:p>
+            <a:pPr lvl="1"/>
+            <a:endParaRPr lang="en-US" dirty="0"/>
+          </a:p>
+          <a:p>
+            <a:pPr lvl="1"/>
+            <a:endParaRPr lang="en-US" dirty="0"/>
+          </a:p>
+          <a:p>
+            <a:pPr lvl="1"/>
             <a:endParaRPr lang="en-US" dirty="0"/>
           </a:p>
           <a:p>
@@ -6238,7 +6227,7 @@
       </p:grpSpPr>
       <p:sp>
         <p:nvSpPr>
-          <p:cNvPr id="154" name="PlaceHolder 1"/>
+          <p:cNvPr id="152" name="PlaceHolder 1"/>
           <p:cNvSpPr>
             <a:spLocks noGrp="1"/>
           </p:cNvSpPr>
@@ -6263,15 +6252,15 @@
           <a:lstStyle/>
           <a:p>
             <a:r>
-              <a:rPr lang="en-US" sz="4000" dirty="0"/>
-              <a:t>Prefer Composition over Inheritance</a:t>
-            </a:r>
-          </a:p>
-        </p:txBody>
-      </p:sp>
-      <p:sp>
-        <p:nvSpPr>
-          <p:cNvPr id="155" name="PlaceHolder 2"/>
+              <a:rPr lang="en-US"/>
+              <a:t>Summary so far</a:t>
+            </a:r>
+          </a:p>
+        </p:txBody>
+      </p:sp>
+      <p:sp>
+        <p:nvSpPr>
+          <p:cNvPr id="153" name="PlaceHolder 2"/>
           <p:cNvSpPr>
             <a:spLocks noGrp="1"/>
           </p:cNvSpPr>
@@ -6297,42 +6286,44 @@
           <a:p>
             <a:r>
               <a:rPr lang="en-US" dirty="0"/>
-              <a:t>For code reuse – use composition</a:t>
-            </a:r>
-          </a:p>
-          <a:p>
-            <a:r>
-              <a:rPr lang="en-US" dirty="0"/>
-              <a:t>Everywhere you use inheritance today you can use composition:</a:t>
+              <a:t>Inheritance of Contract: Good</a:t>
+            </a:r>
+          </a:p>
+          <a:p>
+            <a:r>
+              <a:rPr lang="en-US" dirty="0"/>
+              <a:t>Inheritance of Implementation: Bad</a:t>
+            </a:r>
+          </a:p>
+          <a:p>
+            <a:r>
+              <a:rPr lang="en-US" dirty="0"/>
+              <a:t>Exception: Data classes can use inheritance because:</a:t>
             </a:r>
           </a:p>
           <a:p>
             <a:pPr lvl="1"/>
             <a:r>
               <a:rPr lang="en-US" dirty="0"/>
-              <a:t>When derived class uses the base class</a:t>
-            </a:r>
-          </a:p>
-          <a:p>
-            <a:pPr lvl="2"/>
-            <a:r>
-              <a:rPr lang="en-US" dirty="0"/>
-              <a:t>The base class becomes a member</a:t>
+              <a:t>We don’t test data classes</a:t>
             </a:r>
           </a:p>
           <a:p>
             <a:pPr lvl="1"/>
             <a:r>
               <a:rPr lang="en-US" dirty="0"/>
-              <a:t>When base class uses derived class</a:t>
-            </a:r>
-          </a:p>
-          <a:p>
-            <a:pPr lvl="2"/>
-            <a:r>
-              <a:rPr lang="en-US" dirty="0"/>
-              <a:t>The derived class becomes a member</a:t>
-            </a:r>
+              <a:t>There are no methods in data classes, so no cycles</a:t>
+            </a:r>
+          </a:p>
+          <a:p>
+            <a:pPr lvl="1"/>
+            <a:r>
+              <a:rPr lang="en-US" dirty="0"/>
+              <a:t>Data class expose all their data as public. No need for encapsulation</a:t>
+            </a:r>
+          </a:p>
+          <a:p>
+            <a:endParaRPr lang="en-US" dirty="0"/>
           </a:p>
           <a:p>
             <a:endParaRPr lang="en-US" dirty="0"/>
@@ -6372,6 +6363,140 @@
       </p:grpSpPr>
       <p:sp>
         <p:nvSpPr>
+          <p:cNvPr id="154" name="PlaceHolder 1"/>
+          <p:cNvSpPr>
+            <a:spLocks noGrp="1"/>
+          </p:cNvSpPr>
+          <p:nvPr>
+            <p:ph type="title"/>
+          </p:nvPr>
+        </p:nvSpPr>
+        <p:spPr>
+          <a:xfrm>
+            <a:off x="457200" y="274638"/>
+            <a:ext cx="8229600" cy="1143000"/>
+          </a:xfrm>
+          <a:noFill/>
+          <a:ln w="0">
+            <a:noFill/>
+          </a:ln>
+        </p:spPr>
+        <p:txBody>
+          <a:bodyPr anchor="ctr">
+            <a:noAutofit/>
+          </a:bodyPr>
+          <a:lstStyle/>
+          <a:p>
+            <a:r>
+              <a:rPr lang="en-US" sz="4000" dirty="0"/>
+              <a:t>Prefer Composition over Inheritance</a:t>
+            </a:r>
+          </a:p>
+        </p:txBody>
+      </p:sp>
+      <p:sp>
+        <p:nvSpPr>
+          <p:cNvPr id="155" name="PlaceHolder 2"/>
+          <p:cNvSpPr>
+            <a:spLocks noGrp="1"/>
+          </p:cNvSpPr>
+          <p:nvPr>
+            <p:ph idx="1"/>
+          </p:nvPr>
+        </p:nvSpPr>
+        <p:spPr>
+          <a:xfrm>
+            <a:off x="457200" y="1600200"/>
+            <a:ext cx="8229600" cy="4525963"/>
+          </a:xfrm>
+          <a:noFill/>
+          <a:ln w="0">
+            <a:noFill/>
+          </a:ln>
+        </p:spPr>
+        <p:txBody>
+          <a:bodyPr anchor="t">
+            <a:normAutofit/>
+          </a:bodyPr>
+          <a:lstStyle/>
+          <a:p>
+            <a:r>
+              <a:rPr lang="en-US" dirty="0"/>
+              <a:t>For code reuse – use composition</a:t>
+            </a:r>
+          </a:p>
+          <a:p>
+            <a:r>
+              <a:rPr lang="en-US" dirty="0"/>
+              <a:t>Everywhere you use inheritance today you can use composition:</a:t>
+            </a:r>
+          </a:p>
+          <a:p>
+            <a:pPr lvl="1"/>
+            <a:r>
+              <a:rPr lang="en-US" dirty="0"/>
+              <a:t>When derived class uses the base class</a:t>
+            </a:r>
+          </a:p>
+          <a:p>
+            <a:pPr lvl="2"/>
+            <a:r>
+              <a:rPr lang="en-US" dirty="0"/>
+              <a:t>The base class becomes a member</a:t>
+            </a:r>
+          </a:p>
+          <a:p>
+            <a:pPr lvl="1"/>
+            <a:r>
+              <a:rPr lang="en-US" dirty="0"/>
+              <a:t>When base class uses derived class</a:t>
+            </a:r>
+          </a:p>
+          <a:p>
+            <a:pPr lvl="2"/>
+            <a:r>
+              <a:rPr lang="en-US" dirty="0"/>
+              <a:t>The derived class becomes a member</a:t>
+            </a:r>
+          </a:p>
+          <a:p>
+            <a:endParaRPr lang="en-US" dirty="0"/>
+          </a:p>
+          <a:p>
+            <a:endParaRPr lang="en-US" dirty="0"/>
+          </a:p>
+          <a:p>
+            <a:endParaRPr lang="en-US" dirty="0"/>
+          </a:p>
+        </p:txBody>
+      </p:sp>
+    </p:spTree>
+  </p:cSld>
+  <p:clrMapOvr>
+    <a:masterClrMapping/>
+  </p:clrMapOvr>
+</p:sld>
+</file>
+
+<file path=ppt/slides/slide25.xml><?xml version="1.0" encoding="utf-8"?>
+<p:sld xmlns:a="http://schemas.openxmlformats.org/drawingml/2006/main" xmlns:r="http://schemas.openxmlformats.org/officeDocument/2006/relationships" xmlns:p="http://schemas.openxmlformats.org/presentationml/2006/main">
+  <p:cSld>
+    <p:spTree>
+      <p:nvGrpSpPr>
+        <p:cNvPr id="1" name=""/>
+        <p:cNvGrpSpPr/>
+        <p:nvPr/>
+      </p:nvGrpSpPr>
+      <p:grpSpPr>
+        <a:xfrm>
+          <a:off x="0" y="0"/>
+          <a:ext cx="0" cy="0"/>
+          <a:chOff x="0" y="0"/>
+          <a:chExt cx="0" cy="0"/>
+        </a:xfrm>
+      </p:grpSpPr>
+      <p:sp>
+        <p:nvSpPr>
           <p:cNvPr id="159" name="PlaceHolder 1"/>
           <p:cNvSpPr>
             <a:spLocks noGrp="1"/>
@@ -6541,7 +6666,7 @@
 </p:sld>
 </file>
 
-<file path=ppt/slides/slide25.xml><?xml version="1.0" encoding="utf-8"?>
+<file path=ppt/slides/slide26.xml><?xml version="1.0" encoding="utf-8"?>
 <p:sld xmlns:a="http://schemas.openxmlformats.org/drawingml/2006/main" xmlns:r="http://schemas.openxmlformats.org/officeDocument/2006/relationships" xmlns:p="http://schemas.openxmlformats.org/presentationml/2006/main">
   <p:cSld>
     <p:spTree>
@@ -6743,7 +6868,7 @@
 </p:sld>
 </file>
 
-<file path=ppt/slides/slide26.xml><?xml version="1.0" encoding="utf-8"?>
+<file path=ppt/slides/slide27.xml><?xml version="1.0" encoding="utf-8"?>
 <p:sld xmlns:a="http://schemas.openxmlformats.org/drawingml/2006/main" xmlns:r="http://schemas.openxmlformats.org/officeDocument/2006/relationships" xmlns:p="http://schemas.openxmlformats.org/presentationml/2006/main">
   <p:cSld>
     <p:spTree>
@@ -6892,7 +7017,7 @@
 </p:sld>
 </file>
 
-<file path=ppt/slides/slide27.xml><?xml version="1.0" encoding="utf-8"?>
+<file path=ppt/slides/slide28.xml><?xml version="1.0" encoding="utf-8"?>
 <p:sld xmlns:a="http://schemas.openxmlformats.org/drawingml/2006/main" xmlns:r="http://schemas.openxmlformats.org/officeDocument/2006/relationships" xmlns:p="http://schemas.openxmlformats.org/presentationml/2006/main">
   <p:cSld>
     <p:spTree>
@@ -7035,7 +7160,7 @@
 </p:sld>
 </file>
 
-<file path=ppt/slides/slide28.xml><?xml version="1.0" encoding="utf-8"?>
+<file path=ppt/slides/slide29.xml><?xml version="1.0" encoding="utf-8"?>
 <p:sld xmlns:a="http://schemas.openxmlformats.org/drawingml/2006/main" xmlns:r="http://schemas.openxmlformats.org/officeDocument/2006/relationships" xmlns:p="http://schemas.openxmlformats.org/presentationml/2006/main">
   <p:cSld>
     <p:spTree>
@@ -7145,124 +7270,6 @@
     <p:extLst>
       <p:ext uri="{BB962C8B-B14F-4D97-AF65-F5344CB8AC3E}">
         <p14:creationId xmlns:p14="http://schemas.microsoft.com/office/powerpoint/2010/main" val="2247845519"/>
-      </p:ext>
-    </p:extLst>
-  </p:cSld>
-  <p:clrMapOvr>
-    <a:masterClrMapping/>
-  </p:clrMapOvr>
-</p:sld>
-</file>
-
-<file path=ppt/slides/slide29.xml><?xml version="1.0" encoding="utf-8"?>
-<p:sld xmlns:a="http://schemas.openxmlformats.org/drawingml/2006/main" xmlns:r="http://schemas.openxmlformats.org/officeDocument/2006/relationships" xmlns:p="http://schemas.openxmlformats.org/presentationml/2006/main">
-  <p:cSld>
-    <p:spTree>
-      <p:nvGrpSpPr>
-        <p:cNvPr id="1" name=""/>
-        <p:cNvGrpSpPr/>
-        <p:nvPr/>
-      </p:nvGrpSpPr>
-      <p:grpSpPr>
-        <a:xfrm>
-          <a:off x="0" y="0"/>
-          <a:ext cx="0" cy="0"/>
-          <a:chOff x="0" y="0"/>
-          <a:chExt cx="0" cy="0"/>
-        </a:xfrm>
-      </p:grpSpPr>
-      <p:sp>
-        <p:nvSpPr>
-          <p:cNvPr id="2" name="Title 1">
-            <a:extLst>
-              <a:ext uri="{FF2B5EF4-FFF2-40B4-BE49-F238E27FC236}">
-                <a16:creationId xmlns:a16="http://schemas.microsoft.com/office/drawing/2014/main" id="{C1D7D5E1-BB51-14DC-9027-C7D5FBA24440}"/>
-              </a:ext>
-            </a:extLst>
-          </p:cNvPr>
-          <p:cNvSpPr>
-            <a:spLocks noGrp="1"/>
-          </p:cNvSpPr>
-          <p:nvPr>
-            <p:ph type="title"/>
-          </p:nvPr>
-        </p:nvSpPr>
-        <p:spPr>
-          <a:xfrm>
-            <a:off x="457200" y="274638"/>
-            <a:ext cx="8229600" cy="1143000"/>
-          </a:xfrm>
-        </p:spPr>
-        <p:txBody>
-          <a:bodyPr>
-            <a:normAutofit/>
-          </a:bodyPr>
-          <a:lstStyle/>
-          <a:p>
-            <a:r>
-              <a:rPr lang="en-US" dirty="0"/>
-              <a:t>Immutability is your friend</a:t>
-            </a:r>
-          </a:p>
-        </p:txBody>
-      </p:sp>
-      <p:sp>
-        <p:nvSpPr>
-          <p:cNvPr id="5" name="Content Placeholder 4">
-            <a:extLst>
-              <a:ext uri="{FF2B5EF4-FFF2-40B4-BE49-F238E27FC236}">
-                <a16:creationId xmlns:a16="http://schemas.microsoft.com/office/drawing/2014/main" id="{F95081A3-350A-403B-5429-0CFACF9950C6}"/>
-              </a:ext>
-            </a:extLst>
-          </p:cNvPr>
-          <p:cNvSpPr>
-            <a:spLocks noGrp="1"/>
-          </p:cNvSpPr>
-          <p:nvPr>
-            <p:ph idx="1"/>
-          </p:nvPr>
-        </p:nvSpPr>
-        <p:spPr/>
-        <p:txBody>
-          <a:bodyPr>
-            <a:normAutofit/>
-          </a:bodyPr>
-          <a:lstStyle/>
-          <a:p>
-            <a:r>
-              <a:rPr lang="en-US" dirty="0"/>
-              <a:t>C++ is not strictly a functional programming language. </a:t>
-            </a:r>
-          </a:p>
-          <a:p>
-            <a:r>
-              <a:rPr lang="en-US" dirty="0"/>
-              <a:t>It is an object-oriented language which typically uses mutation of state.</a:t>
-            </a:r>
-          </a:p>
-          <a:p>
-            <a:r>
-              <a:rPr lang="en-US" dirty="0"/>
-              <a:t>However, it is recommended to prefer immutable fields where possible.</a:t>
-            </a:r>
-          </a:p>
-          <a:p>
-            <a:r>
-              <a:rPr lang="en-US" dirty="0"/>
-              <a:t>Dependencies, for instance should not be modified during the lifetime of </a:t>
-            </a:r>
-            <a:r>
-              <a:rPr lang="en-US"/>
-              <a:t>an object.</a:t>
-            </a:r>
-            <a:endParaRPr lang="en-US" dirty="0"/>
-          </a:p>
-        </p:txBody>
-      </p:sp>
-    </p:spTree>
-    <p:extLst>
-      <p:ext uri="{BB962C8B-B14F-4D97-AF65-F5344CB8AC3E}">
-        <p14:creationId xmlns:p14="http://schemas.microsoft.com/office/powerpoint/2010/main" val="500966078"/>
       </p:ext>
     </p:extLst>
   </p:cSld>
@@ -7340,8 +7347,13 @@
           <a:p>
             <a:r>
               <a:rPr lang="en-US" dirty="0"/>
-              <a:t>Our single biggest problem: Complexity</a:t>
-            </a:r>
+              <a:t>Causes of complexity</a:t>
+            </a:r>
+            <a:endParaRPr lang="en-US" dirty="0">
+              <a:solidFill>
+                <a:srgbClr val="C00000"/>
+              </a:solidFill>
+            </a:endParaRPr>
           </a:p>
           <a:p>
             <a:r>
@@ -7352,48 +7364,72 @@
           <a:p>
             <a:pPr lvl="1"/>
             <a:r>
-              <a:rPr lang="en-US" dirty="0"/>
+              <a:rPr lang="en-US" dirty="0">
+                <a:solidFill>
+                  <a:schemeClr val="tx2"/>
+                </a:solidFill>
+              </a:rPr>
               <a:t>The Single Responsibility Principle</a:t>
             </a:r>
           </a:p>
           <a:p>
             <a:pPr lvl="1"/>
             <a:r>
-              <a:rPr lang="en-US" dirty="0"/>
+              <a:rPr lang="en-US" dirty="0">
+                <a:solidFill>
+                  <a:schemeClr val="tx2"/>
+                </a:solidFill>
+              </a:rPr>
+              <a:t>Encapsulation</a:t>
+            </a:r>
+          </a:p>
+          <a:p>
+            <a:pPr lvl="1"/>
+            <a:r>
+              <a:rPr lang="en-US" dirty="0">
+                <a:solidFill>
+                  <a:schemeClr val="tx2"/>
+                </a:solidFill>
+              </a:rPr>
+              <a:t>Prefer Composition over Inheritance</a:t>
+            </a:r>
+          </a:p>
+          <a:p>
+            <a:pPr lvl="1"/>
+            <a:r>
+              <a:rPr lang="en-US" dirty="0">
+                <a:solidFill>
+                  <a:schemeClr val="tx2"/>
+                </a:solidFill>
+              </a:rPr>
               <a:t>The Open Closed Principle</a:t>
             </a:r>
           </a:p>
           <a:p>
             <a:pPr lvl="1"/>
             <a:r>
-              <a:rPr lang="en-US" dirty="0"/>
-              <a:t>Encapsulation</a:t>
+              <a:rPr lang="en-US" dirty="0">
+                <a:solidFill>
+                  <a:schemeClr val="tx2"/>
+                </a:solidFill>
+              </a:rPr>
+              <a:t>System Organization and Refactoring</a:t>
+            </a:r>
+          </a:p>
+          <a:p>
+            <a:r>
+              <a:rPr lang="en-US" dirty="0"/>
+              <a:t>What you should forget</a:t>
             </a:r>
           </a:p>
           <a:p>
             <a:pPr lvl="1"/>
             <a:r>
-              <a:rPr lang="en-US" dirty="0"/>
-              <a:t>Prefer Composition over Inheritance</a:t>
-            </a:r>
-          </a:p>
-          <a:p>
-            <a:pPr lvl="1"/>
-            <a:r>
-              <a:rPr lang="en-US" dirty="0"/>
-              <a:t>System Organization and Refactoring</a:t>
-            </a:r>
-          </a:p>
-          <a:p>
-            <a:r>
-              <a:rPr lang="en-US" dirty="0"/>
-              <a:t>What you should forget</a:t>
-            </a:r>
-          </a:p>
-          <a:p>
-            <a:pPr lvl="1"/>
-            <a:r>
-              <a:rPr lang="en-US" dirty="0"/>
+              <a:rPr lang="en-US" sz="3200" dirty="0">
+                <a:solidFill>
+                  <a:srgbClr val="C00000"/>
+                </a:solidFill>
+              </a:rPr>
               <a:t>Inheritance</a:t>
             </a:r>
           </a:p>
@@ -7416,6 +7452,124 @@
 </file>
 
 <file path=ppt/slides/slide30.xml><?xml version="1.0" encoding="utf-8"?>
+<p:sld xmlns:a="http://schemas.openxmlformats.org/drawingml/2006/main" xmlns:r="http://schemas.openxmlformats.org/officeDocument/2006/relationships" xmlns:p="http://schemas.openxmlformats.org/presentationml/2006/main">
+  <p:cSld>
+    <p:spTree>
+      <p:nvGrpSpPr>
+        <p:cNvPr id="1" name=""/>
+        <p:cNvGrpSpPr/>
+        <p:nvPr/>
+      </p:nvGrpSpPr>
+      <p:grpSpPr>
+        <a:xfrm>
+          <a:off x="0" y="0"/>
+          <a:ext cx="0" cy="0"/>
+          <a:chOff x="0" y="0"/>
+          <a:chExt cx="0" cy="0"/>
+        </a:xfrm>
+      </p:grpSpPr>
+      <p:sp>
+        <p:nvSpPr>
+          <p:cNvPr id="2" name="Title 1">
+            <a:extLst>
+              <a:ext uri="{FF2B5EF4-FFF2-40B4-BE49-F238E27FC236}">
+                <a16:creationId xmlns:a16="http://schemas.microsoft.com/office/drawing/2014/main" id="{C1D7D5E1-BB51-14DC-9027-C7D5FBA24440}"/>
+              </a:ext>
+            </a:extLst>
+          </p:cNvPr>
+          <p:cNvSpPr>
+            <a:spLocks noGrp="1"/>
+          </p:cNvSpPr>
+          <p:nvPr>
+            <p:ph type="title"/>
+          </p:nvPr>
+        </p:nvSpPr>
+        <p:spPr>
+          <a:xfrm>
+            <a:off x="457200" y="274638"/>
+            <a:ext cx="8229600" cy="1143000"/>
+          </a:xfrm>
+        </p:spPr>
+        <p:txBody>
+          <a:bodyPr>
+            <a:normAutofit/>
+          </a:bodyPr>
+          <a:lstStyle/>
+          <a:p>
+            <a:r>
+              <a:rPr lang="en-US" dirty="0"/>
+              <a:t>Immutability is your friend</a:t>
+            </a:r>
+          </a:p>
+        </p:txBody>
+      </p:sp>
+      <p:sp>
+        <p:nvSpPr>
+          <p:cNvPr id="5" name="Content Placeholder 4">
+            <a:extLst>
+              <a:ext uri="{FF2B5EF4-FFF2-40B4-BE49-F238E27FC236}">
+                <a16:creationId xmlns:a16="http://schemas.microsoft.com/office/drawing/2014/main" id="{F95081A3-350A-403B-5429-0CFACF9950C6}"/>
+              </a:ext>
+            </a:extLst>
+          </p:cNvPr>
+          <p:cNvSpPr>
+            <a:spLocks noGrp="1"/>
+          </p:cNvSpPr>
+          <p:nvPr>
+            <p:ph idx="1"/>
+          </p:nvPr>
+        </p:nvSpPr>
+        <p:spPr/>
+        <p:txBody>
+          <a:bodyPr>
+            <a:normAutofit/>
+          </a:bodyPr>
+          <a:lstStyle/>
+          <a:p>
+            <a:r>
+              <a:rPr lang="en-US" dirty="0"/>
+              <a:t>C++ is not strictly a functional programming language. </a:t>
+            </a:r>
+          </a:p>
+          <a:p>
+            <a:r>
+              <a:rPr lang="en-US" dirty="0"/>
+              <a:t>It is an object-oriented language which typically uses mutation of state.</a:t>
+            </a:r>
+          </a:p>
+          <a:p>
+            <a:r>
+              <a:rPr lang="en-US" dirty="0"/>
+              <a:t>However, it is recommended to prefer immutable fields where possible.</a:t>
+            </a:r>
+          </a:p>
+          <a:p>
+            <a:r>
+              <a:rPr lang="en-US" dirty="0"/>
+              <a:t>Dependencies, for instance should not be modified during the lifetime of </a:t>
+            </a:r>
+            <a:r>
+              <a:rPr lang="en-US"/>
+              <a:t>an object.</a:t>
+            </a:r>
+            <a:endParaRPr lang="en-US" dirty="0"/>
+          </a:p>
+        </p:txBody>
+      </p:sp>
+    </p:spTree>
+    <p:extLst>
+      <p:ext uri="{BB962C8B-B14F-4D97-AF65-F5344CB8AC3E}">
+        <p14:creationId xmlns:p14="http://schemas.microsoft.com/office/powerpoint/2010/main" val="500966078"/>
+      </p:ext>
+    </p:extLst>
+  </p:cSld>
+  <p:clrMapOvr>
+    <a:masterClrMapping/>
+  </p:clrMapOvr>
+</p:sld>
+</file>
+
+<file path=ppt/slides/slide31.xml><?xml version="1.0" encoding="utf-8"?>
 <p:sld xmlns:a="http://schemas.openxmlformats.org/drawingml/2006/main" xmlns:r="http://schemas.openxmlformats.org/officeDocument/2006/relationships" xmlns:p="http://schemas.openxmlformats.org/presentationml/2006/main">
   <p:cSld>
     <p:spTree>
@@ -7556,7 +7710,7 @@
 </p:sld>
 </file>
 
-<file path=ppt/slides/slide31.xml><?xml version="1.0" encoding="utf-8"?>
+<file path=ppt/slides/slide32.xml><?xml version="1.0" encoding="utf-8"?>
 <p:sld xmlns:a="http://schemas.openxmlformats.org/drawingml/2006/main" xmlns:r="http://schemas.openxmlformats.org/officeDocument/2006/relationships" xmlns:p="http://schemas.openxmlformats.org/presentationml/2006/main">
   <p:cSld>
     <p:spTree>
@@ -7686,135 +7840,6 @@
 </file>
 
 <file path=ppt/slides/slide4.xml><?xml version="1.0" encoding="utf-8"?>
-<p:sld xmlns:a="http://schemas.openxmlformats.org/drawingml/2006/main" xmlns:r="http://schemas.openxmlformats.org/officeDocument/2006/relationships" xmlns:p="http://schemas.openxmlformats.org/presentationml/2006/main" show="0">
-  <p:cSld>
-    <p:spTree>
-      <p:nvGrpSpPr>
-        <p:cNvPr id="1" name=""/>
-        <p:cNvGrpSpPr/>
-        <p:nvPr/>
-      </p:nvGrpSpPr>
-      <p:grpSpPr>
-        <a:xfrm>
-          <a:off x="0" y="0"/>
-          <a:ext cx="0" cy="0"/>
-          <a:chOff x="0" y="0"/>
-          <a:chExt cx="0" cy="0"/>
-        </a:xfrm>
-      </p:grpSpPr>
-      <p:sp>
-        <p:nvSpPr>
-          <p:cNvPr id="2" name="Title 1"/>
-          <p:cNvSpPr>
-            <a:spLocks noGrp="1"/>
-          </p:cNvSpPr>
-          <p:nvPr>
-            <p:ph type="title"/>
-          </p:nvPr>
-        </p:nvSpPr>
-        <p:spPr>
-          <a:xfrm>
-            <a:off x="457200" y="274638"/>
-            <a:ext cx="8229600" cy="1143000"/>
-          </a:xfrm>
-        </p:spPr>
-        <p:txBody>
-          <a:bodyPr/>
-          <a:lstStyle/>
-          <a:p>
-            <a:r>
-              <a:rPr lang="en-US" dirty="0"/>
-              <a:t>The Crux of the Matter</a:t>
-            </a:r>
-          </a:p>
-        </p:txBody>
-      </p:sp>
-      <p:sp>
-        <p:nvSpPr>
-          <p:cNvPr id="3" name="Content Placeholder 2"/>
-          <p:cNvSpPr>
-            <a:spLocks noGrp="1"/>
-          </p:cNvSpPr>
-          <p:nvPr>
-            <p:ph idx="1"/>
-          </p:nvPr>
-        </p:nvSpPr>
-        <p:spPr>
-          <a:xfrm>
-            <a:off x="457200" y="1600200"/>
-            <a:ext cx="8229600" cy="4525963"/>
-          </a:xfrm>
-        </p:spPr>
-        <p:txBody>
-          <a:bodyPr/>
-          <a:lstStyle/>
-          <a:p>
-            <a:r>
-              <a:rPr lang="en-US" dirty="0"/>
-              <a:t>Dependencies are our biggest problem</a:t>
-            </a:r>
-          </a:p>
-          <a:p>
-            <a:r>
-              <a:rPr lang="en-US" dirty="0"/>
-              <a:t>The solution is to break large solutions into smaller components that:</a:t>
-            </a:r>
-          </a:p>
-          <a:p>
-            <a:pPr lvl="1"/>
-            <a:r>
-              <a:rPr lang="en-US" dirty="0"/>
-              <a:t>Have one responsibility</a:t>
-            </a:r>
-          </a:p>
-          <a:p>
-            <a:pPr lvl="1"/>
-            <a:r>
-              <a:rPr lang="en-US" dirty="0"/>
-              <a:t>Have a clear and concise interface</a:t>
-            </a:r>
-          </a:p>
-          <a:p>
-            <a:pPr lvl="1"/>
-            <a:r>
-              <a:rPr lang="en-US" dirty="0"/>
-              <a:t>Have tests that use the interface</a:t>
-            </a:r>
-          </a:p>
-          <a:p>
-            <a:pPr lvl="1"/>
-            <a:r>
-              <a:rPr lang="en-US" dirty="0"/>
-              <a:t>Use a small number of components</a:t>
-            </a:r>
-          </a:p>
-          <a:p>
-            <a:pPr lvl="1"/>
-            <a:r>
-              <a:rPr lang="en-US" dirty="0"/>
-              <a:t>Only use the public interface of other components </a:t>
-            </a:r>
-          </a:p>
-          <a:p>
-            <a:pPr lvl="1"/>
-            <a:endParaRPr lang="en-US" dirty="0"/>
-          </a:p>
-        </p:txBody>
-      </p:sp>
-    </p:spTree>
-    <p:extLst>
-      <p:ext uri="{BB962C8B-B14F-4D97-AF65-F5344CB8AC3E}">
-        <p14:creationId xmlns:p14="http://schemas.microsoft.com/office/powerpoint/2010/main" val="62040120"/>
-      </p:ext>
-    </p:extLst>
-  </p:cSld>
-  <p:clrMapOvr>
-    <a:masterClrMapping/>
-  </p:clrMapOvr>
-</p:sld>
-</file>
-
-<file path=ppt/slides/slide5.xml><?xml version="1.0" encoding="utf-8"?>
 <p:sld xmlns:a="http://schemas.openxmlformats.org/drawingml/2006/main" xmlns:r="http://schemas.openxmlformats.org/officeDocument/2006/relationships" xmlns:p="http://schemas.openxmlformats.org/presentationml/2006/main">
   <p:cSld>
     <p:spTree>
@@ -7904,7 +7929,7 @@
         </p:spPr>
         <p:txBody>
           <a:bodyPr anchor="t">
-            <a:normAutofit/>
+            <a:normAutofit fontScale="92500"/>
           </a:bodyPr>
           <a:lstStyle/>
           <a:p>
@@ -7916,7 +7941,7 @@
           <a:p>
             <a:r>
               <a:rPr lang="en-US" dirty="0"/>
-              <a:t>Components with too many responsibilities</a:t>
+              <a:t>Components that have too many responsibilities</a:t>
             </a:r>
           </a:p>
           <a:p>
@@ -7934,20 +7959,13 @@
           <a:p>
             <a:r>
               <a:rPr lang="en-US" dirty="0"/>
-              <a:t>Components that expose implementations</a:t>
-            </a:r>
-          </a:p>
-          <a:p>
-            <a:r>
-              <a:rPr lang="en-US" dirty="0"/>
-              <a:t>And, of course, laziness: </a:t>
-            </a:r>
-            <a:br>
-              <a:rPr lang="en-US" dirty="0"/>
-            </a:br>
-            <a:r>
-              <a:rPr lang="en-US" dirty="0"/>
-              <a:t>Quick and dirty changes that cause the above</a:t>
+              <a:t>Components that expose their implementations</a:t>
+            </a:r>
+          </a:p>
+          <a:p>
+            <a:r>
+              <a:rPr lang="en-US" dirty="0"/>
+              <a:t>Quick and dirty changes that introduce these problems over time</a:t>
             </a:r>
           </a:p>
         </p:txBody>
@@ -7956,6 +7974,143 @@
     <p:extLst>
       <p:ext uri="{BB962C8B-B14F-4D97-AF65-F5344CB8AC3E}">
         <p14:creationId xmlns:p14="http://schemas.microsoft.com/office/powerpoint/2010/main" val="1460145329"/>
+      </p:ext>
+    </p:extLst>
+  </p:cSld>
+  <p:clrMapOvr>
+    <a:masterClrMapping/>
+  </p:clrMapOvr>
+</p:sld>
+</file>
+
+<file path=ppt/slides/slide5.xml><?xml version="1.0" encoding="utf-8"?>
+<p:sld xmlns:a="http://schemas.openxmlformats.org/drawingml/2006/main" xmlns:r="http://schemas.openxmlformats.org/officeDocument/2006/relationships" xmlns:p="http://schemas.openxmlformats.org/presentationml/2006/main">
+  <p:cSld>
+    <p:spTree>
+      <p:nvGrpSpPr>
+        <p:cNvPr id="1" name=""/>
+        <p:cNvGrpSpPr/>
+        <p:nvPr/>
+      </p:nvGrpSpPr>
+      <p:grpSpPr>
+        <a:xfrm>
+          <a:off x="0" y="0"/>
+          <a:ext cx="0" cy="0"/>
+          <a:chOff x="0" y="0"/>
+          <a:chExt cx="0" cy="0"/>
+        </a:xfrm>
+      </p:grpSpPr>
+      <p:sp>
+        <p:nvSpPr>
+          <p:cNvPr id="2" name="Title 1"/>
+          <p:cNvSpPr>
+            <a:spLocks noGrp="1"/>
+          </p:cNvSpPr>
+          <p:nvPr>
+            <p:ph type="title"/>
+          </p:nvPr>
+        </p:nvSpPr>
+        <p:spPr>
+          <a:xfrm>
+            <a:off x="457200" y="274638"/>
+            <a:ext cx="8229600" cy="1143000"/>
+          </a:xfrm>
+        </p:spPr>
+        <p:txBody>
+          <a:bodyPr/>
+          <a:lstStyle/>
+          <a:p>
+            <a:r>
+              <a:rPr lang="en-US" dirty="0"/>
+              <a:t>Addressing complexity</a:t>
+            </a:r>
+          </a:p>
+        </p:txBody>
+      </p:sp>
+      <p:sp>
+        <p:nvSpPr>
+          <p:cNvPr id="3" name="Content Placeholder 2"/>
+          <p:cNvSpPr>
+            <a:spLocks noGrp="1"/>
+          </p:cNvSpPr>
+          <p:nvPr>
+            <p:ph idx="1"/>
+          </p:nvPr>
+        </p:nvSpPr>
+        <p:spPr>
+          <a:xfrm>
+            <a:off x="457200" y="1600200"/>
+            <a:ext cx="8229600" cy="4525963"/>
+          </a:xfrm>
+        </p:spPr>
+        <p:txBody>
+          <a:bodyPr>
+            <a:normAutofit/>
+          </a:bodyPr>
+          <a:lstStyle/>
+          <a:p>
+            <a:r>
+              <a:rPr lang="en-US" dirty="0"/>
+              <a:t>Break large solutions into smaller components</a:t>
+            </a:r>
+          </a:p>
+          <a:p>
+            <a:r>
+              <a:rPr lang="en-US" dirty="0"/>
+              <a:t>Each component should have:</a:t>
+            </a:r>
+          </a:p>
+          <a:p>
+            <a:pPr lvl="1"/>
+            <a:r>
+              <a:rPr lang="en-US" dirty="0"/>
+              <a:t>one responsibility</a:t>
+            </a:r>
+          </a:p>
+          <a:p>
+            <a:pPr lvl="1"/>
+            <a:r>
+              <a:rPr lang="en-US" dirty="0"/>
+              <a:t>a clear and simple interface</a:t>
+            </a:r>
+          </a:p>
+          <a:p>
+            <a:pPr lvl="1"/>
+            <a:r>
+              <a:rPr lang="en-US" dirty="0"/>
+              <a:t>tests that use the interface</a:t>
+            </a:r>
+          </a:p>
+          <a:p>
+            <a:r>
+              <a:rPr lang="en-US" dirty="0"/>
+              <a:t>Each component should use</a:t>
+            </a:r>
+          </a:p>
+          <a:p>
+            <a:pPr lvl="1"/>
+            <a:r>
+              <a:rPr lang="en-US" dirty="0"/>
+              <a:t>only a small number of other components</a:t>
+            </a:r>
+          </a:p>
+          <a:p>
+            <a:pPr lvl="1"/>
+            <a:r>
+              <a:rPr lang="en-US" dirty="0"/>
+              <a:t>the public interface of other components </a:t>
+            </a:r>
+          </a:p>
+          <a:p>
+            <a:pPr lvl="1"/>
+            <a:endParaRPr lang="en-US" dirty="0"/>
+          </a:p>
+        </p:txBody>
+      </p:sp>
+    </p:spTree>
+    <p:extLst>
+      <p:ext uri="{BB962C8B-B14F-4D97-AF65-F5344CB8AC3E}">
+        <p14:creationId xmlns:p14="http://schemas.microsoft.com/office/powerpoint/2010/main" val="62040120"/>
       </p:ext>
     </p:extLst>
   </p:cSld>
@@ -8355,37 +8510,61 @@
           <a:lstStyle/>
           <a:p>
             <a:r>
-              <a:rPr lang="en-US" dirty="0"/>
+              <a:rPr lang="en-US" dirty="0">
+                <a:solidFill>
+                  <a:schemeClr val="tx2"/>
+                </a:solidFill>
+              </a:rPr>
               <a:t>The Single Responsibility Principle</a:t>
             </a:r>
           </a:p>
           <a:p>
             <a:r>
-              <a:rPr lang="en-US" dirty="0"/>
+              <a:rPr lang="en-US" dirty="0">
+                <a:solidFill>
+                  <a:schemeClr val="tx2"/>
+                </a:solidFill>
+              </a:rPr>
               <a:t>Encapsulation</a:t>
             </a:r>
           </a:p>
           <a:p>
             <a:r>
-              <a:rPr lang="en-US" dirty="0"/>
+              <a:rPr lang="en-US" dirty="0">
+                <a:solidFill>
+                  <a:schemeClr val="tx2"/>
+                </a:solidFill>
+              </a:rPr>
               <a:t>Prefer Composition over Inheritance</a:t>
             </a:r>
           </a:p>
           <a:p>
             <a:r>
-              <a:rPr lang="en-US" dirty="0"/>
+              <a:rPr lang="en-US" dirty="0">
+                <a:solidFill>
+                  <a:schemeClr val="tx2"/>
+                </a:solidFill>
+              </a:rPr>
               <a:t>The Open Closed Principle</a:t>
             </a:r>
           </a:p>
           <a:p>
             <a:r>
-              <a:rPr lang="en-US" dirty="0"/>
+              <a:rPr lang="en-US" dirty="0">
+                <a:solidFill>
+                  <a:schemeClr val="tx2"/>
+                </a:solidFill>
+              </a:rPr>
               <a:t>Immutability is your friend</a:t>
             </a:r>
           </a:p>
           <a:p>
             <a:r>
-              <a:rPr lang="en-US" dirty="0"/>
+              <a:rPr lang="en-US" dirty="0">
+                <a:solidFill>
+                  <a:schemeClr val="tx2"/>
+                </a:solidFill>
+              </a:rPr>
               <a:t>System Organization and Maintenance</a:t>
             </a:r>
           </a:p>
@@ -8462,38 +8641,74 @@
         <p:spPr/>
         <p:txBody>
           <a:bodyPr>
-            <a:normAutofit lnSpcReduction="10000"/>
+            <a:normAutofit/>
           </a:bodyPr>
           <a:lstStyle/>
           <a:p>
             <a:r>
-              <a:rPr lang="en-US" dirty="0"/>
+              <a:rPr lang="en-US" dirty="0">
+                <a:solidFill>
+                  <a:schemeClr val="tx2"/>
+                </a:solidFill>
+              </a:rPr>
               <a:t>Classes and methods should have only one responsibility.</a:t>
             </a:r>
           </a:p>
           <a:p>
             <a:r>
-              <a:rPr lang="en-US" dirty="0"/>
-              <a:t>Classes and methods should have only one reason to change.</a:t>
-            </a:r>
-          </a:p>
-          <a:p>
-            <a:r>
-              <a:rPr lang="en-US" dirty="0"/>
-              <a:t>One file should contain only one class</a:t>
-            </a:r>
-          </a:p>
-          <a:p>
-            <a:r>
-              <a:rPr lang="en-US" dirty="0"/>
-              <a:t>SRP classes and methods are easier to understand and test.</a:t>
-            </a:r>
-          </a:p>
-          <a:p>
-            <a:r>
-              <a:rPr lang="en-US" dirty="0"/>
+              <a:rPr lang="en-US" dirty="0">
+                <a:solidFill>
+                  <a:schemeClr val="tx2"/>
+                </a:solidFill>
+              </a:rPr>
+              <a:t>Horizontally:</a:t>
+            </a:r>
+          </a:p>
+          <a:p>
+            <a:pPr lvl="1"/>
+            <a:r>
+              <a:rPr lang="en-US" dirty="0">
+                <a:solidFill>
+                  <a:schemeClr val="tx2"/>
+                </a:solidFill>
+              </a:rPr>
+              <a:t>Implement one feature</a:t>
+            </a:r>
+          </a:p>
+          <a:p>
+            <a:r>
+              <a:rPr lang="en-US" dirty="0">
+                <a:solidFill>
+                  <a:schemeClr val="tx2"/>
+                </a:solidFill>
+              </a:rPr>
+              <a:t>Vertically:</a:t>
+            </a:r>
+          </a:p>
+          <a:p>
+            <a:pPr lvl="1"/>
+            <a:r>
+              <a:rPr lang="en-US" dirty="0">
+                <a:solidFill>
+                  <a:schemeClr val="tx2"/>
+                </a:solidFill>
+              </a:rPr>
+              <a:t>One level of abstraction</a:t>
+            </a:r>
+          </a:p>
+          <a:p>
+            <a:r>
+              <a:rPr lang="en-US" dirty="0">
+                <a:solidFill>
+                  <a:schemeClr val="tx2"/>
+                </a:solidFill>
+              </a:rPr>
               <a:t>Try to state the responsibility without using the word “and”.</a:t>
             </a:r>
+          </a:p>
+          <a:p>
+            <a:pPr lvl="1"/>
+            <a:endParaRPr lang="en-US" dirty="0"/>
           </a:p>
         </p:txBody>
       </p:sp>

--- a/Module 1 - Principles You Need to Know.pptx
+++ b/Module 1 - Principles You Need to Know.pptx
@@ -5,7 +5,7 @@
     <p:sldMasterId id="2147483648" r:id="rId1"/>
   </p:sldMasterIdLst>
   <p:notesMasterIdLst>
-    <p:notesMasterId r:id="rId34"/>
+    <p:notesMasterId r:id="rId36"/>
   </p:notesMasterIdLst>
   <p:sldIdLst>
     <p:sldId id="256" r:id="rId2"/>
@@ -18,28 +18,30 @@
     <p:sldId id="280" r:id="rId9"/>
     <p:sldId id="459" r:id="rId10"/>
     <p:sldId id="469" r:id="rId11"/>
-    <p:sldId id="278" r:id="rId12"/>
-    <p:sldId id="460" r:id="rId13"/>
-    <p:sldId id="466" r:id="rId14"/>
-    <p:sldId id="467" r:id="rId15"/>
-    <p:sldId id="284" r:id="rId16"/>
-    <p:sldId id="261" r:id="rId17"/>
-    <p:sldId id="266" r:id="rId18"/>
-    <p:sldId id="267" r:id="rId19"/>
-    <p:sldId id="268" r:id="rId20"/>
-    <p:sldId id="269" r:id="rId21"/>
-    <p:sldId id="270" r:id="rId22"/>
-    <p:sldId id="260" r:id="rId23"/>
-    <p:sldId id="271" r:id="rId24"/>
-    <p:sldId id="272" r:id="rId25"/>
-    <p:sldId id="273" r:id="rId26"/>
-    <p:sldId id="283" r:id="rId27"/>
-    <p:sldId id="468" r:id="rId28"/>
-    <p:sldId id="461" r:id="rId29"/>
-    <p:sldId id="465" r:id="rId30"/>
-    <p:sldId id="464" r:id="rId31"/>
-    <p:sldId id="462" r:id="rId32"/>
-    <p:sldId id="463" r:id="rId33"/>
+    <p:sldId id="470" r:id="rId12"/>
+    <p:sldId id="471" r:id="rId13"/>
+    <p:sldId id="278" r:id="rId14"/>
+    <p:sldId id="460" r:id="rId15"/>
+    <p:sldId id="466" r:id="rId16"/>
+    <p:sldId id="467" r:id="rId17"/>
+    <p:sldId id="284" r:id="rId18"/>
+    <p:sldId id="261" r:id="rId19"/>
+    <p:sldId id="266" r:id="rId20"/>
+    <p:sldId id="267" r:id="rId21"/>
+    <p:sldId id="268" r:id="rId22"/>
+    <p:sldId id="269" r:id="rId23"/>
+    <p:sldId id="270" r:id="rId24"/>
+    <p:sldId id="260" r:id="rId25"/>
+    <p:sldId id="271" r:id="rId26"/>
+    <p:sldId id="272" r:id="rId27"/>
+    <p:sldId id="273" r:id="rId28"/>
+    <p:sldId id="283" r:id="rId29"/>
+    <p:sldId id="468" r:id="rId30"/>
+    <p:sldId id="461" r:id="rId31"/>
+    <p:sldId id="465" r:id="rId32"/>
+    <p:sldId id="464" r:id="rId33"/>
+    <p:sldId id="462" r:id="rId34"/>
+    <p:sldId id="463" r:id="rId35"/>
   </p:sldIdLst>
   <p:sldSz cx="9144000" cy="6858000" type="screen4x3"/>
   <p:notesSz cx="6858000" cy="9144000"/>
@@ -239,7 +241,7 @@
           <a:p>
             <a:fld id="{6775FF03-7D5C-4965-9CA8-AC23E9C2B541}" type="datetimeFigureOut">
               <a:rPr lang="en-US" smtClean="0"/>
-              <a:t>7/17/2025</a:t>
+              <a:t>7/19/2025</a:t>
             </a:fld>
             <a:endParaRPr lang="en-US"/>
           </a:p>
@@ -590,6 +592,90 @@
 </p:notes>
 </file>
 
+<file path=ppt/notesSlides/notesSlide2.xml><?xml version="1.0" encoding="utf-8"?>
+<p:notes xmlns:a="http://schemas.openxmlformats.org/drawingml/2006/main" xmlns:r="http://schemas.openxmlformats.org/officeDocument/2006/relationships" xmlns:p="http://schemas.openxmlformats.org/presentationml/2006/main">
+  <p:cSld>
+    <p:spTree>
+      <p:nvGrpSpPr>
+        <p:cNvPr id="1" name=""/>
+        <p:cNvGrpSpPr/>
+        <p:nvPr/>
+      </p:nvGrpSpPr>
+      <p:grpSpPr>
+        <a:xfrm>
+          <a:off x="0" y="0"/>
+          <a:ext cx="0" cy="0"/>
+          <a:chOff x="0" y="0"/>
+          <a:chExt cx="0" cy="0"/>
+        </a:xfrm>
+      </p:grpSpPr>
+      <p:sp>
+        <p:nvSpPr>
+          <p:cNvPr id="2" name="Slide Image Placeholder 1"/>
+          <p:cNvSpPr>
+            <a:spLocks noGrp="1" noRot="1" noChangeAspect="1"/>
+          </p:cNvSpPr>
+          <p:nvPr>
+            <p:ph type="sldImg"/>
+          </p:nvPr>
+        </p:nvSpPr>
+        <p:spPr/>
+      </p:sp>
+      <p:sp>
+        <p:nvSpPr>
+          <p:cNvPr id="3" name="Notes Placeholder 2"/>
+          <p:cNvSpPr>
+            <a:spLocks noGrp="1"/>
+          </p:cNvSpPr>
+          <p:nvPr>
+            <p:ph type="body" idx="1"/>
+          </p:nvPr>
+        </p:nvSpPr>
+        <p:spPr/>
+        <p:txBody>
+          <a:bodyPr/>
+          <a:lstStyle/>
+          <a:p>
+            <a:endParaRPr lang="en-US" dirty="0"/>
+          </a:p>
+        </p:txBody>
+      </p:sp>
+      <p:sp>
+        <p:nvSpPr>
+          <p:cNvPr id="4" name="Slide Number Placeholder 3"/>
+          <p:cNvSpPr>
+            <a:spLocks noGrp="1"/>
+          </p:cNvSpPr>
+          <p:nvPr>
+            <p:ph type="sldNum" sz="quarter" idx="5"/>
+          </p:nvPr>
+        </p:nvSpPr>
+        <p:spPr/>
+        <p:txBody>
+          <a:bodyPr/>
+          <a:lstStyle/>
+          <a:p>
+            <a:fld id="{F3B18970-BA84-4C10-864B-24AF29AB586C}" type="slidenum">
+              <a:rPr lang="en-US" smtClean="0"/>
+              <a:t>24</a:t>
+            </a:fld>
+            <a:endParaRPr lang="en-US"/>
+          </a:p>
+        </p:txBody>
+      </p:sp>
+    </p:spTree>
+    <p:extLst>
+      <p:ext uri="{BB962C8B-B14F-4D97-AF65-F5344CB8AC3E}">
+        <p14:creationId xmlns:p14="http://schemas.microsoft.com/office/powerpoint/2010/main" val="1852881453"/>
+      </p:ext>
+    </p:extLst>
+  </p:cSld>
+  <p:clrMapOvr>
+    <a:masterClrMapping/>
+  </p:clrMapOvr>
+</p:notes>
+</file>
+
 <file path=ppt/slideLayouts/slideLayout1.xml><?xml version="1.0" encoding="utf-8"?>
 <p:sldLayout xmlns:a="http://schemas.openxmlformats.org/drawingml/2006/main" xmlns:r="http://schemas.openxmlformats.org/officeDocument/2006/relationships" xmlns:p="http://schemas.openxmlformats.org/presentationml/2006/main" type="title" preserve="1">
   <p:cSld name="Title Slide">
@@ -769,7 +855,7 @@
           <a:p>
             <a:fld id="{543982D4-381D-4B7B-A1A5-B3B6E72EF21D}" type="datetimeFigureOut">
               <a:rPr lang="en-US" smtClean="0"/>
-              <a:t>7/17/2025</a:t>
+              <a:t>7/19/2025</a:t>
             </a:fld>
             <a:endParaRPr lang="en-US"/>
           </a:p>
@@ -937,7 +1023,7 @@
           <a:p>
             <a:fld id="{543982D4-381D-4B7B-A1A5-B3B6E72EF21D}" type="datetimeFigureOut">
               <a:rPr lang="en-US" smtClean="0"/>
-              <a:t>7/17/2025</a:t>
+              <a:t>7/19/2025</a:t>
             </a:fld>
             <a:endParaRPr lang="en-US"/>
           </a:p>
@@ -1115,7 +1201,7 @@
           <a:p>
             <a:fld id="{543982D4-381D-4B7B-A1A5-B3B6E72EF21D}" type="datetimeFigureOut">
               <a:rPr lang="en-US" smtClean="0"/>
-              <a:t>7/17/2025</a:t>
+              <a:t>7/19/2025</a:t>
             </a:fld>
             <a:endParaRPr lang="en-US"/>
           </a:p>
@@ -1283,7 +1369,7 @@
           <a:p>
             <a:fld id="{543982D4-381D-4B7B-A1A5-B3B6E72EF21D}" type="datetimeFigureOut">
               <a:rPr lang="en-US" smtClean="0"/>
-              <a:t>7/17/2025</a:t>
+              <a:t>7/19/2025</a:t>
             </a:fld>
             <a:endParaRPr lang="en-US"/>
           </a:p>
@@ -1598,7 +1684,7 @@
           <a:p>
             <a:fld id="{543982D4-381D-4B7B-A1A5-B3B6E72EF21D}" type="datetimeFigureOut">
               <a:rPr lang="en-US" smtClean="0"/>
-              <a:t>7/17/2025</a:t>
+              <a:t>7/19/2025</a:t>
             </a:fld>
             <a:endParaRPr lang="en-US"/>
           </a:p>
@@ -1883,7 +1969,7 @@
           <a:p>
             <a:fld id="{543982D4-381D-4B7B-A1A5-B3B6E72EF21D}" type="datetimeFigureOut">
               <a:rPr lang="en-US" smtClean="0"/>
-              <a:t>7/17/2025</a:t>
+              <a:t>7/19/2025</a:t>
             </a:fld>
             <a:endParaRPr lang="en-US"/>
           </a:p>
@@ -2302,7 +2388,7 @@
           <a:p>
             <a:fld id="{543982D4-381D-4B7B-A1A5-B3B6E72EF21D}" type="datetimeFigureOut">
               <a:rPr lang="en-US" smtClean="0"/>
-              <a:t>7/17/2025</a:t>
+              <a:t>7/19/2025</a:t>
             </a:fld>
             <a:endParaRPr lang="en-US"/>
           </a:p>
@@ -2419,7 +2505,7 @@
           <a:p>
             <a:fld id="{543982D4-381D-4B7B-A1A5-B3B6E72EF21D}" type="datetimeFigureOut">
               <a:rPr lang="en-US" smtClean="0"/>
-              <a:t>7/17/2025</a:t>
+              <a:t>7/19/2025</a:t>
             </a:fld>
             <a:endParaRPr lang="en-US"/>
           </a:p>
@@ -2514,7 +2600,7 @@
           <a:p>
             <a:fld id="{543982D4-381D-4B7B-A1A5-B3B6E72EF21D}" type="datetimeFigureOut">
               <a:rPr lang="en-US" smtClean="0"/>
-              <a:t>7/17/2025</a:t>
+              <a:t>7/19/2025</a:t>
             </a:fld>
             <a:endParaRPr lang="en-US"/>
           </a:p>
@@ -2789,7 +2875,7 @@
           <a:p>
             <a:fld id="{543982D4-381D-4B7B-A1A5-B3B6E72EF21D}" type="datetimeFigureOut">
               <a:rPr lang="en-US" smtClean="0"/>
-              <a:t>7/17/2025</a:t>
+              <a:t>7/19/2025</a:t>
             </a:fld>
             <a:endParaRPr lang="en-US"/>
           </a:p>
@@ -3041,7 +3127,7 @@
           <a:p>
             <a:fld id="{543982D4-381D-4B7B-A1A5-B3B6E72EF21D}" type="datetimeFigureOut">
               <a:rPr lang="en-US" smtClean="0"/>
-              <a:t>7/17/2025</a:t>
+              <a:t>7/19/2025</a:t>
             </a:fld>
             <a:endParaRPr lang="en-US"/>
           </a:p>
@@ -3252,7 +3338,7 @@
           <a:p>
             <a:fld id="{543982D4-381D-4B7B-A1A5-B3B6E72EF21D}" type="datetimeFigureOut">
               <a:rPr lang="en-US" smtClean="0"/>
-              <a:t>7/17/2025</a:t>
+              <a:t>7/19/2025</a:t>
             </a:fld>
             <a:endParaRPr lang="en-US"/>
           </a:p>
@@ -3729,6 +3815,221 @@
           <a:chExt cx="0" cy="0"/>
         </a:xfrm>
       </p:grpSpPr>
+      <p:sp>
+        <p:nvSpPr>
+          <p:cNvPr id="5" name="Content Placeholder 2">
+            <a:extLst>
+              <a:ext uri="{FF2B5EF4-FFF2-40B4-BE49-F238E27FC236}">
+                <a16:creationId xmlns:a16="http://schemas.microsoft.com/office/drawing/2014/main" id="{106A7195-A5E3-B0E7-DDD9-6A3DED938EB3}"/>
+              </a:ext>
+            </a:extLst>
+          </p:cNvPr>
+          <p:cNvSpPr txBox="1">
+            <a:spLocks/>
+          </p:cNvSpPr>
+          <p:nvPr/>
+        </p:nvSpPr>
+        <p:spPr>
+          <a:xfrm>
+            <a:off x="304800" y="256703"/>
+            <a:ext cx="3200400" cy="6534913"/>
+          </a:xfrm>
+          <a:prstGeom prst="rect">
+            <a:avLst/>
+          </a:prstGeom>
+        </p:spPr>
+        <p:txBody>
+          <a:bodyPr>
+            <a:normAutofit/>
+          </a:bodyPr>
+          <a:lstStyle>
+            <a:lvl1pPr marL="342900" indent="-342900" algn="l" defTabSz="914400" rtl="0" eaLnBrk="1" latinLnBrk="0" hangingPunct="1">
+              <a:spcBef>
+                <a:spcPct val="20000"/>
+              </a:spcBef>
+              <a:buFont typeface="Arial" panose="020B0604020202020204" pitchFamily="34" charset="0"/>
+              <a:buChar char="•"/>
+              <a:defRPr sz="3200" kern="1200">
+                <a:solidFill>
+                  <a:schemeClr val="tx1"/>
+                </a:solidFill>
+                <a:latin typeface="+mn-lt"/>
+                <a:ea typeface="+mn-ea"/>
+                <a:cs typeface="+mn-cs"/>
+              </a:defRPr>
+            </a:lvl1pPr>
+            <a:lvl2pPr marL="742950" indent="-285750" algn="l" defTabSz="914400" rtl="0" eaLnBrk="1" latinLnBrk="0" hangingPunct="1">
+              <a:spcBef>
+                <a:spcPct val="20000"/>
+              </a:spcBef>
+              <a:buFont typeface="Arial" panose="020B0604020202020204" pitchFamily="34" charset="0"/>
+              <a:buChar char="–"/>
+              <a:defRPr sz="2800" kern="1200">
+                <a:solidFill>
+                  <a:schemeClr val="tx1"/>
+                </a:solidFill>
+                <a:latin typeface="+mn-lt"/>
+                <a:ea typeface="+mn-ea"/>
+                <a:cs typeface="+mn-cs"/>
+              </a:defRPr>
+            </a:lvl2pPr>
+            <a:lvl3pPr marL="1143000" indent="-228600" algn="l" defTabSz="914400" rtl="0" eaLnBrk="1" latinLnBrk="0" hangingPunct="1">
+              <a:spcBef>
+                <a:spcPct val="20000"/>
+              </a:spcBef>
+              <a:buFont typeface="Arial" panose="020B0604020202020204" pitchFamily="34" charset="0"/>
+              <a:buChar char="•"/>
+              <a:defRPr sz="2400" kern="1200">
+                <a:solidFill>
+                  <a:schemeClr val="tx1"/>
+                </a:solidFill>
+                <a:latin typeface="+mn-lt"/>
+                <a:ea typeface="+mn-ea"/>
+                <a:cs typeface="+mn-cs"/>
+              </a:defRPr>
+            </a:lvl3pPr>
+            <a:lvl4pPr marL="1600200" indent="-228600" algn="l" defTabSz="914400" rtl="0" eaLnBrk="1" latinLnBrk="0" hangingPunct="1">
+              <a:spcBef>
+                <a:spcPct val="20000"/>
+              </a:spcBef>
+              <a:buFont typeface="Arial" panose="020B0604020202020204" pitchFamily="34" charset="0"/>
+              <a:buChar char="–"/>
+              <a:defRPr sz="2000" kern="1200">
+                <a:solidFill>
+                  <a:schemeClr val="tx1"/>
+                </a:solidFill>
+                <a:latin typeface="+mn-lt"/>
+                <a:ea typeface="+mn-ea"/>
+                <a:cs typeface="+mn-cs"/>
+              </a:defRPr>
+            </a:lvl4pPr>
+            <a:lvl5pPr marL="2057400" indent="-228600" algn="l" defTabSz="914400" rtl="0" eaLnBrk="1" latinLnBrk="0" hangingPunct="1">
+              <a:spcBef>
+                <a:spcPct val="20000"/>
+              </a:spcBef>
+              <a:buFont typeface="Arial" panose="020B0604020202020204" pitchFamily="34" charset="0"/>
+              <a:buChar char="»"/>
+              <a:defRPr sz="2000" kern="1200">
+                <a:solidFill>
+                  <a:schemeClr val="tx1"/>
+                </a:solidFill>
+                <a:latin typeface="+mn-lt"/>
+                <a:ea typeface="+mn-ea"/>
+                <a:cs typeface="+mn-cs"/>
+              </a:defRPr>
+            </a:lvl5pPr>
+            <a:lvl6pPr marL="2514600" indent="-228600" algn="l" defTabSz="914400" rtl="0" eaLnBrk="1" latinLnBrk="0" hangingPunct="1">
+              <a:spcBef>
+                <a:spcPct val="20000"/>
+              </a:spcBef>
+              <a:buFont typeface="Arial" panose="020B0604020202020204" pitchFamily="34" charset="0"/>
+              <a:buChar char="•"/>
+              <a:defRPr sz="2000" kern="1200">
+                <a:solidFill>
+                  <a:schemeClr val="tx1"/>
+                </a:solidFill>
+                <a:latin typeface="+mn-lt"/>
+                <a:ea typeface="+mn-ea"/>
+                <a:cs typeface="+mn-cs"/>
+              </a:defRPr>
+            </a:lvl6pPr>
+            <a:lvl7pPr marL="2971800" indent="-228600" algn="l" defTabSz="914400" rtl="0" eaLnBrk="1" latinLnBrk="0" hangingPunct="1">
+              <a:spcBef>
+                <a:spcPct val="20000"/>
+              </a:spcBef>
+              <a:buFont typeface="Arial" panose="020B0604020202020204" pitchFamily="34" charset="0"/>
+              <a:buChar char="•"/>
+              <a:defRPr sz="2000" kern="1200">
+                <a:solidFill>
+                  <a:schemeClr val="tx1"/>
+                </a:solidFill>
+                <a:latin typeface="+mn-lt"/>
+                <a:ea typeface="+mn-ea"/>
+                <a:cs typeface="+mn-cs"/>
+              </a:defRPr>
+            </a:lvl7pPr>
+            <a:lvl8pPr marL="3429000" indent="-228600" algn="l" defTabSz="914400" rtl="0" eaLnBrk="1" latinLnBrk="0" hangingPunct="1">
+              <a:spcBef>
+                <a:spcPct val="20000"/>
+              </a:spcBef>
+              <a:buFont typeface="Arial" panose="020B0604020202020204" pitchFamily="34" charset="0"/>
+              <a:buChar char="•"/>
+              <a:defRPr sz="2000" kern="1200">
+                <a:solidFill>
+                  <a:schemeClr val="tx1"/>
+                </a:solidFill>
+                <a:latin typeface="+mn-lt"/>
+                <a:ea typeface="+mn-ea"/>
+                <a:cs typeface="+mn-cs"/>
+              </a:defRPr>
+            </a:lvl8pPr>
+            <a:lvl9pPr marL="3886200" indent="-228600" algn="l" defTabSz="914400" rtl="0" eaLnBrk="1" latinLnBrk="0" hangingPunct="1">
+              <a:spcBef>
+                <a:spcPct val="20000"/>
+              </a:spcBef>
+              <a:buFont typeface="Arial" panose="020B0604020202020204" pitchFamily="34" charset="0"/>
+              <a:buChar char="•"/>
+              <a:defRPr sz="2000" kern="1200">
+                <a:solidFill>
+                  <a:schemeClr val="tx1"/>
+                </a:solidFill>
+                <a:latin typeface="+mn-lt"/>
+                <a:ea typeface="+mn-ea"/>
+                <a:cs typeface="+mn-cs"/>
+              </a:defRPr>
+            </a:lvl9pPr>
+          </a:lstStyle>
+          <a:p>
+            <a:pPr marL="400050"/>
+            <a:r>
+              <a:rPr lang="en-US" sz="2800" dirty="0"/>
+              <a:t>Too long</a:t>
+            </a:r>
+          </a:p>
+          <a:p>
+            <a:pPr marL="400050"/>
+            <a:r>
+              <a:rPr lang="en-US" sz="2800" dirty="0"/>
+              <a:t>Too much detail</a:t>
+            </a:r>
+          </a:p>
+        </p:txBody>
+      </p:sp>
+      <p:pic>
+        <p:nvPicPr>
+          <p:cNvPr id="7" name="Picture 6">
+            <a:extLst>
+              <a:ext uri="{FF2B5EF4-FFF2-40B4-BE49-F238E27FC236}">
+                <a16:creationId xmlns:a16="http://schemas.microsoft.com/office/drawing/2014/main" id="{3CDEA7EA-E236-8E86-B582-20804E613D34}"/>
+              </a:ext>
+            </a:extLst>
+          </p:cNvPr>
+          <p:cNvPicPr>
+            <a:picLocks noChangeAspect="1"/>
+          </p:cNvPicPr>
+          <p:nvPr/>
+        </p:nvPicPr>
+        <p:blipFill>
+          <a:blip r:embed="rId2"/>
+          <a:stretch>
+            <a:fillRect/>
+          </a:stretch>
+        </p:blipFill>
+        <p:spPr>
+          <a:xfrm>
+            <a:off x="3581400" y="228600"/>
+            <a:ext cx="5105400" cy="6534913"/>
+          </a:xfrm>
+          <a:prstGeom prst="rect">
+            <a:avLst/>
+          </a:prstGeom>
+          <a:ln w="6350">
+            <a:solidFill>
+              <a:schemeClr val="accent1"/>
+            </a:solidFill>
+          </a:ln>
+        </p:spPr>
+      </p:pic>
     </p:spTree>
     <p:extLst>
       <p:ext uri="{BB962C8B-B14F-4D97-AF65-F5344CB8AC3E}">
@@ -3747,7 +4048,13 @@
   <p:cSld>
     <p:spTree>
       <p:nvGrpSpPr>
-        <p:cNvPr id="1" name=""/>
+        <p:cNvPr id="1" name="">
+          <a:extLst>
+            <a:ext uri="{FF2B5EF4-FFF2-40B4-BE49-F238E27FC236}">
+              <a16:creationId xmlns:a16="http://schemas.microsoft.com/office/drawing/2014/main" id="{BD879FB9-EAD8-314F-6C6E-33430D23BE4D}"/>
+            </a:ext>
+          </a:extLst>
+        </p:cNvPr>
         <p:cNvGrpSpPr/>
         <p:nvPr/>
       </p:nvGrpSpPr>
@@ -3761,136 +4068,223 @@
       </p:grpSpPr>
       <p:sp>
         <p:nvSpPr>
-          <p:cNvPr id="2" name="Title 1"/>
-          <p:cNvSpPr>
-            <a:spLocks noGrp="1"/>
-          </p:cNvSpPr>
-          <p:nvPr>
-            <p:ph type="title"/>
-          </p:nvPr>
-        </p:nvSpPr>
-        <p:spPr>
-          <a:xfrm>
-            <a:off x="457200" y="274638"/>
-            <a:ext cx="8229600" cy="1143000"/>
-          </a:xfrm>
-        </p:spPr>
-        <p:txBody>
-          <a:bodyPr/>
-          <a:lstStyle/>
-          <a:p>
-            <a:r>
-              <a:rPr lang="en-US" dirty="0"/>
-              <a:t>The Single Responsibility Principle</a:t>
-            </a:r>
-          </a:p>
-        </p:txBody>
-      </p:sp>
-      <p:sp>
-        <p:nvSpPr>
-          <p:cNvPr id="3" name="Content Placeholder 2"/>
-          <p:cNvSpPr>
-            <a:spLocks noGrp="1"/>
-          </p:cNvSpPr>
-          <p:nvPr>
-            <p:ph idx="1"/>
-          </p:nvPr>
-        </p:nvSpPr>
-        <p:spPr>
-          <a:xfrm>
-            <a:off x="457200" y="1600200"/>
-            <a:ext cx="8229600" cy="4525963"/>
-          </a:xfrm>
+          <p:cNvPr id="5" name="Content Placeholder 2">
+            <a:extLst>
+              <a:ext uri="{FF2B5EF4-FFF2-40B4-BE49-F238E27FC236}">
+                <a16:creationId xmlns:a16="http://schemas.microsoft.com/office/drawing/2014/main" id="{34E8CEF8-AA6B-2D18-C26B-C16D69FDAF05}"/>
+              </a:ext>
+            </a:extLst>
+          </p:cNvPr>
+          <p:cNvSpPr txBox="1">
+            <a:spLocks/>
+          </p:cNvSpPr>
+          <p:nvPr/>
+        </p:nvSpPr>
+        <p:spPr>
+          <a:xfrm>
+            <a:off x="304800" y="228600"/>
+            <a:ext cx="8763000" cy="990600"/>
+          </a:xfrm>
+          <a:prstGeom prst="rect">
+            <a:avLst/>
+          </a:prstGeom>
         </p:spPr>
         <p:txBody>
           <a:bodyPr>
             <a:normAutofit/>
           </a:bodyPr>
-          <a:lstStyle/>
-          <a:p>
-            <a:r>
-              <a:rPr lang="en-US" dirty="0">
-                <a:solidFill>
-                  <a:schemeClr val="tx2"/>
-                </a:solidFill>
-              </a:rPr>
-              <a:t>Each file, class, function, library should have one responsibility.</a:t>
-            </a:r>
-          </a:p>
-          <a:p>
-            <a:r>
-              <a:rPr lang="en-US" dirty="0">
-                <a:solidFill>
-                  <a:schemeClr val="tx2"/>
-                </a:solidFill>
-              </a:rPr>
-              <a:t>One file should contain only one class</a:t>
-            </a:r>
-          </a:p>
-          <a:p>
-            <a:r>
-              <a:rPr lang="en-US" dirty="0">
-                <a:solidFill>
-                  <a:schemeClr val="tx2"/>
-                </a:solidFill>
-              </a:rPr>
-              <a:t>Responsibilities can often be measured in size:</a:t>
-            </a:r>
-          </a:p>
-          <a:p>
-            <a:pPr lvl="1"/>
-            <a:r>
-              <a:rPr lang="en-US" dirty="0">
-                <a:solidFill>
-                  <a:schemeClr val="tx2"/>
-                </a:solidFill>
-              </a:rPr>
-              <a:t>File &lt; 200 lines</a:t>
-            </a:r>
-          </a:p>
-          <a:p>
-            <a:pPr lvl="1"/>
-            <a:r>
-              <a:rPr lang="en-US" dirty="0">
-                <a:solidFill>
-                  <a:schemeClr val="tx2"/>
-                </a:solidFill>
-              </a:rPr>
-              <a:t>Function &lt; 15 lines</a:t>
-            </a:r>
-          </a:p>
-          <a:p>
-            <a:pPr lvl="1"/>
-            <a:r>
-              <a:rPr lang="en-US" dirty="0">
-                <a:solidFill>
-                  <a:schemeClr val="tx2"/>
-                </a:solidFill>
-              </a:rPr>
-              <a:t>Class header &lt; 50 lines</a:t>
-            </a:r>
-          </a:p>
-          <a:p>
-            <a:pPr lvl="1"/>
-            <a:r>
-              <a:rPr lang="en-US" dirty="0">
-                <a:solidFill>
-                  <a:schemeClr val="tx2"/>
-                </a:solidFill>
-              </a:rPr>
-              <a:t>Class source &lt; 200 lines</a:t>
-            </a:r>
-          </a:p>
-          <a:p>
-            <a:pPr lvl="1"/>
-            <a:endParaRPr lang="en-US" dirty="0"/>
-          </a:p>
-        </p:txBody>
-      </p:sp>
+          <a:lstStyle>
+            <a:lvl1pPr marL="342900" indent="-342900" algn="l" defTabSz="914400" rtl="0" eaLnBrk="1" latinLnBrk="0" hangingPunct="1">
+              <a:spcBef>
+                <a:spcPct val="20000"/>
+              </a:spcBef>
+              <a:buFont typeface="Arial" panose="020B0604020202020204" pitchFamily="34" charset="0"/>
+              <a:buChar char="•"/>
+              <a:defRPr sz="3200" kern="1200">
+                <a:solidFill>
+                  <a:schemeClr val="tx1"/>
+                </a:solidFill>
+                <a:latin typeface="+mn-lt"/>
+                <a:ea typeface="+mn-ea"/>
+                <a:cs typeface="+mn-cs"/>
+              </a:defRPr>
+            </a:lvl1pPr>
+            <a:lvl2pPr marL="742950" indent="-285750" algn="l" defTabSz="914400" rtl="0" eaLnBrk="1" latinLnBrk="0" hangingPunct="1">
+              <a:spcBef>
+                <a:spcPct val="20000"/>
+              </a:spcBef>
+              <a:buFont typeface="Arial" panose="020B0604020202020204" pitchFamily="34" charset="0"/>
+              <a:buChar char="–"/>
+              <a:defRPr sz="2800" kern="1200">
+                <a:solidFill>
+                  <a:schemeClr val="tx1"/>
+                </a:solidFill>
+                <a:latin typeface="+mn-lt"/>
+                <a:ea typeface="+mn-ea"/>
+                <a:cs typeface="+mn-cs"/>
+              </a:defRPr>
+            </a:lvl2pPr>
+            <a:lvl3pPr marL="1143000" indent="-228600" algn="l" defTabSz="914400" rtl="0" eaLnBrk="1" latinLnBrk="0" hangingPunct="1">
+              <a:spcBef>
+                <a:spcPct val="20000"/>
+              </a:spcBef>
+              <a:buFont typeface="Arial" panose="020B0604020202020204" pitchFamily="34" charset="0"/>
+              <a:buChar char="•"/>
+              <a:defRPr sz="2400" kern="1200">
+                <a:solidFill>
+                  <a:schemeClr val="tx1"/>
+                </a:solidFill>
+                <a:latin typeface="+mn-lt"/>
+                <a:ea typeface="+mn-ea"/>
+                <a:cs typeface="+mn-cs"/>
+              </a:defRPr>
+            </a:lvl3pPr>
+            <a:lvl4pPr marL="1600200" indent="-228600" algn="l" defTabSz="914400" rtl="0" eaLnBrk="1" latinLnBrk="0" hangingPunct="1">
+              <a:spcBef>
+                <a:spcPct val="20000"/>
+              </a:spcBef>
+              <a:buFont typeface="Arial" panose="020B0604020202020204" pitchFamily="34" charset="0"/>
+              <a:buChar char="–"/>
+              <a:defRPr sz="2000" kern="1200">
+                <a:solidFill>
+                  <a:schemeClr val="tx1"/>
+                </a:solidFill>
+                <a:latin typeface="+mn-lt"/>
+                <a:ea typeface="+mn-ea"/>
+                <a:cs typeface="+mn-cs"/>
+              </a:defRPr>
+            </a:lvl4pPr>
+            <a:lvl5pPr marL="2057400" indent="-228600" algn="l" defTabSz="914400" rtl="0" eaLnBrk="1" latinLnBrk="0" hangingPunct="1">
+              <a:spcBef>
+                <a:spcPct val="20000"/>
+              </a:spcBef>
+              <a:buFont typeface="Arial" panose="020B0604020202020204" pitchFamily="34" charset="0"/>
+              <a:buChar char="»"/>
+              <a:defRPr sz="2000" kern="1200">
+                <a:solidFill>
+                  <a:schemeClr val="tx1"/>
+                </a:solidFill>
+                <a:latin typeface="+mn-lt"/>
+                <a:ea typeface="+mn-ea"/>
+                <a:cs typeface="+mn-cs"/>
+              </a:defRPr>
+            </a:lvl5pPr>
+            <a:lvl6pPr marL="2514600" indent="-228600" algn="l" defTabSz="914400" rtl="0" eaLnBrk="1" latinLnBrk="0" hangingPunct="1">
+              <a:spcBef>
+                <a:spcPct val="20000"/>
+              </a:spcBef>
+              <a:buFont typeface="Arial" panose="020B0604020202020204" pitchFamily="34" charset="0"/>
+              <a:buChar char="•"/>
+              <a:defRPr sz="2000" kern="1200">
+                <a:solidFill>
+                  <a:schemeClr val="tx1"/>
+                </a:solidFill>
+                <a:latin typeface="+mn-lt"/>
+                <a:ea typeface="+mn-ea"/>
+                <a:cs typeface="+mn-cs"/>
+              </a:defRPr>
+            </a:lvl6pPr>
+            <a:lvl7pPr marL="2971800" indent="-228600" algn="l" defTabSz="914400" rtl="0" eaLnBrk="1" latinLnBrk="0" hangingPunct="1">
+              <a:spcBef>
+                <a:spcPct val="20000"/>
+              </a:spcBef>
+              <a:buFont typeface="Arial" panose="020B0604020202020204" pitchFamily="34" charset="0"/>
+              <a:buChar char="•"/>
+              <a:defRPr sz="2000" kern="1200">
+                <a:solidFill>
+                  <a:schemeClr val="tx1"/>
+                </a:solidFill>
+                <a:latin typeface="+mn-lt"/>
+                <a:ea typeface="+mn-ea"/>
+                <a:cs typeface="+mn-cs"/>
+              </a:defRPr>
+            </a:lvl7pPr>
+            <a:lvl8pPr marL="3429000" indent="-228600" algn="l" defTabSz="914400" rtl="0" eaLnBrk="1" latinLnBrk="0" hangingPunct="1">
+              <a:spcBef>
+                <a:spcPct val="20000"/>
+              </a:spcBef>
+              <a:buFont typeface="Arial" panose="020B0604020202020204" pitchFamily="34" charset="0"/>
+              <a:buChar char="•"/>
+              <a:defRPr sz="2000" kern="1200">
+                <a:solidFill>
+                  <a:schemeClr val="tx1"/>
+                </a:solidFill>
+                <a:latin typeface="+mn-lt"/>
+                <a:ea typeface="+mn-ea"/>
+                <a:cs typeface="+mn-cs"/>
+              </a:defRPr>
+            </a:lvl8pPr>
+            <a:lvl9pPr marL="3886200" indent="-228600" algn="l" defTabSz="914400" rtl="0" eaLnBrk="1" latinLnBrk="0" hangingPunct="1">
+              <a:spcBef>
+                <a:spcPct val="20000"/>
+              </a:spcBef>
+              <a:buFont typeface="Arial" panose="020B0604020202020204" pitchFamily="34" charset="0"/>
+              <a:buChar char="•"/>
+              <a:defRPr sz="2000" kern="1200">
+                <a:solidFill>
+                  <a:schemeClr val="tx1"/>
+                </a:solidFill>
+                <a:latin typeface="+mn-lt"/>
+                <a:ea typeface="+mn-ea"/>
+                <a:cs typeface="+mn-cs"/>
+              </a:defRPr>
+            </a:lvl9pPr>
+          </a:lstStyle>
+          <a:p>
+            <a:pPr marL="400050"/>
+            <a:r>
+              <a:rPr lang="en-US" sz="2400" dirty="0"/>
+              <a:t>After extraction of methods, the method is clearer</a:t>
+            </a:r>
+          </a:p>
+          <a:p>
+            <a:pPr marL="400050"/>
+            <a:r>
+              <a:rPr lang="en-US" sz="2400" dirty="0"/>
+              <a:t>But there are mixed levels of abstraction</a:t>
+            </a:r>
+          </a:p>
+        </p:txBody>
+      </p:sp>
+      <p:pic>
+        <p:nvPicPr>
+          <p:cNvPr id="4" name="Picture 3">
+            <a:extLst>
+              <a:ext uri="{FF2B5EF4-FFF2-40B4-BE49-F238E27FC236}">
+                <a16:creationId xmlns:a16="http://schemas.microsoft.com/office/drawing/2014/main" id="{5B93A1E3-877E-4CA7-00AF-188C75F2E7E0}"/>
+              </a:ext>
+            </a:extLst>
+          </p:cNvPr>
+          <p:cNvPicPr>
+            <a:picLocks noChangeAspect="1"/>
+          </p:cNvPicPr>
+          <p:nvPr/>
+        </p:nvPicPr>
+        <p:blipFill>
+          <a:blip r:embed="rId2"/>
+          <a:stretch>
+            <a:fillRect/>
+          </a:stretch>
+        </p:blipFill>
+        <p:spPr>
+          <a:xfrm>
+            <a:off x="381000" y="1295400"/>
+            <a:ext cx="7620000" cy="5297929"/>
+          </a:xfrm>
+          <a:prstGeom prst="rect">
+            <a:avLst/>
+          </a:prstGeom>
+          <a:ln w="6350">
+            <a:solidFill>
+              <a:schemeClr val="accent1"/>
+            </a:solidFill>
+          </a:ln>
+        </p:spPr>
+      </p:pic>
     </p:spTree>
     <p:extLst>
       <p:ext uri="{BB962C8B-B14F-4D97-AF65-F5344CB8AC3E}">
-        <p14:creationId xmlns:p14="http://schemas.microsoft.com/office/powerpoint/2010/main" val="2874451449"/>
+        <p14:creationId xmlns:p14="http://schemas.microsoft.com/office/powerpoint/2010/main" val="2438786244"/>
       </p:ext>
     </p:extLst>
   </p:cSld>
@@ -3901,6 +4295,265 @@
 </file>
 
 <file path=ppt/slides/slide12.xml><?xml version="1.0" encoding="utf-8"?>
+<p:sld xmlns:a="http://schemas.openxmlformats.org/drawingml/2006/main" xmlns:r="http://schemas.openxmlformats.org/officeDocument/2006/relationships" xmlns:p="http://schemas.openxmlformats.org/presentationml/2006/main">
+  <p:cSld>
+    <p:spTree>
+      <p:nvGrpSpPr>
+        <p:cNvPr id="1" name="">
+          <a:extLst>
+            <a:ext uri="{FF2B5EF4-FFF2-40B4-BE49-F238E27FC236}">
+              <a16:creationId xmlns:a16="http://schemas.microsoft.com/office/drawing/2014/main" id="{494A194C-C5B6-28C9-56E2-5BDD2737468C}"/>
+            </a:ext>
+          </a:extLst>
+        </p:cNvPr>
+        <p:cNvGrpSpPr/>
+        <p:nvPr/>
+      </p:nvGrpSpPr>
+      <p:grpSpPr>
+        <a:xfrm>
+          <a:off x="0" y="0"/>
+          <a:ext cx="0" cy="0"/>
+          <a:chOff x="0" y="0"/>
+          <a:chExt cx="0" cy="0"/>
+        </a:xfrm>
+      </p:grpSpPr>
+      <p:sp>
+        <p:nvSpPr>
+          <p:cNvPr id="5" name="Content Placeholder 2">
+            <a:extLst>
+              <a:ext uri="{FF2B5EF4-FFF2-40B4-BE49-F238E27FC236}">
+                <a16:creationId xmlns:a16="http://schemas.microsoft.com/office/drawing/2014/main" id="{5F5F2D3F-F697-511C-6107-4E3B4A3E8D35}"/>
+              </a:ext>
+            </a:extLst>
+          </p:cNvPr>
+          <p:cNvSpPr txBox="1">
+            <a:spLocks/>
+          </p:cNvSpPr>
+          <p:nvPr/>
+        </p:nvSpPr>
+        <p:spPr>
+          <a:xfrm>
+            <a:off x="381000" y="381000"/>
+            <a:ext cx="7620000" cy="1752600"/>
+          </a:xfrm>
+          <a:prstGeom prst="rect">
+            <a:avLst/>
+          </a:prstGeom>
+        </p:spPr>
+        <p:txBody>
+          <a:bodyPr>
+            <a:normAutofit lnSpcReduction="10000"/>
+          </a:bodyPr>
+          <a:lstStyle>
+            <a:lvl1pPr marL="342900" indent="-342900" algn="l" defTabSz="914400" rtl="0" eaLnBrk="1" latinLnBrk="0" hangingPunct="1">
+              <a:spcBef>
+                <a:spcPct val="20000"/>
+              </a:spcBef>
+              <a:buFont typeface="Arial" panose="020B0604020202020204" pitchFamily="34" charset="0"/>
+              <a:buChar char="•"/>
+              <a:defRPr sz="3200" kern="1200">
+                <a:solidFill>
+                  <a:schemeClr val="tx1"/>
+                </a:solidFill>
+                <a:latin typeface="+mn-lt"/>
+                <a:ea typeface="+mn-ea"/>
+                <a:cs typeface="+mn-cs"/>
+              </a:defRPr>
+            </a:lvl1pPr>
+            <a:lvl2pPr marL="742950" indent="-285750" algn="l" defTabSz="914400" rtl="0" eaLnBrk="1" latinLnBrk="0" hangingPunct="1">
+              <a:spcBef>
+                <a:spcPct val="20000"/>
+              </a:spcBef>
+              <a:buFont typeface="Arial" panose="020B0604020202020204" pitchFamily="34" charset="0"/>
+              <a:buChar char="–"/>
+              <a:defRPr sz="2800" kern="1200">
+                <a:solidFill>
+                  <a:schemeClr val="tx1"/>
+                </a:solidFill>
+                <a:latin typeface="+mn-lt"/>
+                <a:ea typeface="+mn-ea"/>
+                <a:cs typeface="+mn-cs"/>
+              </a:defRPr>
+            </a:lvl2pPr>
+            <a:lvl3pPr marL="1143000" indent="-228600" algn="l" defTabSz="914400" rtl="0" eaLnBrk="1" latinLnBrk="0" hangingPunct="1">
+              <a:spcBef>
+                <a:spcPct val="20000"/>
+              </a:spcBef>
+              <a:buFont typeface="Arial" panose="020B0604020202020204" pitchFamily="34" charset="0"/>
+              <a:buChar char="•"/>
+              <a:defRPr sz="2400" kern="1200">
+                <a:solidFill>
+                  <a:schemeClr val="tx1"/>
+                </a:solidFill>
+                <a:latin typeface="+mn-lt"/>
+                <a:ea typeface="+mn-ea"/>
+                <a:cs typeface="+mn-cs"/>
+              </a:defRPr>
+            </a:lvl3pPr>
+            <a:lvl4pPr marL="1600200" indent="-228600" algn="l" defTabSz="914400" rtl="0" eaLnBrk="1" latinLnBrk="0" hangingPunct="1">
+              <a:spcBef>
+                <a:spcPct val="20000"/>
+              </a:spcBef>
+              <a:buFont typeface="Arial" panose="020B0604020202020204" pitchFamily="34" charset="0"/>
+              <a:buChar char="–"/>
+              <a:defRPr sz="2000" kern="1200">
+                <a:solidFill>
+                  <a:schemeClr val="tx1"/>
+                </a:solidFill>
+                <a:latin typeface="+mn-lt"/>
+                <a:ea typeface="+mn-ea"/>
+                <a:cs typeface="+mn-cs"/>
+              </a:defRPr>
+            </a:lvl4pPr>
+            <a:lvl5pPr marL="2057400" indent="-228600" algn="l" defTabSz="914400" rtl="0" eaLnBrk="1" latinLnBrk="0" hangingPunct="1">
+              <a:spcBef>
+                <a:spcPct val="20000"/>
+              </a:spcBef>
+              <a:buFont typeface="Arial" panose="020B0604020202020204" pitchFamily="34" charset="0"/>
+              <a:buChar char="»"/>
+              <a:defRPr sz="2000" kern="1200">
+                <a:solidFill>
+                  <a:schemeClr val="tx1"/>
+                </a:solidFill>
+                <a:latin typeface="+mn-lt"/>
+                <a:ea typeface="+mn-ea"/>
+                <a:cs typeface="+mn-cs"/>
+              </a:defRPr>
+            </a:lvl5pPr>
+            <a:lvl6pPr marL="2514600" indent="-228600" algn="l" defTabSz="914400" rtl="0" eaLnBrk="1" latinLnBrk="0" hangingPunct="1">
+              <a:spcBef>
+                <a:spcPct val="20000"/>
+              </a:spcBef>
+              <a:buFont typeface="Arial" panose="020B0604020202020204" pitchFamily="34" charset="0"/>
+              <a:buChar char="•"/>
+              <a:defRPr sz="2000" kern="1200">
+                <a:solidFill>
+                  <a:schemeClr val="tx1"/>
+                </a:solidFill>
+                <a:latin typeface="+mn-lt"/>
+                <a:ea typeface="+mn-ea"/>
+                <a:cs typeface="+mn-cs"/>
+              </a:defRPr>
+            </a:lvl6pPr>
+            <a:lvl7pPr marL="2971800" indent="-228600" algn="l" defTabSz="914400" rtl="0" eaLnBrk="1" latinLnBrk="0" hangingPunct="1">
+              <a:spcBef>
+                <a:spcPct val="20000"/>
+              </a:spcBef>
+              <a:buFont typeface="Arial" panose="020B0604020202020204" pitchFamily="34" charset="0"/>
+              <a:buChar char="•"/>
+              <a:defRPr sz="2000" kern="1200">
+                <a:solidFill>
+                  <a:schemeClr val="tx1"/>
+                </a:solidFill>
+                <a:latin typeface="+mn-lt"/>
+                <a:ea typeface="+mn-ea"/>
+                <a:cs typeface="+mn-cs"/>
+              </a:defRPr>
+            </a:lvl7pPr>
+            <a:lvl8pPr marL="3429000" indent="-228600" algn="l" defTabSz="914400" rtl="0" eaLnBrk="1" latinLnBrk="0" hangingPunct="1">
+              <a:spcBef>
+                <a:spcPct val="20000"/>
+              </a:spcBef>
+              <a:buFont typeface="Arial" panose="020B0604020202020204" pitchFamily="34" charset="0"/>
+              <a:buChar char="•"/>
+              <a:defRPr sz="2000" kern="1200">
+                <a:solidFill>
+                  <a:schemeClr val="tx1"/>
+                </a:solidFill>
+                <a:latin typeface="+mn-lt"/>
+                <a:ea typeface="+mn-ea"/>
+                <a:cs typeface="+mn-cs"/>
+              </a:defRPr>
+            </a:lvl8pPr>
+            <a:lvl9pPr marL="3886200" indent="-228600" algn="l" defTabSz="914400" rtl="0" eaLnBrk="1" latinLnBrk="0" hangingPunct="1">
+              <a:spcBef>
+                <a:spcPct val="20000"/>
+              </a:spcBef>
+              <a:buFont typeface="Arial" panose="020B0604020202020204" pitchFamily="34" charset="0"/>
+              <a:buChar char="•"/>
+              <a:defRPr sz="2000" kern="1200">
+                <a:solidFill>
+                  <a:schemeClr val="tx1"/>
+                </a:solidFill>
+                <a:latin typeface="+mn-lt"/>
+                <a:ea typeface="+mn-ea"/>
+                <a:cs typeface="+mn-cs"/>
+              </a:defRPr>
+            </a:lvl9pPr>
+          </a:lstStyle>
+          <a:p>
+            <a:pPr marL="514350" indent="-457200"/>
+            <a:r>
+              <a:rPr lang="en-US" sz="2800" dirty="0"/>
+              <a:t>After further extraction </a:t>
+            </a:r>
+            <a:r>
+              <a:rPr lang="en-US" sz="2800" dirty="0" err="1"/>
+              <a:t>runProcess</a:t>
+            </a:r>
+            <a:r>
+              <a:rPr lang="en-US" sz="2800" dirty="0"/>
+              <a:t> does only one thing.</a:t>
+            </a:r>
+          </a:p>
+          <a:p>
+            <a:pPr marL="514350" indent="-457200"/>
+            <a:r>
+              <a:rPr lang="en-US" sz="2800" dirty="0"/>
+              <a:t>It breaks down the process into 3 parts at the same level of abstraction</a:t>
+            </a:r>
+          </a:p>
+        </p:txBody>
+      </p:sp>
+      <p:pic>
+        <p:nvPicPr>
+          <p:cNvPr id="3" name="Picture 2">
+            <a:extLst>
+              <a:ext uri="{FF2B5EF4-FFF2-40B4-BE49-F238E27FC236}">
+                <a16:creationId xmlns:a16="http://schemas.microsoft.com/office/drawing/2014/main" id="{48D3D515-98CA-4319-03A0-870B93E7DEC2}"/>
+              </a:ext>
+            </a:extLst>
+          </p:cNvPr>
+          <p:cNvPicPr>
+            <a:picLocks noChangeAspect="1"/>
+          </p:cNvPicPr>
+          <p:nvPr/>
+        </p:nvPicPr>
+        <p:blipFill>
+          <a:blip r:embed="rId2"/>
+          <a:stretch>
+            <a:fillRect/>
+          </a:stretch>
+        </p:blipFill>
+        <p:spPr>
+          <a:xfrm>
+            <a:off x="990600" y="2590800"/>
+            <a:ext cx="5257800" cy="2247608"/>
+          </a:xfrm>
+          <a:prstGeom prst="rect">
+            <a:avLst/>
+          </a:prstGeom>
+          <a:ln w="6350">
+            <a:solidFill>
+              <a:schemeClr val="accent1"/>
+            </a:solidFill>
+          </a:ln>
+        </p:spPr>
+      </p:pic>
+    </p:spTree>
+    <p:extLst>
+      <p:ext uri="{BB962C8B-B14F-4D97-AF65-F5344CB8AC3E}">
+        <p14:creationId xmlns:p14="http://schemas.microsoft.com/office/powerpoint/2010/main" val="1288996039"/>
+      </p:ext>
+    </p:extLst>
+  </p:cSld>
+  <p:clrMapOvr>
+    <a:masterClrMapping/>
+  </p:clrMapOvr>
+</p:sld>
+</file>
+
+<file path=ppt/slides/slide13.xml><?xml version="1.0" encoding="utf-8"?>
 <p:sld xmlns:a="http://schemas.openxmlformats.org/drawingml/2006/main" xmlns:r="http://schemas.openxmlformats.org/officeDocument/2006/relationships" xmlns:p="http://schemas.openxmlformats.org/presentationml/2006/main">
   <p:cSld>
     <p:spTree>
@@ -3927,7 +4580,12 @@
             <p:ph type="title"/>
           </p:nvPr>
         </p:nvSpPr>
-        <p:spPr/>
+        <p:spPr>
+          <a:xfrm>
+            <a:off x="457200" y="274638"/>
+            <a:ext cx="8229600" cy="1143000"/>
+          </a:xfrm>
+        </p:spPr>
         <p:txBody>
           <a:bodyPr/>
           <a:lstStyle/>
@@ -3949,12 +4607,165 @@
             <p:ph idx="1"/>
           </p:nvPr>
         </p:nvSpPr>
+        <p:spPr>
+          <a:xfrm>
+            <a:off x="457200" y="1600200"/>
+            <a:ext cx="8229600" cy="4525963"/>
+          </a:xfrm>
+        </p:spPr>
+        <p:txBody>
+          <a:bodyPr>
+            <a:normAutofit/>
+          </a:bodyPr>
+          <a:lstStyle/>
+          <a:p>
+            <a:r>
+              <a:rPr lang="en-US" dirty="0">
+                <a:solidFill>
+                  <a:schemeClr val="tx2"/>
+                </a:solidFill>
+              </a:rPr>
+              <a:t>Each file, class, function, library should have one responsibility.</a:t>
+            </a:r>
+          </a:p>
+          <a:p>
+            <a:r>
+              <a:rPr lang="en-US" dirty="0">
+                <a:solidFill>
+                  <a:schemeClr val="tx2"/>
+                </a:solidFill>
+              </a:rPr>
+              <a:t>One file should contain only one class</a:t>
+            </a:r>
+          </a:p>
+          <a:p>
+            <a:r>
+              <a:rPr lang="en-US" dirty="0">
+                <a:solidFill>
+                  <a:schemeClr val="tx2"/>
+                </a:solidFill>
+              </a:rPr>
+              <a:t>Responsibilities can often be measured in size:</a:t>
+            </a:r>
+          </a:p>
+          <a:p>
+            <a:pPr lvl="1"/>
+            <a:r>
+              <a:rPr lang="en-US" dirty="0">
+                <a:solidFill>
+                  <a:schemeClr val="tx2"/>
+                </a:solidFill>
+              </a:rPr>
+              <a:t>File &lt; 200 lines</a:t>
+            </a:r>
+          </a:p>
+          <a:p>
+            <a:pPr lvl="1"/>
+            <a:r>
+              <a:rPr lang="en-US" dirty="0">
+                <a:solidFill>
+                  <a:schemeClr val="tx2"/>
+                </a:solidFill>
+              </a:rPr>
+              <a:t>Function &lt; 15 lines</a:t>
+            </a:r>
+          </a:p>
+          <a:p>
+            <a:pPr lvl="1"/>
+            <a:r>
+              <a:rPr lang="en-US" dirty="0">
+                <a:solidFill>
+                  <a:schemeClr val="tx2"/>
+                </a:solidFill>
+              </a:rPr>
+              <a:t>Class header &lt; 50 lines</a:t>
+            </a:r>
+          </a:p>
+          <a:p>
+            <a:pPr lvl="1"/>
+            <a:r>
+              <a:rPr lang="en-US" dirty="0">
+                <a:solidFill>
+                  <a:schemeClr val="tx2"/>
+                </a:solidFill>
+              </a:rPr>
+              <a:t>Class source &lt; 200 lines</a:t>
+            </a:r>
+          </a:p>
+          <a:p>
+            <a:pPr lvl="1"/>
+            <a:endParaRPr lang="en-US" dirty="0"/>
+          </a:p>
+        </p:txBody>
+      </p:sp>
+    </p:spTree>
+    <p:extLst>
+      <p:ext uri="{BB962C8B-B14F-4D97-AF65-F5344CB8AC3E}">
+        <p14:creationId xmlns:p14="http://schemas.microsoft.com/office/powerpoint/2010/main" val="2874451449"/>
+      </p:ext>
+    </p:extLst>
+  </p:cSld>
+  <p:clrMapOvr>
+    <a:masterClrMapping/>
+  </p:clrMapOvr>
+</p:sld>
+</file>
+
+<file path=ppt/slides/slide14.xml><?xml version="1.0" encoding="utf-8"?>
+<p:sld xmlns:a="http://schemas.openxmlformats.org/drawingml/2006/main" xmlns:r="http://schemas.openxmlformats.org/officeDocument/2006/relationships" xmlns:p="http://schemas.openxmlformats.org/presentationml/2006/main">
+  <p:cSld>
+    <p:spTree>
+      <p:nvGrpSpPr>
+        <p:cNvPr id="1" name=""/>
+        <p:cNvGrpSpPr/>
+        <p:nvPr/>
+      </p:nvGrpSpPr>
+      <p:grpSpPr>
+        <a:xfrm>
+          <a:off x="0" y="0"/>
+          <a:ext cx="0" cy="0"/>
+          <a:chOff x="0" y="0"/>
+          <a:chExt cx="0" cy="0"/>
+        </a:xfrm>
+      </p:grpSpPr>
+      <p:sp>
+        <p:nvSpPr>
+          <p:cNvPr id="2" name="Title 1"/>
+          <p:cNvSpPr>
+            <a:spLocks noGrp="1"/>
+          </p:cNvSpPr>
+          <p:nvPr>
+            <p:ph type="title"/>
+          </p:nvPr>
+        </p:nvSpPr>
         <p:spPr/>
         <p:txBody>
           <a:bodyPr/>
           <a:lstStyle/>
           <a:p>
             <a:r>
+              <a:rPr lang="en-US" dirty="0"/>
+              <a:t>The Single Responsibility Principle</a:t>
+            </a:r>
+          </a:p>
+        </p:txBody>
+      </p:sp>
+      <p:sp>
+        <p:nvSpPr>
+          <p:cNvPr id="3" name="Content Placeholder 2"/>
+          <p:cNvSpPr>
+            <a:spLocks noGrp="1"/>
+          </p:cNvSpPr>
+          <p:nvPr>
+            <p:ph idx="1"/>
+          </p:nvPr>
+        </p:nvSpPr>
+        <p:spPr/>
+        <p:txBody>
+          <a:bodyPr/>
+          <a:lstStyle/>
+          <a:p>
+            <a:r>
               <a:rPr lang="en-US" dirty="0">
                 <a:solidFill>
                   <a:schemeClr val="tx2"/>
@@ -3970,7 +4781,7 @@
                   <a:schemeClr val="tx2"/>
                 </a:solidFill>
               </a:rPr>
-              <a:t>A cohesive class is one in which most fields are used referenced by most methods. </a:t>
+              <a:t>A cohesive class is one in which most fields are referenced by most methods. </a:t>
             </a:r>
           </a:p>
           <a:p>
@@ -3980,7 +4791,7 @@
                   <a:schemeClr val="tx2"/>
                 </a:solidFill>
               </a:rPr>
-              <a:t>An island of associated fields and methods should really be a class in itself.</a:t>
+              <a:t>An island of associated fields and methods should really be a class by itself.</a:t>
             </a:r>
           </a:p>
           <a:p>
@@ -4053,7 +4864,7 @@
 </p:sld>
 </file>
 
-<file path=ppt/slides/slide13.xml><?xml version="1.0" encoding="utf-8"?>
+<file path=ppt/slides/slide15.xml><?xml version="1.0" encoding="utf-8"?>
 <p:sld xmlns:a="http://schemas.openxmlformats.org/drawingml/2006/main" xmlns:r="http://schemas.openxmlformats.org/officeDocument/2006/relationships" xmlns:p="http://schemas.openxmlformats.org/presentationml/2006/main">
   <p:cSld>
     <p:spTree>
@@ -4807,7 +5618,7 @@
 </p:sld>
 </file>
 
-<file path=ppt/slides/slide14.xml><?xml version="1.0" encoding="utf-8"?>
+<file path=ppt/slides/slide16.xml><?xml version="1.0" encoding="utf-8"?>
 <p:sld xmlns:a="http://schemas.openxmlformats.org/drawingml/2006/main" xmlns:r="http://schemas.openxmlformats.org/officeDocument/2006/relationships" xmlns:p="http://schemas.openxmlformats.org/presentationml/2006/main">
   <p:cSld>
     <p:spTree>
@@ -4914,8 +5725,8 @@
         </p:nvSpPr>
         <p:spPr>
           <a:xfrm>
-            <a:off x="4876800" y="533400"/>
-            <a:ext cx="3029246" cy="1200329"/>
+            <a:off x="4114800" y="533400"/>
+            <a:ext cx="4828682" cy="1107996"/>
           </a:xfrm>
           <a:prstGeom prst="rect">
             <a:avLst/>
@@ -4928,51 +5739,77 @@
           </a:bodyPr>
           <a:lstStyle/>
           <a:p>
-            <a:r>
-              <a:rPr lang="fr-FR" sz="2400" dirty="0" err="1"/>
+            <a:pPr marL="342900" indent="-342900">
+              <a:buFont typeface="Arial" panose="020B0604020202020204" pitchFamily="34" charset="0"/>
+              <a:buChar char="•"/>
+            </a:pPr>
+            <a:r>
+              <a:rPr lang="fr-FR" sz="2200" dirty="0" err="1"/>
+              <a:t>Extract</a:t>
+            </a:r>
+            <a:r>
+              <a:rPr lang="fr-FR" sz="2200" dirty="0"/>
+              <a:t> classes</a:t>
+            </a:r>
+          </a:p>
+          <a:p>
+            <a:pPr marL="342900" indent="-342900">
+              <a:buFont typeface="Arial" panose="020B0604020202020204" pitchFamily="34" charset="0"/>
+              <a:buChar char="•"/>
+            </a:pPr>
+            <a:r>
+              <a:rPr lang="fr-FR" sz="2200" dirty="0" err="1"/>
               <a:t>Device</a:t>
             </a:r>
             <a:r>
-              <a:rPr lang="fr-FR" sz="2400" dirty="0"/>
+              <a:rPr lang="fr-FR" sz="2200" dirty="0"/>
               <a:t> </a:t>
             </a:r>
             <a:r>
-              <a:rPr lang="fr-FR" sz="2400" dirty="0" err="1"/>
+              <a:rPr lang="fr-FR" sz="2200" dirty="0" err="1"/>
               <a:t>is</a:t>
             </a:r>
             <a:r>
-              <a:rPr lang="fr-FR" sz="2400" dirty="0"/>
+              <a:rPr lang="fr-FR" sz="2200" dirty="0"/>
+              <a:t> </a:t>
+            </a:r>
+            <a:r>
+              <a:rPr lang="fr-FR" sz="2200" dirty="0" err="1"/>
+              <a:t>now</a:t>
+            </a:r>
+            <a:r>
+              <a:rPr lang="fr-FR" sz="2200" dirty="0"/>
               <a:t> a manager of </a:t>
             </a:r>
             <a:r>
-              <a:rPr lang="fr-FR" sz="2400" dirty="0" err="1"/>
+              <a:rPr lang="fr-FR" sz="2200" dirty="0" err="1"/>
               <a:t>objects</a:t>
             </a:r>
             <a:r>
-              <a:rPr lang="fr-FR" sz="2400" dirty="0"/>
+              <a:rPr lang="fr-FR" sz="2200" dirty="0"/>
               <a:t>, </a:t>
             </a:r>
             <a:r>
-              <a:rPr lang="fr-FR" sz="2400" dirty="0" err="1"/>
+              <a:rPr lang="fr-FR" sz="2200" dirty="0" err="1"/>
               <a:t>each</a:t>
             </a:r>
             <a:r>
-              <a:rPr lang="fr-FR" sz="2400" dirty="0"/>
+              <a:rPr lang="fr-FR" sz="2200" dirty="0"/>
               <a:t> </a:t>
             </a:r>
             <a:r>
-              <a:rPr lang="fr-FR" sz="2400" dirty="0" err="1"/>
+              <a:rPr lang="fr-FR" sz="2200" dirty="0" err="1"/>
               <a:t>with</a:t>
             </a:r>
             <a:r>
-              <a:rPr lang="fr-FR" sz="2400" dirty="0"/>
+              <a:rPr lang="fr-FR" sz="2200" dirty="0"/>
               <a:t> a single </a:t>
             </a:r>
             <a:r>
-              <a:rPr lang="fr-FR" sz="2400" dirty="0" err="1"/>
+              <a:rPr lang="fr-FR" sz="2200" dirty="0" err="1"/>
               <a:t>responsibility</a:t>
             </a:r>
-            <a:endParaRPr lang="en-US" sz="2400" dirty="0"/>
+            <a:endParaRPr lang="en-US" sz="2200" dirty="0"/>
           </a:p>
         </p:txBody>
       </p:sp>
@@ -4982,328 +5819,6 @@
         <p14:creationId xmlns:p14="http://schemas.microsoft.com/office/powerpoint/2010/main" val="453465833"/>
       </p:ext>
     </p:extLst>
-  </p:cSld>
-  <p:clrMapOvr>
-    <a:masterClrMapping/>
-  </p:clrMapOvr>
-</p:sld>
-</file>
-
-<file path=ppt/slides/slide15.xml><?xml version="1.0" encoding="utf-8"?>
-<p:sld xmlns:a="http://schemas.openxmlformats.org/drawingml/2006/main" xmlns:r="http://schemas.openxmlformats.org/officeDocument/2006/relationships" xmlns:p="http://schemas.openxmlformats.org/presentationml/2006/main">
-  <p:cSld>
-    <p:spTree>
-      <p:nvGrpSpPr>
-        <p:cNvPr id="1" name=""/>
-        <p:cNvGrpSpPr/>
-        <p:nvPr/>
-      </p:nvGrpSpPr>
-      <p:grpSpPr>
-        <a:xfrm>
-          <a:off x="0" y="0"/>
-          <a:ext cx="0" cy="0"/>
-          <a:chOff x="0" y="0"/>
-          <a:chExt cx="0" cy="0"/>
-        </a:xfrm>
-      </p:grpSpPr>
-      <p:sp>
-        <p:nvSpPr>
-          <p:cNvPr id="2" name="Title 1">
-            <a:extLst>
-              <a:ext uri="{FF2B5EF4-FFF2-40B4-BE49-F238E27FC236}">
-                <a16:creationId xmlns:a16="http://schemas.microsoft.com/office/drawing/2014/main" id="{C023CA9A-E311-EF21-9C70-A5C9E4EFF3CD}"/>
-              </a:ext>
-            </a:extLst>
-          </p:cNvPr>
-          <p:cNvSpPr>
-            <a:spLocks noGrp="1"/>
-          </p:cNvSpPr>
-          <p:nvPr>
-            <p:ph type="title"/>
-          </p:nvPr>
-        </p:nvSpPr>
-        <p:spPr/>
-        <p:txBody>
-          <a:bodyPr>
-            <a:normAutofit/>
-          </a:bodyPr>
-          <a:lstStyle/>
-          <a:p>
-            <a:r>
-              <a:rPr lang="en-US" dirty="0"/>
-              <a:t>Encapsulation</a:t>
-            </a:r>
-          </a:p>
-        </p:txBody>
-      </p:sp>
-      <p:sp>
-        <p:nvSpPr>
-          <p:cNvPr id="3" name="Content Placeholder 2">
-            <a:extLst>
-              <a:ext uri="{FF2B5EF4-FFF2-40B4-BE49-F238E27FC236}">
-                <a16:creationId xmlns:a16="http://schemas.microsoft.com/office/drawing/2014/main" id="{0E740AC6-19FB-F210-B8A9-14268DC9BE03}"/>
-              </a:ext>
-            </a:extLst>
-          </p:cNvPr>
-          <p:cNvSpPr>
-            <a:spLocks noGrp="1"/>
-          </p:cNvSpPr>
-          <p:nvPr>
-            <p:ph idx="1"/>
-          </p:nvPr>
-        </p:nvSpPr>
-        <p:spPr/>
-        <p:txBody>
-          <a:bodyPr>
-            <a:normAutofit fontScale="92500"/>
-          </a:bodyPr>
-          <a:lstStyle/>
-          <a:p>
-            <a:r>
-              <a:rPr lang="en-US" dirty="0">
-                <a:solidFill>
-                  <a:schemeClr val="tx2"/>
-                </a:solidFill>
-              </a:rPr>
-              <a:t>The Three Pillars of Object Oriented Design</a:t>
-            </a:r>
-          </a:p>
-          <a:p>
-            <a:pPr lvl="1"/>
-            <a:r>
-              <a:rPr lang="en-US" dirty="0">
-                <a:solidFill>
-                  <a:srgbClr val="FF0000"/>
-                </a:solidFill>
-              </a:rPr>
-              <a:t>Encapsulation</a:t>
-            </a:r>
-          </a:p>
-          <a:p>
-            <a:pPr lvl="1"/>
-            <a:r>
-              <a:rPr lang="en-US" dirty="0">
-                <a:solidFill>
-                  <a:srgbClr val="FF0000"/>
-                </a:solidFill>
-              </a:rPr>
-              <a:t>Polymorphism</a:t>
-            </a:r>
-          </a:p>
-          <a:p>
-            <a:pPr lvl="1"/>
-            <a:r>
-              <a:rPr lang="en-US" dirty="0">
-                <a:solidFill>
-                  <a:srgbClr val="FF0000"/>
-                </a:solidFill>
-              </a:rPr>
-              <a:t>Inheritance</a:t>
-            </a:r>
-          </a:p>
-          <a:p>
-            <a:r>
-              <a:rPr lang="en-US" dirty="0">
-                <a:solidFill>
-                  <a:schemeClr val="tx2"/>
-                </a:solidFill>
-              </a:rPr>
-              <a:t>Which do we need and which should we avoid?</a:t>
-            </a:r>
-          </a:p>
-          <a:p>
-            <a:pPr lvl="1"/>
-            <a:r>
-              <a:rPr lang="en-US" dirty="0">
-                <a:solidFill>
-                  <a:srgbClr val="FF0000"/>
-                </a:solidFill>
-              </a:rPr>
-              <a:t>Encapsulation is the most important </a:t>
-            </a:r>
-          </a:p>
-          <a:p>
-            <a:pPr lvl="1"/>
-            <a:r>
-              <a:rPr lang="en-US" dirty="0">
-                <a:solidFill>
-                  <a:srgbClr val="FF0000"/>
-                </a:solidFill>
-              </a:rPr>
-              <a:t>Polymorphism helps achieve encapsulation</a:t>
-            </a:r>
-          </a:p>
-          <a:p>
-            <a:pPr lvl="1"/>
-            <a:r>
-              <a:rPr lang="en-US" dirty="0">
-                <a:solidFill>
-                  <a:srgbClr val="FF0000"/>
-                </a:solidFill>
-              </a:rPr>
-              <a:t>Inheritance (code reuse) undermines encapsulation</a:t>
-            </a:r>
-          </a:p>
-        </p:txBody>
-      </p:sp>
-    </p:spTree>
-    <p:extLst>
-      <p:ext uri="{BB962C8B-B14F-4D97-AF65-F5344CB8AC3E}">
-        <p14:creationId xmlns:p14="http://schemas.microsoft.com/office/powerpoint/2010/main" val="569327128"/>
-      </p:ext>
-    </p:extLst>
-  </p:cSld>
-  <p:clrMapOvr>
-    <a:masterClrMapping/>
-  </p:clrMapOvr>
-</p:sld>
-</file>
-
-<file path=ppt/slides/slide16.xml><?xml version="1.0" encoding="utf-8"?>
-<p:sld xmlns:a="http://schemas.openxmlformats.org/drawingml/2006/main" xmlns:r="http://schemas.openxmlformats.org/officeDocument/2006/relationships" xmlns:p="http://schemas.openxmlformats.org/presentationml/2006/main">
-  <p:cSld>
-    <p:spTree>
-      <p:nvGrpSpPr>
-        <p:cNvPr id="1" name=""/>
-        <p:cNvGrpSpPr/>
-        <p:nvPr/>
-      </p:nvGrpSpPr>
-      <p:grpSpPr>
-        <a:xfrm>
-          <a:off x="0" y="0"/>
-          <a:ext cx="0" cy="0"/>
-          <a:chOff x="0" y="0"/>
-          <a:chExt cx="0" cy="0"/>
-        </a:xfrm>
-      </p:grpSpPr>
-      <p:sp>
-        <p:nvSpPr>
-          <p:cNvPr id="133" name="PlaceHolder 1"/>
-          <p:cNvSpPr>
-            <a:spLocks noGrp="1"/>
-          </p:cNvSpPr>
-          <p:nvPr>
-            <p:ph type="title"/>
-          </p:nvPr>
-        </p:nvSpPr>
-        <p:spPr>
-          <a:xfrm>
-            <a:off x="457200" y="274638"/>
-            <a:ext cx="8229600" cy="1143000"/>
-          </a:xfrm>
-          <a:noFill/>
-          <a:ln w="0">
-            <a:noFill/>
-          </a:ln>
-        </p:spPr>
-        <p:txBody>
-          <a:bodyPr anchor="ctr">
-            <a:noAutofit/>
-          </a:bodyPr>
-          <a:lstStyle/>
-          <a:p>
-            <a:r>
-              <a:rPr lang="en-US"/>
-              <a:t>Two types of inheritance</a:t>
-            </a:r>
-          </a:p>
-        </p:txBody>
-      </p:sp>
-      <p:sp>
-        <p:nvSpPr>
-          <p:cNvPr id="134" name="PlaceHolder 2"/>
-          <p:cNvSpPr>
-            <a:spLocks noGrp="1"/>
-          </p:cNvSpPr>
-          <p:nvPr>
-            <p:ph idx="1"/>
-          </p:nvPr>
-        </p:nvSpPr>
-        <p:spPr>
-          <a:xfrm>
-            <a:off x="457200" y="1600200"/>
-            <a:ext cx="8229600" cy="4525963"/>
-          </a:xfrm>
-          <a:noFill/>
-          <a:ln w="0">
-            <a:noFill/>
-          </a:ln>
-        </p:spPr>
-        <p:txBody>
-          <a:bodyPr anchor="t">
-            <a:normAutofit/>
-          </a:bodyPr>
-          <a:lstStyle/>
-          <a:p>
-            <a:r>
-              <a:rPr lang="en-US" dirty="0">
-                <a:solidFill>
-                  <a:schemeClr val="tx2"/>
-                </a:solidFill>
-              </a:rPr>
-              <a:t>Polymorphism: Inheritance of contract </a:t>
-            </a:r>
-          </a:p>
-          <a:p>
-            <a:pPr lvl="1"/>
-            <a:r>
-              <a:rPr lang="en-US" dirty="0">
-                <a:solidFill>
-                  <a:schemeClr val="tx2"/>
-                </a:solidFill>
-              </a:rPr>
-              <a:t>A commitment by the implementor </a:t>
-            </a:r>
-          </a:p>
-          <a:p>
-            <a:pPr lvl="1"/>
-            <a:r>
-              <a:rPr lang="en-US" dirty="0">
-                <a:solidFill>
-                  <a:schemeClr val="tx2"/>
-                </a:solidFill>
-              </a:rPr>
-              <a:t>A capability a consumer can depend on</a:t>
-            </a:r>
-          </a:p>
-          <a:p>
-            <a:r>
-              <a:rPr lang="en-US" dirty="0">
-                <a:solidFill>
-                  <a:schemeClr val="tx2"/>
-                </a:solidFill>
-              </a:rPr>
-              <a:t>Code Reuse: Inheritance of implementation</a:t>
-            </a:r>
-          </a:p>
-          <a:p>
-            <a:pPr lvl="1"/>
-            <a:r>
-              <a:rPr lang="en-US" dirty="0">
-                <a:solidFill>
-                  <a:schemeClr val="accent2"/>
-                </a:solidFill>
-              </a:rPr>
-              <a:t>Derived classes call methods of their base class</a:t>
-            </a:r>
-          </a:p>
-          <a:p>
-            <a:pPr lvl="1"/>
-            <a:r>
-              <a:rPr lang="en-US" dirty="0">
-                <a:solidFill>
-                  <a:schemeClr val="accent2"/>
-                </a:solidFill>
-              </a:rPr>
-              <a:t>Template method: The base class also calls virtual methods of the derived class.</a:t>
-            </a:r>
-          </a:p>
-          <a:p>
-            <a:endParaRPr lang="en-US" dirty="0"/>
-          </a:p>
-        </p:txBody>
-      </p:sp>
-    </p:spTree>
   </p:cSld>
   <p:clrMapOvr>
     <a:masterClrMapping/>
@@ -5330,7 +5845,13 @@
       </p:grpSpPr>
       <p:sp>
         <p:nvSpPr>
-          <p:cNvPr id="142" name="PlaceHolder 1"/>
+          <p:cNvPr id="2" name="Title 1">
+            <a:extLst>
+              <a:ext uri="{FF2B5EF4-FFF2-40B4-BE49-F238E27FC236}">
+                <a16:creationId xmlns:a16="http://schemas.microsoft.com/office/drawing/2014/main" id="{C023CA9A-E311-EF21-9C70-A5C9E4EFF3CD}"/>
+              </a:ext>
+            </a:extLst>
+          </p:cNvPr>
           <p:cNvSpPr>
             <a:spLocks noGrp="1"/>
           </p:cNvSpPr>
@@ -5338,32 +5859,29 @@
             <p:ph type="title"/>
           </p:nvPr>
         </p:nvSpPr>
-        <p:spPr>
-          <a:xfrm>
-            <a:off x="457200" y="274638"/>
-            <a:ext cx="8229600" cy="1143000"/>
-          </a:xfrm>
-          <a:noFill/>
-          <a:ln w="0">
-            <a:noFill/>
-          </a:ln>
-        </p:spPr>
-        <p:txBody>
-          <a:bodyPr anchor="ctr">
-            <a:noAutofit/>
+        <p:spPr/>
+        <p:txBody>
+          <a:bodyPr>
+            <a:normAutofit/>
           </a:bodyPr>
           <a:lstStyle/>
           <a:p>
             <a:r>
               <a:rPr lang="en-US" dirty="0"/>
-              <a:t>Polymorphism: Benefits</a:t>
-            </a:r>
-          </a:p>
-        </p:txBody>
-      </p:sp>
-      <p:sp>
-        <p:nvSpPr>
-          <p:cNvPr id="143" name="PlaceHolder 2"/>
+              <a:t>Encapsulation</a:t>
+            </a:r>
+          </a:p>
+        </p:txBody>
+      </p:sp>
+      <p:sp>
+        <p:nvSpPr>
+          <p:cNvPr id="3" name="Content Placeholder 2">
+            <a:extLst>
+              <a:ext uri="{FF2B5EF4-FFF2-40B4-BE49-F238E27FC236}">
+                <a16:creationId xmlns:a16="http://schemas.microsoft.com/office/drawing/2014/main" id="{0E740AC6-19FB-F210-B8A9-14268DC9BE03}"/>
+              </a:ext>
+            </a:extLst>
+          </p:cNvPr>
           <p:cNvSpPr>
             <a:spLocks noGrp="1"/>
           </p:cNvSpPr>
@@ -5371,56 +5889,106 @@
             <p:ph idx="1"/>
           </p:nvPr>
         </p:nvSpPr>
-        <p:spPr>
-          <a:xfrm>
-            <a:off x="457200" y="1600200"/>
-            <a:ext cx="8229600" cy="4525963"/>
-          </a:xfrm>
-          <a:noFill/>
-          <a:ln w="0">
-            <a:noFill/>
-          </a:ln>
-        </p:spPr>
-        <p:txBody>
-          <a:bodyPr anchor="t">
-            <a:noAutofit/>
+        <p:spPr/>
+        <p:txBody>
+          <a:bodyPr>
+            <a:normAutofit fontScale="92500"/>
           </a:bodyPr>
           <a:lstStyle/>
           <a:p>
             <a:r>
-              <a:rPr lang="en-US" dirty="0"/>
-              <a:t>Encapsulation: Users of the interface cannot see the implementation</a:t>
-            </a:r>
-          </a:p>
-          <a:p>
-            <a:r>
-              <a:rPr lang="en-US" dirty="0"/>
-              <a:t>Programming by contract: Users of the interface can clearly see the contract</a:t>
-            </a:r>
-          </a:p>
-          <a:p>
-            <a:r>
-              <a:rPr lang="en-US" dirty="0"/>
-              <a:t>Benefits of encapsulation:</a:t>
+              <a:rPr lang="en-US" dirty="0">
+                <a:solidFill>
+                  <a:schemeClr val="tx2"/>
+                </a:solidFill>
+              </a:rPr>
+              <a:t>The Three Pillars of Object-Oriented Design</a:t>
             </a:r>
           </a:p>
           <a:p>
             <a:pPr lvl="1"/>
             <a:r>
-              <a:rPr lang="en-US" dirty="0"/>
-              <a:t>Testability: Replacement of implementations using mocks.</a:t>
+              <a:rPr lang="en-US" dirty="0">
+                <a:solidFill>
+                  <a:schemeClr val="tx2"/>
+                </a:solidFill>
+              </a:rPr>
+              <a:t>Encapsulation</a:t>
             </a:r>
           </a:p>
           <a:p>
             <a:pPr lvl="1"/>
             <a:r>
-              <a:rPr lang="en-US" dirty="0"/>
-              <a:t>Extensibility: Upgrading implementations without rebuilding the caller.</a:t>
+              <a:rPr lang="en-US" dirty="0">
+                <a:solidFill>
+                  <a:schemeClr val="tx2"/>
+                </a:solidFill>
+              </a:rPr>
+              <a:t>Polymorphism</a:t>
+            </a:r>
+          </a:p>
+          <a:p>
+            <a:pPr lvl="1"/>
+            <a:r>
+              <a:rPr lang="en-US" dirty="0">
+                <a:solidFill>
+                  <a:schemeClr val="tx2"/>
+                </a:solidFill>
+              </a:rPr>
+              <a:t>Inheritance</a:t>
+            </a:r>
+          </a:p>
+          <a:p>
+            <a:r>
+              <a:rPr lang="en-US" dirty="0">
+                <a:solidFill>
+                  <a:schemeClr val="tx2"/>
+                </a:solidFill>
+              </a:rPr>
+              <a:t>Which do we need and which should we avoid?</a:t>
+            </a:r>
+          </a:p>
+          <a:p>
+            <a:pPr lvl="1"/>
+            <a:r>
+              <a:rPr lang="en-US" dirty="0">
+                <a:solidFill>
+                  <a:schemeClr val="tx2"/>
+                </a:solidFill>
+              </a:rPr>
+              <a:t>Encapsulation is the most important </a:t>
+            </a:r>
+          </a:p>
+          <a:p>
+            <a:pPr lvl="1"/>
+            <a:r>
+              <a:rPr lang="en-US" dirty="0">
+                <a:solidFill>
+                  <a:schemeClr val="tx2"/>
+                </a:solidFill>
+              </a:rPr>
+              <a:t>Polymorphism helps achieve encapsulation</a:t>
+            </a:r>
+          </a:p>
+          <a:p>
+            <a:pPr lvl="1"/>
+            <a:r>
+              <a:rPr lang="en-US" dirty="0">
+                <a:solidFill>
+                  <a:schemeClr val="tx2"/>
+                </a:solidFill>
+              </a:rPr>
+              <a:t>Inheritance (code reuse) undermines encapsulation</a:t>
             </a:r>
           </a:p>
         </p:txBody>
       </p:sp>
     </p:spTree>
+    <p:extLst>
+      <p:ext uri="{BB962C8B-B14F-4D97-AF65-F5344CB8AC3E}">
+        <p14:creationId xmlns:p14="http://schemas.microsoft.com/office/powerpoint/2010/main" val="569327128"/>
+      </p:ext>
+    </p:extLst>
   </p:cSld>
   <p:clrMapOvr>
     <a:masterClrMapping/>
@@ -5447,7 +6015,7 @@
       </p:grpSpPr>
       <p:sp>
         <p:nvSpPr>
-          <p:cNvPr id="144" name="PlaceHolder 1"/>
+          <p:cNvPr id="133" name="PlaceHolder 1"/>
           <p:cNvSpPr>
             <a:spLocks noGrp="1"/>
           </p:cNvSpPr>
@@ -5472,15 +6040,15 @@
           <a:lstStyle/>
           <a:p>
             <a:r>
-              <a:rPr lang="en-US" dirty="0"/>
-              <a:t>Polymorphism: Pitfalls</a:t>
-            </a:r>
-          </a:p>
-        </p:txBody>
-      </p:sp>
-      <p:sp>
-        <p:nvSpPr>
-          <p:cNvPr id="145" name="PlaceHolder 2"/>
+              <a:rPr lang="en-US"/>
+              <a:t>Two types of inheritance</a:t>
+            </a:r>
+          </a:p>
+        </p:txBody>
+      </p:sp>
+      <p:sp>
+        <p:nvSpPr>
+          <p:cNvPr id="134" name="PlaceHolder 2"/>
           <p:cNvSpPr>
             <a:spLocks noGrp="1"/>
           </p:cNvSpPr>
@@ -5505,35 +6073,74 @@
           <a:lstStyle/>
           <a:p>
             <a:r>
-              <a:rPr lang="en-US" dirty="0"/>
-              <a:t>Encapsulation: Users of the interface cannot see the implementation</a:t>
-            </a:r>
-          </a:p>
-          <a:p>
-            <a:r>
-              <a:rPr lang="en-US" dirty="0"/>
-              <a:t>This may make it difficult to fully understand the code, but not really</a:t>
-            </a:r>
-          </a:p>
-          <a:p>
-            <a:r>
-              <a:rPr lang="en-US" dirty="0"/>
-              <a:t>It’s a trade-off (is decoupling good or bad?)</a:t>
+              <a:rPr lang="en-US" dirty="0">
+                <a:solidFill>
+                  <a:schemeClr val="tx2"/>
+                </a:solidFill>
+              </a:rPr>
+              <a:t>Polymorphism: Inheritance of contract </a:t>
             </a:r>
           </a:p>
           <a:p>
             <a:pPr lvl="1"/>
             <a:r>
-              <a:rPr lang="en-US" dirty="0"/>
-              <a:t>Caller code should be easier to understand if the implementations are hidden</a:t>
+              <a:rPr lang="en-US" dirty="0">
+                <a:solidFill>
+                  <a:schemeClr val="tx2"/>
+                </a:solidFill>
+              </a:rPr>
+              <a:t>A commitment by the implementor and</a:t>
             </a:r>
           </a:p>
           <a:p>
             <a:pPr lvl="1"/>
             <a:r>
-              <a:rPr lang="en-US" dirty="0"/>
-              <a:t>But there is such a thing as over abstraction</a:t>
-            </a:r>
+              <a:rPr lang="en-US" dirty="0">
+                <a:solidFill>
+                  <a:schemeClr val="tx2"/>
+                </a:solidFill>
+              </a:rPr>
+              <a:t>A capability a consumer can depend on</a:t>
+            </a:r>
+          </a:p>
+          <a:p>
+            <a:r>
+              <a:rPr lang="en-US" dirty="0">
+                <a:solidFill>
+                  <a:schemeClr val="tx2"/>
+                </a:solidFill>
+              </a:rPr>
+              <a:t>Code Reuse: Inheritance of implementation</a:t>
+            </a:r>
+          </a:p>
+          <a:p>
+            <a:pPr lvl="1"/>
+            <a:r>
+              <a:rPr lang="en-US" dirty="0">
+                <a:solidFill>
+                  <a:schemeClr val="tx2"/>
+                </a:solidFill>
+              </a:rPr>
+              <a:t>Derived classes call methods of their base class</a:t>
+            </a:r>
+          </a:p>
+          <a:p>
+            <a:pPr lvl="1"/>
+            <a:r>
+              <a:rPr lang="en-US" dirty="0">
+                <a:solidFill>
+                  <a:schemeClr val="tx2"/>
+                </a:solidFill>
+              </a:rPr>
+              <a:t>Template method: The base class also calls virtual methods of the derived class.</a:t>
+            </a:r>
+          </a:p>
+          <a:p>
+            <a:endParaRPr lang="en-US" dirty="0">
+              <a:solidFill>
+                <a:schemeClr val="tx2"/>
+              </a:solidFill>
+            </a:endParaRPr>
           </a:p>
         </p:txBody>
       </p:sp>
@@ -5564,7 +6171,7 @@
       </p:grpSpPr>
       <p:sp>
         <p:nvSpPr>
-          <p:cNvPr id="146" name="PlaceHolder 1"/>
+          <p:cNvPr id="142" name="PlaceHolder 1"/>
           <p:cNvSpPr>
             <a:spLocks noGrp="1"/>
           </p:cNvSpPr>
@@ -5590,14 +6197,14 @@
           <a:p>
             <a:r>
               <a:rPr lang="en-US" dirty="0"/>
-              <a:t>Code Reuse: Benefits</a:t>
-            </a:r>
-          </a:p>
-        </p:txBody>
-      </p:sp>
-      <p:sp>
-        <p:nvSpPr>
-          <p:cNvPr id="147" name="PlaceHolder 2"/>
+              <a:t>Polymorphism: Benefits</a:t>
+            </a:r>
+          </a:p>
+        </p:txBody>
+      </p:sp>
+      <p:sp>
+        <p:nvSpPr>
+          <p:cNvPr id="143" name="PlaceHolder 2"/>
           <p:cNvSpPr>
             <a:spLocks noGrp="1"/>
           </p:cNvSpPr>
@@ -5622,33 +6229,55 @@
           <a:lstStyle/>
           <a:p>
             <a:r>
-              <a:rPr lang="en-US" dirty="0"/>
-              <a:t>Avoids code duplication by:</a:t>
+              <a:rPr lang="en-US" dirty="0">
+                <a:solidFill>
+                  <a:schemeClr val="tx2"/>
+                </a:solidFill>
+              </a:rPr>
+              <a:t>Encapsulation: Users of the interface cannot see the implementation</a:t>
+            </a:r>
+          </a:p>
+          <a:p>
+            <a:r>
+              <a:rPr lang="en-US" dirty="0">
+                <a:solidFill>
+                  <a:schemeClr val="tx2"/>
+                </a:solidFill>
+              </a:rPr>
+              <a:t>Programming by contract: Users of the interface can clearly see the contract</a:t>
+            </a:r>
+          </a:p>
+          <a:p>
+            <a:r>
+              <a:rPr lang="en-US" dirty="0">
+                <a:solidFill>
+                  <a:schemeClr val="tx2"/>
+                </a:solidFill>
+              </a:rPr>
+              <a:t>Benefits of encapsulation:</a:t>
             </a:r>
           </a:p>
           <a:p>
             <a:pPr lvl="1"/>
             <a:r>
-              <a:rPr lang="en-US" dirty="0"/>
-              <a:t>Moving common code into the base class</a:t>
+              <a:rPr lang="en-US" dirty="0">
+                <a:solidFill>
+                  <a:schemeClr val="tx2"/>
+                </a:solidFill>
+              </a:rPr>
+              <a:t>Testability: Replacement of implementations using mocks.</a:t>
             </a:r>
           </a:p>
           <a:p>
             <a:pPr lvl="1"/>
             <a:r>
-              <a:rPr lang="en-US" dirty="0"/>
-              <a:t>Moves varying code into derived classes</a:t>
-            </a:r>
-          </a:p>
-          <a:p>
-            <a:pPr lvl="1"/>
-            <a:r>
-              <a:rPr lang="en-US" dirty="0"/>
-              <a:t>It’s so easy! You can call the implementation without specifying the name of an object</a:t>
-            </a:r>
-          </a:p>
-          <a:p>
-            <a:endParaRPr lang="en-US" dirty="0"/>
+              <a:rPr lang="en-US" dirty="0">
+                <a:solidFill>
+                  <a:schemeClr val="tx2"/>
+                </a:solidFill>
+              </a:rPr>
+              <a:t>Extensibility: Upgrading implementations without rebuilding the caller.</a:t>
+            </a:r>
           </a:p>
         </p:txBody>
       </p:sp>
@@ -5739,24 +6368,40 @@
           <a:lstStyle/>
           <a:p>
             <a:r>
-              <a:rPr lang="en-US" dirty="0"/>
+              <a:rPr lang="en-US" dirty="0">
+                <a:solidFill>
+                  <a:schemeClr val="tx2"/>
+                </a:solidFill>
+              </a:rPr>
               <a:t>In this module we will review the most essential principles of software design. </a:t>
             </a:r>
           </a:p>
           <a:p>
             <a:r>
-              <a:rPr lang="en-US" dirty="0"/>
+              <a:rPr lang="en-US" dirty="0">
+                <a:solidFill>
+                  <a:schemeClr val="tx2"/>
+                </a:solidFill>
+              </a:rPr>
               <a:t>Building on these, we will review the three pillars of OOD. Encapsulation, inheritance and polymorphism. Do we actually need them and why?</a:t>
             </a:r>
           </a:p>
           <a:p>
             <a:r>
-              <a:rPr lang="en-US" dirty="0"/>
+              <a:rPr lang="en-US" dirty="0">
+                <a:solidFill>
+                  <a:schemeClr val="tx2"/>
+                </a:solidFill>
+              </a:rPr>
               <a:t>We will engage in an open discussion and the conclusions will be demonstrated with code examples. The examples will demonstrate common pitfalls, the techniques you can use to identify the problems, and how to fix them using simple C++.</a:t>
             </a:r>
           </a:p>
           <a:p>
-            <a:endParaRPr lang="en-US" dirty="0"/>
+            <a:endParaRPr lang="en-US" dirty="0">
+              <a:solidFill>
+                <a:schemeClr val="tx2"/>
+              </a:solidFill>
+            </a:endParaRPr>
           </a:p>
         </p:txBody>
       </p:sp>
@@ -5792,7 +6437,7 @@
       </p:grpSpPr>
       <p:sp>
         <p:nvSpPr>
-          <p:cNvPr id="148" name="PlaceHolder 1"/>
+          <p:cNvPr id="144" name="PlaceHolder 1"/>
           <p:cNvSpPr>
             <a:spLocks noGrp="1"/>
           </p:cNvSpPr>
@@ -5812,20 +6457,20 @@
         </p:spPr>
         <p:txBody>
           <a:bodyPr anchor="ctr">
-            <a:normAutofit/>
+            <a:noAutofit/>
           </a:bodyPr>
           <a:lstStyle/>
           <a:p>
             <a:r>
               <a:rPr lang="en-US" dirty="0"/>
-              <a:t>Code Reuse: Pitfalls</a:t>
-            </a:r>
-          </a:p>
-        </p:txBody>
-      </p:sp>
-      <p:sp>
-        <p:nvSpPr>
-          <p:cNvPr id="149" name="PlaceHolder 2"/>
+              <a:t>Polymorphism: Pitfalls</a:t>
+            </a:r>
+          </a:p>
+        </p:txBody>
+      </p:sp>
+      <p:sp>
+        <p:nvSpPr>
+          <p:cNvPr id="145" name="PlaceHolder 2"/>
           <p:cNvSpPr>
             <a:spLocks noGrp="1"/>
           </p:cNvSpPr>
@@ -5845,60 +6490,72 @@
         </p:spPr>
         <p:txBody>
           <a:bodyPr anchor="t">
-            <a:normAutofit fontScale="92500" lnSpcReduction="20000"/>
+            <a:normAutofit/>
           </a:bodyPr>
           <a:lstStyle/>
           <a:p>
             <a:r>
-              <a:rPr lang="en-US" dirty="0"/>
-              <a:t>It introduces coupling between the derived class and the base class:</a:t>
+              <a:rPr lang="en-US" dirty="0">
+                <a:solidFill>
+                  <a:schemeClr val="tx2"/>
+                </a:solidFill>
+              </a:rPr>
+              <a:t>Encapsulation (!): </a:t>
             </a:r>
           </a:p>
           <a:p>
             <a:pPr lvl="1"/>
             <a:r>
-              <a:rPr lang="en-US" dirty="0"/>
-              <a:t>Includes of the </a:t>
-            </a:r>
-            <a:r>
-              <a:rPr lang="en-US" dirty="0" err="1"/>
-              <a:t>derived’s</a:t>
-            </a:r>
-            <a:r>
-              <a:rPr lang="en-US" dirty="0"/>
-              <a:t> header must also include the header of the base.</a:t>
+              <a:rPr lang="en-US" dirty="0">
+                <a:solidFill>
+                  <a:schemeClr val="tx2"/>
+                </a:solidFill>
+              </a:rPr>
+              <a:t>Users of the interface cannot see the implementation</a:t>
             </a:r>
           </a:p>
           <a:p>
             <a:pPr lvl="1"/>
             <a:r>
-              <a:rPr lang="en-US" dirty="0"/>
-              <a:t>The size of the derived class depends on the size of the base. So, if the base changes you need to recompile. (No runtime compatibility)</a:t>
+              <a:rPr lang="en-US" dirty="0">
+                <a:solidFill>
+                  <a:schemeClr val="tx2"/>
+                </a:solidFill>
+              </a:rPr>
+              <a:t>This may make it difficult to fully understand the code, but not really</a:t>
+            </a:r>
+          </a:p>
+          <a:p>
+            <a:r>
+              <a:rPr lang="en-US" dirty="0">
+                <a:solidFill>
+                  <a:schemeClr val="tx2"/>
+                </a:solidFill>
+              </a:rPr>
+              <a:t>It’s a trade-off because:</a:t>
             </a:r>
           </a:p>
           <a:p>
             <a:pPr lvl="1"/>
             <a:r>
-              <a:rPr lang="en-US" dirty="0"/>
-              <a:t>May introduce cyclic dependencies, because the base class can call the derived class and vice versa</a:t>
-            </a:r>
-          </a:p>
-          <a:p>
-            <a:r>
-              <a:rPr lang="en-US" dirty="0"/>
-              <a:t>Effectively the base and the derived classes are one big class split across multiple files.</a:t>
+              <a:rPr lang="en-US" dirty="0">
+                <a:solidFill>
+                  <a:schemeClr val="tx2"/>
+                </a:solidFill>
+              </a:rPr>
+              <a:t>Caller code should actually be easier to understand if the implementations are hidden</a:t>
             </a:r>
           </a:p>
           <a:p>
             <a:pPr lvl="1"/>
-            <a:endParaRPr lang="en-US" dirty="0"/>
-          </a:p>
-          <a:p>
-            <a:pPr lvl="1"/>
-            <a:endParaRPr lang="en-US" dirty="0"/>
-          </a:p>
-          <a:p>
-            <a:endParaRPr lang="en-US" dirty="0"/>
+            <a:r>
+              <a:rPr lang="en-US" dirty="0">
+                <a:solidFill>
+                  <a:schemeClr val="tx2"/>
+                </a:solidFill>
+              </a:rPr>
+              <a:t>But there is such a thing as over abstraction</a:t>
+            </a:r>
           </a:p>
         </p:txBody>
       </p:sp>
@@ -5929,7 +6586,7 @@
       </p:grpSpPr>
       <p:sp>
         <p:nvSpPr>
-          <p:cNvPr id="150" name="PlaceHolder 1"/>
+          <p:cNvPr id="146" name="PlaceHolder 1"/>
           <p:cNvSpPr>
             <a:spLocks noGrp="1"/>
           </p:cNvSpPr>
@@ -5949,20 +6606,20 @@
         </p:spPr>
         <p:txBody>
           <a:bodyPr anchor="ctr">
-            <a:normAutofit/>
+            <a:noAutofit/>
           </a:bodyPr>
           <a:lstStyle/>
           <a:p>
             <a:r>
-              <a:rPr lang="en-US" dirty="0"/>
-              <a:t>Code Reuse: Pitfalls</a:t>
-            </a:r>
-          </a:p>
-        </p:txBody>
-      </p:sp>
-      <p:sp>
-        <p:nvSpPr>
-          <p:cNvPr id="151" name="PlaceHolder 2"/>
+              <a:rPr lang="en-US" sz="4000" dirty="0"/>
+              <a:t>Inheritance for Code Reuse: Benefits</a:t>
+            </a:r>
+          </a:p>
+        </p:txBody>
+      </p:sp>
+      <p:sp>
+        <p:nvSpPr>
+          <p:cNvPr id="147" name="PlaceHolder 2"/>
           <p:cNvSpPr>
             <a:spLocks noGrp="1"/>
           </p:cNvSpPr>
@@ -5982,71 +6639,58 @@
         </p:spPr>
         <p:txBody>
           <a:bodyPr anchor="t">
-            <a:normAutofit fontScale="77500" lnSpcReduction="20000"/>
+            <a:noAutofit/>
           </a:bodyPr>
           <a:lstStyle/>
           <a:p>
             <a:r>
-              <a:rPr lang="en-US" dirty="0"/>
-              <a:t>It breaks encapsulation </a:t>
+              <a:rPr lang="en-US" dirty="0">
+                <a:solidFill>
+                  <a:schemeClr val="tx2"/>
+                </a:solidFill>
+              </a:rPr>
+              <a:t>Avoids code duplication by</a:t>
             </a:r>
           </a:p>
           <a:p>
             <a:pPr lvl="1"/>
             <a:r>
-              <a:rPr lang="en-US" dirty="0"/>
-              <a:t>The derived class has access to all public members of the implementation class.</a:t>
+              <a:rPr lang="en-US" dirty="0">
+                <a:solidFill>
+                  <a:schemeClr val="tx2"/>
+                </a:solidFill>
+              </a:rPr>
+              <a:t>Moving common code into the base class</a:t>
             </a:r>
           </a:p>
           <a:p>
             <a:pPr lvl="1"/>
             <a:r>
-              <a:rPr lang="en-US" dirty="0"/>
-              <a:t>It’s like marking your implementation fields and methods public.</a:t>
+              <a:rPr lang="en-US" dirty="0">
+                <a:solidFill>
+                  <a:schemeClr val="tx2"/>
+                </a:solidFill>
+              </a:rPr>
+              <a:t>Moves varying code into derived classes</a:t>
             </a:r>
           </a:p>
           <a:p>
             <a:pPr lvl="1"/>
             <a:r>
-              <a:rPr lang="en-US" dirty="0"/>
-              <a:t>All members of all base classes are in the same namespace and can be confused without warning (the diamond problem)</a:t>
-            </a:r>
-          </a:p>
-          <a:p>
-            <a:r>
-              <a:rPr lang="en-US" dirty="0"/>
-              <a:t>It limits testability of the derived class</a:t>
-            </a:r>
-          </a:p>
-          <a:p>
-            <a:pPr lvl="1"/>
-            <a:r>
-              <a:rPr lang="en-US" dirty="0"/>
-              <a:t>The implementation in the base class cannot be replaced by a mock in a test</a:t>
-            </a:r>
-          </a:p>
-          <a:p>
-            <a:pPr lvl="1"/>
-            <a:r>
-              <a:rPr lang="en-US" dirty="0"/>
-              <a:t>Coupled classes can only be tested together</a:t>
-            </a:r>
-          </a:p>
-          <a:p>
-            <a:r>
-              <a:rPr lang="en-US" dirty="0"/>
-              <a:t>It limits reusability of the derived class</a:t>
-            </a:r>
-          </a:p>
-          <a:p>
-            <a:pPr lvl="1"/>
-            <a:r>
-              <a:rPr lang="en-US" dirty="0"/>
-              <a:t>The derived class can only be reused if the implementation provided in the base class is desired</a:t>
-            </a:r>
-          </a:p>
-          <a:p>
-            <a:endParaRPr lang="en-US" dirty="0"/>
+              <a:rPr lang="en-US" dirty="0">
+                <a:solidFill>
+                  <a:schemeClr val="tx2"/>
+                </a:solidFill>
+              </a:rPr>
+              <a:t>It’s so easy! You can call the implementation without specifying the name of an object</a:t>
+            </a:r>
+          </a:p>
+          <a:p>
+            <a:endParaRPr lang="en-US" dirty="0">
+              <a:solidFill>
+                <a:schemeClr val="tx2"/>
+              </a:solidFill>
+            </a:endParaRPr>
           </a:p>
         </p:txBody>
       </p:sp>
@@ -6077,7 +6721,7 @@
       </p:grpSpPr>
       <p:sp>
         <p:nvSpPr>
-          <p:cNvPr id="131" name="PlaceHolder 1"/>
+          <p:cNvPr id="148" name="PlaceHolder 1"/>
           <p:cNvSpPr>
             <a:spLocks noGrp="1"/>
           </p:cNvSpPr>
@@ -6097,20 +6741,20 @@
         </p:spPr>
         <p:txBody>
           <a:bodyPr anchor="ctr">
-            <a:noAutofit/>
+            <a:normAutofit/>
           </a:bodyPr>
           <a:lstStyle/>
           <a:p>
             <a:r>
               <a:rPr lang="en-US" dirty="0"/>
-              <a:t>And it gets worse</a:t>
-            </a:r>
-          </a:p>
-        </p:txBody>
-      </p:sp>
-      <p:sp>
-        <p:nvSpPr>
-          <p:cNvPr id="132" name="PlaceHolder 2"/>
+              <a:t>Inheritance for Code Reuse: Pitfalls</a:t>
+            </a:r>
+          </a:p>
+        </p:txBody>
+      </p:sp>
+      <p:sp>
+        <p:nvSpPr>
+          <p:cNvPr id="149" name="PlaceHolder 2"/>
           <p:cNvSpPr>
             <a:spLocks noGrp="1"/>
           </p:cNvSpPr>
@@ -6130,73 +6774,110 @@
         </p:spPr>
         <p:txBody>
           <a:bodyPr anchor="t">
-            <a:normAutofit fontScale="85500"/>
+            <a:normAutofit fontScale="85000" lnSpcReduction="20000"/>
           </a:bodyPr>
           <a:lstStyle/>
           <a:p>
             <a:r>
-              <a:rPr lang="en-US" dirty="0"/>
-              <a:t>Often, inheritance is used to achieve both goals (polymorphism and code reuse)</a:t>
+              <a:rPr lang="en-US" dirty="0">
+                <a:solidFill>
+                  <a:schemeClr val="tx2"/>
+                </a:solidFill>
+              </a:rPr>
+              <a:t>It introduces coupling between the derived class and the base class:</a:t>
             </a:r>
           </a:p>
           <a:p>
             <a:pPr lvl="1"/>
             <a:r>
-              <a:rPr lang="en-US" dirty="0"/>
-              <a:t>A glorious violation of the Single Responsibility Principle</a:t>
+              <a:rPr lang="en-US" dirty="0">
+                <a:solidFill>
+                  <a:schemeClr val="tx2"/>
+                </a:solidFill>
+              </a:rPr>
+              <a:t>Includes of the </a:t>
+            </a:r>
+            <a:r>
+              <a:rPr lang="en-US" dirty="0" err="1">
+                <a:solidFill>
+                  <a:schemeClr val="tx2"/>
+                </a:solidFill>
+              </a:rPr>
+              <a:t>derived’s</a:t>
+            </a:r>
+            <a:r>
+              <a:rPr lang="en-US" dirty="0">
+                <a:solidFill>
+                  <a:schemeClr val="tx2"/>
+                </a:solidFill>
+              </a:rPr>
+              <a:t> header must also include the header of the base.</a:t>
             </a:r>
           </a:p>
           <a:p>
             <a:pPr lvl="1"/>
             <a:r>
-              <a:rPr lang="en-US" dirty="0"/>
-              <a:t>This complicates the class giving it multiple responsibilities.</a:t>
+              <a:rPr lang="en-US" dirty="0">
+                <a:solidFill>
+                  <a:schemeClr val="tx2"/>
+                </a:solidFill>
+              </a:rPr>
+              <a:t>The size of the derived class depends on the size of the base. So, if the base changes you need to recompile. (No runtime compatibility)</a:t>
             </a:r>
           </a:p>
           <a:p>
             <a:pPr lvl="1"/>
             <a:r>
-              <a:rPr lang="en-US" dirty="0"/>
-              <a:t>The relationship between base and derived are not  clear making it difficult to maintain</a:t>
-            </a:r>
-          </a:p>
-          <a:p>
-            <a:r>
-              <a:rPr lang="en-US" dirty="0"/>
-              <a:t>Large inheritance hierarchies are difficult to maintain </a:t>
+              <a:rPr lang="en-US" dirty="0">
+                <a:solidFill>
+                  <a:schemeClr val="tx2"/>
+                </a:solidFill>
+              </a:rPr>
+              <a:t>May introduce cyclic dependencies, because the base class can call the derived class and vice versa</a:t>
+            </a:r>
+          </a:p>
+          <a:p>
+            <a:r>
+              <a:rPr lang="en-US" dirty="0">
+                <a:solidFill>
+                  <a:schemeClr val="tx2"/>
+                </a:solidFill>
+              </a:rPr>
+              <a:t>Effectively the base and the derived classes are one big class split across multiple files</a:t>
+            </a:r>
+          </a:p>
+          <a:p>
+            <a:r>
+              <a:rPr lang="en-US" dirty="0">
+                <a:solidFill>
+                  <a:schemeClr val="tx2"/>
+                </a:solidFill>
+              </a:rPr>
+              <a:t>This is a violation of the SRP</a:t>
             </a:r>
           </a:p>
           <a:p>
             <a:pPr lvl="1"/>
-            <a:r>
-              <a:rPr lang="en-US" dirty="0"/>
-              <a:t>When implementations change, inheritance relationships are required to change. </a:t>
-            </a:r>
-          </a:p>
-          <a:p>
-            <a:pPr marL="0" indent="0">
-              <a:buNone/>
-            </a:pPr>
-            <a:endParaRPr lang="en-US" dirty="0"/>
+            <a:endParaRPr lang="en-US" dirty="0">
+              <a:solidFill>
+                <a:schemeClr val="tx2"/>
+              </a:solidFill>
+            </a:endParaRPr>
           </a:p>
           <a:p>
             <a:pPr lvl="1"/>
-            <a:endParaRPr lang="en-US" dirty="0"/>
-          </a:p>
-          <a:p>
-            <a:pPr lvl="1"/>
-            <a:endParaRPr lang="en-US" dirty="0"/>
-          </a:p>
-          <a:p>
-            <a:pPr lvl="1"/>
-            <a:endParaRPr lang="en-US" dirty="0"/>
-          </a:p>
-          <a:p>
-            <a:pPr lvl="1"/>
-            <a:endParaRPr lang="en-US" dirty="0"/>
-          </a:p>
-          <a:p>
-            <a:endParaRPr lang="en-US" dirty="0"/>
+            <a:endParaRPr lang="en-US" dirty="0">
+              <a:solidFill>
+                <a:schemeClr val="tx2"/>
+              </a:solidFill>
+            </a:endParaRPr>
+          </a:p>
+          <a:p>
+            <a:endParaRPr lang="en-US" dirty="0">
+              <a:solidFill>
+                <a:schemeClr val="tx2"/>
+              </a:solidFill>
+            </a:endParaRPr>
           </a:p>
         </p:txBody>
       </p:sp>
@@ -6227,7 +6908,7 @@
       </p:grpSpPr>
       <p:sp>
         <p:nvSpPr>
-          <p:cNvPr id="152" name="PlaceHolder 1"/>
+          <p:cNvPr id="150" name="PlaceHolder 1"/>
           <p:cNvSpPr>
             <a:spLocks noGrp="1"/>
           </p:cNvSpPr>
@@ -6247,20 +6928,20 @@
         </p:spPr>
         <p:txBody>
           <a:bodyPr anchor="ctr">
-            <a:noAutofit/>
+            <a:normAutofit/>
           </a:bodyPr>
           <a:lstStyle/>
           <a:p>
             <a:r>
-              <a:rPr lang="en-US"/>
-              <a:t>Summary so far</a:t>
-            </a:r>
-          </a:p>
-        </p:txBody>
-      </p:sp>
-      <p:sp>
-        <p:nvSpPr>
-          <p:cNvPr id="153" name="PlaceHolder 2"/>
+              <a:rPr lang="en-US" dirty="0"/>
+              <a:t>Inheritance for Code Reuse: Pitfalls</a:t>
+            </a:r>
+          </a:p>
+        </p:txBody>
+      </p:sp>
+      <p:sp>
+        <p:nvSpPr>
+          <p:cNvPr id="151" name="PlaceHolder 2"/>
           <p:cNvSpPr>
             <a:spLocks noGrp="1"/>
           </p:cNvSpPr>
@@ -6280,59 +6961,111 @@
         </p:spPr>
         <p:txBody>
           <a:bodyPr anchor="t">
-            <a:normAutofit/>
+            <a:normAutofit fontScale="77500" lnSpcReduction="20000"/>
           </a:bodyPr>
           <a:lstStyle/>
           <a:p>
             <a:r>
-              <a:rPr lang="en-US" dirty="0"/>
-              <a:t>Inheritance of Contract: Good</a:t>
-            </a:r>
-          </a:p>
-          <a:p>
-            <a:r>
-              <a:rPr lang="en-US" dirty="0"/>
-              <a:t>Inheritance of Implementation: Bad</a:t>
-            </a:r>
-          </a:p>
-          <a:p>
-            <a:r>
-              <a:rPr lang="en-US" dirty="0"/>
-              <a:t>Exception: Data classes can use inheritance because:</a:t>
+              <a:rPr lang="en-US" dirty="0">
+                <a:solidFill>
+                  <a:schemeClr val="tx2"/>
+                </a:solidFill>
+              </a:rPr>
+              <a:t>It breaks encapsulation </a:t>
             </a:r>
           </a:p>
           <a:p>
             <a:pPr lvl="1"/>
             <a:r>
-              <a:rPr lang="en-US" dirty="0"/>
-              <a:t>We don’t test data classes</a:t>
+              <a:rPr lang="en-US" dirty="0">
+                <a:solidFill>
+                  <a:schemeClr val="tx2"/>
+                </a:solidFill>
+              </a:rPr>
+              <a:t>The derived class has access to all public members of the implementation class.</a:t>
             </a:r>
           </a:p>
           <a:p>
             <a:pPr lvl="1"/>
             <a:r>
-              <a:rPr lang="en-US" dirty="0"/>
-              <a:t>There are no methods in data classes, so no cycles</a:t>
+              <a:rPr lang="en-US" dirty="0">
+                <a:solidFill>
+                  <a:schemeClr val="tx2"/>
+                </a:solidFill>
+              </a:rPr>
+              <a:t>It’s like marking your implementation fields and methods public.</a:t>
             </a:r>
           </a:p>
           <a:p>
             <a:pPr lvl="1"/>
             <a:r>
-              <a:rPr lang="en-US" dirty="0"/>
-              <a:t>Data class expose all their data as public. No need for encapsulation</a:t>
-            </a:r>
-          </a:p>
-          <a:p>
-            <a:endParaRPr lang="en-US" dirty="0"/>
-          </a:p>
-          <a:p>
-            <a:endParaRPr lang="en-US" dirty="0"/>
-          </a:p>
-          <a:p>
-            <a:endParaRPr lang="en-US" dirty="0"/>
-          </a:p>
-          <a:p>
-            <a:endParaRPr lang="en-US" dirty="0"/>
+              <a:rPr lang="en-US" dirty="0">
+                <a:solidFill>
+                  <a:schemeClr val="tx2"/>
+                </a:solidFill>
+              </a:rPr>
+              <a:t>All members of all base classes are in the same namespace and can be confused without warning (the diamond problem)</a:t>
+            </a:r>
+          </a:p>
+          <a:p>
+            <a:r>
+              <a:rPr lang="en-US" dirty="0">
+                <a:solidFill>
+                  <a:schemeClr val="tx2"/>
+                </a:solidFill>
+              </a:rPr>
+              <a:t>It limits testability of the derived class</a:t>
+            </a:r>
+          </a:p>
+          <a:p>
+            <a:pPr lvl="1"/>
+            <a:r>
+              <a:rPr lang="en-US" dirty="0">
+                <a:solidFill>
+                  <a:schemeClr val="tx2"/>
+                </a:solidFill>
+              </a:rPr>
+              <a:t>The implementation in the base class cannot be replaced by a mock in a test</a:t>
+            </a:r>
+          </a:p>
+          <a:p>
+            <a:pPr lvl="1"/>
+            <a:r>
+              <a:rPr lang="en-US" dirty="0">
+                <a:solidFill>
+                  <a:schemeClr val="tx2"/>
+                </a:solidFill>
+              </a:rPr>
+              <a:t>Coupled classes can only be tested together</a:t>
+            </a:r>
+          </a:p>
+          <a:p>
+            <a:r>
+              <a:rPr lang="en-US" dirty="0">
+                <a:solidFill>
+                  <a:schemeClr val="tx2"/>
+                </a:solidFill>
+              </a:rPr>
+              <a:t>It limits reusability of the derived class</a:t>
+            </a:r>
+          </a:p>
+          <a:p>
+            <a:pPr lvl="1"/>
+            <a:r>
+              <a:rPr lang="en-US" dirty="0">
+                <a:solidFill>
+                  <a:schemeClr val="tx2"/>
+                </a:solidFill>
+              </a:rPr>
+              <a:t>The derived class can only be reused if the implementation provided in the base class is desired</a:t>
+            </a:r>
+          </a:p>
+          <a:p>
+            <a:endParaRPr lang="en-US" dirty="0">
+              <a:solidFill>
+                <a:schemeClr val="tx2"/>
+              </a:solidFill>
+            </a:endParaRPr>
           </a:p>
         </p:txBody>
       </p:sp>
@@ -6363,7 +7096,7 @@
       </p:grpSpPr>
       <p:sp>
         <p:nvSpPr>
-          <p:cNvPr id="154" name="PlaceHolder 1"/>
+          <p:cNvPr id="131" name="PlaceHolder 1"/>
           <p:cNvSpPr>
             <a:spLocks noGrp="1"/>
           </p:cNvSpPr>
@@ -6388,15 +7121,15 @@
           <a:lstStyle/>
           <a:p>
             <a:r>
-              <a:rPr lang="en-US" sz="4000" dirty="0"/>
-              <a:t>Prefer Composition over Inheritance</a:t>
-            </a:r>
-          </a:p>
-        </p:txBody>
-      </p:sp>
-      <p:sp>
-        <p:nvSpPr>
-          <p:cNvPr id="155" name="PlaceHolder 2"/>
+              <a:rPr lang="en-US" dirty="0"/>
+              <a:t>And it gets worse</a:t>
+            </a:r>
+          </a:p>
+        </p:txBody>
+      </p:sp>
+      <p:sp>
+        <p:nvSpPr>
+          <p:cNvPr id="132" name="PlaceHolder 2"/>
           <p:cNvSpPr>
             <a:spLocks noGrp="1"/>
           </p:cNvSpPr>
@@ -6416,57 +7149,111 @@
         </p:spPr>
         <p:txBody>
           <a:bodyPr anchor="t">
-            <a:normAutofit/>
+            <a:normAutofit fontScale="85500"/>
           </a:bodyPr>
           <a:lstStyle/>
           <a:p>
             <a:r>
-              <a:rPr lang="en-US" dirty="0"/>
-              <a:t>For code reuse – use composition</a:t>
-            </a:r>
-          </a:p>
-          <a:p>
-            <a:r>
-              <a:rPr lang="en-US" dirty="0"/>
-              <a:t>Everywhere you use inheritance today you can use composition:</a:t>
+              <a:rPr lang="en-US" dirty="0">
+                <a:solidFill>
+                  <a:schemeClr val="tx2"/>
+                </a:solidFill>
+              </a:rPr>
+              <a:t>Often, inheritance is used to achieve both goals (polymorphism and code reuse)</a:t>
             </a:r>
           </a:p>
           <a:p>
             <a:pPr lvl="1"/>
             <a:r>
-              <a:rPr lang="en-US" dirty="0"/>
-              <a:t>When derived class uses the base class</a:t>
-            </a:r>
-          </a:p>
-          <a:p>
-            <a:pPr lvl="2"/>
-            <a:r>
-              <a:rPr lang="en-US" dirty="0"/>
-              <a:t>The base class becomes a member</a:t>
+              <a:rPr lang="en-US" dirty="0">
+                <a:solidFill>
+                  <a:schemeClr val="tx2"/>
+                </a:solidFill>
+              </a:rPr>
+              <a:t>A glorious violation of the Single Responsibility Principle</a:t>
             </a:r>
           </a:p>
           <a:p>
             <a:pPr lvl="1"/>
             <a:r>
-              <a:rPr lang="en-US" dirty="0"/>
-              <a:t>When base class uses derived class</a:t>
-            </a:r>
-          </a:p>
-          <a:p>
-            <a:pPr lvl="2"/>
-            <a:r>
-              <a:rPr lang="en-US" dirty="0"/>
-              <a:t>The derived class becomes a member</a:t>
-            </a:r>
-          </a:p>
-          <a:p>
-            <a:endParaRPr lang="en-US" dirty="0"/>
-          </a:p>
-          <a:p>
-            <a:endParaRPr lang="en-US" dirty="0"/>
-          </a:p>
-          <a:p>
-            <a:endParaRPr lang="en-US" dirty="0"/>
+              <a:rPr lang="en-US" dirty="0">
+                <a:solidFill>
+                  <a:schemeClr val="tx2"/>
+                </a:solidFill>
+              </a:rPr>
+              <a:t>This complicates the class giving it multiple responsibilities.</a:t>
+            </a:r>
+          </a:p>
+          <a:p>
+            <a:pPr lvl="1"/>
+            <a:r>
+              <a:rPr lang="en-US" dirty="0">
+                <a:solidFill>
+                  <a:schemeClr val="tx2"/>
+                </a:solidFill>
+              </a:rPr>
+              <a:t>The relationship between base and derived are not  clear making it difficult to maintain</a:t>
+            </a:r>
+          </a:p>
+          <a:p>
+            <a:r>
+              <a:rPr lang="en-US" dirty="0">
+                <a:solidFill>
+                  <a:schemeClr val="tx2"/>
+                </a:solidFill>
+              </a:rPr>
+              <a:t>Large inheritance hierarchies are difficult to maintain </a:t>
+            </a:r>
+          </a:p>
+          <a:p>
+            <a:pPr lvl="1"/>
+            <a:r>
+              <a:rPr lang="en-US" dirty="0">
+                <a:solidFill>
+                  <a:schemeClr val="tx2"/>
+                </a:solidFill>
+              </a:rPr>
+              <a:t>When implementations change, inheritance relationships are required to change. </a:t>
+            </a:r>
+          </a:p>
+          <a:p>
+            <a:pPr lvl="1"/>
+            <a:endParaRPr lang="en-US" dirty="0">
+              <a:solidFill>
+                <a:schemeClr val="tx2"/>
+              </a:solidFill>
+            </a:endParaRPr>
+          </a:p>
+          <a:p>
+            <a:pPr lvl="1"/>
+            <a:endParaRPr lang="en-US" dirty="0">
+              <a:solidFill>
+                <a:schemeClr val="tx2"/>
+              </a:solidFill>
+            </a:endParaRPr>
+          </a:p>
+          <a:p>
+            <a:pPr lvl="1"/>
+            <a:endParaRPr lang="en-US" dirty="0">
+              <a:solidFill>
+                <a:schemeClr val="tx2"/>
+              </a:solidFill>
+            </a:endParaRPr>
+          </a:p>
+          <a:p>
+            <a:pPr lvl="1"/>
+            <a:endParaRPr lang="en-US" dirty="0">
+              <a:solidFill>
+                <a:schemeClr val="tx2"/>
+              </a:solidFill>
+            </a:endParaRPr>
+          </a:p>
+          <a:p>
+            <a:endParaRPr lang="en-US" dirty="0">
+              <a:solidFill>
+                <a:schemeClr val="tx2"/>
+              </a:solidFill>
+            </a:endParaRPr>
           </a:p>
         </p:txBody>
       </p:sp>
@@ -6497,6 +7284,292 @@
       </p:grpSpPr>
       <p:sp>
         <p:nvSpPr>
+          <p:cNvPr id="152" name="PlaceHolder 1"/>
+          <p:cNvSpPr>
+            <a:spLocks noGrp="1"/>
+          </p:cNvSpPr>
+          <p:nvPr>
+            <p:ph type="title"/>
+          </p:nvPr>
+        </p:nvSpPr>
+        <p:spPr>
+          <a:xfrm>
+            <a:off x="457200" y="274638"/>
+            <a:ext cx="8229600" cy="1143000"/>
+          </a:xfrm>
+          <a:noFill/>
+          <a:ln w="0">
+            <a:noFill/>
+          </a:ln>
+        </p:spPr>
+        <p:txBody>
+          <a:bodyPr anchor="ctr">
+            <a:noAutofit/>
+          </a:bodyPr>
+          <a:lstStyle/>
+          <a:p>
+            <a:r>
+              <a:rPr lang="en-US"/>
+              <a:t>Summary so far</a:t>
+            </a:r>
+          </a:p>
+        </p:txBody>
+      </p:sp>
+      <p:sp>
+        <p:nvSpPr>
+          <p:cNvPr id="153" name="PlaceHolder 2"/>
+          <p:cNvSpPr>
+            <a:spLocks noGrp="1"/>
+          </p:cNvSpPr>
+          <p:nvPr>
+            <p:ph idx="1"/>
+          </p:nvPr>
+        </p:nvSpPr>
+        <p:spPr>
+          <a:xfrm>
+            <a:off x="457200" y="1600200"/>
+            <a:ext cx="8229600" cy="4525963"/>
+          </a:xfrm>
+          <a:noFill/>
+          <a:ln w="0">
+            <a:noFill/>
+          </a:ln>
+        </p:spPr>
+        <p:txBody>
+          <a:bodyPr anchor="t">
+            <a:normAutofit/>
+          </a:bodyPr>
+          <a:lstStyle/>
+          <a:p>
+            <a:r>
+              <a:rPr lang="en-US" dirty="0"/>
+              <a:t>Inheritance of Contract: </a:t>
+            </a:r>
+            <a:r>
+              <a:rPr lang="en-US" dirty="0">
+                <a:solidFill>
+                  <a:schemeClr val="tx2"/>
+                </a:solidFill>
+              </a:rPr>
+              <a:t>Good</a:t>
+            </a:r>
+          </a:p>
+          <a:p>
+            <a:r>
+              <a:rPr lang="en-US" dirty="0"/>
+              <a:t>Inheritance of Implementation: </a:t>
+            </a:r>
+            <a:r>
+              <a:rPr lang="en-US" dirty="0">
+                <a:solidFill>
+                  <a:srgbClr val="FF0000"/>
+                </a:solidFill>
+              </a:rPr>
+              <a:t>Bad</a:t>
+            </a:r>
+          </a:p>
+          <a:p>
+            <a:r>
+              <a:rPr lang="en-US" dirty="0"/>
+              <a:t>Exception: Data classes can use inheritance because:</a:t>
+            </a:r>
+          </a:p>
+          <a:p>
+            <a:pPr lvl="1"/>
+            <a:r>
+              <a:rPr lang="en-US" dirty="0"/>
+              <a:t>Data class expose all their data as public. No need for encapsulation</a:t>
+            </a:r>
+          </a:p>
+          <a:p>
+            <a:pPr lvl="1"/>
+            <a:r>
+              <a:rPr lang="en-US" dirty="0"/>
+              <a:t>There are no methods in data classes, so no cycles</a:t>
+            </a:r>
+          </a:p>
+          <a:p>
+            <a:pPr lvl="1"/>
+            <a:r>
+              <a:rPr lang="en-US" dirty="0"/>
+              <a:t>We don’t test data classes</a:t>
+            </a:r>
+          </a:p>
+          <a:p>
+            <a:endParaRPr lang="en-US" dirty="0"/>
+          </a:p>
+          <a:p>
+            <a:endParaRPr lang="en-US" dirty="0"/>
+          </a:p>
+          <a:p>
+            <a:endParaRPr lang="en-US" dirty="0"/>
+          </a:p>
+          <a:p>
+            <a:endParaRPr lang="en-US" dirty="0"/>
+          </a:p>
+        </p:txBody>
+      </p:sp>
+    </p:spTree>
+  </p:cSld>
+  <p:clrMapOvr>
+    <a:masterClrMapping/>
+  </p:clrMapOvr>
+</p:sld>
+</file>
+
+<file path=ppt/slides/slide26.xml><?xml version="1.0" encoding="utf-8"?>
+<p:sld xmlns:a="http://schemas.openxmlformats.org/drawingml/2006/main" xmlns:r="http://schemas.openxmlformats.org/officeDocument/2006/relationships" xmlns:p="http://schemas.openxmlformats.org/presentationml/2006/main">
+  <p:cSld>
+    <p:spTree>
+      <p:nvGrpSpPr>
+        <p:cNvPr id="1" name=""/>
+        <p:cNvGrpSpPr/>
+        <p:nvPr/>
+      </p:nvGrpSpPr>
+      <p:grpSpPr>
+        <a:xfrm>
+          <a:off x="0" y="0"/>
+          <a:ext cx="0" cy="0"/>
+          <a:chOff x="0" y="0"/>
+          <a:chExt cx="0" cy="0"/>
+        </a:xfrm>
+      </p:grpSpPr>
+      <p:sp>
+        <p:nvSpPr>
+          <p:cNvPr id="154" name="PlaceHolder 1"/>
+          <p:cNvSpPr>
+            <a:spLocks noGrp="1"/>
+          </p:cNvSpPr>
+          <p:nvPr>
+            <p:ph type="title"/>
+          </p:nvPr>
+        </p:nvSpPr>
+        <p:spPr>
+          <a:xfrm>
+            <a:off x="457200" y="274638"/>
+            <a:ext cx="8229600" cy="1143000"/>
+          </a:xfrm>
+          <a:noFill/>
+          <a:ln w="0">
+            <a:noFill/>
+          </a:ln>
+        </p:spPr>
+        <p:txBody>
+          <a:bodyPr anchor="ctr">
+            <a:noAutofit/>
+          </a:bodyPr>
+          <a:lstStyle/>
+          <a:p>
+            <a:r>
+              <a:rPr lang="en-US" sz="4000" dirty="0"/>
+              <a:t>Prefer Composition over Inheritance</a:t>
+            </a:r>
+          </a:p>
+        </p:txBody>
+      </p:sp>
+      <p:sp>
+        <p:nvSpPr>
+          <p:cNvPr id="155" name="PlaceHolder 2"/>
+          <p:cNvSpPr>
+            <a:spLocks noGrp="1"/>
+          </p:cNvSpPr>
+          <p:nvPr>
+            <p:ph idx="1"/>
+          </p:nvPr>
+        </p:nvSpPr>
+        <p:spPr>
+          <a:xfrm>
+            <a:off x="457200" y="1600200"/>
+            <a:ext cx="8229600" cy="4525963"/>
+          </a:xfrm>
+          <a:noFill/>
+          <a:ln w="0">
+            <a:noFill/>
+          </a:ln>
+        </p:spPr>
+        <p:txBody>
+          <a:bodyPr anchor="t">
+            <a:normAutofit/>
+          </a:bodyPr>
+          <a:lstStyle/>
+          <a:p>
+            <a:r>
+              <a:rPr lang="en-US" dirty="0"/>
+              <a:t>For code reuse – use composition</a:t>
+            </a:r>
+          </a:p>
+          <a:p>
+            <a:r>
+              <a:rPr lang="en-US" dirty="0"/>
+              <a:t>Everywhere you use inheritance today you can use composition:</a:t>
+            </a:r>
+          </a:p>
+          <a:p>
+            <a:pPr lvl="1"/>
+            <a:r>
+              <a:rPr lang="en-US" dirty="0"/>
+              <a:t>When derived class uses the base class</a:t>
+            </a:r>
+          </a:p>
+          <a:p>
+            <a:pPr lvl="2"/>
+            <a:r>
+              <a:rPr lang="en-US" dirty="0"/>
+              <a:t>The base class becomes a member</a:t>
+            </a:r>
+          </a:p>
+          <a:p>
+            <a:pPr lvl="1"/>
+            <a:r>
+              <a:rPr lang="en-US" dirty="0"/>
+              <a:t>When base class uses derived class</a:t>
+            </a:r>
+          </a:p>
+          <a:p>
+            <a:pPr lvl="2"/>
+            <a:r>
+              <a:rPr lang="en-US" dirty="0"/>
+              <a:t>The derived class becomes a member</a:t>
+            </a:r>
+          </a:p>
+          <a:p>
+            <a:endParaRPr lang="en-US" dirty="0"/>
+          </a:p>
+          <a:p>
+            <a:endParaRPr lang="en-US" dirty="0"/>
+          </a:p>
+          <a:p>
+            <a:endParaRPr lang="en-US" dirty="0"/>
+          </a:p>
+        </p:txBody>
+      </p:sp>
+    </p:spTree>
+  </p:cSld>
+  <p:clrMapOvr>
+    <a:masterClrMapping/>
+  </p:clrMapOvr>
+</p:sld>
+</file>
+
+<file path=ppt/slides/slide27.xml><?xml version="1.0" encoding="utf-8"?>
+<p:sld xmlns:a="http://schemas.openxmlformats.org/drawingml/2006/main" xmlns:r="http://schemas.openxmlformats.org/officeDocument/2006/relationships" xmlns:p="http://schemas.openxmlformats.org/presentationml/2006/main">
+  <p:cSld>
+    <p:spTree>
+      <p:nvGrpSpPr>
+        <p:cNvPr id="1" name=""/>
+        <p:cNvGrpSpPr/>
+        <p:nvPr/>
+      </p:nvGrpSpPr>
+      <p:grpSpPr>
+        <a:xfrm>
+          <a:off x="0" y="0"/>
+          <a:ext cx="0" cy="0"/>
+          <a:chOff x="0" y="0"/>
+          <a:chExt cx="0" cy="0"/>
+        </a:xfrm>
+      </p:grpSpPr>
+      <p:sp>
+        <p:nvSpPr>
           <p:cNvPr id="159" name="PlaceHolder 1"/>
           <p:cNvSpPr>
             <a:spLocks noGrp="1"/>
@@ -6666,7 +7739,7 @@
 </p:sld>
 </file>
 
-<file path=ppt/slides/slide26.xml><?xml version="1.0" encoding="utf-8"?>
+<file path=ppt/slides/slide28.xml><?xml version="1.0" encoding="utf-8"?>
 <p:sld xmlns:a="http://schemas.openxmlformats.org/drawingml/2006/main" xmlns:r="http://schemas.openxmlformats.org/officeDocument/2006/relationships" xmlns:p="http://schemas.openxmlformats.org/presentationml/2006/main">
   <p:cSld>
     <p:spTree>
@@ -6868,7 +7941,7 @@
 </p:sld>
 </file>
 
-<file path=ppt/slides/slide27.xml><?xml version="1.0" encoding="utf-8"?>
+<file path=ppt/slides/slide29.xml><?xml version="1.0" encoding="utf-8"?>
 <p:sld xmlns:a="http://schemas.openxmlformats.org/drawingml/2006/main" xmlns:r="http://schemas.openxmlformats.org/officeDocument/2006/relationships" xmlns:p="http://schemas.openxmlformats.org/presentationml/2006/main">
   <p:cSld>
     <p:spTree>
@@ -7008,268 +8081,6 @@
     <p:extLst>
       <p:ext uri="{BB962C8B-B14F-4D97-AF65-F5344CB8AC3E}">
         <p14:creationId xmlns:p14="http://schemas.microsoft.com/office/powerpoint/2010/main" val="1531802172"/>
-      </p:ext>
-    </p:extLst>
-  </p:cSld>
-  <p:clrMapOvr>
-    <a:masterClrMapping/>
-  </p:clrMapOvr>
-</p:sld>
-</file>
-
-<file path=ppt/slides/slide28.xml><?xml version="1.0" encoding="utf-8"?>
-<p:sld xmlns:a="http://schemas.openxmlformats.org/drawingml/2006/main" xmlns:r="http://schemas.openxmlformats.org/officeDocument/2006/relationships" xmlns:p="http://schemas.openxmlformats.org/presentationml/2006/main">
-  <p:cSld>
-    <p:spTree>
-      <p:nvGrpSpPr>
-        <p:cNvPr id="1" name=""/>
-        <p:cNvGrpSpPr/>
-        <p:nvPr/>
-      </p:nvGrpSpPr>
-      <p:grpSpPr>
-        <a:xfrm>
-          <a:off x="0" y="0"/>
-          <a:ext cx="0" cy="0"/>
-          <a:chOff x="0" y="0"/>
-          <a:chExt cx="0" cy="0"/>
-        </a:xfrm>
-      </p:grpSpPr>
-      <p:sp>
-        <p:nvSpPr>
-          <p:cNvPr id="2" name="Title 1"/>
-          <p:cNvSpPr>
-            <a:spLocks noGrp="1"/>
-          </p:cNvSpPr>
-          <p:nvPr>
-            <p:ph type="title"/>
-          </p:nvPr>
-        </p:nvSpPr>
-        <p:spPr/>
-        <p:txBody>
-          <a:bodyPr/>
-          <a:lstStyle/>
-          <a:p>
-            <a:r>
-              <a:rPr lang="en-US" dirty="0"/>
-              <a:t>The Open Closed Principle</a:t>
-            </a:r>
-          </a:p>
-        </p:txBody>
-      </p:sp>
-      <p:sp>
-        <p:nvSpPr>
-          <p:cNvPr id="3" name="Content Placeholder 2"/>
-          <p:cNvSpPr>
-            <a:spLocks noGrp="1"/>
-          </p:cNvSpPr>
-          <p:nvPr>
-            <p:ph idx="1"/>
-          </p:nvPr>
-        </p:nvSpPr>
-        <p:spPr/>
-        <p:txBody>
-          <a:bodyPr/>
-          <a:lstStyle/>
-          <a:p>
-            <a:r>
-              <a:rPr lang="en-US" dirty="0"/>
-              <a:t>A design should be Open for extension and Closed for modification.</a:t>
-            </a:r>
-          </a:p>
-          <a:p>
-            <a:r>
-              <a:rPr lang="en-US" dirty="0"/>
-              <a:t>That is, adding new functionality should not require changing existing functionality.</a:t>
-            </a:r>
-          </a:p>
-          <a:p>
-            <a:r>
-              <a:rPr lang="en-US" dirty="0"/>
-              <a:t>Do </a:t>
-            </a:r>
-            <a:r>
-              <a:rPr lang="en-US" u="sng" dirty="0"/>
-              <a:t>not</a:t>
-            </a:r>
-            <a:r>
-              <a:rPr lang="en-US" dirty="0"/>
-              <a:t> add empty interface methods that are not required today.</a:t>
-            </a:r>
-          </a:p>
-          <a:p>
-            <a:r>
-              <a:rPr lang="en-US" dirty="0"/>
-              <a:t>B</a:t>
-            </a:r>
-            <a:r>
-              <a:rPr lang="fr-FR" dirty="0"/>
-              <a:t>ut do</a:t>
-            </a:r>
-            <a:r>
-              <a:rPr lang="en-US" dirty="0"/>
-              <a:t> use abstractions to simplify extending later.</a:t>
-            </a:r>
-          </a:p>
-        </p:txBody>
-      </p:sp>
-      <p:sp>
-        <p:nvSpPr>
-          <p:cNvPr id="4" name="Rectangle 15"/>
-          <p:cNvSpPr>
-            <a:spLocks noGrp="1" noChangeArrowheads="1"/>
-          </p:cNvSpPr>
-          <p:nvPr>
-            <p:ph type="ftr" sz="quarter" idx="4294967295"/>
-          </p:nvPr>
-        </p:nvSpPr>
-        <p:spPr>
-          <a:xfrm>
-            <a:off x="2743200" y="6243638"/>
-            <a:ext cx="4572000" cy="457200"/>
-          </a:xfrm>
-        </p:spPr>
-        <p:txBody>
-          <a:bodyPr/>
-          <a:lstStyle>
-            <a:lvl1pPr>
-              <a:defRPr>
-                <a:solidFill>
-                  <a:schemeClr val="bg2"/>
-                </a:solidFill>
-              </a:defRPr>
-            </a:lvl1pPr>
-          </a:lstStyle>
-          <a:p>
-            <a:r>
-              <a:rPr lang="en-US" dirty="0"/>
-              <a:t>All rights reserved</a:t>
-            </a:r>
-          </a:p>
-        </p:txBody>
-      </p:sp>
-    </p:spTree>
-    <p:extLst>
-      <p:ext uri="{BB962C8B-B14F-4D97-AF65-F5344CB8AC3E}">
-        <p14:creationId xmlns:p14="http://schemas.microsoft.com/office/powerpoint/2010/main" val="2165687863"/>
-      </p:ext>
-    </p:extLst>
-  </p:cSld>
-  <p:clrMapOvr>
-    <a:masterClrMapping/>
-  </p:clrMapOvr>
-</p:sld>
-</file>
-
-<file path=ppt/slides/slide29.xml><?xml version="1.0" encoding="utf-8"?>
-<p:sld xmlns:a="http://schemas.openxmlformats.org/drawingml/2006/main" xmlns:r="http://schemas.openxmlformats.org/officeDocument/2006/relationships" xmlns:p="http://schemas.openxmlformats.org/presentationml/2006/main">
-  <p:cSld>
-    <p:spTree>
-      <p:nvGrpSpPr>
-        <p:cNvPr id="1" name="">
-          <a:extLst>
-            <a:ext uri="{FF2B5EF4-FFF2-40B4-BE49-F238E27FC236}">
-              <a16:creationId xmlns:a16="http://schemas.microsoft.com/office/drawing/2014/main" id="{0F2066B1-744E-C9D4-8767-951261B65CFE}"/>
-            </a:ext>
-          </a:extLst>
-        </p:cNvPr>
-        <p:cNvGrpSpPr/>
-        <p:nvPr/>
-      </p:nvGrpSpPr>
-      <p:grpSpPr>
-        <a:xfrm>
-          <a:off x="0" y="0"/>
-          <a:ext cx="0" cy="0"/>
-          <a:chOff x="0" y="0"/>
-          <a:chExt cx="0" cy="0"/>
-        </a:xfrm>
-      </p:grpSpPr>
-      <p:sp>
-        <p:nvSpPr>
-          <p:cNvPr id="2" name="Title 1">
-            <a:extLst>
-              <a:ext uri="{FF2B5EF4-FFF2-40B4-BE49-F238E27FC236}">
-                <a16:creationId xmlns:a16="http://schemas.microsoft.com/office/drawing/2014/main" id="{44DC08F9-FD96-0DC1-685D-3F1F460A12A9}"/>
-              </a:ext>
-            </a:extLst>
-          </p:cNvPr>
-          <p:cNvSpPr>
-            <a:spLocks noGrp="1"/>
-          </p:cNvSpPr>
-          <p:nvPr>
-            <p:ph type="title"/>
-          </p:nvPr>
-        </p:nvSpPr>
-        <p:spPr>
-          <a:xfrm>
-            <a:off x="457200" y="274638"/>
-            <a:ext cx="8229600" cy="1143000"/>
-          </a:xfrm>
-        </p:spPr>
-        <p:txBody>
-          <a:bodyPr>
-            <a:normAutofit/>
-          </a:bodyPr>
-          <a:lstStyle/>
-          <a:p>
-            <a:r>
-              <a:rPr lang="en-US" dirty="0"/>
-              <a:t>Immutability is your friend</a:t>
-            </a:r>
-          </a:p>
-        </p:txBody>
-      </p:sp>
-      <p:sp>
-        <p:nvSpPr>
-          <p:cNvPr id="5" name="Content Placeholder 4">
-            <a:extLst>
-              <a:ext uri="{FF2B5EF4-FFF2-40B4-BE49-F238E27FC236}">
-                <a16:creationId xmlns:a16="http://schemas.microsoft.com/office/drawing/2014/main" id="{E545A2DE-9FFA-F28E-AD03-6FE89930B57A}"/>
-              </a:ext>
-            </a:extLst>
-          </p:cNvPr>
-          <p:cNvSpPr>
-            <a:spLocks noGrp="1"/>
-          </p:cNvSpPr>
-          <p:nvPr>
-            <p:ph idx="1"/>
-          </p:nvPr>
-        </p:nvSpPr>
-        <p:spPr/>
-        <p:txBody>
-          <a:bodyPr>
-            <a:normAutofit/>
-          </a:bodyPr>
-          <a:lstStyle/>
-          <a:p>
-            <a:r>
-              <a:rPr lang="en-US" dirty="0"/>
-              <a:t>An immutable class cannot be modified</a:t>
-            </a:r>
-          </a:p>
-          <a:p>
-            <a:r>
-              <a:rPr lang="en-US" dirty="0"/>
-              <a:t>This means that you only need to see its constructor to know its state.</a:t>
-            </a:r>
-          </a:p>
-          <a:p>
-            <a:r>
-              <a:rPr lang="en-US" dirty="0"/>
-              <a:t>This reduces complexity and simplifies debugging</a:t>
-            </a:r>
-          </a:p>
-          <a:p>
-            <a:r>
-              <a:rPr lang="en-US" dirty="0"/>
-              <a:t>Functional programming languages force immutability (copy on write).</a:t>
-            </a:r>
-          </a:p>
-        </p:txBody>
-      </p:sp>
-    </p:spTree>
-    <p:extLst>
-      <p:ext uri="{BB962C8B-B14F-4D97-AF65-F5344CB8AC3E}">
-        <p14:creationId xmlns:p14="http://schemas.microsoft.com/office/powerpoint/2010/main" val="2247845519"/>
       </p:ext>
     </p:extLst>
   </p:cSld>
@@ -7470,6 +8281,316 @@
       </p:grpSpPr>
       <p:sp>
         <p:nvSpPr>
+          <p:cNvPr id="2" name="Title 1"/>
+          <p:cNvSpPr>
+            <a:spLocks noGrp="1"/>
+          </p:cNvSpPr>
+          <p:nvPr>
+            <p:ph type="title"/>
+          </p:nvPr>
+        </p:nvSpPr>
+        <p:spPr/>
+        <p:txBody>
+          <a:bodyPr/>
+          <a:lstStyle/>
+          <a:p>
+            <a:r>
+              <a:rPr lang="en-US" dirty="0"/>
+              <a:t>The Open Closed Principle</a:t>
+            </a:r>
+          </a:p>
+        </p:txBody>
+      </p:sp>
+      <p:sp>
+        <p:nvSpPr>
+          <p:cNvPr id="3" name="Content Placeholder 2"/>
+          <p:cNvSpPr>
+            <a:spLocks noGrp="1"/>
+          </p:cNvSpPr>
+          <p:nvPr>
+            <p:ph idx="1"/>
+          </p:nvPr>
+        </p:nvSpPr>
+        <p:spPr/>
+        <p:txBody>
+          <a:bodyPr/>
+          <a:lstStyle/>
+          <a:p>
+            <a:r>
+              <a:rPr lang="en-US" dirty="0">
+                <a:solidFill>
+                  <a:schemeClr val="tx2"/>
+                </a:solidFill>
+              </a:rPr>
+              <a:t>A design should be Open for extension and Closed for modification.</a:t>
+            </a:r>
+          </a:p>
+          <a:p>
+            <a:r>
+              <a:rPr lang="en-US" dirty="0">
+                <a:solidFill>
+                  <a:schemeClr val="tx2"/>
+                </a:solidFill>
+              </a:rPr>
+              <a:t>That is, adding new functionality should not require changing existing functionality.</a:t>
+            </a:r>
+          </a:p>
+          <a:p>
+            <a:r>
+              <a:rPr lang="en-US" dirty="0">
+                <a:solidFill>
+                  <a:schemeClr val="tx2"/>
+                </a:solidFill>
+              </a:rPr>
+              <a:t>Do </a:t>
+            </a:r>
+            <a:r>
+              <a:rPr lang="en-US" u="sng" dirty="0">
+                <a:solidFill>
+                  <a:schemeClr val="tx2"/>
+                </a:solidFill>
+              </a:rPr>
+              <a:t>not</a:t>
+            </a:r>
+            <a:r>
+              <a:rPr lang="en-US" dirty="0">
+                <a:solidFill>
+                  <a:schemeClr val="tx2"/>
+                </a:solidFill>
+              </a:rPr>
+              <a:t> add empty interface methods that are not required today.</a:t>
+            </a:r>
+          </a:p>
+          <a:p>
+            <a:r>
+              <a:rPr lang="en-US" dirty="0">
+                <a:solidFill>
+                  <a:schemeClr val="tx2"/>
+                </a:solidFill>
+              </a:rPr>
+              <a:t>B</a:t>
+            </a:r>
+            <a:r>
+              <a:rPr lang="fr-FR" dirty="0">
+                <a:solidFill>
+                  <a:schemeClr val="tx2"/>
+                </a:solidFill>
+              </a:rPr>
+              <a:t>ut do</a:t>
+            </a:r>
+            <a:r>
+              <a:rPr lang="en-US" dirty="0">
+                <a:solidFill>
+                  <a:schemeClr val="tx2"/>
+                </a:solidFill>
+              </a:rPr>
+              <a:t> use abstractions to simplify extending later.</a:t>
+            </a:r>
+          </a:p>
+        </p:txBody>
+      </p:sp>
+      <p:sp>
+        <p:nvSpPr>
+          <p:cNvPr id="4" name="Rectangle 15"/>
+          <p:cNvSpPr>
+            <a:spLocks noGrp="1" noChangeArrowheads="1"/>
+          </p:cNvSpPr>
+          <p:nvPr>
+            <p:ph type="ftr" sz="quarter" idx="4294967295"/>
+          </p:nvPr>
+        </p:nvSpPr>
+        <p:spPr>
+          <a:xfrm>
+            <a:off x="2743200" y="6243638"/>
+            <a:ext cx="4572000" cy="457200"/>
+          </a:xfrm>
+        </p:spPr>
+        <p:txBody>
+          <a:bodyPr/>
+          <a:lstStyle>
+            <a:lvl1pPr>
+              <a:defRPr>
+                <a:solidFill>
+                  <a:schemeClr val="bg2"/>
+                </a:solidFill>
+              </a:defRPr>
+            </a:lvl1pPr>
+          </a:lstStyle>
+          <a:p>
+            <a:r>
+              <a:rPr lang="en-US" dirty="0"/>
+              <a:t>All rights reserved</a:t>
+            </a:r>
+          </a:p>
+        </p:txBody>
+      </p:sp>
+    </p:spTree>
+    <p:extLst>
+      <p:ext uri="{BB962C8B-B14F-4D97-AF65-F5344CB8AC3E}">
+        <p14:creationId xmlns:p14="http://schemas.microsoft.com/office/powerpoint/2010/main" val="2165687863"/>
+      </p:ext>
+    </p:extLst>
+  </p:cSld>
+  <p:clrMapOvr>
+    <a:masterClrMapping/>
+  </p:clrMapOvr>
+</p:sld>
+</file>
+
+<file path=ppt/slides/slide31.xml><?xml version="1.0" encoding="utf-8"?>
+<p:sld xmlns:a="http://schemas.openxmlformats.org/drawingml/2006/main" xmlns:r="http://schemas.openxmlformats.org/officeDocument/2006/relationships" xmlns:p="http://schemas.openxmlformats.org/presentationml/2006/main">
+  <p:cSld>
+    <p:spTree>
+      <p:nvGrpSpPr>
+        <p:cNvPr id="1" name="">
+          <a:extLst>
+            <a:ext uri="{FF2B5EF4-FFF2-40B4-BE49-F238E27FC236}">
+              <a16:creationId xmlns:a16="http://schemas.microsoft.com/office/drawing/2014/main" id="{0F2066B1-744E-C9D4-8767-951261B65CFE}"/>
+            </a:ext>
+          </a:extLst>
+        </p:cNvPr>
+        <p:cNvGrpSpPr/>
+        <p:nvPr/>
+      </p:nvGrpSpPr>
+      <p:grpSpPr>
+        <a:xfrm>
+          <a:off x="0" y="0"/>
+          <a:ext cx="0" cy="0"/>
+          <a:chOff x="0" y="0"/>
+          <a:chExt cx="0" cy="0"/>
+        </a:xfrm>
+      </p:grpSpPr>
+      <p:sp>
+        <p:nvSpPr>
+          <p:cNvPr id="2" name="Title 1">
+            <a:extLst>
+              <a:ext uri="{FF2B5EF4-FFF2-40B4-BE49-F238E27FC236}">
+                <a16:creationId xmlns:a16="http://schemas.microsoft.com/office/drawing/2014/main" id="{44DC08F9-FD96-0DC1-685D-3F1F460A12A9}"/>
+              </a:ext>
+            </a:extLst>
+          </p:cNvPr>
+          <p:cNvSpPr>
+            <a:spLocks noGrp="1"/>
+          </p:cNvSpPr>
+          <p:nvPr>
+            <p:ph type="title"/>
+          </p:nvPr>
+        </p:nvSpPr>
+        <p:spPr>
+          <a:xfrm>
+            <a:off x="457200" y="274638"/>
+            <a:ext cx="8229600" cy="1143000"/>
+          </a:xfrm>
+        </p:spPr>
+        <p:txBody>
+          <a:bodyPr>
+            <a:normAutofit/>
+          </a:bodyPr>
+          <a:lstStyle/>
+          <a:p>
+            <a:r>
+              <a:rPr lang="en-US" dirty="0"/>
+              <a:t>Immutability is your friend</a:t>
+            </a:r>
+          </a:p>
+        </p:txBody>
+      </p:sp>
+      <p:sp>
+        <p:nvSpPr>
+          <p:cNvPr id="5" name="Content Placeholder 4">
+            <a:extLst>
+              <a:ext uri="{FF2B5EF4-FFF2-40B4-BE49-F238E27FC236}">
+                <a16:creationId xmlns:a16="http://schemas.microsoft.com/office/drawing/2014/main" id="{E545A2DE-9FFA-F28E-AD03-6FE89930B57A}"/>
+              </a:ext>
+            </a:extLst>
+          </p:cNvPr>
+          <p:cNvSpPr>
+            <a:spLocks noGrp="1"/>
+          </p:cNvSpPr>
+          <p:nvPr>
+            <p:ph idx="1"/>
+          </p:nvPr>
+        </p:nvSpPr>
+        <p:spPr/>
+        <p:txBody>
+          <a:bodyPr>
+            <a:normAutofit/>
+          </a:bodyPr>
+          <a:lstStyle/>
+          <a:p>
+            <a:r>
+              <a:rPr lang="en-US" dirty="0">
+                <a:solidFill>
+                  <a:schemeClr val="tx2"/>
+                </a:solidFill>
+              </a:rPr>
+              <a:t>An immutable class cannot be modified</a:t>
+            </a:r>
+          </a:p>
+          <a:p>
+            <a:r>
+              <a:rPr lang="en-US" dirty="0">
+                <a:solidFill>
+                  <a:schemeClr val="tx2"/>
+                </a:solidFill>
+              </a:rPr>
+              <a:t>This means that you only need to see its constructor to know its state.</a:t>
+            </a:r>
+          </a:p>
+          <a:p>
+            <a:r>
+              <a:rPr lang="en-US" dirty="0">
+                <a:solidFill>
+                  <a:schemeClr val="tx2"/>
+                </a:solidFill>
+              </a:rPr>
+              <a:t>This reduces complexity and simplifies debugging</a:t>
+            </a:r>
+          </a:p>
+          <a:p>
+            <a:r>
+              <a:rPr lang="en-US" dirty="0">
+                <a:solidFill>
+                  <a:schemeClr val="tx2"/>
+                </a:solidFill>
+              </a:rPr>
+              <a:t>Functional programming languages force immutability (the cost is copying).</a:t>
+            </a:r>
+          </a:p>
+        </p:txBody>
+      </p:sp>
+    </p:spTree>
+    <p:extLst>
+      <p:ext uri="{BB962C8B-B14F-4D97-AF65-F5344CB8AC3E}">
+        <p14:creationId xmlns:p14="http://schemas.microsoft.com/office/powerpoint/2010/main" val="2247845519"/>
+      </p:ext>
+    </p:extLst>
+  </p:cSld>
+  <p:clrMapOvr>
+    <a:masterClrMapping/>
+  </p:clrMapOvr>
+</p:sld>
+</file>
+
+<file path=ppt/slides/slide32.xml><?xml version="1.0" encoding="utf-8"?>
+<p:sld xmlns:a="http://schemas.openxmlformats.org/drawingml/2006/main" xmlns:r="http://schemas.openxmlformats.org/officeDocument/2006/relationships" xmlns:p="http://schemas.openxmlformats.org/presentationml/2006/main">
+  <p:cSld>
+    <p:spTree>
+      <p:nvGrpSpPr>
+        <p:cNvPr id="1" name=""/>
+        <p:cNvGrpSpPr/>
+        <p:nvPr/>
+      </p:nvGrpSpPr>
+      <p:grpSpPr>
+        <a:xfrm>
+          <a:off x="0" y="0"/>
+          <a:ext cx="0" cy="0"/>
+          <a:chOff x="0" y="0"/>
+          <a:chExt cx="0" cy="0"/>
+        </a:xfrm>
+      </p:grpSpPr>
+      <p:sp>
+        <p:nvSpPr>
           <p:cNvPr id="2" name="Title 1">
             <a:extLst>
               <a:ext uri="{FF2B5EF4-FFF2-40B4-BE49-F238E27FC236}">
@@ -7498,7 +8619,7 @@
           <a:p>
             <a:r>
               <a:rPr lang="en-US" dirty="0"/>
-              <a:t>Immutability is your friend</a:t>
+              <a:t>Immutability in C++</a:t>
             </a:r>
           </a:p>
         </p:txBody>
@@ -7527,32 +8648,43 @@
           <a:lstStyle/>
           <a:p>
             <a:r>
-              <a:rPr lang="en-US" dirty="0"/>
+              <a:rPr lang="en-US" dirty="0">
+                <a:solidFill>
+                  <a:schemeClr val="tx2"/>
+                </a:solidFill>
+              </a:rPr>
               <a:t>C++ is not strictly a functional programming language. </a:t>
             </a:r>
           </a:p>
           <a:p>
             <a:r>
-              <a:rPr lang="en-US" dirty="0"/>
+              <a:rPr lang="en-US" dirty="0">
+                <a:solidFill>
+                  <a:schemeClr val="tx2"/>
+                </a:solidFill>
+              </a:rPr>
               <a:t>It is an object-oriented language which typically uses mutation of state.</a:t>
             </a:r>
           </a:p>
           <a:p>
             <a:r>
-              <a:rPr lang="en-US" dirty="0"/>
-              <a:t>However, it is recommended to prefer immutable fields where possible.</a:t>
-            </a:r>
-          </a:p>
-          <a:p>
-            <a:r>
-              <a:rPr lang="en-US" dirty="0"/>
-              <a:t>Dependencies, for instance should not be modified during the lifetime of </a:t>
-            </a:r>
-            <a:r>
-              <a:rPr lang="en-US"/>
-              <a:t>an object.</a:t>
-            </a:r>
-            <a:endParaRPr lang="en-US" dirty="0"/>
+              <a:rPr lang="en-US" dirty="0">
+                <a:solidFill>
+                  <a:schemeClr val="tx2"/>
+                </a:solidFill>
+              </a:rPr>
+              <a:t>Use const wherever possible.</a:t>
+            </a:r>
+          </a:p>
+          <a:p>
+            <a:r>
+              <a:rPr lang="en-US" dirty="0">
+                <a:solidFill>
+                  <a:schemeClr val="tx2"/>
+                </a:solidFill>
+              </a:rPr>
+              <a:t>Dependencies, for instance should not be modified during the lifetime of an object.</a:t>
+            </a:r>
           </a:p>
         </p:txBody>
       </p:sp>
@@ -7569,7 +8701,7 @@
 </p:sld>
 </file>
 
-<file path=ppt/slides/slide31.xml><?xml version="1.0" encoding="utf-8"?>
+<file path=ppt/slides/slide33.xml><?xml version="1.0" encoding="utf-8"?>
 <p:sld xmlns:a="http://schemas.openxmlformats.org/drawingml/2006/main" xmlns:r="http://schemas.openxmlformats.org/officeDocument/2006/relationships" xmlns:p="http://schemas.openxmlformats.org/presentationml/2006/main">
   <p:cSld>
     <p:spTree>
@@ -7664,36 +8796,60 @@
           <a:lstStyle/>
           <a:p>
             <a:r>
-              <a:rPr lang="en-US" dirty="0"/>
+              <a:rPr lang="en-US" dirty="0">
+                <a:solidFill>
+                  <a:schemeClr val="tx2"/>
+                </a:solidFill>
+              </a:rPr>
               <a:t>Divide large projects into small components.</a:t>
             </a:r>
           </a:p>
           <a:p>
             <a:r>
-              <a:rPr lang="en-US" dirty="0"/>
+              <a:rPr lang="en-US" dirty="0">
+                <a:solidFill>
+                  <a:schemeClr val="tx2"/>
+                </a:solidFill>
+              </a:rPr>
               <a:t>Each component should have only one responsibility.</a:t>
             </a:r>
           </a:p>
           <a:p>
             <a:r>
-              <a:rPr lang="en-US" dirty="0"/>
+              <a:rPr lang="en-US" dirty="0">
+                <a:solidFill>
+                  <a:schemeClr val="tx2"/>
+                </a:solidFill>
+              </a:rPr>
               <a:t>Express the responsibility by a simple contract.</a:t>
             </a:r>
           </a:p>
           <a:p>
             <a:r>
-              <a:rPr lang="en-US" dirty="0"/>
+              <a:rPr lang="en-US" dirty="0">
+                <a:solidFill>
+                  <a:schemeClr val="tx2"/>
+                </a:solidFill>
+              </a:rPr>
               <a:t>Encapsulation: hide implementation details.</a:t>
             </a:r>
           </a:p>
           <a:p>
             <a:r>
-              <a:rPr lang="en-US" dirty="0"/>
+              <a:rPr lang="en-US" dirty="0">
+                <a:solidFill>
+                  <a:schemeClr val="tx2"/>
+                </a:solidFill>
+              </a:rPr>
               <a:t>Abstraction: allows interchangeability of components</a:t>
             </a:r>
           </a:p>
           <a:p>
-            <a:endParaRPr lang="en-US" dirty="0"/>
+            <a:endParaRPr lang="en-US" dirty="0">
+              <a:solidFill>
+                <a:schemeClr val="tx2"/>
+              </a:solidFill>
+            </a:endParaRPr>
           </a:p>
         </p:txBody>
       </p:sp>
@@ -7710,7 +8866,7 @@
 </p:sld>
 </file>
 
-<file path=ppt/slides/slide32.xml><?xml version="1.0" encoding="utf-8"?>
+<file path=ppt/slides/slide34.xml><?xml version="1.0" encoding="utf-8"?>
 <p:sld xmlns:a="http://schemas.openxmlformats.org/drawingml/2006/main" xmlns:r="http://schemas.openxmlformats.org/officeDocument/2006/relationships" xmlns:p="http://schemas.openxmlformats.org/presentationml/2006/main">
   <p:cSld>
     <p:spTree>

--- a/Module 1 - Principles You Need to Know.pptx
+++ b/Module 1 - Principles You Need to Know.pptx
@@ -5,7 +5,7 @@
     <p:sldMasterId id="2147483648" r:id="rId1"/>
   </p:sldMasterIdLst>
   <p:notesMasterIdLst>
-    <p:notesMasterId r:id="rId36"/>
+    <p:notesMasterId r:id="rId37"/>
   </p:notesMasterIdLst>
   <p:sldIdLst>
     <p:sldId id="256" r:id="rId2"/>
@@ -42,6 +42,7 @@
     <p:sldId id="464" r:id="rId33"/>
     <p:sldId id="462" r:id="rId34"/>
     <p:sldId id="463" r:id="rId35"/>
+    <p:sldId id="473" r:id="rId36"/>
   </p:sldIdLst>
   <p:sldSz cx="9144000" cy="6858000" type="screen4x3"/>
   <p:notesSz cx="6858000" cy="9144000"/>
@@ -6197,7 +6198,15 @@
           <a:p>
             <a:r>
               <a:rPr lang="en-US" dirty="0"/>
-              <a:t>Polymorphism: Benefits</a:t>
+              <a:t>Polymorphism: </a:t>
+            </a:r>
+            <a:r>
+              <a:rPr lang="en-US" dirty="0">
+                <a:solidFill>
+                  <a:schemeClr val="accent3"/>
+                </a:solidFill>
+              </a:rPr>
+              <a:t>Benefits</a:t>
             </a:r>
           </a:p>
         </p:txBody>
@@ -6463,7 +6472,15 @@
           <a:p>
             <a:r>
               <a:rPr lang="en-US" dirty="0"/>
-              <a:t>Polymorphism: Pitfalls</a:t>
+              <a:t>Polymorphism: </a:t>
+            </a:r>
+            <a:r>
+              <a:rPr lang="en-US" dirty="0">
+                <a:solidFill>
+                  <a:schemeClr val="accent2"/>
+                </a:solidFill>
+              </a:rPr>
+              <a:t>Pitfalls?</a:t>
             </a:r>
           </a:p>
         </p:txBody>
@@ -6612,7 +6629,15 @@
           <a:p>
             <a:r>
               <a:rPr lang="en-US" sz="4000" dirty="0"/>
-              <a:t>Inheritance for Code Reuse: Benefits</a:t>
+              <a:t>Inheritance for Code Reuse: </a:t>
+            </a:r>
+            <a:r>
+              <a:rPr lang="en-US" sz="4000" dirty="0">
+                <a:solidFill>
+                  <a:schemeClr val="accent3"/>
+                </a:solidFill>
+              </a:rPr>
+              <a:t>Benefits</a:t>
             </a:r>
           </a:p>
         </p:txBody>
@@ -6741,13 +6766,21 @@
         </p:spPr>
         <p:txBody>
           <a:bodyPr anchor="ctr">
-            <a:normAutofit/>
+            <a:normAutofit fontScale="90000"/>
           </a:bodyPr>
           <a:lstStyle/>
           <a:p>
             <a:r>
               <a:rPr lang="en-US" dirty="0"/>
-              <a:t>Inheritance for Code Reuse: Pitfalls</a:t>
+              <a:t>Inheritance for Code Reuse: </a:t>
+            </a:r>
+            <a:r>
+              <a:rPr lang="en-US" dirty="0">
+                <a:solidFill>
+                  <a:schemeClr val="accent2"/>
+                </a:solidFill>
+              </a:rPr>
+              <a:t>Pitfalls!</a:t>
             </a:r>
           </a:p>
         </p:txBody>
@@ -6928,13 +6961,21 @@
         </p:spPr>
         <p:txBody>
           <a:bodyPr anchor="ctr">
-            <a:normAutofit/>
+            <a:normAutofit fontScale="90000"/>
           </a:bodyPr>
           <a:lstStyle/>
           <a:p>
             <a:r>
               <a:rPr lang="en-US" dirty="0"/>
-              <a:t>Inheritance for Code Reuse: Pitfalls</a:t>
+              <a:t>Inheritance for Code Reuse: </a:t>
+            </a:r>
+            <a:r>
+              <a:rPr lang="en-US" dirty="0">
+                <a:solidFill>
+                  <a:schemeClr val="accent2"/>
+                </a:solidFill>
+              </a:rPr>
+              <a:t>Pitfalls!</a:t>
             </a:r>
           </a:p>
         </p:txBody>
@@ -8313,7 +8354,9 @@
         </p:nvSpPr>
         <p:spPr/>
         <p:txBody>
-          <a:bodyPr/>
+          <a:bodyPr>
+            <a:normAutofit lnSpcReduction="10000"/>
+          </a:bodyPr>
           <a:lstStyle/>
           <a:p>
             <a:r>
@@ -8342,6 +8385,17 @@
                   <a:schemeClr val="tx2"/>
                 </a:solidFill>
               </a:rPr>
+              <a:t>Avoid premature generalization:</a:t>
+            </a:r>
+          </a:p>
+          <a:p>
+            <a:pPr lvl="1"/>
+            <a:r>
+              <a:rPr lang="en-US" dirty="0">
+                <a:solidFill>
+                  <a:schemeClr val="tx2"/>
+                </a:solidFill>
+              </a:rPr>
               <a:t>Do </a:t>
             </a:r>
             <a:r>
@@ -8358,8 +8412,48 @@
                   <a:schemeClr val="tx2"/>
                 </a:solidFill>
               </a:rPr>
-              <a:t> add empty interface methods that are not required today.</a:t>
-            </a:r>
+              <a:t> add features you don’t need</a:t>
+            </a:r>
+          </a:p>
+          <a:p>
+            <a:pPr lvl="1"/>
+            <a:r>
+              <a:rPr lang="en-US" dirty="0">
+                <a:solidFill>
+                  <a:schemeClr val="tx2"/>
+                </a:solidFill>
+              </a:rPr>
+              <a:t>Do </a:t>
+            </a:r>
+            <a:r>
+              <a:rPr lang="en-US" u="sng" dirty="0">
+                <a:solidFill>
+                  <a:schemeClr val="tx2"/>
+                </a:solidFill>
+              </a:rPr>
+              <a:t>not</a:t>
+            </a:r>
+            <a:r>
+              <a:rPr lang="en-US" dirty="0">
+                <a:solidFill>
+                  <a:schemeClr val="tx2"/>
+                </a:solidFill>
+              </a:rPr>
+              <a:t> add empty interface methods </a:t>
+            </a:r>
+            <a:r>
+              <a:rPr lang="en-US">
+                <a:solidFill>
+                  <a:schemeClr val="tx2"/>
+                </a:solidFill>
+              </a:rPr>
+              <a:t>to generalize</a:t>
+            </a:r>
+            <a:endParaRPr lang="en-US" dirty="0">
+              <a:solidFill>
+                <a:schemeClr val="tx2"/>
+              </a:solidFill>
+            </a:endParaRPr>
           </a:p>
           <a:p>
             <a:r>
@@ -8986,6 +9080,555 @@
     <p:extLst>
       <p:ext uri="{BB962C8B-B14F-4D97-AF65-F5344CB8AC3E}">
         <p14:creationId xmlns:p14="http://schemas.microsoft.com/office/powerpoint/2010/main" val="1204433698"/>
+      </p:ext>
+    </p:extLst>
+  </p:cSld>
+  <p:clrMapOvr>
+    <a:masterClrMapping/>
+  </p:clrMapOvr>
+</p:sld>
+</file>
+
+<file path=ppt/slides/slide35.xml><?xml version="1.0" encoding="utf-8"?>
+<p:sld xmlns:a="http://schemas.openxmlformats.org/drawingml/2006/main" xmlns:r="http://schemas.openxmlformats.org/officeDocument/2006/relationships" xmlns:p="http://schemas.openxmlformats.org/presentationml/2006/main">
+  <p:cSld>
+    <p:spTree>
+      <p:nvGrpSpPr>
+        <p:cNvPr id="1" name="">
+          <a:extLst>
+            <a:ext uri="{FF2B5EF4-FFF2-40B4-BE49-F238E27FC236}">
+              <a16:creationId xmlns:a16="http://schemas.microsoft.com/office/drawing/2014/main" id="{F6B7AC48-FB2D-B87F-AF46-FBC899DC9447}"/>
+            </a:ext>
+          </a:extLst>
+        </p:cNvPr>
+        <p:cNvGrpSpPr/>
+        <p:nvPr/>
+      </p:nvGrpSpPr>
+      <p:grpSpPr>
+        <a:xfrm>
+          <a:off x="0" y="0"/>
+          <a:ext cx="0" cy="0"/>
+          <a:chOff x="0" y="0"/>
+          <a:chExt cx="0" cy="0"/>
+        </a:xfrm>
+      </p:grpSpPr>
+      <p:sp>
+        <p:nvSpPr>
+          <p:cNvPr id="2" name="Title 1">
+            <a:extLst>
+              <a:ext uri="{FF2B5EF4-FFF2-40B4-BE49-F238E27FC236}">
+                <a16:creationId xmlns:a16="http://schemas.microsoft.com/office/drawing/2014/main" id="{C776F0FB-FB6D-3B26-7191-85BCD1CA6C7D}"/>
+              </a:ext>
+            </a:extLst>
+          </p:cNvPr>
+          <p:cNvSpPr>
+            <a:spLocks noGrp="1"/>
+          </p:cNvSpPr>
+          <p:nvPr>
+            <p:ph type="title"/>
+          </p:nvPr>
+        </p:nvSpPr>
+        <p:spPr>
+          <a:xfrm>
+            <a:off x="457200" y="274638"/>
+            <a:ext cx="8229600" cy="1143000"/>
+          </a:xfrm>
+        </p:spPr>
+        <p:txBody>
+          <a:bodyPr/>
+          <a:lstStyle/>
+          <a:p>
+            <a:r>
+              <a:rPr lang="en-US" dirty="0"/>
+              <a:t>Key Takeaways</a:t>
+            </a:r>
+          </a:p>
+        </p:txBody>
+      </p:sp>
+      <p:graphicFrame>
+        <p:nvGraphicFramePr>
+          <p:cNvPr id="11" name="Content Placeholder 10">
+            <a:extLst>
+              <a:ext uri="{FF2B5EF4-FFF2-40B4-BE49-F238E27FC236}">
+                <a16:creationId xmlns:a16="http://schemas.microsoft.com/office/drawing/2014/main" id="{BE1D75E1-DE84-FCB3-B0E4-7FA7DB4710C9}"/>
+              </a:ext>
+            </a:extLst>
+          </p:cNvPr>
+          <p:cNvGraphicFramePr>
+            <a:graphicFrameLocks noGrp="1"/>
+          </p:cNvGraphicFramePr>
+          <p:nvPr>
+            <p:ph idx="1"/>
+            <p:extLst>
+              <p:ext uri="{D42A27DB-BD31-4B8C-83A1-F6EECF244321}">
+                <p14:modId xmlns:p14="http://schemas.microsoft.com/office/powerpoint/2010/main" val="2313995659"/>
+              </p:ext>
+            </p:extLst>
+          </p:nvPr>
+        </p:nvGraphicFramePr>
+        <p:xfrm>
+          <a:off x="457200" y="1600200"/>
+          <a:ext cx="8229600" cy="4480560"/>
+        </p:xfrm>
+        <a:graphic>
+          <a:graphicData uri="http://schemas.openxmlformats.org/drawingml/2006/table">
+            <a:tbl>
+              <a:tblPr bandRow="1">
+                <a:tableStyleId>{46F890A9-2807-4EBB-B81D-B2AA78EC7F39}</a:tableStyleId>
+              </a:tblPr>
+              <a:tblGrid>
+                <a:gridCol w="2743200">
+                  <a:extLst>
+                    <a:ext uri="{9D8B030D-6E8A-4147-A177-3AD203B41FA5}">
+                      <a16:colId xmlns:a16="http://schemas.microsoft.com/office/drawing/2014/main" val="2828882500"/>
+                    </a:ext>
+                  </a:extLst>
+                </a:gridCol>
+                <a:gridCol w="5486400">
+                  <a:extLst>
+                    <a:ext uri="{9D8B030D-6E8A-4147-A177-3AD203B41FA5}">
+                      <a16:colId xmlns:a16="http://schemas.microsoft.com/office/drawing/2014/main" val="2512347793"/>
+                    </a:ext>
+                  </a:extLst>
+                </a:gridCol>
+              </a:tblGrid>
+              <a:tr h="640080">
+                <a:tc>
+                  <a:txBody>
+                    <a:bodyPr/>
+                    <a:lstStyle/>
+                    <a:p>
+                      <a:pPr lvl="0"/>
+                      <a:r>
+                        <a:rPr lang="en-US" sz="2400" kern="1200" dirty="0">
+                          <a:solidFill>
+                            <a:schemeClr val="tx2"/>
+                          </a:solidFill>
+                        </a:rPr>
+                        <a:t>The SRP</a:t>
+                      </a:r>
+                      <a:endParaRPr lang="en-US" sz="2400" kern="1200" dirty="0">
+                        <a:solidFill>
+                          <a:schemeClr val="tx2"/>
+                        </a:solidFill>
+                        <a:latin typeface="+mn-lt"/>
+                        <a:ea typeface="+mn-ea"/>
+                        <a:cs typeface="+mn-cs"/>
+                      </a:endParaRPr>
+                    </a:p>
+                  </a:txBody>
+                  <a:tcPr anchor="ctr"/>
+                </a:tc>
+                <a:tc>
+                  <a:txBody>
+                    <a:bodyPr/>
+                    <a:lstStyle/>
+                    <a:p>
+                      <a:r>
+                        <a:rPr lang="en-US" sz="2400" kern="1200" dirty="0">
+                          <a:solidFill>
+                            <a:schemeClr val="tx2"/>
+                          </a:solidFill>
+                        </a:rPr>
+                        <a:t>One class per file, should do one thing</a:t>
+                      </a:r>
+                      <a:endParaRPr lang="en-US" sz="2400" kern="1200" dirty="0">
+                        <a:solidFill>
+                          <a:schemeClr val="tx2"/>
+                        </a:solidFill>
+                        <a:latin typeface="+mn-lt"/>
+                        <a:ea typeface="+mn-ea"/>
+                        <a:cs typeface="+mn-cs"/>
+                      </a:endParaRPr>
+                    </a:p>
+                  </a:txBody>
+                  <a:tcPr anchor="ctr"/>
+                </a:tc>
+                <a:extLst>
+                  <a:ext uri="{0D108BD9-81ED-4DB2-BD59-A6C34878D82A}">
+                    <a16:rowId xmlns:a16="http://schemas.microsoft.com/office/drawing/2014/main" val="4225302427"/>
+                  </a:ext>
+                </a:extLst>
+              </a:tr>
+              <a:tr h="640080">
+                <a:tc>
+                  <a:txBody>
+                    <a:bodyPr/>
+                    <a:lstStyle/>
+                    <a:p>
+                      <a:pPr lvl="0"/>
+                      <a:r>
+                        <a:rPr lang="en-US" sz="2400" kern="1200" dirty="0">
+                          <a:solidFill>
+                            <a:schemeClr val="tx2"/>
+                          </a:solidFill>
+                        </a:rPr>
+                        <a:t>The OCP</a:t>
+                      </a:r>
+                      <a:endParaRPr lang="en-US" sz="2400" kern="1200" dirty="0">
+                        <a:solidFill>
+                          <a:schemeClr val="tx2"/>
+                        </a:solidFill>
+                        <a:latin typeface="+mn-lt"/>
+                        <a:ea typeface="+mn-ea"/>
+                        <a:cs typeface="+mn-cs"/>
+                      </a:endParaRPr>
+                    </a:p>
+                  </a:txBody>
+                  <a:tcPr anchor="ctr"/>
+                </a:tc>
+                <a:tc>
+                  <a:txBody>
+                    <a:bodyPr/>
+                    <a:lstStyle/>
+                    <a:p>
+                      <a:r>
+                        <a:rPr lang="en-US" sz="2400" kern="1200" dirty="0">
+                          <a:solidFill>
+                            <a:schemeClr val="tx2"/>
+                          </a:solidFill>
+                        </a:rPr>
+                        <a:t>Avoid premature generalization</a:t>
+                      </a:r>
+                      <a:endParaRPr lang="en-US" sz="2400" kern="1200" dirty="0">
+                        <a:solidFill>
+                          <a:schemeClr val="tx2"/>
+                        </a:solidFill>
+                        <a:latin typeface="+mn-lt"/>
+                        <a:ea typeface="+mn-ea"/>
+                        <a:cs typeface="+mn-cs"/>
+                      </a:endParaRPr>
+                    </a:p>
+                  </a:txBody>
+                  <a:tcPr anchor="ctr"/>
+                </a:tc>
+                <a:extLst>
+                  <a:ext uri="{0D108BD9-81ED-4DB2-BD59-A6C34878D82A}">
+                    <a16:rowId xmlns:a16="http://schemas.microsoft.com/office/drawing/2014/main" val="471420756"/>
+                  </a:ext>
+                </a:extLst>
+              </a:tr>
+              <a:tr h="640080">
+                <a:tc>
+                  <a:txBody>
+                    <a:bodyPr/>
+                    <a:lstStyle/>
+                    <a:p>
+                      <a:pPr lvl="0"/>
+                      <a:r>
+                        <a:rPr lang="en-US" sz="2400" kern="1200" dirty="0">
+                          <a:solidFill>
+                            <a:schemeClr val="tx2"/>
+                          </a:solidFill>
+                        </a:rPr>
+                        <a:t>Encapsulation</a:t>
+                      </a:r>
+                      <a:endParaRPr lang="en-US" sz="2400" kern="1200" dirty="0">
+                        <a:solidFill>
+                          <a:schemeClr val="tx2"/>
+                        </a:solidFill>
+                        <a:latin typeface="+mn-lt"/>
+                        <a:ea typeface="+mn-ea"/>
+                        <a:cs typeface="+mn-cs"/>
+                      </a:endParaRPr>
+                    </a:p>
+                  </a:txBody>
+                  <a:tcPr anchor="ctr"/>
+                </a:tc>
+                <a:tc>
+                  <a:txBody>
+                    <a:bodyPr/>
+                    <a:lstStyle/>
+                    <a:p>
+                      <a:r>
+                        <a:rPr lang="en-US" sz="2400" kern="1200" dirty="0">
+                          <a:solidFill>
+                            <a:schemeClr val="tx2"/>
+                          </a:solidFill>
+                        </a:rPr>
+                        <a:t>Use visibility and interfaces</a:t>
+                      </a:r>
+                      <a:endParaRPr lang="en-US" sz="2400" kern="1200" dirty="0">
+                        <a:solidFill>
+                          <a:schemeClr val="tx2"/>
+                        </a:solidFill>
+                        <a:latin typeface="+mn-lt"/>
+                        <a:ea typeface="+mn-ea"/>
+                        <a:cs typeface="+mn-cs"/>
+                      </a:endParaRPr>
+                    </a:p>
+                  </a:txBody>
+                  <a:tcPr anchor="ctr"/>
+                </a:tc>
+                <a:extLst>
+                  <a:ext uri="{0D108BD9-81ED-4DB2-BD59-A6C34878D82A}">
+                    <a16:rowId xmlns:a16="http://schemas.microsoft.com/office/drawing/2014/main" val="1393594050"/>
+                  </a:ext>
+                </a:extLst>
+              </a:tr>
+              <a:tr h="640080">
+                <a:tc>
+                  <a:txBody>
+                    <a:bodyPr/>
+                    <a:lstStyle/>
+                    <a:p>
+                      <a:pPr lvl="0"/>
+                      <a:r>
+                        <a:rPr lang="en-US" sz="2400" kern="1200" dirty="0">
+                          <a:solidFill>
+                            <a:schemeClr val="tx2"/>
+                          </a:solidFill>
+                        </a:rPr>
+                        <a:t>System Organization</a:t>
+                      </a:r>
+                      <a:endParaRPr lang="en-US" sz="2400" kern="1200" dirty="0">
+                        <a:solidFill>
+                          <a:schemeClr val="tx2"/>
+                        </a:solidFill>
+                        <a:latin typeface="+mn-lt"/>
+                        <a:ea typeface="+mn-ea"/>
+                        <a:cs typeface="+mn-cs"/>
+                      </a:endParaRPr>
+                    </a:p>
+                  </a:txBody>
+                  <a:tcPr anchor="ctr"/>
+                </a:tc>
+                <a:tc>
+                  <a:txBody>
+                    <a:bodyPr/>
+                    <a:lstStyle/>
+                    <a:p>
+                      <a:r>
+                        <a:rPr lang="en-US" sz="2400" kern="1200" dirty="0">
+                          <a:solidFill>
+                            <a:schemeClr val="tx2"/>
+                          </a:solidFill>
+                          <a:latin typeface="+mn-lt"/>
+                          <a:ea typeface="+mn-ea"/>
+                          <a:cs typeface="+mn-cs"/>
+                        </a:rPr>
+                        <a:t>Classes galore, divide files into folders</a:t>
+                      </a:r>
+                    </a:p>
+                  </a:txBody>
+                  <a:tcPr anchor="ctr"/>
+                </a:tc>
+                <a:extLst>
+                  <a:ext uri="{0D108BD9-81ED-4DB2-BD59-A6C34878D82A}">
+                    <a16:rowId xmlns:a16="http://schemas.microsoft.com/office/drawing/2014/main" val="1260263298"/>
+                  </a:ext>
+                </a:extLst>
+              </a:tr>
+              <a:tr h="640080">
+                <a:tc>
+                  <a:txBody>
+                    <a:bodyPr/>
+                    <a:lstStyle/>
+                    <a:p>
+                      <a:pPr marL="0" marR="0" lvl="0" indent="0" algn="l" defTabSz="914400" rtl="0" eaLnBrk="1" fontAlgn="auto" latinLnBrk="0" hangingPunct="1">
+                        <a:lnSpc>
+                          <a:spcPct val="100000"/>
+                        </a:lnSpc>
+                        <a:spcBef>
+                          <a:spcPts val="0"/>
+                        </a:spcBef>
+                        <a:spcAft>
+                          <a:spcPts val="0"/>
+                        </a:spcAft>
+                        <a:buClrTx/>
+                        <a:buSzTx/>
+                        <a:buFontTx/>
+                        <a:buNone/>
+                        <a:tabLst/>
+                        <a:defRPr/>
+                      </a:pPr>
+                      <a:r>
+                        <a:rPr lang="en-US" sz="2400" kern="1200" dirty="0">
+                          <a:solidFill>
+                            <a:schemeClr val="tx2"/>
+                          </a:solidFill>
+                        </a:rPr>
+                        <a:t>Inheritance</a:t>
+                      </a:r>
+                      <a:endParaRPr lang="en-US" sz="2400" kern="1200" dirty="0">
+                        <a:solidFill>
+                          <a:schemeClr val="tx2"/>
+                        </a:solidFill>
+                        <a:latin typeface="+mn-lt"/>
+                        <a:ea typeface="+mn-ea"/>
+                        <a:cs typeface="+mn-cs"/>
+                      </a:endParaRPr>
+                    </a:p>
+                  </a:txBody>
+                  <a:tcPr anchor="ctr"/>
+                </a:tc>
+                <a:tc>
+                  <a:txBody>
+                    <a:bodyPr/>
+                    <a:lstStyle/>
+                    <a:p>
+                      <a:r>
+                        <a:rPr lang="en-US" sz="2400" kern="1200" dirty="0">
+                          <a:solidFill>
+                            <a:schemeClr val="tx2"/>
+                          </a:solidFill>
+                        </a:rPr>
+                        <a:t>Don’t use it for code reuse. Composition!</a:t>
+                      </a:r>
+                      <a:endParaRPr lang="en-US" sz="2400" kern="1200" dirty="0">
+                        <a:solidFill>
+                          <a:schemeClr val="tx2"/>
+                        </a:solidFill>
+                        <a:latin typeface="+mn-lt"/>
+                        <a:ea typeface="+mn-ea"/>
+                        <a:cs typeface="+mn-cs"/>
+                      </a:endParaRPr>
+                    </a:p>
+                  </a:txBody>
+                  <a:tcPr anchor="ctr"/>
+                </a:tc>
+                <a:extLst>
+                  <a:ext uri="{0D108BD9-81ED-4DB2-BD59-A6C34878D82A}">
+                    <a16:rowId xmlns:a16="http://schemas.microsoft.com/office/drawing/2014/main" val="2891640185"/>
+                  </a:ext>
+                </a:extLst>
+              </a:tr>
+              <a:tr h="640080">
+                <a:tc>
+                  <a:txBody>
+                    <a:bodyPr/>
+                    <a:lstStyle/>
+                    <a:p>
+                      <a:pPr marL="0" marR="0" lvl="0" indent="0" algn="l" defTabSz="914400" rtl="0" eaLnBrk="1" fontAlgn="auto" latinLnBrk="0" hangingPunct="1">
+                        <a:lnSpc>
+                          <a:spcPct val="100000"/>
+                        </a:lnSpc>
+                        <a:spcBef>
+                          <a:spcPts val="0"/>
+                        </a:spcBef>
+                        <a:spcAft>
+                          <a:spcPts val="0"/>
+                        </a:spcAft>
+                        <a:buClrTx/>
+                        <a:buSzTx/>
+                        <a:buFontTx/>
+                        <a:buNone/>
+                        <a:tabLst/>
+                        <a:defRPr/>
+                      </a:pPr>
+                      <a:r>
+                        <a:rPr lang="en-US" sz="2400" kern="1200" dirty="0">
+                          <a:solidFill>
+                            <a:schemeClr val="tx2"/>
+                          </a:solidFill>
+                          <a:latin typeface="+mn-lt"/>
+                          <a:ea typeface="+mn-ea"/>
+                          <a:cs typeface="+mn-cs"/>
+                        </a:rPr>
+                        <a:t>Refactor, refactor</a:t>
+                      </a:r>
+                    </a:p>
+                  </a:txBody>
+                  <a:tcPr anchor="ctr"/>
+                </a:tc>
+                <a:tc>
+                  <a:txBody>
+                    <a:bodyPr/>
+                    <a:lstStyle/>
+                    <a:p>
+                      <a:r>
+                        <a:rPr lang="en-US" sz="2400" kern="1200" dirty="0">
+                          <a:solidFill>
+                            <a:schemeClr val="tx2"/>
+                          </a:solidFill>
+                          <a:latin typeface="+mn-lt"/>
+                          <a:ea typeface="+mn-ea"/>
+                          <a:cs typeface="+mn-cs"/>
+                        </a:rPr>
+                        <a:t>Get addicted. (You will need tests)</a:t>
+                      </a:r>
+                    </a:p>
+                  </a:txBody>
+                  <a:tcPr anchor="ctr"/>
+                </a:tc>
+                <a:extLst>
+                  <a:ext uri="{0D108BD9-81ED-4DB2-BD59-A6C34878D82A}">
+                    <a16:rowId xmlns:a16="http://schemas.microsoft.com/office/drawing/2014/main" val="1349095502"/>
+                  </a:ext>
+                </a:extLst>
+              </a:tr>
+              <a:tr h="640080">
+                <a:tc>
+                  <a:txBody>
+                    <a:bodyPr/>
+                    <a:lstStyle/>
+                    <a:p>
+                      <a:pPr marL="0" marR="0" lvl="0" indent="0" algn="l" defTabSz="914400" rtl="0" eaLnBrk="1" fontAlgn="auto" latinLnBrk="0" hangingPunct="1">
+                        <a:lnSpc>
+                          <a:spcPct val="100000"/>
+                        </a:lnSpc>
+                        <a:spcBef>
+                          <a:spcPts val="0"/>
+                        </a:spcBef>
+                        <a:spcAft>
+                          <a:spcPts val="0"/>
+                        </a:spcAft>
+                        <a:buClrTx/>
+                        <a:buSzTx/>
+                        <a:buFontTx/>
+                        <a:buNone/>
+                        <a:tabLst/>
+                        <a:defRPr/>
+                      </a:pPr>
+                      <a:r>
+                        <a:rPr lang="en-US" sz="2400" kern="1200" dirty="0">
+                          <a:solidFill>
+                            <a:schemeClr val="tx2"/>
+                          </a:solidFill>
+                          <a:latin typeface="+mn-lt"/>
+                          <a:ea typeface="+mn-ea"/>
+                          <a:cs typeface="+mn-cs"/>
+                        </a:rPr>
+                        <a:t>Decoupling</a:t>
+                      </a:r>
+                    </a:p>
+                  </a:txBody>
+                  <a:tcPr anchor="ctr"/>
+                </a:tc>
+                <a:tc>
+                  <a:txBody>
+                    <a:bodyPr/>
+                    <a:lstStyle/>
+                    <a:p>
+                      <a:r>
+                        <a:rPr lang="en-US" sz="2400" kern="1200" dirty="0">
+                          <a:solidFill>
+                            <a:schemeClr val="tx2"/>
+                          </a:solidFill>
+                          <a:latin typeface="+mn-lt"/>
+                          <a:ea typeface="+mn-ea"/>
+                          <a:cs typeface="+mn-cs"/>
+                        </a:rPr>
+                        <a:t>Coming up, with dependency injection!</a:t>
+                      </a:r>
+                    </a:p>
+                  </a:txBody>
+                  <a:tcPr anchor="ctr"/>
+                </a:tc>
+                <a:extLst>
+                  <a:ext uri="{0D108BD9-81ED-4DB2-BD59-A6C34878D82A}">
+                    <a16:rowId xmlns:a16="http://schemas.microsoft.com/office/drawing/2014/main" val="3892874305"/>
+                  </a:ext>
+                </a:extLst>
+              </a:tr>
+            </a:tbl>
+          </a:graphicData>
+        </a:graphic>
+      </p:graphicFrame>
+    </p:spTree>
+    <p:extLst>
+      <p:ext uri="{BB962C8B-B14F-4D97-AF65-F5344CB8AC3E}">
+        <p14:creationId xmlns:p14="http://schemas.microsoft.com/office/powerpoint/2010/main" val="3954491594"/>
       </p:ext>
     </p:extLst>
   </p:cSld>

--- a/Module 1 - Principles You Need to Know.pptx
+++ b/Module 1 - Principles You Need to Know.pptx
@@ -5,44 +5,43 @@
     <p:sldMasterId id="2147483648" r:id="rId1"/>
   </p:sldMasterIdLst>
   <p:notesMasterIdLst>
-    <p:notesMasterId r:id="rId37"/>
+    <p:notesMasterId r:id="rId36"/>
   </p:notesMasterIdLst>
   <p:sldIdLst>
     <p:sldId id="256" r:id="rId2"/>
-    <p:sldId id="277" r:id="rId3"/>
-    <p:sldId id="276" r:id="rId4"/>
-    <p:sldId id="279" r:id="rId5"/>
-    <p:sldId id="286" r:id="rId6"/>
-    <p:sldId id="281" r:id="rId7"/>
-    <p:sldId id="282" r:id="rId8"/>
-    <p:sldId id="280" r:id="rId9"/>
-    <p:sldId id="459" r:id="rId10"/>
-    <p:sldId id="469" r:id="rId11"/>
-    <p:sldId id="470" r:id="rId12"/>
-    <p:sldId id="471" r:id="rId13"/>
-    <p:sldId id="278" r:id="rId14"/>
-    <p:sldId id="460" r:id="rId15"/>
-    <p:sldId id="466" r:id="rId16"/>
-    <p:sldId id="467" r:id="rId17"/>
-    <p:sldId id="284" r:id="rId18"/>
-    <p:sldId id="261" r:id="rId19"/>
-    <p:sldId id="266" r:id="rId20"/>
-    <p:sldId id="267" r:id="rId21"/>
-    <p:sldId id="268" r:id="rId22"/>
-    <p:sldId id="269" r:id="rId23"/>
-    <p:sldId id="270" r:id="rId24"/>
-    <p:sldId id="260" r:id="rId25"/>
-    <p:sldId id="271" r:id="rId26"/>
-    <p:sldId id="272" r:id="rId27"/>
-    <p:sldId id="273" r:id="rId28"/>
-    <p:sldId id="283" r:id="rId29"/>
-    <p:sldId id="468" r:id="rId30"/>
-    <p:sldId id="461" r:id="rId31"/>
-    <p:sldId id="465" r:id="rId32"/>
-    <p:sldId id="464" r:id="rId33"/>
-    <p:sldId id="462" r:id="rId34"/>
-    <p:sldId id="463" r:id="rId35"/>
-    <p:sldId id="473" r:id="rId36"/>
+    <p:sldId id="276" r:id="rId3"/>
+    <p:sldId id="279" r:id="rId4"/>
+    <p:sldId id="286" r:id="rId5"/>
+    <p:sldId id="281" r:id="rId6"/>
+    <p:sldId id="282" r:id="rId7"/>
+    <p:sldId id="280" r:id="rId8"/>
+    <p:sldId id="459" r:id="rId9"/>
+    <p:sldId id="469" r:id="rId10"/>
+    <p:sldId id="470" r:id="rId11"/>
+    <p:sldId id="471" r:id="rId12"/>
+    <p:sldId id="278" r:id="rId13"/>
+    <p:sldId id="460" r:id="rId14"/>
+    <p:sldId id="466" r:id="rId15"/>
+    <p:sldId id="467" r:id="rId16"/>
+    <p:sldId id="284" r:id="rId17"/>
+    <p:sldId id="261" r:id="rId18"/>
+    <p:sldId id="266" r:id="rId19"/>
+    <p:sldId id="267" r:id="rId20"/>
+    <p:sldId id="268" r:id="rId21"/>
+    <p:sldId id="269" r:id="rId22"/>
+    <p:sldId id="270" r:id="rId23"/>
+    <p:sldId id="260" r:id="rId24"/>
+    <p:sldId id="271" r:id="rId25"/>
+    <p:sldId id="272" r:id="rId26"/>
+    <p:sldId id="273" r:id="rId27"/>
+    <p:sldId id="283" r:id="rId28"/>
+    <p:sldId id="468" r:id="rId29"/>
+    <p:sldId id="461" r:id="rId30"/>
+    <p:sldId id="465" r:id="rId31"/>
+    <p:sldId id="464" r:id="rId32"/>
+    <p:sldId id="462" r:id="rId33"/>
+    <p:sldId id="463" r:id="rId34"/>
+    <p:sldId id="473" r:id="rId35"/>
   </p:sldIdLst>
   <p:sldSz cx="9144000" cy="6858000" type="screen4x3"/>
   <p:notesSz cx="6858000" cy="9144000"/>
@@ -658,7 +657,7 @@
           <a:p>
             <a:fld id="{F3B18970-BA84-4C10-864B-24AF29AB586C}" type="slidenum">
               <a:rPr lang="en-US" smtClean="0"/>
-              <a:t>24</a:t>
+              <a:t>23</a:t>
             </a:fld>
             <a:endParaRPr lang="en-US"/>
           </a:p>
@@ -3760,29 +3759,233 @@
       </p:sp>
       <p:sp>
         <p:nvSpPr>
-          <p:cNvPr id="3" name="Subtitle 2"/>
-          <p:cNvSpPr>
-            <a:spLocks noGrp="1"/>
-          </p:cNvSpPr>
-          <p:nvPr>
-            <p:ph type="subTitle" idx="1"/>
-          </p:nvPr>
+          <p:cNvPr id="6" name="Subtitle 2">
+            <a:extLst>
+              <a:ext uri="{FF2B5EF4-FFF2-40B4-BE49-F238E27FC236}">
+                <a16:creationId xmlns:a16="http://schemas.microsoft.com/office/drawing/2014/main" id="{92E3706F-9880-5D6D-6BEB-C5FAA1CEBA16}"/>
+              </a:ext>
+            </a:extLst>
+          </p:cNvPr>
+          <p:cNvSpPr txBox="1">
+            <a:spLocks/>
+          </p:cNvSpPr>
+          <p:nvPr/>
         </p:nvSpPr>
         <p:spPr>
           <a:xfrm>
             <a:off x="1371600" y="4953000"/>
             <a:ext cx="6400800" cy="838200"/>
           </a:xfrm>
+          <a:prstGeom prst="rect">
+            <a:avLst/>
+          </a:prstGeom>
         </p:spPr>
         <p:txBody>
-          <a:bodyPr/>
-          <a:lstStyle/>
+          <a:bodyPr vert="horz" lIns="91440" tIns="45720" rIns="91440" bIns="45720" rtlCol="0">
+            <a:normAutofit/>
+          </a:bodyPr>
+          <a:lstStyle>
+            <a:lvl1pPr marL="0" indent="0" algn="ctr" defTabSz="914400" rtl="0" eaLnBrk="1" latinLnBrk="0" hangingPunct="1">
+              <a:spcBef>
+                <a:spcPct val="20000"/>
+              </a:spcBef>
+              <a:buFont typeface="Arial" panose="020B0604020202020204" pitchFamily="34" charset="0"/>
+              <a:buNone/>
+              <a:defRPr sz="3200" kern="1200">
+                <a:solidFill>
+                  <a:schemeClr val="tx1">
+                    <a:tint val="75000"/>
+                  </a:schemeClr>
+                </a:solidFill>
+                <a:latin typeface="+mn-lt"/>
+                <a:ea typeface="+mn-ea"/>
+                <a:cs typeface="+mn-cs"/>
+              </a:defRPr>
+            </a:lvl1pPr>
+            <a:lvl2pPr marL="457200" indent="0" algn="ctr" defTabSz="914400" rtl="0" eaLnBrk="1" latinLnBrk="0" hangingPunct="1">
+              <a:spcBef>
+                <a:spcPct val="20000"/>
+              </a:spcBef>
+              <a:buFont typeface="Arial" panose="020B0604020202020204" pitchFamily="34" charset="0"/>
+              <a:buNone/>
+              <a:defRPr sz="2800" kern="1200">
+                <a:solidFill>
+                  <a:schemeClr val="tx1">
+                    <a:tint val="75000"/>
+                  </a:schemeClr>
+                </a:solidFill>
+                <a:latin typeface="+mn-lt"/>
+                <a:ea typeface="+mn-ea"/>
+                <a:cs typeface="+mn-cs"/>
+              </a:defRPr>
+            </a:lvl2pPr>
+            <a:lvl3pPr marL="914400" indent="0" algn="ctr" defTabSz="914400" rtl="0" eaLnBrk="1" latinLnBrk="0" hangingPunct="1">
+              <a:spcBef>
+                <a:spcPct val="20000"/>
+              </a:spcBef>
+              <a:buFont typeface="Arial" panose="020B0604020202020204" pitchFamily="34" charset="0"/>
+              <a:buNone/>
+              <a:defRPr sz="2400" kern="1200">
+                <a:solidFill>
+                  <a:schemeClr val="tx1">
+                    <a:tint val="75000"/>
+                  </a:schemeClr>
+                </a:solidFill>
+                <a:latin typeface="+mn-lt"/>
+                <a:ea typeface="+mn-ea"/>
+                <a:cs typeface="+mn-cs"/>
+              </a:defRPr>
+            </a:lvl3pPr>
+            <a:lvl4pPr marL="1371600" indent="0" algn="ctr" defTabSz="914400" rtl="0" eaLnBrk="1" latinLnBrk="0" hangingPunct="1">
+              <a:spcBef>
+                <a:spcPct val="20000"/>
+              </a:spcBef>
+              <a:buFont typeface="Arial" panose="020B0604020202020204" pitchFamily="34" charset="0"/>
+              <a:buNone/>
+              <a:defRPr sz="2000" kern="1200">
+                <a:solidFill>
+                  <a:schemeClr val="tx1">
+                    <a:tint val="75000"/>
+                  </a:schemeClr>
+                </a:solidFill>
+                <a:latin typeface="+mn-lt"/>
+                <a:ea typeface="+mn-ea"/>
+                <a:cs typeface="+mn-cs"/>
+              </a:defRPr>
+            </a:lvl4pPr>
+            <a:lvl5pPr marL="1828800" indent="0" algn="ctr" defTabSz="914400" rtl="0" eaLnBrk="1" latinLnBrk="0" hangingPunct="1">
+              <a:spcBef>
+                <a:spcPct val="20000"/>
+              </a:spcBef>
+              <a:buFont typeface="Arial" panose="020B0604020202020204" pitchFamily="34" charset="0"/>
+              <a:buNone/>
+              <a:defRPr sz="2000" kern="1200">
+                <a:solidFill>
+                  <a:schemeClr val="tx1">
+                    <a:tint val="75000"/>
+                  </a:schemeClr>
+                </a:solidFill>
+                <a:latin typeface="+mn-lt"/>
+                <a:ea typeface="+mn-ea"/>
+                <a:cs typeface="+mn-cs"/>
+              </a:defRPr>
+            </a:lvl5pPr>
+            <a:lvl6pPr marL="2286000" indent="0" algn="ctr" defTabSz="914400" rtl="0" eaLnBrk="1" latinLnBrk="0" hangingPunct="1">
+              <a:spcBef>
+                <a:spcPct val="20000"/>
+              </a:spcBef>
+              <a:buFont typeface="Arial" panose="020B0604020202020204" pitchFamily="34" charset="0"/>
+              <a:buNone/>
+              <a:defRPr sz="2000" kern="1200">
+                <a:solidFill>
+                  <a:schemeClr val="tx1">
+                    <a:tint val="75000"/>
+                  </a:schemeClr>
+                </a:solidFill>
+                <a:latin typeface="+mn-lt"/>
+                <a:ea typeface="+mn-ea"/>
+                <a:cs typeface="+mn-cs"/>
+              </a:defRPr>
+            </a:lvl6pPr>
+            <a:lvl7pPr marL="2743200" indent="0" algn="ctr" defTabSz="914400" rtl="0" eaLnBrk="1" latinLnBrk="0" hangingPunct="1">
+              <a:spcBef>
+                <a:spcPct val="20000"/>
+              </a:spcBef>
+              <a:buFont typeface="Arial" panose="020B0604020202020204" pitchFamily="34" charset="0"/>
+              <a:buNone/>
+              <a:defRPr sz="2000" kern="1200">
+                <a:solidFill>
+                  <a:schemeClr val="tx1">
+                    <a:tint val="75000"/>
+                  </a:schemeClr>
+                </a:solidFill>
+                <a:latin typeface="+mn-lt"/>
+                <a:ea typeface="+mn-ea"/>
+                <a:cs typeface="+mn-cs"/>
+              </a:defRPr>
+            </a:lvl7pPr>
+            <a:lvl8pPr marL="3200400" indent="0" algn="ctr" defTabSz="914400" rtl="0" eaLnBrk="1" latinLnBrk="0" hangingPunct="1">
+              <a:spcBef>
+                <a:spcPct val="20000"/>
+              </a:spcBef>
+              <a:buFont typeface="Arial" panose="020B0604020202020204" pitchFamily="34" charset="0"/>
+              <a:buNone/>
+              <a:defRPr sz="2000" kern="1200">
+                <a:solidFill>
+                  <a:schemeClr val="tx1">
+                    <a:tint val="75000"/>
+                  </a:schemeClr>
+                </a:solidFill>
+                <a:latin typeface="+mn-lt"/>
+                <a:ea typeface="+mn-ea"/>
+                <a:cs typeface="+mn-cs"/>
+              </a:defRPr>
+            </a:lvl8pPr>
+            <a:lvl9pPr marL="3657600" indent="0" algn="ctr" defTabSz="914400" rtl="0" eaLnBrk="1" latinLnBrk="0" hangingPunct="1">
+              <a:spcBef>
+                <a:spcPct val="20000"/>
+              </a:spcBef>
+              <a:buFont typeface="Arial" panose="020B0604020202020204" pitchFamily="34" charset="0"/>
+              <a:buNone/>
+              <a:defRPr sz="2000" kern="1200">
+                <a:solidFill>
+                  <a:schemeClr val="tx1">
+                    <a:tint val="75000"/>
+                  </a:schemeClr>
+                </a:solidFill>
+                <a:latin typeface="+mn-lt"/>
+                <a:ea typeface="+mn-ea"/>
+                <a:cs typeface="+mn-cs"/>
+              </a:defRPr>
+            </a:lvl9pPr>
+          </a:lstStyle>
           <a:p>
             <a:r>
               <a:rPr lang="en-US"/>
               <a:t>David Sackstein</a:t>
             </a:r>
             <a:endParaRPr lang="en-US" dirty="0"/>
+          </a:p>
+        </p:txBody>
+      </p:sp>
+      <p:sp>
+        <p:nvSpPr>
+          <p:cNvPr id="7" name="TextBox 6">
+            <a:extLst>
+              <a:ext uri="{FF2B5EF4-FFF2-40B4-BE49-F238E27FC236}">
+                <a16:creationId xmlns:a16="http://schemas.microsoft.com/office/drawing/2014/main" id="{A04241E1-D220-944E-B263-D8EF7C3137C8}"/>
+              </a:ext>
+            </a:extLst>
+          </p:cNvPr>
+          <p:cNvSpPr txBox="1"/>
+          <p:nvPr/>
+        </p:nvSpPr>
+        <p:spPr>
+          <a:xfrm>
+            <a:off x="3581400" y="5774267"/>
+            <a:ext cx="1905000" cy="369332"/>
+          </a:xfrm>
+          <a:prstGeom prst="rect">
+            <a:avLst/>
+          </a:prstGeom>
+          <a:noFill/>
+        </p:spPr>
+        <p:txBody>
+          <a:bodyPr wrap="square" rtlCol="0">
+            <a:spAutoFit/>
+          </a:bodyPr>
+          <a:lstStyle/>
+          <a:p>
+            <a:r>
+              <a:rPr lang="en-US" dirty="0">
+                <a:solidFill>
+                  <a:schemeClr val="tx1">
+                    <a:tint val="75000"/>
+                  </a:schemeClr>
+                </a:solidFill>
+              </a:rPr>
+              <a:t>All rights reserved</a:t>
+            </a:r>
           </a:p>
         </p:txBody>
       </p:sp>
@@ -3800,251 +4003,6 @@
 </file>
 
 <file path=ppt/slides/slide10.xml><?xml version="1.0" encoding="utf-8"?>
-<p:sld xmlns:a="http://schemas.openxmlformats.org/drawingml/2006/main" xmlns:r="http://schemas.openxmlformats.org/officeDocument/2006/relationships" xmlns:p="http://schemas.openxmlformats.org/presentationml/2006/main">
-  <p:cSld>
-    <p:spTree>
-      <p:nvGrpSpPr>
-        <p:cNvPr id="1" name=""/>
-        <p:cNvGrpSpPr/>
-        <p:nvPr/>
-      </p:nvGrpSpPr>
-      <p:grpSpPr>
-        <a:xfrm>
-          <a:off x="0" y="0"/>
-          <a:ext cx="0" cy="0"/>
-          <a:chOff x="0" y="0"/>
-          <a:chExt cx="0" cy="0"/>
-        </a:xfrm>
-      </p:grpSpPr>
-      <p:sp>
-        <p:nvSpPr>
-          <p:cNvPr id="5" name="Content Placeholder 2">
-            <a:extLst>
-              <a:ext uri="{FF2B5EF4-FFF2-40B4-BE49-F238E27FC236}">
-                <a16:creationId xmlns:a16="http://schemas.microsoft.com/office/drawing/2014/main" id="{106A7195-A5E3-B0E7-DDD9-6A3DED938EB3}"/>
-              </a:ext>
-            </a:extLst>
-          </p:cNvPr>
-          <p:cNvSpPr txBox="1">
-            <a:spLocks/>
-          </p:cNvSpPr>
-          <p:nvPr/>
-        </p:nvSpPr>
-        <p:spPr>
-          <a:xfrm>
-            <a:off x="304800" y="256703"/>
-            <a:ext cx="3200400" cy="6534913"/>
-          </a:xfrm>
-          <a:prstGeom prst="rect">
-            <a:avLst/>
-          </a:prstGeom>
-        </p:spPr>
-        <p:txBody>
-          <a:bodyPr>
-            <a:normAutofit/>
-          </a:bodyPr>
-          <a:lstStyle>
-            <a:lvl1pPr marL="342900" indent="-342900" algn="l" defTabSz="914400" rtl="0" eaLnBrk="1" latinLnBrk="0" hangingPunct="1">
-              <a:spcBef>
-                <a:spcPct val="20000"/>
-              </a:spcBef>
-              <a:buFont typeface="Arial" panose="020B0604020202020204" pitchFamily="34" charset="0"/>
-              <a:buChar char="•"/>
-              <a:defRPr sz="3200" kern="1200">
-                <a:solidFill>
-                  <a:schemeClr val="tx1"/>
-                </a:solidFill>
-                <a:latin typeface="+mn-lt"/>
-                <a:ea typeface="+mn-ea"/>
-                <a:cs typeface="+mn-cs"/>
-              </a:defRPr>
-            </a:lvl1pPr>
-            <a:lvl2pPr marL="742950" indent="-285750" algn="l" defTabSz="914400" rtl="0" eaLnBrk="1" latinLnBrk="0" hangingPunct="1">
-              <a:spcBef>
-                <a:spcPct val="20000"/>
-              </a:spcBef>
-              <a:buFont typeface="Arial" panose="020B0604020202020204" pitchFamily="34" charset="0"/>
-              <a:buChar char="–"/>
-              <a:defRPr sz="2800" kern="1200">
-                <a:solidFill>
-                  <a:schemeClr val="tx1"/>
-                </a:solidFill>
-                <a:latin typeface="+mn-lt"/>
-                <a:ea typeface="+mn-ea"/>
-                <a:cs typeface="+mn-cs"/>
-              </a:defRPr>
-            </a:lvl2pPr>
-            <a:lvl3pPr marL="1143000" indent="-228600" algn="l" defTabSz="914400" rtl="0" eaLnBrk="1" latinLnBrk="0" hangingPunct="1">
-              <a:spcBef>
-                <a:spcPct val="20000"/>
-              </a:spcBef>
-              <a:buFont typeface="Arial" panose="020B0604020202020204" pitchFamily="34" charset="0"/>
-              <a:buChar char="•"/>
-              <a:defRPr sz="2400" kern="1200">
-                <a:solidFill>
-                  <a:schemeClr val="tx1"/>
-                </a:solidFill>
-                <a:latin typeface="+mn-lt"/>
-                <a:ea typeface="+mn-ea"/>
-                <a:cs typeface="+mn-cs"/>
-              </a:defRPr>
-            </a:lvl3pPr>
-            <a:lvl4pPr marL="1600200" indent="-228600" algn="l" defTabSz="914400" rtl="0" eaLnBrk="1" latinLnBrk="0" hangingPunct="1">
-              <a:spcBef>
-                <a:spcPct val="20000"/>
-              </a:spcBef>
-              <a:buFont typeface="Arial" panose="020B0604020202020204" pitchFamily="34" charset="0"/>
-              <a:buChar char="–"/>
-              <a:defRPr sz="2000" kern="1200">
-                <a:solidFill>
-                  <a:schemeClr val="tx1"/>
-                </a:solidFill>
-                <a:latin typeface="+mn-lt"/>
-                <a:ea typeface="+mn-ea"/>
-                <a:cs typeface="+mn-cs"/>
-              </a:defRPr>
-            </a:lvl4pPr>
-            <a:lvl5pPr marL="2057400" indent="-228600" algn="l" defTabSz="914400" rtl="0" eaLnBrk="1" latinLnBrk="0" hangingPunct="1">
-              <a:spcBef>
-                <a:spcPct val="20000"/>
-              </a:spcBef>
-              <a:buFont typeface="Arial" panose="020B0604020202020204" pitchFamily="34" charset="0"/>
-              <a:buChar char="»"/>
-              <a:defRPr sz="2000" kern="1200">
-                <a:solidFill>
-                  <a:schemeClr val="tx1"/>
-                </a:solidFill>
-                <a:latin typeface="+mn-lt"/>
-                <a:ea typeface="+mn-ea"/>
-                <a:cs typeface="+mn-cs"/>
-              </a:defRPr>
-            </a:lvl5pPr>
-            <a:lvl6pPr marL="2514600" indent="-228600" algn="l" defTabSz="914400" rtl="0" eaLnBrk="1" latinLnBrk="0" hangingPunct="1">
-              <a:spcBef>
-                <a:spcPct val="20000"/>
-              </a:spcBef>
-              <a:buFont typeface="Arial" panose="020B0604020202020204" pitchFamily="34" charset="0"/>
-              <a:buChar char="•"/>
-              <a:defRPr sz="2000" kern="1200">
-                <a:solidFill>
-                  <a:schemeClr val="tx1"/>
-                </a:solidFill>
-                <a:latin typeface="+mn-lt"/>
-                <a:ea typeface="+mn-ea"/>
-                <a:cs typeface="+mn-cs"/>
-              </a:defRPr>
-            </a:lvl6pPr>
-            <a:lvl7pPr marL="2971800" indent="-228600" algn="l" defTabSz="914400" rtl="0" eaLnBrk="1" latinLnBrk="0" hangingPunct="1">
-              <a:spcBef>
-                <a:spcPct val="20000"/>
-              </a:spcBef>
-              <a:buFont typeface="Arial" panose="020B0604020202020204" pitchFamily="34" charset="0"/>
-              <a:buChar char="•"/>
-              <a:defRPr sz="2000" kern="1200">
-                <a:solidFill>
-                  <a:schemeClr val="tx1"/>
-                </a:solidFill>
-                <a:latin typeface="+mn-lt"/>
-                <a:ea typeface="+mn-ea"/>
-                <a:cs typeface="+mn-cs"/>
-              </a:defRPr>
-            </a:lvl7pPr>
-            <a:lvl8pPr marL="3429000" indent="-228600" algn="l" defTabSz="914400" rtl="0" eaLnBrk="1" latinLnBrk="0" hangingPunct="1">
-              <a:spcBef>
-                <a:spcPct val="20000"/>
-              </a:spcBef>
-              <a:buFont typeface="Arial" panose="020B0604020202020204" pitchFamily="34" charset="0"/>
-              <a:buChar char="•"/>
-              <a:defRPr sz="2000" kern="1200">
-                <a:solidFill>
-                  <a:schemeClr val="tx1"/>
-                </a:solidFill>
-                <a:latin typeface="+mn-lt"/>
-                <a:ea typeface="+mn-ea"/>
-                <a:cs typeface="+mn-cs"/>
-              </a:defRPr>
-            </a:lvl8pPr>
-            <a:lvl9pPr marL="3886200" indent="-228600" algn="l" defTabSz="914400" rtl="0" eaLnBrk="1" latinLnBrk="0" hangingPunct="1">
-              <a:spcBef>
-                <a:spcPct val="20000"/>
-              </a:spcBef>
-              <a:buFont typeface="Arial" panose="020B0604020202020204" pitchFamily="34" charset="0"/>
-              <a:buChar char="•"/>
-              <a:defRPr sz="2000" kern="1200">
-                <a:solidFill>
-                  <a:schemeClr val="tx1"/>
-                </a:solidFill>
-                <a:latin typeface="+mn-lt"/>
-                <a:ea typeface="+mn-ea"/>
-                <a:cs typeface="+mn-cs"/>
-              </a:defRPr>
-            </a:lvl9pPr>
-          </a:lstStyle>
-          <a:p>
-            <a:pPr marL="400050"/>
-            <a:r>
-              <a:rPr lang="en-US" sz="2800" dirty="0"/>
-              <a:t>Too long</a:t>
-            </a:r>
-          </a:p>
-          <a:p>
-            <a:pPr marL="400050"/>
-            <a:r>
-              <a:rPr lang="en-US" sz="2800" dirty="0"/>
-              <a:t>Too much detail</a:t>
-            </a:r>
-          </a:p>
-        </p:txBody>
-      </p:sp>
-      <p:pic>
-        <p:nvPicPr>
-          <p:cNvPr id="7" name="Picture 6">
-            <a:extLst>
-              <a:ext uri="{FF2B5EF4-FFF2-40B4-BE49-F238E27FC236}">
-                <a16:creationId xmlns:a16="http://schemas.microsoft.com/office/drawing/2014/main" id="{3CDEA7EA-E236-8E86-B582-20804E613D34}"/>
-              </a:ext>
-            </a:extLst>
-          </p:cNvPr>
-          <p:cNvPicPr>
-            <a:picLocks noChangeAspect="1"/>
-          </p:cNvPicPr>
-          <p:nvPr/>
-        </p:nvPicPr>
-        <p:blipFill>
-          <a:blip r:embed="rId2"/>
-          <a:stretch>
-            <a:fillRect/>
-          </a:stretch>
-        </p:blipFill>
-        <p:spPr>
-          <a:xfrm>
-            <a:off x="3581400" y="228600"/>
-            <a:ext cx="5105400" cy="6534913"/>
-          </a:xfrm>
-          <a:prstGeom prst="rect">
-            <a:avLst/>
-          </a:prstGeom>
-          <a:ln w="6350">
-            <a:solidFill>
-              <a:schemeClr val="accent1"/>
-            </a:solidFill>
-          </a:ln>
-        </p:spPr>
-      </p:pic>
-    </p:spTree>
-    <p:extLst>
-      <p:ext uri="{BB962C8B-B14F-4D97-AF65-F5344CB8AC3E}">
-        <p14:creationId xmlns:p14="http://schemas.microsoft.com/office/powerpoint/2010/main" val="534982662"/>
-      </p:ext>
-    </p:extLst>
-  </p:cSld>
-  <p:clrMapOvr>
-    <a:masterClrMapping/>
-  </p:clrMapOvr>
-</p:sld>
-</file>
-
-<file path=ppt/slides/slide11.xml><?xml version="1.0" encoding="utf-8"?>
 <p:sld xmlns:a="http://schemas.openxmlformats.org/drawingml/2006/main" xmlns:r="http://schemas.openxmlformats.org/officeDocument/2006/relationships" xmlns:p="http://schemas.openxmlformats.org/presentationml/2006/main">
   <p:cSld>
     <p:spTree>
@@ -4295,7 +4253,7 @@
 </p:sld>
 </file>
 
-<file path=ppt/slides/slide12.xml><?xml version="1.0" encoding="utf-8"?>
+<file path=ppt/slides/slide11.xml><?xml version="1.0" encoding="utf-8"?>
 <p:sld xmlns:a="http://schemas.openxmlformats.org/drawingml/2006/main" xmlns:r="http://schemas.openxmlformats.org/officeDocument/2006/relationships" xmlns:p="http://schemas.openxmlformats.org/presentationml/2006/main">
   <p:cSld>
     <p:spTree>
@@ -4554,6 +4512,164 @@
 </p:sld>
 </file>
 
+<file path=ppt/slides/slide12.xml><?xml version="1.0" encoding="utf-8"?>
+<p:sld xmlns:a="http://schemas.openxmlformats.org/drawingml/2006/main" xmlns:r="http://schemas.openxmlformats.org/officeDocument/2006/relationships" xmlns:p="http://schemas.openxmlformats.org/presentationml/2006/main">
+  <p:cSld>
+    <p:spTree>
+      <p:nvGrpSpPr>
+        <p:cNvPr id="1" name=""/>
+        <p:cNvGrpSpPr/>
+        <p:nvPr/>
+      </p:nvGrpSpPr>
+      <p:grpSpPr>
+        <a:xfrm>
+          <a:off x="0" y="0"/>
+          <a:ext cx="0" cy="0"/>
+          <a:chOff x="0" y="0"/>
+          <a:chExt cx="0" cy="0"/>
+        </a:xfrm>
+      </p:grpSpPr>
+      <p:sp>
+        <p:nvSpPr>
+          <p:cNvPr id="2" name="Title 1"/>
+          <p:cNvSpPr>
+            <a:spLocks noGrp="1"/>
+          </p:cNvSpPr>
+          <p:nvPr>
+            <p:ph type="title"/>
+          </p:nvPr>
+        </p:nvSpPr>
+        <p:spPr>
+          <a:xfrm>
+            <a:off x="457200" y="274638"/>
+            <a:ext cx="8229600" cy="1143000"/>
+          </a:xfrm>
+        </p:spPr>
+        <p:txBody>
+          <a:bodyPr/>
+          <a:lstStyle/>
+          <a:p>
+            <a:r>
+              <a:rPr lang="en-US" dirty="0"/>
+              <a:t>The Single Responsibility Principle</a:t>
+            </a:r>
+          </a:p>
+        </p:txBody>
+      </p:sp>
+      <p:sp>
+        <p:nvSpPr>
+          <p:cNvPr id="3" name="Content Placeholder 2"/>
+          <p:cNvSpPr>
+            <a:spLocks noGrp="1"/>
+          </p:cNvSpPr>
+          <p:nvPr>
+            <p:ph idx="1"/>
+          </p:nvPr>
+        </p:nvSpPr>
+        <p:spPr>
+          <a:xfrm>
+            <a:off x="457200" y="1600200"/>
+            <a:ext cx="8229600" cy="4525963"/>
+          </a:xfrm>
+        </p:spPr>
+        <p:txBody>
+          <a:bodyPr>
+            <a:normAutofit/>
+          </a:bodyPr>
+          <a:lstStyle/>
+          <a:p>
+            <a:r>
+              <a:rPr lang="en-US" dirty="0">
+                <a:solidFill>
+                  <a:schemeClr val="tx2"/>
+                </a:solidFill>
+              </a:rPr>
+              <a:t>Each file, class, function, library should have one responsibility.</a:t>
+            </a:r>
+          </a:p>
+          <a:p>
+            <a:r>
+              <a:rPr lang="en-US" dirty="0">
+                <a:solidFill>
+                  <a:schemeClr val="tx2"/>
+                </a:solidFill>
+              </a:rPr>
+              <a:t>One file should contain only one class</a:t>
+            </a:r>
+          </a:p>
+          <a:p>
+            <a:r>
+              <a:rPr lang="en-US" dirty="0">
+                <a:solidFill>
+                  <a:schemeClr val="tx2"/>
+                </a:solidFill>
+              </a:rPr>
+              <a:t>Responsibilities can often be measured in size:</a:t>
+            </a:r>
+          </a:p>
+          <a:p>
+            <a:pPr lvl="1"/>
+            <a:r>
+              <a:rPr lang="en-US" dirty="0">
+                <a:solidFill>
+                  <a:schemeClr val="tx2"/>
+                </a:solidFill>
+              </a:rPr>
+              <a:t>File &lt; 200 lines</a:t>
+            </a:r>
+          </a:p>
+          <a:p>
+            <a:pPr lvl="1"/>
+            <a:r>
+              <a:rPr lang="en-US" dirty="0">
+                <a:solidFill>
+                  <a:schemeClr val="tx2"/>
+                </a:solidFill>
+              </a:rPr>
+              <a:t>Function &lt; 15 lines</a:t>
+            </a:r>
+          </a:p>
+          <a:p>
+            <a:pPr lvl="1"/>
+            <a:r>
+              <a:rPr lang="en-US" dirty="0">
+                <a:solidFill>
+                  <a:schemeClr val="tx2"/>
+                </a:solidFill>
+              </a:rPr>
+              <a:t>Class header &lt; 50 lines</a:t>
+            </a:r>
+          </a:p>
+          <a:p>
+            <a:pPr lvl="1"/>
+            <a:r>
+              <a:rPr lang="en-US" dirty="0">
+                <a:solidFill>
+                  <a:schemeClr val="tx2"/>
+                </a:solidFill>
+              </a:rPr>
+              <a:t>Class source &lt; 200 lines</a:t>
+            </a:r>
+          </a:p>
+          <a:p>
+            <a:pPr lvl="1"/>
+            <a:endParaRPr lang="en-US" dirty="0"/>
+          </a:p>
+        </p:txBody>
+      </p:sp>
+    </p:spTree>
+    <p:extLst>
+      <p:ext uri="{BB962C8B-B14F-4D97-AF65-F5344CB8AC3E}">
+        <p14:creationId xmlns:p14="http://schemas.microsoft.com/office/powerpoint/2010/main" val="2874451449"/>
+      </p:ext>
+    </p:extLst>
+  </p:cSld>
+  <p:clrMapOvr>
+    <a:masterClrMapping/>
+  </p:clrMapOvr>
+</p:sld>
+</file>
+
 <file path=ppt/slides/slide13.xml><?xml version="1.0" encoding="utf-8"?>
 <p:sld xmlns:a="http://schemas.openxmlformats.org/drawingml/2006/main" xmlns:r="http://schemas.openxmlformats.org/officeDocument/2006/relationships" xmlns:p="http://schemas.openxmlformats.org/presentationml/2006/main">
   <p:cSld>
@@ -4581,164 +4697,6 @@
             <p:ph type="title"/>
           </p:nvPr>
         </p:nvSpPr>
-        <p:spPr>
-          <a:xfrm>
-            <a:off x="457200" y="274638"/>
-            <a:ext cx="8229600" cy="1143000"/>
-          </a:xfrm>
-        </p:spPr>
-        <p:txBody>
-          <a:bodyPr/>
-          <a:lstStyle/>
-          <a:p>
-            <a:r>
-              <a:rPr lang="en-US" dirty="0"/>
-              <a:t>The Single Responsibility Principle</a:t>
-            </a:r>
-          </a:p>
-        </p:txBody>
-      </p:sp>
-      <p:sp>
-        <p:nvSpPr>
-          <p:cNvPr id="3" name="Content Placeholder 2"/>
-          <p:cNvSpPr>
-            <a:spLocks noGrp="1"/>
-          </p:cNvSpPr>
-          <p:nvPr>
-            <p:ph idx="1"/>
-          </p:nvPr>
-        </p:nvSpPr>
-        <p:spPr>
-          <a:xfrm>
-            <a:off x="457200" y="1600200"/>
-            <a:ext cx="8229600" cy="4525963"/>
-          </a:xfrm>
-        </p:spPr>
-        <p:txBody>
-          <a:bodyPr>
-            <a:normAutofit/>
-          </a:bodyPr>
-          <a:lstStyle/>
-          <a:p>
-            <a:r>
-              <a:rPr lang="en-US" dirty="0">
-                <a:solidFill>
-                  <a:schemeClr val="tx2"/>
-                </a:solidFill>
-              </a:rPr>
-              <a:t>Each file, class, function, library should have one responsibility.</a:t>
-            </a:r>
-          </a:p>
-          <a:p>
-            <a:r>
-              <a:rPr lang="en-US" dirty="0">
-                <a:solidFill>
-                  <a:schemeClr val="tx2"/>
-                </a:solidFill>
-              </a:rPr>
-              <a:t>One file should contain only one class</a:t>
-            </a:r>
-          </a:p>
-          <a:p>
-            <a:r>
-              <a:rPr lang="en-US" dirty="0">
-                <a:solidFill>
-                  <a:schemeClr val="tx2"/>
-                </a:solidFill>
-              </a:rPr>
-              <a:t>Responsibilities can often be measured in size:</a:t>
-            </a:r>
-          </a:p>
-          <a:p>
-            <a:pPr lvl="1"/>
-            <a:r>
-              <a:rPr lang="en-US" dirty="0">
-                <a:solidFill>
-                  <a:schemeClr val="tx2"/>
-                </a:solidFill>
-              </a:rPr>
-              <a:t>File &lt; 200 lines</a:t>
-            </a:r>
-          </a:p>
-          <a:p>
-            <a:pPr lvl="1"/>
-            <a:r>
-              <a:rPr lang="en-US" dirty="0">
-                <a:solidFill>
-                  <a:schemeClr val="tx2"/>
-                </a:solidFill>
-              </a:rPr>
-              <a:t>Function &lt; 15 lines</a:t>
-            </a:r>
-          </a:p>
-          <a:p>
-            <a:pPr lvl="1"/>
-            <a:r>
-              <a:rPr lang="en-US" dirty="0">
-                <a:solidFill>
-                  <a:schemeClr val="tx2"/>
-                </a:solidFill>
-              </a:rPr>
-              <a:t>Class header &lt; 50 lines</a:t>
-            </a:r>
-          </a:p>
-          <a:p>
-            <a:pPr lvl="1"/>
-            <a:r>
-              <a:rPr lang="en-US" dirty="0">
-                <a:solidFill>
-                  <a:schemeClr val="tx2"/>
-                </a:solidFill>
-              </a:rPr>
-              <a:t>Class source &lt; 200 lines</a:t>
-            </a:r>
-          </a:p>
-          <a:p>
-            <a:pPr lvl="1"/>
-            <a:endParaRPr lang="en-US" dirty="0"/>
-          </a:p>
-        </p:txBody>
-      </p:sp>
-    </p:spTree>
-    <p:extLst>
-      <p:ext uri="{BB962C8B-B14F-4D97-AF65-F5344CB8AC3E}">
-        <p14:creationId xmlns:p14="http://schemas.microsoft.com/office/powerpoint/2010/main" val="2874451449"/>
-      </p:ext>
-    </p:extLst>
-  </p:cSld>
-  <p:clrMapOvr>
-    <a:masterClrMapping/>
-  </p:clrMapOvr>
-</p:sld>
-</file>
-
-<file path=ppt/slides/slide14.xml><?xml version="1.0" encoding="utf-8"?>
-<p:sld xmlns:a="http://schemas.openxmlformats.org/drawingml/2006/main" xmlns:r="http://schemas.openxmlformats.org/officeDocument/2006/relationships" xmlns:p="http://schemas.openxmlformats.org/presentationml/2006/main">
-  <p:cSld>
-    <p:spTree>
-      <p:nvGrpSpPr>
-        <p:cNvPr id="1" name=""/>
-        <p:cNvGrpSpPr/>
-        <p:nvPr/>
-      </p:nvGrpSpPr>
-      <p:grpSpPr>
-        <a:xfrm>
-          <a:off x="0" y="0"/>
-          <a:ext cx="0" cy="0"/>
-          <a:chOff x="0" y="0"/>
-          <a:chExt cx="0" cy="0"/>
-        </a:xfrm>
-      </p:grpSpPr>
-      <p:sp>
-        <p:nvSpPr>
-          <p:cNvPr id="2" name="Title 1"/>
-          <p:cNvSpPr>
-            <a:spLocks noGrp="1"/>
-          </p:cNvSpPr>
-          <p:nvPr>
-            <p:ph type="title"/>
-          </p:nvPr>
-        </p:nvSpPr>
         <p:spPr/>
         <p:txBody>
           <a:bodyPr/>
@@ -4865,7 +4823,7 @@
 </p:sld>
 </file>
 
-<file path=ppt/slides/slide15.xml><?xml version="1.0" encoding="utf-8"?>
+<file path=ppt/slides/slide14.xml><?xml version="1.0" encoding="utf-8"?>
 <p:sld xmlns:a="http://schemas.openxmlformats.org/drawingml/2006/main" xmlns:r="http://schemas.openxmlformats.org/officeDocument/2006/relationships" xmlns:p="http://schemas.openxmlformats.org/presentationml/2006/main">
   <p:cSld>
     <p:spTree>
@@ -5619,7 +5577,7 @@
 </p:sld>
 </file>
 
-<file path=ppt/slides/slide16.xml><?xml version="1.0" encoding="utf-8"?>
+<file path=ppt/slides/slide15.xml><?xml version="1.0" encoding="utf-8"?>
 <p:sld xmlns:a="http://schemas.openxmlformats.org/drawingml/2006/main" xmlns:r="http://schemas.openxmlformats.org/officeDocument/2006/relationships" xmlns:p="http://schemas.openxmlformats.org/presentationml/2006/main">
   <p:cSld>
     <p:spTree>
@@ -5827,6 +5785,176 @@
 </p:sld>
 </file>
 
+<file path=ppt/slides/slide16.xml><?xml version="1.0" encoding="utf-8"?>
+<p:sld xmlns:a="http://schemas.openxmlformats.org/drawingml/2006/main" xmlns:r="http://schemas.openxmlformats.org/officeDocument/2006/relationships" xmlns:p="http://schemas.openxmlformats.org/presentationml/2006/main">
+  <p:cSld>
+    <p:spTree>
+      <p:nvGrpSpPr>
+        <p:cNvPr id="1" name=""/>
+        <p:cNvGrpSpPr/>
+        <p:nvPr/>
+      </p:nvGrpSpPr>
+      <p:grpSpPr>
+        <a:xfrm>
+          <a:off x="0" y="0"/>
+          <a:ext cx="0" cy="0"/>
+          <a:chOff x="0" y="0"/>
+          <a:chExt cx="0" cy="0"/>
+        </a:xfrm>
+      </p:grpSpPr>
+      <p:sp>
+        <p:nvSpPr>
+          <p:cNvPr id="2" name="Title 1">
+            <a:extLst>
+              <a:ext uri="{FF2B5EF4-FFF2-40B4-BE49-F238E27FC236}">
+                <a16:creationId xmlns:a16="http://schemas.microsoft.com/office/drawing/2014/main" id="{C023CA9A-E311-EF21-9C70-A5C9E4EFF3CD}"/>
+              </a:ext>
+            </a:extLst>
+          </p:cNvPr>
+          <p:cNvSpPr>
+            <a:spLocks noGrp="1"/>
+          </p:cNvSpPr>
+          <p:nvPr>
+            <p:ph type="title"/>
+          </p:nvPr>
+        </p:nvSpPr>
+        <p:spPr/>
+        <p:txBody>
+          <a:bodyPr>
+            <a:normAutofit/>
+          </a:bodyPr>
+          <a:lstStyle/>
+          <a:p>
+            <a:r>
+              <a:rPr lang="en-US" dirty="0"/>
+              <a:t>Encapsulation</a:t>
+            </a:r>
+          </a:p>
+        </p:txBody>
+      </p:sp>
+      <p:sp>
+        <p:nvSpPr>
+          <p:cNvPr id="3" name="Content Placeholder 2">
+            <a:extLst>
+              <a:ext uri="{FF2B5EF4-FFF2-40B4-BE49-F238E27FC236}">
+                <a16:creationId xmlns:a16="http://schemas.microsoft.com/office/drawing/2014/main" id="{0E740AC6-19FB-F210-B8A9-14268DC9BE03}"/>
+              </a:ext>
+            </a:extLst>
+          </p:cNvPr>
+          <p:cNvSpPr>
+            <a:spLocks noGrp="1"/>
+          </p:cNvSpPr>
+          <p:nvPr>
+            <p:ph idx="1"/>
+          </p:nvPr>
+        </p:nvSpPr>
+        <p:spPr/>
+        <p:txBody>
+          <a:bodyPr>
+            <a:normAutofit fontScale="92500"/>
+          </a:bodyPr>
+          <a:lstStyle/>
+          <a:p>
+            <a:r>
+              <a:rPr lang="en-US" dirty="0">
+                <a:solidFill>
+                  <a:schemeClr val="tx2"/>
+                </a:solidFill>
+              </a:rPr>
+              <a:t>The Three Pillars of Object-Oriented Design</a:t>
+            </a:r>
+          </a:p>
+          <a:p>
+            <a:pPr lvl="1"/>
+            <a:r>
+              <a:rPr lang="en-US" dirty="0">
+                <a:solidFill>
+                  <a:schemeClr val="tx2"/>
+                </a:solidFill>
+              </a:rPr>
+              <a:t>Encapsulation</a:t>
+            </a:r>
+          </a:p>
+          <a:p>
+            <a:pPr lvl="1"/>
+            <a:r>
+              <a:rPr lang="en-US" dirty="0">
+                <a:solidFill>
+                  <a:schemeClr val="tx2"/>
+                </a:solidFill>
+              </a:rPr>
+              <a:t>Polymorphism</a:t>
+            </a:r>
+          </a:p>
+          <a:p>
+            <a:pPr lvl="1"/>
+            <a:r>
+              <a:rPr lang="en-US" dirty="0">
+                <a:solidFill>
+                  <a:schemeClr val="tx2"/>
+                </a:solidFill>
+              </a:rPr>
+              <a:t>Inheritance</a:t>
+            </a:r>
+          </a:p>
+          <a:p>
+            <a:r>
+              <a:rPr lang="en-US" dirty="0">
+                <a:solidFill>
+                  <a:schemeClr val="tx2"/>
+                </a:solidFill>
+              </a:rPr>
+              <a:t>Which do we need and which should we avoid?</a:t>
+            </a:r>
+          </a:p>
+          <a:p>
+            <a:pPr lvl="1"/>
+            <a:r>
+              <a:rPr lang="en-US" dirty="0">
+                <a:solidFill>
+                  <a:schemeClr val="tx2"/>
+                </a:solidFill>
+              </a:rPr>
+              <a:t>Encapsulation is the most important </a:t>
+            </a:r>
+          </a:p>
+          <a:p>
+            <a:pPr lvl="1"/>
+            <a:r>
+              <a:rPr lang="en-US" dirty="0">
+                <a:solidFill>
+                  <a:schemeClr val="tx2"/>
+                </a:solidFill>
+              </a:rPr>
+              <a:t>Polymorphism helps achieve encapsulation</a:t>
+            </a:r>
+          </a:p>
+          <a:p>
+            <a:pPr lvl="1"/>
+            <a:r>
+              <a:rPr lang="en-US" dirty="0">
+                <a:solidFill>
+                  <a:schemeClr val="tx2"/>
+                </a:solidFill>
+              </a:rPr>
+              <a:t>Inheritance (code reuse) undermines encapsulation</a:t>
+            </a:r>
+          </a:p>
+        </p:txBody>
+      </p:sp>
+    </p:spTree>
+    <p:extLst>
+      <p:ext uri="{BB962C8B-B14F-4D97-AF65-F5344CB8AC3E}">
+        <p14:creationId xmlns:p14="http://schemas.microsoft.com/office/powerpoint/2010/main" val="569327128"/>
+      </p:ext>
+    </p:extLst>
+  </p:cSld>
+  <p:clrMapOvr>
+    <a:masterClrMapping/>
+  </p:clrMapOvr>
+</p:sld>
+</file>
+
 <file path=ppt/slides/slide17.xml><?xml version="1.0" encoding="utf-8"?>
 <p:sld xmlns:a="http://schemas.openxmlformats.org/drawingml/2006/main" xmlns:r="http://schemas.openxmlformats.org/officeDocument/2006/relationships" xmlns:p="http://schemas.openxmlformats.org/presentationml/2006/main">
   <p:cSld>
@@ -5846,13 +5974,7 @@
       </p:grpSpPr>
       <p:sp>
         <p:nvSpPr>
-          <p:cNvPr id="2" name="Title 1">
-            <a:extLst>
-              <a:ext uri="{FF2B5EF4-FFF2-40B4-BE49-F238E27FC236}">
-                <a16:creationId xmlns:a16="http://schemas.microsoft.com/office/drawing/2014/main" id="{C023CA9A-E311-EF21-9C70-A5C9E4EFF3CD}"/>
-              </a:ext>
-            </a:extLst>
-          </p:cNvPr>
+          <p:cNvPr id="133" name="PlaceHolder 1"/>
           <p:cNvSpPr>
             <a:spLocks noGrp="1"/>
           </p:cNvSpPr>
@@ -5860,50 +5982,62 @@
             <p:ph type="title"/>
           </p:nvPr>
         </p:nvSpPr>
-        <p:spPr/>
-        <p:txBody>
-          <a:bodyPr>
+        <p:spPr>
+          <a:xfrm>
+            <a:off x="457200" y="274638"/>
+            <a:ext cx="8229600" cy="1143000"/>
+          </a:xfrm>
+          <a:noFill/>
+          <a:ln w="0">
+            <a:noFill/>
+          </a:ln>
+        </p:spPr>
+        <p:txBody>
+          <a:bodyPr anchor="ctr">
+            <a:noAutofit/>
+          </a:bodyPr>
+          <a:lstStyle/>
+          <a:p>
+            <a:r>
+              <a:rPr lang="en-US"/>
+              <a:t>Two types of inheritance</a:t>
+            </a:r>
+          </a:p>
+        </p:txBody>
+      </p:sp>
+      <p:sp>
+        <p:nvSpPr>
+          <p:cNvPr id="134" name="PlaceHolder 2"/>
+          <p:cNvSpPr>
+            <a:spLocks noGrp="1"/>
+          </p:cNvSpPr>
+          <p:nvPr>
+            <p:ph idx="1"/>
+          </p:nvPr>
+        </p:nvSpPr>
+        <p:spPr>
+          <a:xfrm>
+            <a:off x="457200" y="1600200"/>
+            <a:ext cx="8229600" cy="4525963"/>
+          </a:xfrm>
+          <a:noFill/>
+          <a:ln w="0">
+            <a:noFill/>
+          </a:ln>
+        </p:spPr>
+        <p:txBody>
+          <a:bodyPr anchor="t">
             <a:normAutofit/>
           </a:bodyPr>
           <a:lstStyle/>
           <a:p>
             <a:r>
-              <a:rPr lang="en-US" dirty="0"/>
-              <a:t>Encapsulation</a:t>
-            </a:r>
-          </a:p>
-        </p:txBody>
-      </p:sp>
-      <p:sp>
-        <p:nvSpPr>
-          <p:cNvPr id="3" name="Content Placeholder 2">
-            <a:extLst>
-              <a:ext uri="{FF2B5EF4-FFF2-40B4-BE49-F238E27FC236}">
-                <a16:creationId xmlns:a16="http://schemas.microsoft.com/office/drawing/2014/main" id="{0E740AC6-19FB-F210-B8A9-14268DC9BE03}"/>
-              </a:ext>
-            </a:extLst>
-          </p:cNvPr>
-          <p:cNvSpPr>
-            <a:spLocks noGrp="1"/>
-          </p:cNvSpPr>
-          <p:nvPr>
-            <p:ph idx="1"/>
-          </p:nvPr>
-        </p:nvSpPr>
-        <p:spPr/>
-        <p:txBody>
-          <a:bodyPr>
-            <a:normAutofit fontScale="92500"/>
-          </a:bodyPr>
-          <a:lstStyle/>
-          <a:p>
-            <a:r>
               <a:rPr lang="en-US" dirty="0">
                 <a:solidFill>
                   <a:schemeClr val="tx2"/>
                 </a:solidFill>
               </a:rPr>
-              <a:t>The Three Pillars of Object-Oriented Design</a:t>
+              <a:t>Polymorphism: Inheritance of contract </a:t>
             </a:r>
           </a:p>
           <a:p>
@@ -5914,7 +6048,7 @@
                   <a:schemeClr val="tx2"/>
                 </a:solidFill>
               </a:rPr>
-              <a:t>Encapsulation</a:t>
+              <a:t>A commitment by the implementor and</a:t>
             </a:r>
           </a:p>
           <a:p>
@@ -5925,7 +6059,17 @@
                   <a:schemeClr val="tx2"/>
                 </a:solidFill>
               </a:rPr>
-              <a:t>Polymorphism</a:t>
+              <a:t>A capability a consumer can depend on</a:t>
+            </a:r>
+          </a:p>
+          <a:p>
+            <a:r>
+              <a:rPr lang="en-US" dirty="0">
+                <a:solidFill>
+                  <a:schemeClr val="tx2"/>
+                </a:solidFill>
+              </a:rPr>
+              <a:t>Code Reuse: Inheritance of implementation</a:t>
             </a:r>
           </a:p>
           <a:p>
@@ -5936,60 +6080,30 @@
                   <a:schemeClr val="tx2"/>
                 </a:solidFill>
               </a:rPr>
-              <a:t>Inheritance</a:t>
-            </a:r>
-          </a:p>
-          <a:p>
+              <a:t>Derived classes call methods of their base class</a:t>
+            </a:r>
+          </a:p>
+          <a:p>
+            <a:pPr lvl="1"/>
             <a:r>
               <a:rPr lang="en-US" dirty="0">
                 <a:solidFill>
                   <a:schemeClr val="tx2"/>
                 </a:solidFill>
               </a:rPr>
-              <a:t>Which do we need and which should we avoid?</a:t>
-            </a:r>
-          </a:p>
-          <a:p>
-            <a:pPr lvl="1"/>
-            <a:r>
-              <a:rPr lang="en-US" dirty="0">
-                <a:solidFill>
-                  <a:schemeClr val="tx2"/>
-                </a:solidFill>
-              </a:rPr>
-              <a:t>Encapsulation is the most important </a:t>
-            </a:r>
-          </a:p>
-          <a:p>
-            <a:pPr lvl="1"/>
-            <a:r>
-              <a:rPr lang="en-US" dirty="0">
-                <a:solidFill>
-                  <a:schemeClr val="tx2"/>
-                </a:solidFill>
-              </a:rPr>
-              <a:t>Polymorphism helps achieve encapsulation</a:t>
-            </a:r>
-          </a:p>
-          <a:p>
-            <a:pPr lvl="1"/>
-            <a:r>
-              <a:rPr lang="en-US" dirty="0">
-                <a:solidFill>
-                  <a:schemeClr val="tx2"/>
-                </a:solidFill>
-              </a:rPr>
-              <a:t>Inheritance (code reuse) undermines encapsulation</a:t>
-            </a:r>
+              <a:t>Template method: The base class also calls virtual methods of the derived class.</a:t>
+            </a:r>
+          </a:p>
+          <a:p>
+            <a:endParaRPr lang="en-US" dirty="0">
+              <a:solidFill>
+                <a:schemeClr val="tx2"/>
+              </a:solidFill>
+            </a:endParaRPr>
           </a:p>
         </p:txBody>
       </p:sp>
     </p:spTree>
-    <p:extLst>
-      <p:ext uri="{BB962C8B-B14F-4D97-AF65-F5344CB8AC3E}">
-        <p14:creationId xmlns:p14="http://schemas.microsoft.com/office/powerpoint/2010/main" val="569327128"/>
-      </p:ext>
-    </p:extLst>
   </p:cSld>
   <p:clrMapOvr>
     <a:masterClrMapping/>
@@ -6016,7 +6130,7 @@
       </p:grpSpPr>
       <p:sp>
         <p:nvSpPr>
-          <p:cNvPr id="133" name="PlaceHolder 1"/>
+          <p:cNvPr id="142" name="PlaceHolder 1"/>
           <p:cNvSpPr>
             <a:spLocks noGrp="1"/>
           </p:cNvSpPr>
@@ -6041,15 +6155,23 @@
           <a:lstStyle/>
           <a:p>
             <a:r>
-              <a:rPr lang="en-US"/>
-              <a:t>Two types of inheritance</a:t>
-            </a:r>
-          </a:p>
-        </p:txBody>
-      </p:sp>
-      <p:sp>
-        <p:nvSpPr>
-          <p:cNvPr id="134" name="PlaceHolder 2"/>
+              <a:rPr lang="en-US" dirty="0"/>
+              <a:t>Polymorphism: </a:t>
+            </a:r>
+            <a:r>
+              <a:rPr lang="en-US" dirty="0">
+                <a:solidFill>
+                  <a:schemeClr val="accent3"/>
+                </a:solidFill>
+              </a:rPr>
+              <a:t>Benefits</a:t>
+            </a:r>
+          </a:p>
+        </p:txBody>
+      </p:sp>
+      <p:sp>
+        <p:nvSpPr>
+          <p:cNvPr id="143" name="PlaceHolder 2"/>
           <p:cNvSpPr>
             <a:spLocks noGrp="1"/>
           </p:cNvSpPr>
@@ -6069,7 +6191,7 @@
         </p:spPr>
         <p:txBody>
           <a:bodyPr anchor="t">
-            <a:normAutofit/>
+            <a:noAutofit/>
           </a:bodyPr>
           <a:lstStyle/>
           <a:p>
@@ -6079,7 +6201,27 @@
                   <a:schemeClr val="tx2"/>
                 </a:solidFill>
               </a:rPr>
-              <a:t>Polymorphism: Inheritance of contract </a:t>
+              <a:t>Encapsulation: Users of the interface cannot see the implementation</a:t>
+            </a:r>
+          </a:p>
+          <a:p>
+            <a:r>
+              <a:rPr lang="en-US" dirty="0">
+                <a:solidFill>
+                  <a:schemeClr val="tx2"/>
+                </a:solidFill>
+              </a:rPr>
+              <a:t>Programming by contract: Users of the interface can clearly see the contract</a:t>
+            </a:r>
+          </a:p>
+          <a:p>
+            <a:r>
+              <a:rPr lang="en-US" dirty="0">
+                <a:solidFill>
+                  <a:schemeClr val="tx2"/>
+                </a:solidFill>
+              </a:rPr>
+              <a:t>Benefits of encapsulation:</a:t>
             </a:r>
           </a:p>
           <a:p>
@@ -6090,7 +6232,7 @@
                   <a:schemeClr val="tx2"/>
                 </a:solidFill>
               </a:rPr>
-              <a:t>A commitment by the implementor and</a:t>
+              <a:t>Testability: Replacement of implementations using mocks.</a:t>
             </a:r>
           </a:p>
           <a:p>
@@ -6101,47 +6243,8 @@
                   <a:schemeClr val="tx2"/>
                 </a:solidFill>
               </a:rPr>
-              <a:t>A capability a consumer can depend on</a:t>
-            </a:r>
-          </a:p>
-          <a:p>
-            <a:r>
-              <a:rPr lang="en-US" dirty="0">
-                <a:solidFill>
-                  <a:schemeClr val="tx2"/>
-                </a:solidFill>
-              </a:rPr>
-              <a:t>Code Reuse: Inheritance of implementation</a:t>
-            </a:r>
-          </a:p>
-          <a:p>
-            <a:pPr lvl="1"/>
-            <a:r>
-              <a:rPr lang="en-US" dirty="0">
-                <a:solidFill>
-                  <a:schemeClr val="tx2"/>
-                </a:solidFill>
-              </a:rPr>
-              <a:t>Derived classes call methods of their base class</a:t>
-            </a:r>
-          </a:p>
-          <a:p>
-            <a:pPr lvl="1"/>
-            <a:r>
-              <a:rPr lang="en-US" dirty="0">
-                <a:solidFill>
-                  <a:schemeClr val="tx2"/>
-                </a:solidFill>
-              </a:rPr>
-              <a:t>Template method: The base class also calls virtual methods of the derived class.</a:t>
-            </a:r>
-          </a:p>
-          <a:p>
-            <a:endParaRPr lang="en-US" dirty="0">
-              <a:solidFill>
-                <a:schemeClr val="tx2"/>
-              </a:solidFill>
-            </a:endParaRPr>
+              <a:t>Extensibility: Upgrading implementations without rebuilding the caller.</a:t>
+            </a:r>
           </a:p>
         </p:txBody>
       </p:sp>
@@ -6172,7 +6275,7 @@
       </p:grpSpPr>
       <p:sp>
         <p:nvSpPr>
-          <p:cNvPr id="142" name="PlaceHolder 1"/>
+          <p:cNvPr id="144" name="PlaceHolder 1"/>
           <p:cNvSpPr>
             <a:spLocks noGrp="1"/>
           </p:cNvSpPr>
@@ -6203,17 +6306,17 @@
             <a:r>
               <a:rPr lang="en-US" dirty="0">
                 <a:solidFill>
-                  <a:schemeClr val="accent3"/>
-                </a:solidFill>
-              </a:rPr>
-              <a:t>Benefits</a:t>
-            </a:r>
-          </a:p>
-        </p:txBody>
-      </p:sp>
-      <p:sp>
-        <p:nvSpPr>
-          <p:cNvPr id="143" name="PlaceHolder 2"/>
+                  <a:schemeClr val="accent2"/>
+                </a:solidFill>
+              </a:rPr>
+              <a:t>Pitfalls?</a:t>
+            </a:r>
+          </a:p>
+        </p:txBody>
+      </p:sp>
+      <p:sp>
+        <p:nvSpPr>
+          <p:cNvPr id="145" name="PlaceHolder 2"/>
           <p:cNvSpPr>
             <a:spLocks noGrp="1"/>
           </p:cNvSpPr>
@@ -6233,7 +6336,7 @@
         </p:spPr>
         <p:txBody>
           <a:bodyPr anchor="t">
-            <a:noAutofit/>
+            <a:normAutofit/>
           </a:bodyPr>
           <a:lstStyle/>
           <a:p>
@@ -6243,27 +6346,39 @@
                   <a:schemeClr val="tx2"/>
                 </a:solidFill>
               </a:rPr>
-              <a:t>Encapsulation: Users of the interface cannot see the implementation</a:t>
-            </a:r>
-          </a:p>
-          <a:p>
+              <a:t>Encapsulation (!): </a:t>
+            </a:r>
+          </a:p>
+          <a:p>
+            <a:pPr lvl="1"/>
             <a:r>
               <a:rPr lang="en-US" dirty="0">
                 <a:solidFill>
                   <a:schemeClr val="tx2"/>
                 </a:solidFill>
               </a:rPr>
-              <a:t>Programming by contract: Users of the interface can clearly see the contract</a:t>
-            </a:r>
-          </a:p>
-          <a:p>
+              <a:t>Users of the interface cannot see the implementation</a:t>
+            </a:r>
+          </a:p>
+          <a:p>
+            <a:pPr lvl="1"/>
             <a:r>
               <a:rPr lang="en-US" dirty="0">
                 <a:solidFill>
                   <a:schemeClr val="tx2"/>
                 </a:solidFill>
               </a:rPr>
-              <a:t>Benefits of encapsulation:</a:t>
+              <a:t>This may make it difficult to fully understand the code, but not really</a:t>
+            </a:r>
+          </a:p>
+          <a:p>
+            <a:r>
+              <a:rPr lang="en-US" dirty="0">
+                <a:solidFill>
+                  <a:schemeClr val="tx2"/>
+                </a:solidFill>
+              </a:rPr>
+              <a:t>It’s a trade-off because:</a:t>
             </a:r>
           </a:p>
           <a:p>
@@ -6274,7 +6389,7 @@
                   <a:schemeClr val="tx2"/>
                 </a:solidFill>
               </a:rPr>
-              <a:t>Testability: Replacement of implementations using mocks.</a:t>
+              <a:t>Caller code should actually be easier to understand if the implementations are hidden</a:t>
             </a:r>
           </a:p>
           <a:p>
@@ -6285,7 +6400,7 @@
                   <a:schemeClr val="tx2"/>
                 </a:solidFill>
               </a:rPr>
-              <a:t>Extensibility: Upgrading implementations without rebuilding the caller.</a:t>
+              <a:t>But there is such a thing as over abstraction</a:t>
             </a:r>
           </a:p>
         </p:txBody>
@@ -6317,13 +6432,7 @@
       </p:grpSpPr>
       <p:sp>
         <p:nvSpPr>
-          <p:cNvPr id="2" name="Title 1">
-            <a:extLst>
-              <a:ext uri="{FF2B5EF4-FFF2-40B4-BE49-F238E27FC236}">
-                <a16:creationId xmlns:a16="http://schemas.microsoft.com/office/drawing/2014/main" id="{AA891895-F47A-8A94-AB76-DB4D25DEDA5A}"/>
-              </a:ext>
-            </a:extLst>
-          </p:cNvPr>
+          <p:cNvPr id="2" name="Title 1"/>
           <p:cNvSpPr>
             <a:spLocks noGrp="1"/>
           </p:cNvSpPr>
@@ -6343,20 +6452,14 @@
           <a:p>
             <a:r>
               <a:rPr lang="en-US" dirty="0"/>
-              <a:t>Overview</a:t>
-            </a:r>
-          </a:p>
-        </p:txBody>
-      </p:sp>
-      <p:sp>
-        <p:nvSpPr>
-          <p:cNvPr id="3" name="Content Placeholder 2">
-            <a:extLst>
-              <a:ext uri="{FF2B5EF4-FFF2-40B4-BE49-F238E27FC236}">
-                <a16:creationId xmlns:a16="http://schemas.microsoft.com/office/drawing/2014/main" id="{1DB64A74-F271-75CA-D88C-6F54B99AB94B}"/>
-              </a:ext>
-            </a:extLst>
-          </p:cNvPr>
+              <a:t>Agenda</a:t>
+            </a:r>
+          </a:p>
+        </p:txBody>
+      </p:sp>
+      <p:sp>
+        <p:nvSpPr>
+          <p:cNvPr id="3" name="Content Placeholder 2"/>
           <p:cNvSpPr>
             <a:spLocks noGrp="1"/>
           </p:cNvSpPr>
@@ -6372,52 +6475,107 @@
         </p:spPr>
         <p:txBody>
           <a:bodyPr>
-            <a:normAutofit fontScale="85000" lnSpcReduction="10000"/>
+            <a:normAutofit lnSpcReduction="10000"/>
           </a:bodyPr>
           <a:lstStyle/>
           <a:p>
             <a:r>
-              <a:rPr lang="en-US" dirty="0">
-                <a:solidFill>
-                  <a:schemeClr val="tx2"/>
-                </a:solidFill>
-              </a:rPr>
-              <a:t>In this module we will review the most essential principles of software design. </a:t>
-            </a:r>
-          </a:p>
-          <a:p>
-            <a:r>
-              <a:rPr lang="en-US" dirty="0">
-                <a:solidFill>
-                  <a:schemeClr val="tx2"/>
-                </a:solidFill>
-              </a:rPr>
-              <a:t>Building on these, we will review the three pillars of OOD. Encapsulation, inheritance and polymorphism. Do we actually need them and why?</a:t>
-            </a:r>
-          </a:p>
-          <a:p>
-            <a:r>
-              <a:rPr lang="en-US" dirty="0">
-                <a:solidFill>
-                  <a:schemeClr val="tx2"/>
-                </a:solidFill>
-              </a:rPr>
-              <a:t>We will engage in an open discussion and the conclusions will be demonstrated with code examples. The examples will demonstrate common pitfalls, the techniques you can use to identify the problems, and how to fix them using simple C++.</a:t>
-            </a:r>
-          </a:p>
-          <a:p>
+              <a:rPr lang="en-US" dirty="0"/>
+              <a:t>Causes of complexity</a:t>
+            </a:r>
             <a:endParaRPr lang="en-US" dirty="0">
               <a:solidFill>
-                <a:schemeClr val="tx2"/>
+                <a:srgbClr val="C00000"/>
               </a:solidFill>
             </a:endParaRPr>
+          </a:p>
+          <a:p>
+            <a:r>
+              <a:rPr lang="en-US" dirty="0"/>
+              <a:t>The principles you need to know</a:t>
+            </a:r>
+          </a:p>
+          <a:p>
+            <a:pPr lvl="1"/>
+            <a:r>
+              <a:rPr lang="en-US" dirty="0">
+                <a:solidFill>
+                  <a:schemeClr val="tx2"/>
+                </a:solidFill>
+              </a:rPr>
+              <a:t>The Single Responsibility Principle</a:t>
+            </a:r>
+          </a:p>
+          <a:p>
+            <a:pPr lvl="1"/>
+            <a:r>
+              <a:rPr lang="en-US" dirty="0">
+                <a:solidFill>
+                  <a:schemeClr val="tx2"/>
+                </a:solidFill>
+              </a:rPr>
+              <a:t>Encapsulation</a:t>
+            </a:r>
+          </a:p>
+          <a:p>
+            <a:pPr lvl="1"/>
+            <a:r>
+              <a:rPr lang="en-US" dirty="0">
+                <a:solidFill>
+                  <a:schemeClr val="tx2"/>
+                </a:solidFill>
+              </a:rPr>
+              <a:t>Prefer Composition over Inheritance</a:t>
+            </a:r>
+          </a:p>
+          <a:p>
+            <a:pPr lvl="1"/>
+            <a:r>
+              <a:rPr lang="en-US" dirty="0">
+                <a:solidFill>
+                  <a:schemeClr val="tx2"/>
+                </a:solidFill>
+              </a:rPr>
+              <a:t>The Open Closed Principle</a:t>
+            </a:r>
+          </a:p>
+          <a:p>
+            <a:pPr lvl="1"/>
+            <a:r>
+              <a:rPr lang="en-US" dirty="0">
+                <a:solidFill>
+                  <a:schemeClr val="tx2"/>
+                </a:solidFill>
+              </a:rPr>
+              <a:t>System Organization and Refactoring</a:t>
+            </a:r>
+          </a:p>
+          <a:p>
+            <a:r>
+              <a:rPr lang="en-US" dirty="0"/>
+              <a:t>What you should forget</a:t>
+            </a:r>
+          </a:p>
+          <a:p>
+            <a:pPr lvl="1"/>
+            <a:r>
+              <a:rPr lang="en-US" sz="3200" dirty="0">
+                <a:solidFill>
+                  <a:srgbClr val="C00000"/>
+                </a:solidFill>
+              </a:rPr>
+              <a:t>Inheritance</a:t>
+            </a:r>
+          </a:p>
+          <a:p>
+            <a:endParaRPr lang="en-US" dirty="0"/>
           </a:p>
         </p:txBody>
       </p:sp>
     </p:spTree>
     <p:extLst>
       <p:ext uri="{BB962C8B-B14F-4D97-AF65-F5344CB8AC3E}">
-        <p14:creationId xmlns:p14="http://schemas.microsoft.com/office/powerpoint/2010/main" val="2790227177"/>
+        <p14:creationId xmlns:p14="http://schemas.microsoft.com/office/powerpoint/2010/main" val="3564365611"/>
       </p:ext>
     </p:extLst>
   </p:cSld>
@@ -6446,7 +6604,7 @@
       </p:grpSpPr>
       <p:sp>
         <p:nvSpPr>
-          <p:cNvPr id="144" name="PlaceHolder 1"/>
+          <p:cNvPr id="146" name="PlaceHolder 1"/>
           <p:cNvSpPr>
             <a:spLocks noGrp="1"/>
           </p:cNvSpPr>
@@ -6471,23 +6629,23 @@
           <a:lstStyle/>
           <a:p>
             <a:r>
-              <a:rPr lang="en-US" dirty="0"/>
-              <a:t>Polymorphism: </a:t>
-            </a:r>
-            <a:r>
-              <a:rPr lang="en-US" dirty="0">
-                <a:solidFill>
-                  <a:schemeClr val="accent2"/>
-                </a:solidFill>
-              </a:rPr>
-              <a:t>Pitfalls?</a:t>
-            </a:r>
-          </a:p>
-        </p:txBody>
-      </p:sp>
-      <p:sp>
-        <p:nvSpPr>
-          <p:cNvPr id="145" name="PlaceHolder 2"/>
+              <a:rPr lang="en-US" sz="4000" dirty="0"/>
+              <a:t>Inheritance for Code Reuse: </a:t>
+            </a:r>
+            <a:r>
+              <a:rPr lang="en-US" sz="4000" dirty="0">
+                <a:solidFill>
+                  <a:schemeClr val="accent3"/>
+                </a:solidFill>
+              </a:rPr>
+              <a:t>Benefits</a:t>
+            </a:r>
+          </a:p>
+        </p:txBody>
+      </p:sp>
+      <p:sp>
+        <p:nvSpPr>
+          <p:cNvPr id="147" name="PlaceHolder 2"/>
           <p:cNvSpPr>
             <a:spLocks noGrp="1"/>
           </p:cNvSpPr>
@@ -6507,7 +6665,7 @@
         </p:spPr>
         <p:txBody>
           <a:bodyPr anchor="t">
-            <a:normAutofit/>
+            <a:noAutofit/>
           </a:bodyPr>
           <a:lstStyle/>
           <a:p>
@@ -6517,7 +6675,7 @@
                   <a:schemeClr val="tx2"/>
                 </a:solidFill>
               </a:rPr>
-              <a:t>Encapsulation (!): </a:t>
+              <a:t>Avoids code duplication by</a:t>
             </a:r>
           </a:p>
           <a:p>
@@ -6528,7 +6686,7 @@
                   <a:schemeClr val="tx2"/>
                 </a:solidFill>
               </a:rPr>
-              <a:t>Users of the interface cannot see the implementation</a:t>
+              <a:t>Moving common code into the base class</a:t>
             </a:r>
           </a:p>
           <a:p>
@@ -6539,40 +6697,26 @@
                   <a:schemeClr val="tx2"/>
                 </a:solidFill>
               </a:rPr>
-              <a:t>This may make it difficult to fully understand the code, but not really</a:t>
-            </a:r>
-          </a:p>
-          <a:p>
+              <a:t>Moves varying code into derived classes</a:t>
+            </a:r>
+          </a:p>
+          <a:p>
+            <a:pPr lvl="1"/>
             <a:r>
               <a:rPr lang="en-US" dirty="0">
                 <a:solidFill>
                   <a:schemeClr val="tx2"/>
                 </a:solidFill>
               </a:rPr>
-              <a:t>It’s a trade-off because:</a:t>
-            </a:r>
-          </a:p>
-          <a:p>
-            <a:pPr lvl="1"/>
-            <a:r>
-              <a:rPr lang="en-US" dirty="0">
-                <a:solidFill>
-                  <a:schemeClr val="tx2"/>
-                </a:solidFill>
-              </a:rPr>
-              <a:t>Caller code should actually be easier to understand if the implementations are hidden</a:t>
-            </a:r>
-          </a:p>
-          <a:p>
-            <a:pPr lvl="1"/>
-            <a:r>
-              <a:rPr lang="en-US" dirty="0">
-                <a:solidFill>
-                  <a:schemeClr val="tx2"/>
-                </a:solidFill>
-              </a:rPr>
-              <a:t>But there is such a thing as over abstraction</a:t>
-            </a:r>
+              <a:t>It’s so easy! You can call the implementation without specifying the name of an object</a:t>
+            </a:r>
+          </a:p>
+          <a:p>
+            <a:endParaRPr lang="en-US" dirty="0">
+              <a:solidFill>
+                <a:schemeClr val="tx2"/>
+              </a:solidFill>
+            </a:endParaRPr>
           </a:p>
         </p:txBody>
       </p:sp>
@@ -6603,7 +6747,7 @@
       </p:grpSpPr>
       <p:sp>
         <p:nvSpPr>
-          <p:cNvPr id="146" name="PlaceHolder 1"/>
+          <p:cNvPr id="148" name="PlaceHolder 1"/>
           <p:cNvSpPr>
             <a:spLocks noGrp="1"/>
           </p:cNvSpPr>
@@ -6623,28 +6767,28 @@
         </p:spPr>
         <p:txBody>
           <a:bodyPr anchor="ctr">
-            <a:noAutofit/>
+            <a:normAutofit fontScale="90000"/>
           </a:bodyPr>
           <a:lstStyle/>
           <a:p>
             <a:r>
-              <a:rPr lang="en-US" sz="4000" dirty="0"/>
+              <a:rPr lang="en-US" dirty="0"/>
               <a:t>Inheritance for Code Reuse: </a:t>
             </a:r>
             <a:r>
-              <a:rPr lang="en-US" sz="4000" dirty="0">
-                <a:solidFill>
-                  <a:schemeClr val="accent3"/>
-                </a:solidFill>
-              </a:rPr>
-              <a:t>Benefits</a:t>
-            </a:r>
-          </a:p>
-        </p:txBody>
-      </p:sp>
-      <p:sp>
-        <p:nvSpPr>
-          <p:cNvPr id="147" name="PlaceHolder 2"/>
+              <a:rPr lang="en-US" dirty="0">
+                <a:solidFill>
+                  <a:schemeClr val="accent2"/>
+                </a:solidFill>
+              </a:rPr>
+              <a:t>Pitfalls!</a:t>
+            </a:r>
+          </a:p>
+        </p:txBody>
+      </p:sp>
+      <p:sp>
+        <p:nvSpPr>
+          <p:cNvPr id="149" name="PlaceHolder 2"/>
           <p:cNvSpPr>
             <a:spLocks noGrp="1"/>
           </p:cNvSpPr>
@@ -6664,7 +6808,7 @@
         </p:spPr>
         <p:txBody>
           <a:bodyPr anchor="t">
-            <a:noAutofit/>
+            <a:normAutofit fontScale="85000" lnSpcReduction="20000"/>
           </a:bodyPr>
           <a:lstStyle/>
           <a:p>
@@ -6674,7 +6818,7 @@
                   <a:schemeClr val="tx2"/>
                 </a:solidFill>
               </a:rPr>
-              <a:t>Avoids code duplication by</a:t>
+              <a:t>It introduces coupling between the derived class and the base class:</a:t>
             </a:r>
           </a:p>
           <a:p>
@@ -6685,7 +6829,23 @@
                   <a:schemeClr val="tx2"/>
                 </a:solidFill>
               </a:rPr>
-              <a:t>Moving common code into the base class</a:t>
+              <a:t>Includes of the </a:t>
+            </a:r>
+            <a:r>
+              <a:rPr lang="en-US" dirty="0" err="1">
+                <a:solidFill>
+                  <a:schemeClr val="tx2"/>
+                </a:solidFill>
+              </a:rPr>
+              <a:t>derived’s</a:t>
+            </a:r>
+            <a:r>
+              <a:rPr lang="en-US" dirty="0">
+                <a:solidFill>
+                  <a:schemeClr val="tx2"/>
+                </a:solidFill>
+              </a:rPr>
+              <a:t> header must also include the header of the base.</a:t>
             </a:r>
           </a:p>
           <a:p>
@@ -6696,7 +6856,7 @@
                   <a:schemeClr val="tx2"/>
                 </a:solidFill>
               </a:rPr>
-              <a:t>Moves varying code into derived classes</a:t>
+              <a:t>The size of the derived class depends on the size of the base. So, if the base changes you need to recompile. (No runtime compatibility)</a:t>
             </a:r>
           </a:p>
           <a:p>
@@ -6707,8 +6867,44 @@
                   <a:schemeClr val="tx2"/>
                 </a:solidFill>
               </a:rPr>
-              <a:t>It’s so easy! You can call the implementation without specifying the name of an object</a:t>
-            </a:r>
+              <a:t>May introduce cyclic dependencies, because the base class can call the derived class and vice versa</a:t>
+            </a:r>
+          </a:p>
+          <a:p>
+            <a:r>
+              <a:rPr lang="en-US" dirty="0">
+                <a:solidFill>
+                  <a:schemeClr val="tx2"/>
+                </a:solidFill>
+              </a:rPr>
+              <a:t>Effectively the base and the derived classes are one big class split across multiple files</a:t>
+            </a:r>
+          </a:p>
+          <a:p>
+            <a:r>
+              <a:rPr lang="en-US" dirty="0">
+                <a:solidFill>
+                  <a:schemeClr val="tx2"/>
+                </a:solidFill>
+              </a:rPr>
+              <a:t>This is a violation of the SRP</a:t>
+            </a:r>
+          </a:p>
+          <a:p>
+            <a:pPr lvl="1"/>
+            <a:endParaRPr lang="en-US" dirty="0">
+              <a:solidFill>
+                <a:schemeClr val="tx2"/>
+              </a:solidFill>
+            </a:endParaRPr>
+          </a:p>
+          <a:p>
+            <a:pPr lvl="1"/>
+            <a:endParaRPr lang="en-US" dirty="0">
+              <a:solidFill>
+                <a:schemeClr val="tx2"/>
+              </a:solidFill>
+            </a:endParaRPr>
           </a:p>
           <a:p>
             <a:endParaRPr lang="en-US" dirty="0">
@@ -6746,7 +6942,7 @@
       </p:grpSpPr>
       <p:sp>
         <p:nvSpPr>
-          <p:cNvPr id="148" name="PlaceHolder 1"/>
+          <p:cNvPr id="150" name="PlaceHolder 1"/>
           <p:cNvSpPr>
             <a:spLocks noGrp="1"/>
           </p:cNvSpPr>
@@ -6787,7 +6983,7 @@
       </p:sp>
       <p:sp>
         <p:nvSpPr>
-          <p:cNvPr id="149" name="PlaceHolder 2"/>
+          <p:cNvPr id="151" name="PlaceHolder 2"/>
           <p:cNvSpPr>
             <a:spLocks noGrp="1"/>
           </p:cNvSpPr>
@@ -6807,7 +7003,7 @@
         </p:spPr>
         <p:txBody>
           <a:bodyPr anchor="t">
-            <a:normAutofit fontScale="85000" lnSpcReduction="20000"/>
+            <a:normAutofit fontScale="77500" lnSpcReduction="20000"/>
           </a:bodyPr>
           <a:lstStyle/>
           <a:p>
@@ -6817,7 +7013,7 @@
                   <a:schemeClr val="tx2"/>
                 </a:solidFill>
               </a:rPr>
-              <a:t>It introduces coupling between the derived class and the base class:</a:t>
+              <a:t>It breaks encapsulation </a:t>
             </a:r>
           </a:p>
           <a:p>
@@ -6828,23 +7024,39 @@
                   <a:schemeClr val="tx2"/>
                 </a:solidFill>
               </a:rPr>
-              <a:t>Includes of the </a:t>
-            </a:r>
-            <a:r>
-              <a:rPr lang="en-US" dirty="0" err="1">
+              <a:t>The derived class has access to all public members of the implementation class.</a:t>
+            </a:r>
+          </a:p>
+          <a:p>
+            <a:pPr lvl="1"/>
+            <a:r>
+              <a:rPr lang="en-US" dirty="0">
                 <a:solidFill>
                   <a:schemeClr val="tx2"/>
                 </a:solidFill>
               </a:rPr>
-              <a:t>derived’s</a:t>
-            </a:r>
+              <a:t>It’s like marking your implementation fields and methods public.</a:t>
+            </a:r>
+          </a:p>
+          <a:p>
+            <a:pPr lvl="1"/>
             <a:r>
               <a:rPr lang="en-US" dirty="0">
                 <a:solidFill>
                   <a:schemeClr val="tx2"/>
                 </a:solidFill>
               </a:rPr>
-              <a:t> header must also include the header of the base.</a:t>
+              <a:t>All members of all base classes are in the same namespace and can be confused without warning (the diamond problem)</a:t>
+            </a:r>
+          </a:p>
+          <a:p>
+            <a:r>
+              <a:rPr lang="en-US" dirty="0">
+                <a:solidFill>
+                  <a:schemeClr val="tx2"/>
+                </a:solidFill>
+              </a:rPr>
+              <a:t>It limits testability of the derived class</a:t>
             </a:r>
           </a:p>
           <a:p>
@@ -6855,7 +7067,7 @@
                   <a:schemeClr val="tx2"/>
                 </a:solidFill>
               </a:rPr>
-              <a:t>The size of the derived class depends on the size of the base. So, if the base changes you need to recompile. (No runtime compatibility)</a:t>
+              <a:t>The implementation in the base class cannot be replaced by a mock in a test</a:t>
             </a:r>
           </a:p>
           <a:p>
@@ -6866,7 +7078,7 @@
                   <a:schemeClr val="tx2"/>
                 </a:solidFill>
               </a:rPr>
-              <a:t>May introduce cyclic dependencies, because the base class can call the derived class and vice versa</a:t>
+              <a:t>Coupled classes can only be tested together</a:t>
             </a:r>
           </a:p>
           <a:p>
@@ -6876,34 +7088,19 @@
                   <a:schemeClr val="tx2"/>
                 </a:solidFill>
               </a:rPr>
-              <a:t>Effectively the base and the derived classes are one big class split across multiple files</a:t>
-            </a:r>
-          </a:p>
-          <a:p>
+              <a:t>It limits reusability of the derived class</a:t>
+            </a:r>
+          </a:p>
+          <a:p>
+            <a:pPr lvl="1"/>
             <a:r>
               <a:rPr lang="en-US" dirty="0">
                 <a:solidFill>
                   <a:schemeClr val="tx2"/>
                 </a:solidFill>
               </a:rPr>
-              <a:t>This is a violation of the SRP</a:t>
-            </a:r>
-          </a:p>
-          <a:p>
-            <a:pPr lvl="1"/>
-            <a:endParaRPr lang="en-US" dirty="0">
-              <a:solidFill>
-                <a:schemeClr val="tx2"/>
-              </a:solidFill>
-            </a:endParaRPr>
-          </a:p>
-          <a:p>
-            <a:pPr lvl="1"/>
-            <a:endParaRPr lang="en-US" dirty="0">
-              <a:solidFill>
-                <a:schemeClr val="tx2"/>
-              </a:solidFill>
-            </a:endParaRPr>
+              <a:t>The derived class can only be reused if the implementation provided in the base class is desired</a:t>
+            </a:r>
           </a:p>
           <a:p>
             <a:endParaRPr lang="en-US" dirty="0">
@@ -6941,7 +7138,7 @@
       </p:grpSpPr>
       <p:sp>
         <p:nvSpPr>
-          <p:cNvPr id="150" name="PlaceHolder 1"/>
+          <p:cNvPr id="131" name="PlaceHolder 1"/>
           <p:cNvSpPr>
             <a:spLocks noGrp="1"/>
           </p:cNvSpPr>
@@ -6961,28 +7158,20 @@
         </p:spPr>
         <p:txBody>
           <a:bodyPr anchor="ctr">
-            <a:normAutofit fontScale="90000"/>
+            <a:noAutofit/>
           </a:bodyPr>
           <a:lstStyle/>
           <a:p>
             <a:r>
               <a:rPr lang="en-US" dirty="0"/>
-              <a:t>Inheritance for Code Reuse: </a:t>
-            </a:r>
-            <a:r>
-              <a:rPr lang="en-US" dirty="0">
-                <a:solidFill>
-                  <a:schemeClr val="accent2"/>
-                </a:solidFill>
-              </a:rPr>
-              <a:t>Pitfalls!</a:t>
-            </a:r>
-          </a:p>
-        </p:txBody>
-      </p:sp>
-      <p:sp>
-        <p:nvSpPr>
-          <p:cNvPr id="151" name="PlaceHolder 2"/>
+              <a:t>And it gets worse</a:t>
+            </a:r>
+          </a:p>
+        </p:txBody>
+      </p:sp>
+      <p:sp>
+        <p:nvSpPr>
+          <p:cNvPr id="132" name="PlaceHolder 2"/>
           <p:cNvSpPr>
             <a:spLocks noGrp="1"/>
           </p:cNvSpPr>
@@ -7002,7 +7191,7 @@
         </p:spPr>
         <p:txBody>
           <a:bodyPr anchor="t">
-            <a:normAutofit fontScale="77500" lnSpcReduction="20000"/>
+            <a:normAutofit fontScale="85500"/>
           </a:bodyPr>
           <a:lstStyle/>
           <a:p>
@@ -7012,7 +7201,7 @@
                   <a:schemeClr val="tx2"/>
                 </a:solidFill>
               </a:rPr>
-              <a:t>It breaks encapsulation </a:t>
+              <a:t>Often, inheritance is used to achieve both goals (polymorphism and code reuse)</a:t>
             </a:r>
           </a:p>
           <a:p>
@@ -7023,7 +7212,7 @@
                   <a:schemeClr val="tx2"/>
                 </a:solidFill>
               </a:rPr>
-              <a:t>The derived class has access to all public members of the implementation class.</a:t>
+              <a:t>A glorious violation of the Single Responsibility Principle</a:t>
             </a:r>
           </a:p>
           <a:p>
@@ -7034,7 +7223,7 @@
                   <a:schemeClr val="tx2"/>
                 </a:solidFill>
               </a:rPr>
-              <a:t>It’s like marking your implementation fields and methods public.</a:t>
+              <a:t>This complicates the class giving it multiple responsibilities.</a:t>
             </a:r>
           </a:p>
           <a:p>
@@ -7045,7 +7234,7 @@
                   <a:schemeClr val="tx2"/>
                 </a:solidFill>
               </a:rPr>
-              <a:t>All members of all base classes are in the same namespace and can be confused without warning (the diamond problem)</a:t>
+              <a:t>The relationship between base and derived are not  clear making it difficult to maintain</a:t>
             </a:r>
           </a:p>
           <a:p>
@@ -7055,7 +7244,7 @@
                   <a:schemeClr val="tx2"/>
                 </a:solidFill>
               </a:rPr>
-              <a:t>It limits testability of the derived class</a:t>
+              <a:t>Large inheritance hierarchies are difficult to maintain </a:t>
             </a:r>
           </a:p>
           <a:p>
@@ -7066,40 +7255,40 @@
                   <a:schemeClr val="tx2"/>
                 </a:solidFill>
               </a:rPr>
-              <a:t>The implementation in the base class cannot be replaced by a mock in a test</a:t>
+              <a:t>When implementations change, inheritance relationships are required to change. </a:t>
             </a:r>
           </a:p>
           <a:p>
             <a:pPr lvl="1"/>
-            <a:r>
-              <a:rPr lang="en-US" dirty="0">
-                <a:solidFill>
-                  <a:schemeClr val="tx2"/>
-                </a:solidFill>
-              </a:rPr>
-              <a:t>Coupled classes can only be tested together</a:t>
-            </a:r>
-          </a:p>
-          <a:p>
-            <a:r>
-              <a:rPr lang="en-US" dirty="0">
-                <a:solidFill>
-                  <a:schemeClr val="tx2"/>
-                </a:solidFill>
-              </a:rPr>
-              <a:t>It limits reusability of the derived class</a:t>
-            </a:r>
+            <a:endParaRPr lang="en-US" dirty="0">
+              <a:solidFill>
+                <a:schemeClr val="tx2"/>
+              </a:solidFill>
+            </a:endParaRPr>
           </a:p>
           <a:p>
             <a:pPr lvl="1"/>
-            <a:r>
-              <a:rPr lang="en-US" dirty="0">
-                <a:solidFill>
-                  <a:schemeClr val="tx2"/>
-                </a:solidFill>
-              </a:rPr>
-              <a:t>The derived class can only be reused if the implementation provided in the base class is desired</a:t>
-            </a:r>
+            <a:endParaRPr lang="en-US" dirty="0">
+              <a:solidFill>
+                <a:schemeClr val="tx2"/>
+              </a:solidFill>
+            </a:endParaRPr>
+          </a:p>
+          <a:p>
+            <a:pPr lvl="1"/>
+            <a:endParaRPr lang="en-US" dirty="0">
+              <a:solidFill>
+                <a:schemeClr val="tx2"/>
+              </a:solidFill>
+            </a:endParaRPr>
+          </a:p>
+          <a:p>
+            <a:pPr lvl="1"/>
+            <a:endParaRPr lang="en-US" dirty="0">
+              <a:solidFill>
+                <a:schemeClr val="tx2"/>
+              </a:solidFill>
+            </a:endParaRPr>
           </a:p>
           <a:p>
             <a:endParaRPr lang="en-US" dirty="0">
@@ -7137,7 +7326,7 @@
       </p:grpSpPr>
       <p:sp>
         <p:nvSpPr>
-          <p:cNvPr id="131" name="PlaceHolder 1"/>
+          <p:cNvPr id="152" name="PlaceHolder 1"/>
           <p:cNvSpPr>
             <a:spLocks noGrp="1"/>
           </p:cNvSpPr>
@@ -7162,15 +7351,15 @@
           <a:lstStyle/>
           <a:p>
             <a:r>
-              <a:rPr lang="en-US" dirty="0"/>
-              <a:t>And it gets worse</a:t>
-            </a:r>
-          </a:p>
-        </p:txBody>
-      </p:sp>
-      <p:sp>
-        <p:nvSpPr>
-          <p:cNvPr id="132" name="PlaceHolder 2"/>
+              <a:rPr lang="en-US"/>
+              <a:t>Summary so far</a:t>
+            </a:r>
+          </a:p>
+        </p:txBody>
+      </p:sp>
+      <p:sp>
+        <p:nvSpPr>
+          <p:cNvPr id="153" name="PlaceHolder 2"/>
           <p:cNvSpPr>
             <a:spLocks noGrp="1"/>
           </p:cNvSpPr>
@@ -7190,111 +7379,75 @@
         </p:spPr>
         <p:txBody>
           <a:bodyPr anchor="t">
-            <a:normAutofit fontScale="85500"/>
+            <a:normAutofit/>
           </a:bodyPr>
           <a:lstStyle/>
           <a:p>
             <a:r>
+              <a:rPr lang="en-US" dirty="0"/>
+              <a:t>Inheritance of Contract: </a:t>
+            </a:r>
+            <a:r>
               <a:rPr lang="en-US" dirty="0">
                 <a:solidFill>
                   <a:schemeClr val="tx2"/>
                 </a:solidFill>
               </a:rPr>
-              <a:t>Often, inheritance is used to achieve both goals (polymorphism and code reuse)</a:t>
+              <a:t>Good</a:t>
+            </a:r>
+          </a:p>
+          <a:p>
+            <a:r>
+              <a:rPr lang="en-US" dirty="0"/>
+              <a:t>Inheritance of Implementation: </a:t>
+            </a:r>
+            <a:r>
+              <a:rPr lang="en-US" dirty="0">
+                <a:solidFill>
+                  <a:srgbClr val="FF0000"/>
+                </a:solidFill>
+              </a:rPr>
+              <a:t>Bad</a:t>
+            </a:r>
+          </a:p>
+          <a:p>
+            <a:r>
+              <a:rPr lang="en-US" dirty="0"/>
+              <a:t>Exception: Data classes can use inheritance because:</a:t>
             </a:r>
           </a:p>
           <a:p>
             <a:pPr lvl="1"/>
             <a:r>
-              <a:rPr lang="en-US" dirty="0">
-                <a:solidFill>
-                  <a:schemeClr val="tx2"/>
-                </a:solidFill>
-              </a:rPr>
-              <a:t>A glorious violation of the Single Responsibility Principle</a:t>
+              <a:rPr lang="en-US" dirty="0"/>
+              <a:t>Data class expose all their data as public. No need for encapsulation</a:t>
             </a:r>
           </a:p>
           <a:p>
             <a:pPr lvl="1"/>
             <a:r>
-              <a:rPr lang="en-US" dirty="0">
-                <a:solidFill>
-                  <a:schemeClr val="tx2"/>
-                </a:solidFill>
-              </a:rPr>
-              <a:t>This complicates the class giving it multiple responsibilities.</a:t>
+              <a:rPr lang="en-US" dirty="0"/>
+              <a:t>There are no methods in data classes, so no cycles</a:t>
             </a:r>
           </a:p>
           <a:p>
             <a:pPr lvl="1"/>
             <a:r>
-              <a:rPr lang="en-US" dirty="0">
-                <a:solidFill>
-                  <a:schemeClr val="tx2"/>
-                </a:solidFill>
-              </a:rPr>
-              <a:t>The relationship between base and derived are not  clear making it difficult to maintain</a:t>
-            </a:r>
-          </a:p>
-          <a:p>
-            <a:r>
-              <a:rPr lang="en-US" dirty="0">
-                <a:solidFill>
-                  <a:schemeClr val="tx2"/>
-                </a:solidFill>
-              </a:rPr>
-              <a:t>Large inheritance hierarchies are difficult to maintain </a:t>
-            </a:r>
-          </a:p>
-          <a:p>
-            <a:pPr lvl="1"/>
-            <a:r>
-              <a:rPr lang="en-US" dirty="0">
-                <a:solidFill>
-                  <a:schemeClr val="tx2"/>
-                </a:solidFill>
-              </a:rPr>
-              <a:t>When implementations change, inheritance relationships are required to change. </a:t>
-            </a:r>
-          </a:p>
-          <a:p>
-            <a:pPr lvl="1"/>
-            <a:endParaRPr lang="en-US" dirty="0">
-              <a:solidFill>
-                <a:schemeClr val="tx2"/>
-              </a:solidFill>
-            </a:endParaRPr>
-          </a:p>
-          <a:p>
-            <a:pPr lvl="1"/>
-            <a:endParaRPr lang="en-US" dirty="0">
-              <a:solidFill>
-                <a:schemeClr val="tx2"/>
-              </a:solidFill>
-            </a:endParaRPr>
-          </a:p>
-          <a:p>
-            <a:pPr lvl="1"/>
-            <a:endParaRPr lang="en-US" dirty="0">
-              <a:solidFill>
-                <a:schemeClr val="tx2"/>
-              </a:solidFill>
-            </a:endParaRPr>
-          </a:p>
-          <a:p>
-            <a:pPr lvl="1"/>
-            <a:endParaRPr lang="en-US" dirty="0">
-              <a:solidFill>
-                <a:schemeClr val="tx2"/>
-              </a:solidFill>
-            </a:endParaRPr>
-          </a:p>
-          <a:p>
-            <a:endParaRPr lang="en-US" dirty="0">
-              <a:solidFill>
-                <a:schemeClr val="tx2"/>
-              </a:solidFill>
-            </a:endParaRPr>
+              <a:rPr lang="en-US" dirty="0"/>
+              <a:t>We don’t test data classes</a:t>
+            </a:r>
+          </a:p>
+          <a:p>
+            <a:endParaRPr lang="en-US" dirty="0"/>
+          </a:p>
+          <a:p>
+            <a:endParaRPr lang="en-US" dirty="0"/>
+          </a:p>
+          <a:p>
+            <a:endParaRPr lang="en-US" dirty="0"/>
+          </a:p>
+          <a:p>
+            <a:endParaRPr lang="en-US" dirty="0"/>
           </a:p>
         </p:txBody>
       </p:sp>
@@ -7325,7 +7478,7 @@
       </p:grpSpPr>
       <p:sp>
         <p:nvSpPr>
-          <p:cNvPr id="152" name="PlaceHolder 1"/>
+          <p:cNvPr id="154" name="PlaceHolder 1"/>
           <p:cNvSpPr>
             <a:spLocks noGrp="1"/>
           </p:cNvSpPr>
@@ -7350,15 +7503,15 @@
           <a:lstStyle/>
           <a:p>
             <a:r>
-              <a:rPr lang="en-US"/>
-              <a:t>Summary so far</a:t>
-            </a:r>
-          </a:p>
-        </p:txBody>
-      </p:sp>
-      <p:sp>
-        <p:nvSpPr>
-          <p:cNvPr id="153" name="PlaceHolder 2"/>
+              <a:rPr lang="en-US" sz="4000" dirty="0"/>
+              <a:t>Prefer Composition over Inheritance</a:t>
+            </a:r>
+          </a:p>
+        </p:txBody>
+      </p:sp>
+      <p:sp>
+        <p:nvSpPr>
+          <p:cNvPr id="155" name="PlaceHolder 2"/>
           <p:cNvSpPr>
             <a:spLocks noGrp="1"/>
           </p:cNvSpPr>
@@ -7384,60 +7537,42 @@
           <a:p>
             <a:r>
               <a:rPr lang="en-US" dirty="0"/>
-              <a:t>Inheritance of Contract: </a:t>
-            </a:r>
-            <a:r>
-              <a:rPr lang="en-US" dirty="0">
-                <a:solidFill>
-                  <a:schemeClr val="tx2"/>
-                </a:solidFill>
-              </a:rPr>
-              <a:t>Good</a:t>
+              <a:t>For code reuse – use composition</a:t>
             </a:r>
           </a:p>
           <a:p>
             <a:r>
               <a:rPr lang="en-US" dirty="0"/>
-              <a:t>Inheritance of Implementation: </a:t>
-            </a:r>
-            <a:r>
-              <a:rPr lang="en-US" dirty="0">
-                <a:solidFill>
-                  <a:srgbClr val="FF0000"/>
-                </a:solidFill>
-              </a:rPr>
-              <a:t>Bad</a:t>
-            </a:r>
-          </a:p>
-          <a:p>
+              <a:t>Everywhere you use inheritance today you can use composition:</a:t>
+            </a:r>
+          </a:p>
+          <a:p>
+            <a:pPr lvl="1"/>
             <a:r>
               <a:rPr lang="en-US" dirty="0"/>
-              <a:t>Exception: Data classes can use inheritance because:</a:t>
+              <a:t>When derived class uses the base class</a:t>
+            </a:r>
+          </a:p>
+          <a:p>
+            <a:pPr lvl="2"/>
+            <a:r>
+              <a:rPr lang="en-US" dirty="0"/>
+              <a:t>The base class becomes a member</a:t>
             </a:r>
           </a:p>
           <a:p>
             <a:pPr lvl="1"/>
             <a:r>
               <a:rPr lang="en-US" dirty="0"/>
-              <a:t>Data class expose all their data as public. No need for encapsulation</a:t>
-            </a:r>
-          </a:p>
-          <a:p>
-            <a:pPr lvl="1"/>
+              <a:t>When base class uses derived class</a:t>
+            </a:r>
+          </a:p>
+          <a:p>
+            <a:pPr lvl="2"/>
             <a:r>
               <a:rPr lang="en-US" dirty="0"/>
-              <a:t>There are no methods in data classes, so no cycles</a:t>
-            </a:r>
-          </a:p>
-          <a:p>
-            <a:pPr lvl="1"/>
-            <a:r>
-              <a:rPr lang="en-US" dirty="0"/>
-              <a:t>We don’t test data classes</a:t>
-            </a:r>
-          </a:p>
-          <a:p>
-            <a:endParaRPr lang="en-US" dirty="0"/>
+              <a:t>The derived class becomes a member</a:t>
+            </a:r>
           </a:p>
           <a:p>
             <a:endParaRPr lang="en-US" dirty="0"/>
@@ -7459,140 +7594,6 @@
 </file>
 
 <file path=ppt/slides/slide26.xml><?xml version="1.0" encoding="utf-8"?>
-<p:sld xmlns:a="http://schemas.openxmlformats.org/drawingml/2006/main" xmlns:r="http://schemas.openxmlformats.org/officeDocument/2006/relationships" xmlns:p="http://schemas.openxmlformats.org/presentationml/2006/main">
-  <p:cSld>
-    <p:spTree>
-      <p:nvGrpSpPr>
-        <p:cNvPr id="1" name=""/>
-        <p:cNvGrpSpPr/>
-        <p:nvPr/>
-      </p:nvGrpSpPr>
-      <p:grpSpPr>
-        <a:xfrm>
-          <a:off x="0" y="0"/>
-          <a:ext cx="0" cy="0"/>
-          <a:chOff x="0" y="0"/>
-          <a:chExt cx="0" cy="0"/>
-        </a:xfrm>
-      </p:grpSpPr>
-      <p:sp>
-        <p:nvSpPr>
-          <p:cNvPr id="154" name="PlaceHolder 1"/>
-          <p:cNvSpPr>
-            <a:spLocks noGrp="1"/>
-          </p:cNvSpPr>
-          <p:nvPr>
-            <p:ph type="title"/>
-          </p:nvPr>
-        </p:nvSpPr>
-        <p:spPr>
-          <a:xfrm>
-            <a:off x="457200" y="274638"/>
-            <a:ext cx="8229600" cy="1143000"/>
-          </a:xfrm>
-          <a:noFill/>
-          <a:ln w="0">
-            <a:noFill/>
-          </a:ln>
-        </p:spPr>
-        <p:txBody>
-          <a:bodyPr anchor="ctr">
-            <a:noAutofit/>
-          </a:bodyPr>
-          <a:lstStyle/>
-          <a:p>
-            <a:r>
-              <a:rPr lang="en-US" sz="4000" dirty="0"/>
-              <a:t>Prefer Composition over Inheritance</a:t>
-            </a:r>
-          </a:p>
-        </p:txBody>
-      </p:sp>
-      <p:sp>
-        <p:nvSpPr>
-          <p:cNvPr id="155" name="PlaceHolder 2"/>
-          <p:cNvSpPr>
-            <a:spLocks noGrp="1"/>
-          </p:cNvSpPr>
-          <p:nvPr>
-            <p:ph idx="1"/>
-          </p:nvPr>
-        </p:nvSpPr>
-        <p:spPr>
-          <a:xfrm>
-            <a:off x="457200" y="1600200"/>
-            <a:ext cx="8229600" cy="4525963"/>
-          </a:xfrm>
-          <a:noFill/>
-          <a:ln w="0">
-            <a:noFill/>
-          </a:ln>
-        </p:spPr>
-        <p:txBody>
-          <a:bodyPr anchor="t">
-            <a:normAutofit/>
-          </a:bodyPr>
-          <a:lstStyle/>
-          <a:p>
-            <a:r>
-              <a:rPr lang="en-US" dirty="0"/>
-              <a:t>For code reuse – use composition</a:t>
-            </a:r>
-          </a:p>
-          <a:p>
-            <a:r>
-              <a:rPr lang="en-US" dirty="0"/>
-              <a:t>Everywhere you use inheritance today you can use composition:</a:t>
-            </a:r>
-          </a:p>
-          <a:p>
-            <a:pPr lvl="1"/>
-            <a:r>
-              <a:rPr lang="en-US" dirty="0"/>
-              <a:t>When derived class uses the base class</a:t>
-            </a:r>
-          </a:p>
-          <a:p>
-            <a:pPr lvl="2"/>
-            <a:r>
-              <a:rPr lang="en-US" dirty="0"/>
-              <a:t>The base class becomes a member</a:t>
-            </a:r>
-          </a:p>
-          <a:p>
-            <a:pPr lvl="1"/>
-            <a:r>
-              <a:rPr lang="en-US" dirty="0"/>
-              <a:t>When base class uses derived class</a:t>
-            </a:r>
-          </a:p>
-          <a:p>
-            <a:pPr lvl="2"/>
-            <a:r>
-              <a:rPr lang="en-US" dirty="0"/>
-              <a:t>The derived class becomes a member</a:t>
-            </a:r>
-          </a:p>
-          <a:p>
-            <a:endParaRPr lang="en-US" dirty="0"/>
-          </a:p>
-          <a:p>
-            <a:endParaRPr lang="en-US" dirty="0"/>
-          </a:p>
-          <a:p>
-            <a:endParaRPr lang="en-US" dirty="0"/>
-          </a:p>
-        </p:txBody>
-      </p:sp>
-    </p:spTree>
-  </p:cSld>
-  <p:clrMapOvr>
-    <a:masterClrMapping/>
-  </p:clrMapOvr>
-</p:sld>
-</file>
-
-<file path=ppt/slides/slide27.xml><?xml version="1.0" encoding="utf-8"?>
 <p:sld xmlns:a="http://schemas.openxmlformats.org/drawingml/2006/main" xmlns:r="http://schemas.openxmlformats.org/officeDocument/2006/relationships" xmlns:p="http://schemas.openxmlformats.org/presentationml/2006/main">
   <p:cSld>
     <p:spTree>
@@ -7780,7 +7781,7 @@
 </p:sld>
 </file>
 
-<file path=ppt/slides/slide28.xml><?xml version="1.0" encoding="utf-8"?>
+<file path=ppt/slides/slide27.xml><?xml version="1.0" encoding="utf-8"?>
 <p:sld xmlns:a="http://schemas.openxmlformats.org/drawingml/2006/main" xmlns:r="http://schemas.openxmlformats.org/officeDocument/2006/relationships" xmlns:p="http://schemas.openxmlformats.org/presentationml/2006/main">
   <p:cSld>
     <p:spTree>
@@ -7982,7 +7983,7 @@
 </p:sld>
 </file>
 
-<file path=ppt/slides/slide29.xml><?xml version="1.0" encoding="utf-8"?>
+<file path=ppt/slides/slide28.xml><?xml version="1.0" encoding="utf-8"?>
 <p:sld xmlns:a="http://schemas.openxmlformats.org/drawingml/2006/main" xmlns:r="http://schemas.openxmlformats.org/officeDocument/2006/relationships" xmlns:p="http://schemas.openxmlformats.org/presentationml/2006/main">
   <p:cSld>
     <p:spTree>
@@ -8131,7 +8132,7 @@
 </p:sld>
 </file>
 
-<file path=ppt/slides/slide3.xml><?xml version="1.0" encoding="utf-8"?>
+<file path=ppt/slides/slide29.xml><?xml version="1.0" encoding="utf-8"?>
 <p:sld xmlns:a="http://schemas.openxmlformats.org/drawingml/2006/main" xmlns:r="http://schemas.openxmlformats.org/officeDocument/2006/relationships" xmlns:p="http://schemas.openxmlformats.org/presentationml/2006/main">
   <p:cSld>
     <p:spTree>
@@ -8158,178 +8159,6 @@
             <p:ph type="title"/>
           </p:nvPr>
         </p:nvSpPr>
-        <p:spPr>
-          <a:xfrm>
-            <a:off x="457200" y="274638"/>
-            <a:ext cx="8229600" cy="1143000"/>
-          </a:xfrm>
-        </p:spPr>
-        <p:txBody>
-          <a:bodyPr/>
-          <a:lstStyle/>
-          <a:p>
-            <a:r>
-              <a:rPr lang="en-US" dirty="0"/>
-              <a:t>Agenda</a:t>
-            </a:r>
-          </a:p>
-        </p:txBody>
-      </p:sp>
-      <p:sp>
-        <p:nvSpPr>
-          <p:cNvPr id="3" name="Content Placeholder 2"/>
-          <p:cNvSpPr>
-            <a:spLocks noGrp="1"/>
-          </p:cNvSpPr>
-          <p:nvPr>
-            <p:ph idx="1"/>
-          </p:nvPr>
-        </p:nvSpPr>
-        <p:spPr>
-          <a:xfrm>
-            <a:off x="457200" y="1600200"/>
-            <a:ext cx="8229600" cy="4525963"/>
-          </a:xfrm>
-        </p:spPr>
-        <p:txBody>
-          <a:bodyPr>
-            <a:normAutofit lnSpcReduction="10000"/>
-          </a:bodyPr>
-          <a:lstStyle/>
-          <a:p>
-            <a:r>
-              <a:rPr lang="en-US" dirty="0"/>
-              <a:t>Causes of complexity</a:t>
-            </a:r>
-            <a:endParaRPr lang="en-US" dirty="0">
-              <a:solidFill>
-                <a:srgbClr val="C00000"/>
-              </a:solidFill>
-            </a:endParaRPr>
-          </a:p>
-          <a:p>
-            <a:r>
-              <a:rPr lang="en-US" dirty="0"/>
-              <a:t>The principles you need to know</a:t>
-            </a:r>
-          </a:p>
-          <a:p>
-            <a:pPr lvl="1"/>
-            <a:r>
-              <a:rPr lang="en-US" dirty="0">
-                <a:solidFill>
-                  <a:schemeClr val="tx2"/>
-                </a:solidFill>
-              </a:rPr>
-              <a:t>The Single Responsibility Principle</a:t>
-            </a:r>
-          </a:p>
-          <a:p>
-            <a:pPr lvl="1"/>
-            <a:r>
-              <a:rPr lang="en-US" dirty="0">
-                <a:solidFill>
-                  <a:schemeClr val="tx2"/>
-                </a:solidFill>
-              </a:rPr>
-              <a:t>Encapsulation</a:t>
-            </a:r>
-          </a:p>
-          <a:p>
-            <a:pPr lvl="1"/>
-            <a:r>
-              <a:rPr lang="en-US" dirty="0">
-                <a:solidFill>
-                  <a:schemeClr val="tx2"/>
-                </a:solidFill>
-              </a:rPr>
-              <a:t>Prefer Composition over Inheritance</a:t>
-            </a:r>
-          </a:p>
-          <a:p>
-            <a:pPr lvl="1"/>
-            <a:r>
-              <a:rPr lang="en-US" dirty="0">
-                <a:solidFill>
-                  <a:schemeClr val="tx2"/>
-                </a:solidFill>
-              </a:rPr>
-              <a:t>The Open Closed Principle</a:t>
-            </a:r>
-          </a:p>
-          <a:p>
-            <a:pPr lvl="1"/>
-            <a:r>
-              <a:rPr lang="en-US" dirty="0">
-                <a:solidFill>
-                  <a:schemeClr val="tx2"/>
-                </a:solidFill>
-              </a:rPr>
-              <a:t>System Organization and Refactoring</a:t>
-            </a:r>
-          </a:p>
-          <a:p>
-            <a:r>
-              <a:rPr lang="en-US" dirty="0"/>
-              <a:t>What you should forget</a:t>
-            </a:r>
-          </a:p>
-          <a:p>
-            <a:pPr lvl="1"/>
-            <a:r>
-              <a:rPr lang="en-US" sz="3200" dirty="0">
-                <a:solidFill>
-                  <a:srgbClr val="C00000"/>
-                </a:solidFill>
-              </a:rPr>
-              <a:t>Inheritance</a:t>
-            </a:r>
-          </a:p>
-          <a:p>
-            <a:endParaRPr lang="en-US" dirty="0"/>
-          </a:p>
-        </p:txBody>
-      </p:sp>
-    </p:spTree>
-    <p:extLst>
-      <p:ext uri="{BB962C8B-B14F-4D97-AF65-F5344CB8AC3E}">
-        <p14:creationId xmlns:p14="http://schemas.microsoft.com/office/powerpoint/2010/main" val="3564365611"/>
-      </p:ext>
-    </p:extLst>
-  </p:cSld>
-  <p:clrMapOvr>
-    <a:masterClrMapping/>
-  </p:clrMapOvr>
-</p:sld>
-</file>
-
-<file path=ppt/slides/slide30.xml><?xml version="1.0" encoding="utf-8"?>
-<p:sld xmlns:a="http://schemas.openxmlformats.org/drawingml/2006/main" xmlns:r="http://schemas.openxmlformats.org/officeDocument/2006/relationships" xmlns:p="http://schemas.openxmlformats.org/presentationml/2006/main">
-  <p:cSld>
-    <p:spTree>
-      <p:nvGrpSpPr>
-        <p:cNvPr id="1" name=""/>
-        <p:cNvGrpSpPr/>
-        <p:nvPr/>
-      </p:nvGrpSpPr>
-      <p:grpSpPr>
-        <a:xfrm>
-          <a:off x="0" y="0"/>
-          <a:ext cx="0" cy="0"/>
-          <a:chOff x="0" y="0"/>
-          <a:chExt cx="0" cy="0"/>
-        </a:xfrm>
-      </p:grpSpPr>
-      <p:sp>
-        <p:nvSpPr>
-          <p:cNvPr id="2" name="Title 1"/>
-          <p:cNvSpPr>
-            <a:spLocks noGrp="1"/>
-          </p:cNvSpPr>
-          <p:nvPr>
-            <p:ph type="title"/>
-          </p:nvPr>
-        </p:nvSpPr>
         <p:spPr/>
         <p:txBody>
           <a:bodyPr/>
@@ -8531,7 +8360,151 @@
 </p:sld>
 </file>
 
-<file path=ppt/slides/slide31.xml><?xml version="1.0" encoding="utf-8"?>
+<file path=ppt/slides/slide3.xml><?xml version="1.0" encoding="utf-8"?>
+<p:sld xmlns:a="http://schemas.openxmlformats.org/drawingml/2006/main" xmlns:r="http://schemas.openxmlformats.org/officeDocument/2006/relationships" xmlns:p="http://schemas.openxmlformats.org/presentationml/2006/main">
+  <p:cSld>
+    <p:spTree>
+      <p:nvGrpSpPr>
+        <p:cNvPr id="1" name="">
+          <a:extLst>
+            <a:ext uri="{FF2B5EF4-FFF2-40B4-BE49-F238E27FC236}">
+              <a16:creationId xmlns:a16="http://schemas.microsoft.com/office/drawing/2014/main" id="{D94C64F4-50A8-F154-BC51-999AF35E832A}"/>
+            </a:ext>
+          </a:extLst>
+        </p:cNvPr>
+        <p:cNvGrpSpPr/>
+        <p:nvPr/>
+      </p:nvGrpSpPr>
+      <p:grpSpPr>
+        <a:xfrm>
+          <a:off x="0" y="0"/>
+          <a:ext cx="0" cy="0"/>
+          <a:chOff x="0" y="0"/>
+          <a:chExt cx="0" cy="0"/>
+        </a:xfrm>
+      </p:grpSpPr>
+      <p:sp>
+        <p:nvSpPr>
+          <p:cNvPr id="133" name="PlaceHolder 1">
+            <a:extLst>
+              <a:ext uri="{FF2B5EF4-FFF2-40B4-BE49-F238E27FC236}">
+                <a16:creationId xmlns:a16="http://schemas.microsoft.com/office/drawing/2014/main" id="{4CF6E6F4-BAE6-3897-353E-ADA0BE61B8FE}"/>
+              </a:ext>
+            </a:extLst>
+          </p:cNvPr>
+          <p:cNvSpPr>
+            <a:spLocks noGrp="1"/>
+          </p:cNvSpPr>
+          <p:nvPr>
+            <p:ph type="title"/>
+          </p:nvPr>
+        </p:nvSpPr>
+        <p:spPr>
+          <a:xfrm>
+            <a:off x="457200" y="274638"/>
+            <a:ext cx="8229600" cy="1143000"/>
+          </a:xfrm>
+          <a:noFill/>
+          <a:ln w="0">
+            <a:noFill/>
+          </a:ln>
+        </p:spPr>
+        <p:txBody>
+          <a:bodyPr anchor="ctr">
+            <a:noAutofit/>
+          </a:bodyPr>
+          <a:lstStyle/>
+          <a:p>
+            <a:r>
+              <a:rPr lang="en-US" dirty="0"/>
+              <a:t>Causes of Complexity</a:t>
+            </a:r>
+          </a:p>
+        </p:txBody>
+      </p:sp>
+      <p:sp>
+        <p:nvSpPr>
+          <p:cNvPr id="134" name="PlaceHolder 2">
+            <a:extLst>
+              <a:ext uri="{FF2B5EF4-FFF2-40B4-BE49-F238E27FC236}">
+                <a16:creationId xmlns:a16="http://schemas.microsoft.com/office/drawing/2014/main" id="{4A4C96C8-4E62-D113-99A1-A08BDBC2210D}"/>
+              </a:ext>
+            </a:extLst>
+          </p:cNvPr>
+          <p:cNvSpPr>
+            <a:spLocks noGrp="1"/>
+          </p:cNvSpPr>
+          <p:nvPr>
+            <p:ph idx="1"/>
+          </p:nvPr>
+        </p:nvSpPr>
+        <p:spPr>
+          <a:xfrm>
+            <a:off x="457200" y="1600200"/>
+            <a:ext cx="8305800" cy="4525963"/>
+          </a:xfrm>
+          <a:noFill/>
+          <a:ln w="0">
+            <a:noFill/>
+          </a:ln>
+        </p:spPr>
+        <p:txBody>
+          <a:bodyPr anchor="t">
+            <a:normAutofit fontScale="92500"/>
+          </a:bodyPr>
+          <a:lstStyle/>
+          <a:p>
+            <a:r>
+              <a:rPr lang="en-US" dirty="0"/>
+              <a:t>Too many dependencies between components (coupling)</a:t>
+            </a:r>
+          </a:p>
+          <a:p>
+            <a:r>
+              <a:rPr lang="en-US" dirty="0"/>
+              <a:t>Components that have too many responsibilities</a:t>
+            </a:r>
+          </a:p>
+          <a:p>
+            <a:r>
+              <a:rPr lang="en-US" dirty="0"/>
+              <a:t>Components that are large</a:t>
+            </a:r>
+          </a:p>
+          <a:p>
+            <a:r>
+              <a:rPr lang="en-US" dirty="0"/>
+              <a:t>Components with unclear usage contracts</a:t>
+            </a:r>
+          </a:p>
+          <a:p>
+            <a:r>
+              <a:rPr lang="en-US" dirty="0"/>
+              <a:t>Components that expose their implementations</a:t>
+            </a:r>
+          </a:p>
+          <a:p>
+            <a:r>
+              <a:rPr lang="en-US" dirty="0"/>
+              <a:t>Quick and dirty changes that introduce these problems over time</a:t>
+            </a:r>
+          </a:p>
+        </p:txBody>
+      </p:sp>
+    </p:spTree>
+    <p:extLst>
+      <p:ext uri="{BB962C8B-B14F-4D97-AF65-F5344CB8AC3E}">
+        <p14:creationId xmlns:p14="http://schemas.microsoft.com/office/powerpoint/2010/main" val="1460145329"/>
+      </p:ext>
+    </p:extLst>
+  </p:cSld>
+  <p:clrMapOvr>
+    <a:masterClrMapping/>
+  </p:clrMapOvr>
+</p:sld>
+</file>
+
+<file path=ppt/slides/slide30.xml><?xml version="1.0" encoding="utf-8"?>
 <p:sld xmlns:a="http://schemas.openxmlformats.org/drawingml/2006/main" xmlns:r="http://schemas.openxmlformats.org/officeDocument/2006/relationships" xmlns:p="http://schemas.openxmlformats.org/presentationml/2006/main">
   <p:cSld>
     <p:spTree>
@@ -8666,7 +8639,7 @@
 </p:sld>
 </file>
 
-<file path=ppt/slides/slide32.xml><?xml version="1.0" encoding="utf-8"?>
+<file path=ppt/slides/slide31.xml><?xml version="1.0" encoding="utf-8"?>
 <p:sld xmlns:a="http://schemas.openxmlformats.org/drawingml/2006/main" xmlns:r="http://schemas.openxmlformats.org/officeDocument/2006/relationships" xmlns:p="http://schemas.openxmlformats.org/presentationml/2006/main">
   <p:cSld>
     <p:spTree>
@@ -8795,7 +8768,7 @@
 </p:sld>
 </file>
 
-<file path=ppt/slides/slide33.xml><?xml version="1.0" encoding="utf-8"?>
+<file path=ppt/slides/slide32.xml><?xml version="1.0" encoding="utf-8"?>
 <p:sld xmlns:a="http://schemas.openxmlformats.org/drawingml/2006/main" xmlns:r="http://schemas.openxmlformats.org/officeDocument/2006/relationships" xmlns:p="http://schemas.openxmlformats.org/presentationml/2006/main">
   <p:cSld>
     <p:spTree>
@@ -8960,7 +8933,7 @@
 </p:sld>
 </file>
 
-<file path=ppt/slides/slide34.xml><?xml version="1.0" encoding="utf-8"?>
+<file path=ppt/slides/slide33.xml><?xml version="1.0" encoding="utf-8"?>
 <p:sld xmlns:a="http://schemas.openxmlformats.org/drawingml/2006/main" xmlns:r="http://schemas.openxmlformats.org/officeDocument/2006/relationships" xmlns:p="http://schemas.openxmlformats.org/presentationml/2006/main">
   <p:cSld>
     <p:spTree>
@@ -9089,7 +9062,7 @@
 </p:sld>
 </file>
 
-<file path=ppt/slides/slide35.xml><?xml version="1.0" encoding="utf-8"?>
+<file path=ppt/slides/slide34.xml><?xml version="1.0" encoding="utf-8"?>
 <p:sld xmlns:a="http://schemas.openxmlformats.org/drawingml/2006/main" xmlns:r="http://schemas.openxmlformats.org/officeDocument/2006/relationships" xmlns:p="http://schemas.openxmlformats.org/presentationml/2006/main">
   <p:cSld>
     <p:spTree>
@@ -9161,7 +9134,7 @@
             <p:ph idx="1"/>
             <p:extLst>
               <p:ext uri="{D42A27DB-BD31-4B8C-83A1-F6EECF244321}">
-                <p14:modId xmlns:p14="http://schemas.microsoft.com/office/powerpoint/2010/main" val="2313995659"/>
+                <p14:modId xmlns:p14="http://schemas.microsoft.com/office/powerpoint/2010/main" val="3202147237"/>
               </p:ext>
             </p:extLst>
           </p:nvPr>
@@ -9174,7 +9147,7 @@
           <a:graphicData uri="http://schemas.openxmlformats.org/drawingml/2006/table">
             <a:tbl>
               <a:tblPr bandRow="1">
-                <a:tableStyleId>{46F890A9-2807-4EBB-B81D-B2AA78EC7F39}</a:tableStyleId>
+                <a:tableStyleId>{0660B408-B3CF-4A94-85FC-2B1E0A45F4A2}</a:tableStyleId>
               </a:tblPr>
               <a:tblGrid>
                 <a:gridCol w="2743200">
@@ -9227,14 +9200,18 @@
                       <a:r>
                         <a:rPr lang="en-US" sz="2400" kern="1200" dirty="0">
                           <a:solidFill>
-                            <a:schemeClr val="tx2"/>
+                            <a:schemeClr val="accent3">
+                              <a:lumMod val="75000"/>
+                            </a:schemeClr>
                           </a:solidFill>
                         </a:rPr>
                         <a:t>One class per file, should do one thing</a:t>
                       </a:r>
                       <a:endParaRPr lang="en-US" sz="2400" kern="1200" dirty="0">
                         <a:solidFill>
-                          <a:schemeClr val="tx2"/>
+                          <a:schemeClr val="accent3">
+                            <a:lumMod val="75000"/>
+                          </a:schemeClr>
                         </a:solidFill>
                         <a:latin typeface="+mn-lt"/>
                         <a:ea typeface="+mn-ea"/>
@@ -9285,14 +9262,18 @@
                       <a:r>
                         <a:rPr lang="en-US" sz="2400" kern="1200" dirty="0">
                           <a:solidFill>
-                            <a:schemeClr val="tx2"/>
+                            <a:schemeClr val="accent3">
+                              <a:lumMod val="75000"/>
+                            </a:schemeClr>
                           </a:solidFill>
                         </a:rPr>
                         <a:t>Avoid premature generalization</a:t>
                       </a:r>
                       <a:endParaRPr lang="en-US" sz="2400" kern="1200" dirty="0">
                         <a:solidFill>
-                          <a:schemeClr val="tx2"/>
+                          <a:schemeClr val="accent3">
+                            <a:lumMod val="75000"/>
+                          </a:schemeClr>
                         </a:solidFill>
                         <a:latin typeface="+mn-lt"/>
                         <a:ea typeface="+mn-ea"/>
@@ -9343,14 +9324,18 @@
                       <a:r>
                         <a:rPr lang="en-US" sz="2400" kern="1200" dirty="0">
                           <a:solidFill>
-                            <a:schemeClr val="tx2"/>
+                            <a:schemeClr val="accent3">
+                              <a:lumMod val="75000"/>
+                            </a:schemeClr>
                           </a:solidFill>
                         </a:rPr>
                         <a:t>Use visibility and interfaces</a:t>
                       </a:r>
                       <a:endParaRPr lang="en-US" sz="2400" kern="1200" dirty="0">
                         <a:solidFill>
-                          <a:schemeClr val="tx2"/>
+                          <a:schemeClr val="accent3">
+                            <a:lumMod val="75000"/>
+                          </a:schemeClr>
                         </a:solidFill>
                         <a:latin typeface="+mn-lt"/>
                         <a:ea typeface="+mn-ea"/>
@@ -9401,14 +9386,23 @@
                       <a:r>
                         <a:rPr lang="en-US" sz="2400" kern="1200" dirty="0">
                           <a:solidFill>
-                            <a:schemeClr val="tx2"/>
+                            <a:schemeClr val="accent3">
+                              <a:lumMod val="75000"/>
+                            </a:schemeClr>
                           </a:solidFill>
-                          <a:latin typeface="+mn-lt"/>
-                          <a:ea typeface="+mn-ea"/>
-                          <a:cs typeface="+mn-cs"/>
                         </a:rPr>
                         <a:t>Classes galore, divide files into folders</a:t>
                       </a:r>
+                      <a:endParaRPr lang="en-US" sz="2400" kern="1200" dirty="0">
+                        <a:solidFill>
+                          <a:schemeClr val="accent3">
+                            <a:lumMod val="75000"/>
+                          </a:schemeClr>
+                        </a:solidFill>
+                        <a:latin typeface="+mn-lt"/>
+                        <a:ea typeface="+mn-ea"/>
+                        <a:cs typeface="+mn-cs"/>
+                      </a:endParaRPr>
                     </a:p>
                   </a:txBody>
                   <a:tcPr anchor="ctr"/>
@@ -9470,14 +9464,18 @@
                       <a:r>
                         <a:rPr lang="en-US" sz="2400" kern="1200" dirty="0">
                           <a:solidFill>
-                            <a:schemeClr val="tx2"/>
+                            <a:schemeClr val="accent3">
+                              <a:lumMod val="75000"/>
+                            </a:schemeClr>
                           </a:solidFill>
                         </a:rPr>
                         <a:t>Don’t use it for code reuse. Composition!</a:t>
                       </a:r>
                       <a:endParaRPr lang="en-US" sz="2400" kern="1200" dirty="0">
                         <a:solidFill>
-                          <a:schemeClr val="tx2"/>
+                          <a:schemeClr val="accent3">
+                            <a:lumMod val="75000"/>
+                          </a:schemeClr>
                         </a:solidFill>
                         <a:latin typeface="+mn-lt"/>
                         <a:ea typeface="+mn-ea"/>
@@ -9521,12 +9519,17 @@
                           <a:solidFill>
                             <a:schemeClr val="tx2"/>
                           </a:solidFill>
-                          <a:latin typeface="+mn-lt"/>
-                          <a:ea typeface="+mn-ea"/>
-                          <a:cs typeface="+mn-cs"/>
                         </a:rPr>
                         <a:t>Refactor, refactor</a:t>
                       </a:r>
+                      <a:endParaRPr lang="en-US" sz="2400" kern="1200" dirty="0">
+                        <a:solidFill>
+                          <a:schemeClr val="tx2"/>
+                        </a:solidFill>
+                        <a:latin typeface="+mn-lt"/>
+                        <a:ea typeface="+mn-ea"/>
+                        <a:cs typeface="+mn-cs"/>
+                      </a:endParaRPr>
                     </a:p>
                   </a:txBody>
                   <a:tcPr anchor="ctr"/>
@@ -9539,14 +9542,23 @@
                       <a:r>
                         <a:rPr lang="en-US" sz="2400" kern="1200" dirty="0">
                           <a:solidFill>
-                            <a:schemeClr val="tx2"/>
+                            <a:schemeClr val="accent3">
+                              <a:lumMod val="75000"/>
+                            </a:schemeClr>
                           </a:solidFill>
-                          <a:latin typeface="+mn-lt"/>
-                          <a:ea typeface="+mn-ea"/>
-                          <a:cs typeface="+mn-cs"/>
                         </a:rPr>
                         <a:t>Get addicted. (You will need tests)</a:t>
                       </a:r>
+                      <a:endParaRPr lang="en-US" sz="2400" kern="1200" dirty="0">
+                        <a:solidFill>
+                          <a:schemeClr val="accent3">
+                            <a:lumMod val="75000"/>
+                          </a:schemeClr>
+                        </a:solidFill>
+                        <a:latin typeface="+mn-lt"/>
+                        <a:ea typeface="+mn-ea"/>
+                        <a:cs typeface="+mn-cs"/>
+                      </a:endParaRPr>
                     </a:p>
                   </a:txBody>
                   <a:tcPr anchor="ctr"/>
@@ -9585,12 +9597,17 @@
                           <a:solidFill>
                             <a:schemeClr val="tx2"/>
                           </a:solidFill>
-                          <a:latin typeface="+mn-lt"/>
-                          <a:ea typeface="+mn-ea"/>
-                          <a:cs typeface="+mn-cs"/>
                         </a:rPr>
                         <a:t>Decoupling</a:t>
                       </a:r>
+                      <a:endParaRPr lang="en-US" sz="2400" kern="1200" dirty="0">
+                        <a:solidFill>
+                          <a:schemeClr val="tx2"/>
+                        </a:solidFill>
+                        <a:latin typeface="+mn-lt"/>
+                        <a:ea typeface="+mn-ea"/>
+                        <a:cs typeface="+mn-cs"/>
+                      </a:endParaRPr>
                     </a:p>
                   </a:txBody>
                   <a:tcPr anchor="ctr"/>
@@ -9603,14 +9620,23 @@
                       <a:r>
                         <a:rPr lang="en-US" sz="2400" kern="1200" dirty="0">
                           <a:solidFill>
-                            <a:schemeClr val="tx2"/>
+                            <a:schemeClr val="accent3">
+                              <a:lumMod val="75000"/>
+                            </a:schemeClr>
                           </a:solidFill>
-                          <a:latin typeface="+mn-lt"/>
-                          <a:ea typeface="+mn-ea"/>
-                          <a:cs typeface="+mn-cs"/>
                         </a:rPr>
                         <a:t>Coming up, with dependency injection!</a:t>
                       </a:r>
+                      <a:endParaRPr lang="en-US" sz="2400" kern="1200" dirty="0">
+                        <a:solidFill>
+                          <a:schemeClr val="accent3">
+                            <a:lumMod val="75000"/>
+                          </a:schemeClr>
+                        </a:solidFill>
+                        <a:latin typeface="+mn-lt"/>
+                        <a:ea typeface="+mn-ea"/>
+                        <a:cs typeface="+mn-cs"/>
+                      </a:endParaRPr>
                     </a:p>
                   </a:txBody>
                   <a:tcPr anchor="ctr"/>
@@ -9643,150 +9669,6 @@
   <p:cSld>
     <p:spTree>
       <p:nvGrpSpPr>
-        <p:cNvPr id="1" name="">
-          <a:extLst>
-            <a:ext uri="{FF2B5EF4-FFF2-40B4-BE49-F238E27FC236}">
-              <a16:creationId xmlns:a16="http://schemas.microsoft.com/office/drawing/2014/main" id="{D94C64F4-50A8-F154-BC51-999AF35E832A}"/>
-            </a:ext>
-          </a:extLst>
-        </p:cNvPr>
-        <p:cNvGrpSpPr/>
-        <p:nvPr/>
-      </p:nvGrpSpPr>
-      <p:grpSpPr>
-        <a:xfrm>
-          <a:off x="0" y="0"/>
-          <a:ext cx="0" cy="0"/>
-          <a:chOff x="0" y="0"/>
-          <a:chExt cx="0" cy="0"/>
-        </a:xfrm>
-      </p:grpSpPr>
-      <p:sp>
-        <p:nvSpPr>
-          <p:cNvPr id="133" name="PlaceHolder 1">
-            <a:extLst>
-              <a:ext uri="{FF2B5EF4-FFF2-40B4-BE49-F238E27FC236}">
-                <a16:creationId xmlns:a16="http://schemas.microsoft.com/office/drawing/2014/main" id="{4CF6E6F4-BAE6-3897-353E-ADA0BE61B8FE}"/>
-              </a:ext>
-            </a:extLst>
-          </p:cNvPr>
-          <p:cNvSpPr>
-            <a:spLocks noGrp="1"/>
-          </p:cNvSpPr>
-          <p:nvPr>
-            <p:ph type="title"/>
-          </p:nvPr>
-        </p:nvSpPr>
-        <p:spPr>
-          <a:xfrm>
-            <a:off x="457200" y="274638"/>
-            <a:ext cx="8229600" cy="1143000"/>
-          </a:xfrm>
-          <a:noFill/>
-          <a:ln w="0">
-            <a:noFill/>
-          </a:ln>
-        </p:spPr>
-        <p:txBody>
-          <a:bodyPr anchor="ctr">
-            <a:noAutofit/>
-          </a:bodyPr>
-          <a:lstStyle/>
-          <a:p>
-            <a:r>
-              <a:rPr lang="en-US" dirty="0"/>
-              <a:t>Causes of Complexity</a:t>
-            </a:r>
-          </a:p>
-        </p:txBody>
-      </p:sp>
-      <p:sp>
-        <p:nvSpPr>
-          <p:cNvPr id="134" name="PlaceHolder 2">
-            <a:extLst>
-              <a:ext uri="{FF2B5EF4-FFF2-40B4-BE49-F238E27FC236}">
-                <a16:creationId xmlns:a16="http://schemas.microsoft.com/office/drawing/2014/main" id="{4A4C96C8-4E62-D113-99A1-A08BDBC2210D}"/>
-              </a:ext>
-            </a:extLst>
-          </p:cNvPr>
-          <p:cNvSpPr>
-            <a:spLocks noGrp="1"/>
-          </p:cNvSpPr>
-          <p:nvPr>
-            <p:ph idx="1"/>
-          </p:nvPr>
-        </p:nvSpPr>
-        <p:spPr>
-          <a:xfrm>
-            <a:off x="457200" y="1600200"/>
-            <a:ext cx="8305800" cy="4525963"/>
-          </a:xfrm>
-          <a:noFill/>
-          <a:ln w="0">
-            <a:noFill/>
-          </a:ln>
-        </p:spPr>
-        <p:txBody>
-          <a:bodyPr anchor="t">
-            <a:normAutofit fontScale="92500"/>
-          </a:bodyPr>
-          <a:lstStyle/>
-          <a:p>
-            <a:r>
-              <a:rPr lang="en-US" dirty="0"/>
-              <a:t>Too many dependencies between components (coupling)</a:t>
-            </a:r>
-          </a:p>
-          <a:p>
-            <a:r>
-              <a:rPr lang="en-US" dirty="0"/>
-              <a:t>Components that have too many responsibilities</a:t>
-            </a:r>
-          </a:p>
-          <a:p>
-            <a:r>
-              <a:rPr lang="en-US" dirty="0"/>
-              <a:t>Components that are large</a:t>
-            </a:r>
-          </a:p>
-          <a:p>
-            <a:r>
-              <a:rPr lang="en-US" dirty="0"/>
-              <a:t>Components with unclear usage contracts</a:t>
-            </a:r>
-          </a:p>
-          <a:p>
-            <a:r>
-              <a:rPr lang="en-US" dirty="0"/>
-              <a:t>Components that expose their implementations</a:t>
-            </a:r>
-          </a:p>
-          <a:p>
-            <a:r>
-              <a:rPr lang="en-US" dirty="0"/>
-              <a:t>Quick and dirty changes that introduce these problems over time</a:t>
-            </a:r>
-          </a:p>
-        </p:txBody>
-      </p:sp>
-    </p:spTree>
-    <p:extLst>
-      <p:ext uri="{BB962C8B-B14F-4D97-AF65-F5344CB8AC3E}">
-        <p14:creationId xmlns:p14="http://schemas.microsoft.com/office/powerpoint/2010/main" val="1460145329"/>
-      </p:ext>
-    </p:extLst>
-  </p:cSld>
-  <p:clrMapOvr>
-    <a:masterClrMapping/>
-  </p:clrMapOvr>
-</p:sld>
-</file>
-
-<file path=ppt/slides/slide5.xml><?xml version="1.0" encoding="utf-8"?>
-<p:sld xmlns:a="http://schemas.openxmlformats.org/drawingml/2006/main" xmlns:r="http://schemas.openxmlformats.org/officeDocument/2006/relationships" xmlns:p="http://schemas.openxmlformats.org/presentationml/2006/main">
-  <p:cSld>
-    <p:spTree>
-      <p:nvGrpSpPr>
         <p:cNvPr id="1" name=""/>
         <p:cNvGrpSpPr/>
         <p:nvPr/>
@@ -9919,7 +9801,7 @@
 </p:sld>
 </file>
 
-<file path=ppt/slides/slide6.xml><?xml version="1.0" encoding="utf-8"?>
+<file path=ppt/slides/slide5.xml><?xml version="1.0" encoding="utf-8"?>
 <p:sld xmlns:a="http://schemas.openxmlformats.org/drawingml/2006/main" xmlns:r="http://schemas.openxmlformats.org/officeDocument/2006/relationships" xmlns:p="http://schemas.openxmlformats.org/presentationml/2006/main">
   <p:cSld>
     <p:spTree>
@@ -10066,7 +9948,7 @@
 </p:sld>
 </file>
 
-<file path=ppt/slides/slide7.xml><?xml version="1.0" encoding="utf-8"?>
+<file path=ppt/slides/slide6.xml><?xml version="1.0" encoding="utf-8"?>
 <p:sld xmlns:a="http://schemas.openxmlformats.org/drawingml/2006/main" xmlns:r="http://schemas.openxmlformats.org/officeDocument/2006/relationships" xmlns:p="http://schemas.openxmlformats.org/presentationml/2006/main">
   <p:cSld>
     <p:spTree>
@@ -10214,7 +10096,7 @@
 </p:sld>
 </file>
 
-<file path=ppt/slides/slide8.xml><?xml version="1.0" encoding="utf-8"?>
+<file path=ppt/slides/slide7.xml><?xml version="1.0" encoding="utf-8"?>
 <p:sld xmlns:a="http://schemas.openxmlformats.org/drawingml/2006/main" xmlns:r="http://schemas.openxmlformats.org/officeDocument/2006/relationships" xmlns:p="http://schemas.openxmlformats.org/presentationml/2006/main">
   <p:cSld>
     <p:spTree>
@@ -10379,6 +10261,177 @@
     <p:extLst>
       <p:ext uri="{BB962C8B-B14F-4D97-AF65-F5344CB8AC3E}">
         <p14:creationId xmlns:p14="http://schemas.microsoft.com/office/powerpoint/2010/main" val="3667945764"/>
+      </p:ext>
+    </p:extLst>
+  </p:cSld>
+  <p:clrMapOvr>
+    <a:masterClrMapping/>
+  </p:clrMapOvr>
+</p:sld>
+</file>
+
+<file path=ppt/slides/slide8.xml><?xml version="1.0" encoding="utf-8"?>
+<p:sld xmlns:a="http://schemas.openxmlformats.org/drawingml/2006/main" xmlns:r="http://schemas.openxmlformats.org/officeDocument/2006/relationships" xmlns:p="http://schemas.openxmlformats.org/presentationml/2006/main">
+  <p:cSld>
+    <p:spTree>
+      <p:nvGrpSpPr>
+        <p:cNvPr id="1" name=""/>
+        <p:cNvGrpSpPr/>
+        <p:nvPr/>
+      </p:nvGrpSpPr>
+      <p:grpSpPr>
+        <a:xfrm>
+          <a:off x="0" y="0"/>
+          <a:ext cx="0" cy="0"/>
+          <a:chOff x="0" y="0"/>
+          <a:chExt cx="0" cy="0"/>
+        </a:xfrm>
+      </p:grpSpPr>
+      <p:sp>
+        <p:nvSpPr>
+          <p:cNvPr id="2" name="Title 1"/>
+          <p:cNvSpPr>
+            <a:spLocks noGrp="1"/>
+          </p:cNvSpPr>
+          <p:nvPr>
+            <p:ph type="title"/>
+          </p:nvPr>
+        </p:nvSpPr>
+        <p:spPr/>
+        <p:txBody>
+          <a:bodyPr/>
+          <a:lstStyle/>
+          <a:p>
+            <a:r>
+              <a:rPr lang="en-US" dirty="0"/>
+              <a:t>The Single Responsibility Principle</a:t>
+            </a:r>
+          </a:p>
+        </p:txBody>
+      </p:sp>
+      <p:sp>
+        <p:nvSpPr>
+          <p:cNvPr id="3" name="Content Placeholder 2"/>
+          <p:cNvSpPr>
+            <a:spLocks noGrp="1"/>
+          </p:cNvSpPr>
+          <p:nvPr>
+            <p:ph idx="1"/>
+          </p:nvPr>
+        </p:nvSpPr>
+        <p:spPr/>
+        <p:txBody>
+          <a:bodyPr>
+            <a:normAutofit/>
+          </a:bodyPr>
+          <a:lstStyle/>
+          <a:p>
+            <a:r>
+              <a:rPr lang="en-US" dirty="0">
+                <a:solidFill>
+                  <a:schemeClr val="tx2"/>
+                </a:solidFill>
+              </a:rPr>
+              <a:t>Classes and methods should have only one responsibility.</a:t>
+            </a:r>
+          </a:p>
+          <a:p>
+            <a:r>
+              <a:rPr lang="en-US" dirty="0">
+                <a:solidFill>
+                  <a:schemeClr val="tx2"/>
+                </a:solidFill>
+              </a:rPr>
+              <a:t>Horizontally:</a:t>
+            </a:r>
+          </a:p>
+          <a:p>
+            <a:pPr lvl="1"/>
+            <a:r>
+              <a:rPr lang="en-US" dirty="0">
+                <a:solidFill>
+                  <a:schemeClr val="tx2"/>
+                </a:solidFill>
+              </a:rPr>
+              <a:t>Implement one feature</a:t>
+            </a:r>
+          </a:p>
+          <a:p>
+            <a:r>
+              <a:rPr lang="en-US" dirty="0">
+                <a:solidFill>
+                  <a:schemeClr val="tx2"/>
+                </a:solidFill>
+              </a:rPr>
+              <a:t>Vertically:</a:t>
+            </a:r>
+          </a:p>
+          <a:p>
+            <a:pPr lvl="1"/>
+            <a:r>
+              <a:rPr lang="en-US" dirty="0">
+                <a:solidFill>
+                  <a:schemeClr val="tx2"/>
+                </a:solidFill>
+              </a:rPr>
+              <a:t>One level of abstraction</a:t>
+            </a:r>
+          </a:p>
+          <a:p>
+            <a:r>
+              <a:rPr lang="en-US" dirty="0">
+                <a:solidFill>
+                  <a:schemeClr val="tx2"/>
+                </a:solidFill>
+              </a:rPr>
+              <a:t>Try to state the responsibility without using the word “and”.</a:t>
+            </a:r>
+          </a:p>
+          <a:p>
+            <a:pPr lvl="1"/>
+            <a:endParaRPr lang="en-US" dirty="0"/>
+          </a:p>
+        </p:txBody>
+      </p:sp>
+      <p:sp>
+        <p:nvSpPr>
+          <p:cNvPr id="4" name="Rectangle 15"/>
+          <p:cNvSpPr>
+            <a:spLocks noGrp="1" noChangeArrowheads="1"/>
+          </p:cNvSpPr>
+          <p:nvPr>
+            <p:ph type="ftr" sz="quarter" idx="4294967295"/>
+          </p:nvPr>
+        </p:nvSpPr>
+        <p:spPr>
+          <a:xfrm>
+            <a:off x="2743200" y="6243638"/>
+            <a:ext cx="4572000" cy="457200"/>
+          </a:xfrm>
+        </p:spPr>
+        <p:txBody>
+          <a:bodyPr/>
+          <a:lstStyle>
+            <a:lvl1pPr>
+              <a:defRPr>
+                <a:solidFill>
+                  <a:schemeClr val="bg2"/>
+                </a:solidFill>
+              </a:defRPr>
+            </a:lvl1pPr>
+          </a:lstStyle>
+          <a:p>
+            <a:r>
+              <a:rPr lang="en-US" dirty="0"/>
+              <a:t>All rights reserved</a:t>
+            </a:r>
+          </a:p>
+        </p:txBody>
+      </p:sp>
+    </p:spTree>
+    <p:extLst>
+      <p:ext uri="{BB962C8B-B14F-4D97-AF65-F5344CB8AC3E}">
+        <p14:creationId xmlns:p14="http://schemas.microsoft.com/office/powerpoint/2010/main" val="1945867810"/>
       </p:ext>
     </p:extLst>
   </p:cSld>
@@ -10407,149 +10460,223 @@
       </p:grpSpPr>
       <p:sp>
         <p:nvSpPr>
-          <p:cNvPr id="2" name="Title 1"/>
-          <p:cNvSpPr>
-            <a:spLocks noGrp="1"/>
-          </p:cNvSpPr>
-          <p:nvPr>
-            <p:ph type="title"/>
-          </p:nvPr>
-        </p:nvSpPr>
-        <p:spPr/>
-        <p:txBody>
-          <a:bodyPr/>
-          <a:lstStyle/>
-          <a:p>
-            <a:r>
-              <a:rPr lang="en-US" dirty="0"/>
-              <a:t>The Single Responsibility Principle</a:t>
-            </a:r>
-          </a:p>
-        </p:txBody>
-      </p:sp>
-      <p:sp>
-        <p:nvSpPr>
-          <p:cNvPr id="3" name="Content Placeholder 2"/>
-          <p:cNvSpPr>
-            <a:spLocks noGrp="1"/>
-          </p:cNvSpPr>
-          <p:nvPr>
-            <p:ph idx="1"/>
-          </p:nvPr>
-        </p:nvSpPr>
-        <p:spPr/>
+          <p:cNvPr id="5" name="Content Placeholder 2">
+            <a:extLst>
+              <a:ext uri="{FF2B5EF4-FFF2-40B4-BE49-F238E27FC236}">
+                <a16:creationId xmlns:a16="http://schemas.microsoft.com/office/drawing/2014/main" id="{106A7195-A5E3-B0E7-DDD9-6A3DED938EB3}"/>
+              </a:ext>
+            </a:extLst>
+          </p:cNvPr>
+          <p:cNvSpPr txBox="1">
+            <a:spLocks/>
+          </p:cNvSpPr>
+          <p:nvPr/>
+        </p:nvSpPr>
+        <p:spPr>
+          <a:xfrm>
+            <a:off x="304800" y="256703"/>
+            <a:ext cx="3200400" cy="6534913"/>
+          </a:xfrm>
+          <a:prstGeom prst="rect">
+            <a:avLst/>
+          </a:prstGeom>
+        </p:spPr>
         <p:txBody>
           <a:bodyPr>
             <a:normAutofit/>
           </a:bodyPr>
-          <a:lstStyle/>
-          <a:p>
-            <a:r>
-              <a:rPr lang="en-US" dirty="0">
-                <a:solidFill>
-                  <a:schemeClr val="tx2"/>
-                </a:solidFill>
-              </a:rPr>
-              <a:t>Classes and methods should have only one responsibility.</a:t>
-            </a:r>
-          </a:p>
-          <a:p>
-            <a:r>
-              <a:rPr lang="en-US" dirty="0">
-                <a:solidFill>
-                  <a:schemeClr val="tx2"/>
-                </a:solidFill>
-              </a:rPr>
-              <a:t>Horizontally:</a:t>
-            </a:r>
-          </a:p>
-          <a:p>
-            <a:pPr lvl="1"/>
-            <a:r>
-              <a:rPr lang="en-US" dirty="0">
-                <a:solidFill>
-                  <a:schemeClr val="tx2"/>
-                </a:solidFill>
-              </a:rPr>
-              <a:t>Implement one feature</a:t>
-            </a:r>
-          </a:p>
-          <a:p>
-            <a:r>
-              <a:rPr lang="en-US" dirty="0">
-                <a:solidFill>
-                  <a:schemeClr val="tx2"/>
-                </a:solidFill>
-              </a:rPr>
-              <a:t>Vertically:</a:t>
-            </a:r>
-          </a:p>
-          <a:p>
-            <a:pPr lvl="1"/>
-            <a:r>
-              <a:rPr lang="en-US" dirty="0">
-                <a:solidFill>
-                  <a:schemeClr val="tx2"/>
-                </a:solidFill>
-              </a:rPr>
-              <a:t>One level of abstraction</a:t>
-            </a:r>
-          </a:p>
-          <a:p>
-            <a:r>
-              <a:rPr lang="en-US" dirty="0">
-                <a:solidFill>
-                  <a:schemeClr val="tx2"/>
-                </a:solidFill>
-              </a:rPr>
-              <a:t>Try to state the responsibility without using the word “and”.</a:t>
-            </a:r>
-          </a:p>
-          <a:p>
-            <a:pPr lvl="1"/>
-            <a:endParaRPr lang="en-US" dirty="0"/>
-          </a:p>
-        </p:txBody>
-      </p:sp>
-      <p:sp>
-        <p:nvSpPr>
-          <p:cNvPr id="4" name="Rectangle 15"/>
-          <p:cNvSpPr>
-            <a:spLocks noGrp="1" noChangeArrowheads="1"/>
-          </p:cNvSpPr>
-          <p:nvPr>
-            <p:ph type="ftr" sz="quarter" idx="4294967295"/>
-          </p:nvPr>
-        </p:nvSpPr>
+          <a:lstStyle>
+            <a:lvl1pPr marL="342900" indent="-342900" algn="l" defTabSz="914400" rtl="0" eaLnBrk="1" latinLnBrk="0" hangingPunct="1">
+              <a:spcBef>
+                <a:spcPct val="20000"/>
+              </a:spcBef>
+              <a:buFont typeface="Arial" panose="020B0604020202020204" pitchFamily="34" charset="0"/>
+              <a:buChar char="•"/>
+              <a:defRPr sz="3200" kern="1200">
+                <a:solidFill>
+                  <a:schemeClr val="tx1"/>
+                </a:solidFill>
+                <a:latin typeface="+mn-lt"/>
+                <a:ea typeface="+mn-ea"/>
+                <a:cs typeface="+mn-cs"/>
+              </a:defRPr>
+            </a:lvl1pPr>
+            <a:lvl2pPr marL="742950" indent="-285750" algn="l" defTabSz="914400" rtl="0" eaLnBrk="1" latinLnBrk="0" hangingPunct="1">
+              <a:spcBef>
+                <a:spcPct val="20000"/>
+              </a:spcBef>
+              <a:buFont typeface="Arial" panose="020B0604020202020204" pitchFamily="34" charset="0"/>
+              <a:buChar char="–"/>
+              <a:defRPr sz="2800" kern="1200">
+                <a:solidFill>
+                  <a:schemeClr val="tx1"/>
+                </a:solidFill>
+                <a:latin typeface="+mn-lt"/>
+                <a:ea typeface="+mn-ea"/>
+                <a:cs typeface="+mn-cs"/>
+              </a:defRPr>
+            </a:lvl2pPr>
+            <a:lvl3pPr marL="1143000" indent="-228600" algn="l" defTabSz="914400" rtl="0" eaLnBrk="1" latinLnBrk="0" hangingPunct="1">
+              <a:spcBef>
+                <a:spcPct val="20000"/>
+              </a:spcBef>
+              <a:buFont typeface="Arial" panose="020B0604020202020204" pitchFamily="34" charset="0"/>
+              <a:buChar char="•"/>
+              <a:defRPr sz="2400" kern="1200">
+                <a:solidFill>
+                  <a:schemeClr val="tx1"/>
+                </a:solidFill>
+                <a:latin typeface="+mn-lt"/>
+                <a:ea typeface="+mn-ea"/>
+                <a:cs typeface="+mn-cs"/>
+              </a:defRPr>
+            </a:lvl3pPr>
+            <a:lvl4pPr marL="1600200" indent="-228600" algn="l" defTabSz="914400" rtl="0" eaLnBrk="1" latinLnBrk="0" hangingPunct="1">
+              <a:spcBef>
+                <a:spcPct val="20000"/>
+              </a:spcBef>
+              <a:buFont typeface="Arial" panose="020B0604020202020204" pitchFamily="34" charset="0"/>
+              <a:buChar char="–"/>
+              <a:defRPr sz="2000" kern="1200">
+                <a:solidFill>
+                  <a:schemeClr val="tx1"/>
+                </a:solidFill>
+                <a:latin typeface="+mn-lt"/>
+                <a:ea typeface="+mn-ea"/>
+                <a:cs typeface="+mn-cs"/>
+              </a:defRPr>
+            </a:lvl4pPr>
+            <a:lvl5pPr marL="2057400" indent="-228600" algn="l" defTabSz="914400" rtl="0" eaLnBrk="1" latinLnBrk="0" hangingPunct="1">
+              <a:spcBef>
+                <a:spcPct val="20000"/>
+              </a:spcBef>
+              <a:buFont typeface="Arial" panose="020B0604020202020204" pitchFamily="34" charset="0"/>
+              <a:buChar char="»"/>
+              <a:defRPr sz="2000" kern="1200">
+                <a:solidFill>
+                  <a:schemeClr val="tx1"/>
+                </a:solidFill>
+                <a:latin typeface="+mn-lt"/>
+                <a:ea typeface="+mn-ea"/>
+                <a:cs typeface="+mn-cs"/>
+              </a:defRPr>
+            </a:lvl5pPr>
+            <a:lvl6pPr marL="2514600" indent="-228600" algn="l" defTabSz="914400" rtl="0" eaLnBrk="1" latinLnBrk="0" hangingPunct="1">
+              <a:spcBef>
+                <a:spcPct val="20000"/>
+              </a:spcBef>
+              <a:buFont typeface="Arial" panose="020B0604020202020204" pitchFamily="34" charset="0"/>
+              <a:buChar char="•"/>
+              <a:defRPr sz="2000" kern="1200">
+                <a:solidFill>
+                  <a:schemeClr val="tx1"/>
+                </a:solidFill>
+                <a:latin typeface="+mn-lt"/>
+                <a:ea typeface="+mn-ea"/>
+                <a:cs typeface="+mn-cs"/>
+              </a:defRPr>
+            </a:lvl6pPr>
+            <a:lvl7pPr marL="2971800" indent="-228600" algn="l" defTabSz="914400" rtl="0" eaLnBrk="1" latinLnBrk="0" hangingPunct="1">
+              <a:spcBef>
+                <a:spcPct val="20000"/>
+              </a:spcBef>
+              <a:buFont typeface="Arial" panose="020B0604020202020204" pitchFamily="34" charset="0"/>
+              <a:buChar char="•"/>
+              <a:defRPr sz="2000" kern="1200">
+                <a:solidFill>
+                  <a:schemeClr val="tx1"/>
+                </a:solidFill>
+                <a:latin typeface="+mn-lt"/>
+                <a:ea typeface="+mn-ea"/>
+                <a:cs typeface="+mn-cs"/>
+              </a:defRPr>
+            </a:lvl7pPr>
+            <a:lvl8pPr marL="3429000" indent="-228600" algn="l" defTabSz="914400" rtl="0" eaLnBrk="1" latinLnBrk="0" hangingPunct="1">
+              <a:spcBef>
+                <a:spcPct val="20000"/>
+              </a:spcBef>
+              <a:buFont typeface="Arial" panose="020B0604020202020204" pitchFamily="34" charset="0"/>
+              <a:buChar char="•"/>
+              <a:defRPr sz="2000" kern="1200">
+                <a:solidFill>
+                  <a:schemeClr val="tx1"/>
+                </a:solidFill>
+                <a:latin typeface="+mn-lt"/>
+                <a:ea typeface="+mn-ea"/>
+                <a:cs typeface="+mn-cs"/>
+              </a:defRPr>
+            </a:lvl8pPr>
+            <a:lvl9pPr marL="3886200" indent="-228600" algn="l" defTabSz="914400" rtl="0" eaLnBrk="1" latinLnBrk="0" hangingPunct="1">
+              <a:spcBef>
+                <a:spcPct val="20000"/>
+              </a:spcBef>
+              <a:buFont typeface="Arial" panose="020B0604020202020204" pitchFamily="34" charset="0"/>
+              <a:buChar char="•"/>
+              <a:defRPr sz="2000" kern="1200">
+                <a:solidFill>
+                  <a:schemeClr val="tx1"/>
+                </a:solidFill>
+                <a:latin typeface="+mn-lt"/>
+                <a:ea typeface="+mn-ea"/>
+                <a:cs typeface="+mn-cs"/>
+              </a:defRPr>
+            </a:lvl9pPr>
+          </a:lstStyle>
+          <a:p>
+            <a:pPr marL="400050"/>
+            <a:r>
+              <a:rPr lang="en-US" sz="2800" dirty="0"/>
+              <a:t>Too long</a:t>
+            </a:r>
+          </a:p>
+          <a:p>
+            <a:pPr marL="400050"/>
+            <a:r>
+              <a:rPr lang="en-US" sz="2800" dirty="0"/>
+              <a:t>Too much detail</a:t>
+            </a:r>
+          </a:p>
+        </p:txBody>
+      </p:sp>
+      <p:pic>
+        <p:nvPicPr>
+          <p:cNvPr id="7" name="Picture 6">
+            <a:extLst>
+              <a:ext uri="{FF2B5EF4-FFF2-40B4-BE49-F238E27FC236}">
+                <a16:creationId xmlns:a16="http://schemas.microsoft.com/office/drawing/2014/main" id="{3CDEA7EA-E236-8E86-B582-20804E613D34}"/>
+              </a:ext>
+            </a:extLst>
+          </p:cNvPr>
+          <p:cNvPicPr>
+            <a:picLocks noChangeAspect="1"/>
+          </p:cNvPicPr>
+          <p:nvPr/>
+        </p:nvPicPr>
+        <p:blipFill>
+          <a:blip r:embed="rId2"/>
+          <a:stretch>
+            <a:fillRect/>
+          </a:stretch>
+        </p:blipFill>
         <p:spPr>
           <a:xfrm>
-            <a:off x="2743200" y="6243638"/>
-            <a:ext cx="4572000" cy="457200"/>
+            <a:off x="3581400" y="228600"/>
+            <a:ext cx="5105400" cy="6534913"/>
           </a:xfrm>
+          <a:prstGeom prst="rect">
+            <a:avLst/>
+          </a:prstGeom>
+          <a:ln w="6350">
+            <a:solidFill>
+              <a:schemeClr val="accent1"/>
+            </a:solidFill>
+          </a:ln>
         </p:spPr>
-        <p:txBody>
-          <a:bodyPr/>
-          <a:lstStyle>
-            <a:lvl1pPr>
-              <a:defRPr>
-                <a:solidFill>
-                  <a:schemeClr val="bg2"/>
-                </a:solidFill>
-              </a:defRPr>
-            </a:lvl1pPr>
-          </a:lstStyle>
-          <a:p>
-            <a:r>
-              <a:rPr lang="en-US" dirty="0"/>
-              <a:t>All rights reserved</a:t>
-            </a:r>
-          </a:p>
-        </p:txBody>
-      </p:sp>
+      </p:pic>
     </p:spTree>
     <p:extLst>
       <p:ext uri="{BB962C8B-B14F-4D97-AF65-F5344CB8AC3E}">
-        <p14:creationId xmlns:p14="http://schemas.microsoft.com/office/powerpoint/2010/main" val="1945867810"/>
+        <p14:creationId xmlns:p14="http://schemas.microsoft.com/office/powerpoint/2010/main" val="534982662"/>
       </p:ext>
     </p:extLst>
   </p:cSld>
